--- a/source/lessons/lsn7/Lsn7.pptx
+++ b/source/lessons/lsn7/Lsn7.pptx
@@ -6,17 +6,18 @@
     <p:sldMasterId id="2147483775" r:id="rId5"/>
   </p:sldMasterIdLst>
   <p:notesMasterIdLst>
-    <p:notesMasterId r:id="rId11"/>
+    <p:notesMasterId r:id="rId12"/>
   </p:notesMasterIdLst>
   <p:handoutMasterIdLst>
-    <p:handoutMasterId r:id="rId12"/>
+    <p:handoutMasterId r:id="rId13"/>
   </p:handoutMasterIdLst>
   <p:sldIdLst>
     <p:sldId id="286" r:id="rId6"/>
     <p:sldId id="287" r:id="rId7"/>
     <p:sldId id="290" r:id="rId8"/>
-    <p:sldId id="288" r:id="rId9"/>
-    <p:sldId id="289" r:id="rId10"/>
+    <p:sldId id="291" r:id="rId9"/>
+    <p:sldId id="288" r:id="rId10"/>
+    <p:sldId id="289" r:id="rId11"/>
   </p:sldIdLst>
   <p:sldSz cx="9144000" cy="6858000" type="screen4x3"/>
   <p:notesSz cx="7010400" cy="9296400"/>
@@ -4206,6 +4207,79 @@
           <a:bodyPr/>
           <a:lstStyle/>
           <a:p>
+            <a:endParaRPr lang="en-US"/>
+          </a:p>
+        </p:txBody>
+      </p:sp>
+      <p:sp>
+        <p:nvSpPr>
+          <p:cNvPr id="3" name="Title 2"/>
+          <p:cNvSpPr>
+            <a:spLocks noGrp="1"/>
+          </p:cNvSpPr>
+          <p:nvPr>
+            <p:ph type="title"/>
+          </p:nvPr>
+        </p:nvSpPr>
+        <p:spPr/>
+        <p:txBody>
+          <a:bodyPr/>
+          <a:lstStyle/>
+          <a:p>
+            <a:r>
+              <a:rPr lang="en-US" dirty="0" smtClean="0"/>
+              <a:t>Watchdog Timer</a:t>
+            </a:r>
+            <a:endParaRPr lang="en-US" dirty="0"/>
+          </a:p>
+        </p:txBody>
+      </p:sp>
+    </p:spTree>
+    <p:extLst>
+      <p:ext uri="{BB962C8B-B14F-4D97-AF65-F5344CB8AC3E}">
+        <p14:creationId xmlns:p14="http://schemas.microsoft.com/office/powerpoint/2010/main" val="2820997504"/>
+      </p:ext>
+    </p:extLst>
+  </p:cSld>
+  <p:clrMapOvr>
+    <a:masterClrMapping/>
+  </p:clrMapOvr>
+  <p:transition spd="med"/>
+</p:sld>
+</file>
+
+<file path=ppt/slides/slide5.xml><?xml version="1.0" encoding="utf-8"?>
+<p:sld xmlns:a="http://schemas.openxmlformats.org/drawingml/2006/main" xmlns:r="http://schemas.openxmlformats.org/officeDocument/2006/relationships" xmlns:p="http://schemas.openxmlformats.org/presentationml/2006/main">
+  <p:cSld>
+    <p:spTree>
+      <p:nvGrpSpPr>
+        <p:cNvPr id="1" name=""/>
+        <p:cNvGrpSpPr/>
+        <p:nvPr/>
+      </p:nvGrpSpPr>
+      <p:grpSpPr>
+        <a:xfrm>
+          <a:off x="0" y="0"/>
+          <a:ext cx="0" cy="0"/>
+          <a:chOff x="0" y="0"/>
+          <a:chExt cx="0" cy="0"/>
+        </a:xfrm>
+      </p:grpSpPr>
+      <p:sp>
+        <p:nvSpPr>
+          <p:cNvPr id="2" name="Subtitle 1"/>
+          <p:cNvSpPr>
+            <a:spLocks noGrp="1"/>
+          </p:cNvSpPr>
+          <p:nvPr>
+            <p:ph type="subTitle" idx="1"/>
+          </p:nvPr>
+        </p:nvSpPr>
+        <p:spPr/>
+        <p:txBody>
+          <a:bodyPr/>
+          <a:lstStyle/>
+          <a:p>
             <a:r>
               <a:rPr lang="en-US" dirty="0" smtClean="0"/>
               <a:t>We have CCS 8 installed which will allow us to build either ASM or C program and install them onto the MSP430</a:t>
@@ -4275,7 +4349,7 @@
 </p:sld>
 </file>
 
-<file path=ppt/slides/slide5.xml><?xml version="1.0" encoding="utf-8"?>
+<file path=ppt/slides/slide6.xml><?xml version="1.0" encoding="utf-8"?>
 <p:sld xmlns:a="http://schemas.openxmlformats.org/drawingml/2006/main" xmlns:r="http://schemas.openxmlformats.org/officeDocument/2006/relationships" xmlns:p="http://schemas.openxmlformats.org/presentationml/2006/main">
   <p:cSld>
     <p:spTree>
@@ -6339,6 +6413,24 @@
 </file>
 
 <file path=customXml/item1.xml><?xml version="1.0" encoding="utf-8"?>
+<?mso-contentType ?>
+<FormTemplates xmlns="http://schemas.microsoft.com/sharepoint/v3/contenttype/forms">
+  <Display>DocumentLibraryForm</Display>
+  <Edit>DocumentLibraryForm</Edit>
+  <New>DocumentLibraryForm</New>
+</FormTemplates>
+</file>
+
+<file path=customXml/item2.xml><?xml version="1.0" encoding="utf-8"?>
+<p:properties xmlns:p="http://schemas.microsoft.com/office/2006/metadata/properties" xmlns:xsi="http://www.w3.org/2001/XMLSchema-instance" xmlns:pc="http://schemas.microsoft.com/office/infopath/2007/PartnerControls">
+  <documentManagement>
+    <PublishingExpirationDate xmlns="http://schemas.microsoft.com/sharepoint/v3" xsi:nil="true"/>
+    <PublishingStartDate xmlns="http://schemas.microsoft.com/sharepoint/v3" xsi:nil="true"/>
+  </documentManagement>
+</p:properties>
+</file>
+
+<file path=customXml/item3.xml><?xml version="1.0" encoding="utf-8"?>
 <ct:contentTypeSchema xmlns:ct="http://schemas.microsoft.com/office/2006/metadata/contentType" xmlns:ma="http://schemas.microsoft.com/office/2006/metadata/properties/metaAttributes" ct:_="" ma:_="" ma:contentTypeName="Document" ma:contentTypeID="0x01010026B44337BE5C7D4193621DF98D151EB6" ma:contentTypeVersion="1" ma:contentTypeDescription="Create a new document." ma:contentTypeScope="" ma:versionID="97e7a7c9ce595270c3eaeb148770bcf7">
   <xsd:schema xmlns:xsd="http://www.w3.org/2001/XMLSchema" xmlns:xs="http://www.w3.org/2001/XMLSchema" xmlns:p="http://schemas.microsoft.com/office/2006/metadata/properties" xmlns:ns1="http://schemas.microsoft.com/sharepoint/v3" targetNamespace="http://schemas.microsoft.com/office/2006/metadata/properties" ma:root="true" ma:fieldsID="4dcce58c87e9fcebab8021569449a8d0" ns1:_="">
     <xsd:import namespace="http://schemas.microsoft.com/sharepoint/v3"/>
@@ -6470,38 +6562,10 @@
 </ct:contentTypeSchema>
 </file>
 
-<file path=customXml/item2.xml><?xml version="1.0" encoding="utf-8"?>
-<p:properties xmlns:p="http://schemas.microsoft.com/office/2006/metadata/properties" xmlns:xsi="http://www.w3.org/2001/XMLSchema-instance" xmlns:pc="http://schemas.microsoft.com/office/infopath/2007/PartnerControls">
-  <documentManagement>
-    <PublishingExpirationDate xmlns="http://schemas.microsoft.com/sharepoint/v3" xsi:nil="true"/>
-    <PublishingStartDate xmlns="http://schemas.microsoft.com/sharepoint/v3" xsi:nil="true"/>
-  </documentManagement>
-</p:properties>
-</file>
-
-<file path=customXml/item3.xml><?xml version="1.0" encoding="utf-8"?>
-<?mso-contentType ?>
-<FormTemplates xmlns="http://schemas.microsoft.com/sharepoint/v3/contenttype/forms">
-  <Display>DocumentLibraryForm</Display>
-  <Edit>DocumentLibraryForm</Edit>
-  <New>DocumentLibraryForm</New>
-</FormTemplates>
-</file>
-
 <file path=customXml/itemProps1.xml><?xml version="1.0" encoding="utf-8"?>
-<ds:datastoreItem xmlns:ds="http://schemas.openxmlformats.org/officeDocument/2006/customXml" ds:itemID="{9BDBC61A-8F22-4749-B0E2-3185185CFF04}">
+<ds:datastoreItem xmlns:ds="http://schemas.openxmlformats.org/officeDocument/2006/customXml" ds:itemID="{7898C6F1-02C7-4807-8DB1-44412B5FAC7D}">
   <ds:schemaRefs>
-    <ds:schemaRef ds:uri="http://schemas.microsoft.com/office/2006/metadata/contentType"/>
-    <ds:schemaRef ds:uri="http://schemas.microsoft.com/office/2006/metadata/properties/metaAttributes"/>
-    <ds:schemaRef ds:uri="http://www.w3.org/2001/XMLSchema"/>
-    <ds:schemaRef ds:uri="http://schemas.microsoft.com/office/2006/metadata/properties"/>
-    <ds:schemaRef ds:uri="http://schemas.microsoft.com/sharepoint/v3"/>
-    <ds:schemaRef ds:uri="http://schemas.microsoft.com/office/2006/documentManagement/types"/>
-    <ds:schemaRef ds:uri="http://schemas.microsoft.com/office/infopath/2007/PartnerControls"/>
-    <ds:schemaRef ds:uri="http://schemas.openxmlformats.org/package/2006/metadata/core-properties"/>
-    <ds:schemaRef ds:uri="http://purl.org/dc/elements/1.1/"/>
-    <ds:schemaRef ds:uri="http://purl.org/dc/terms/"/>
-    <ds:schemaRef ds:uri="http://schemas.microsoft.com/internal/obd"/>
+    <ds:schemaRef ds:uri="http://schemas.microsoft.com/sharepoint/v3/contenttype/forms"/>
   </ds:schemaRefs>
 </ds:datastoreItem>
 </file>
@@ -6523,9 +6587,19 @@
 </file>
 
 <file path=customXml/itemProps3.xml><?xml version="1.0" encoding="utf-8"?>
-<ds:datastoreItem xmlns:ds="http://schemas.openxmlformats.org/officeDocument/2006/customXml" ds:itemID="{7898C6F1-02C7-4807-8DB1-44412B5FAC7D}">
+<ds:datastoreItem xmlns:ds="http://schemas.openxmlformats.org/officeDocument/2006/customXml" ds:itemID="{9BDBC61A-8F22-4749-B0E2-3185185CFF04}">
   <ds:schemaRefs>
-    <ds:schemaRef ds:uri="http://schemas.microsoft.com/sharepoint/v3/contenttype/forms"/>
+    <ds:schemaRef ds:uri="http://schemas.microsoft.com/office/2006/metadata/contentType"/>
+    <ds:schemaRef ds:uri="http://schemas.microsoft.com/office/2006/metadata/properties/metaAttributes"/>
+    <ds:schemaRef ds:uri="http://www.w3.org/2001/XMLSchema"/>
+    <ds:schemaRef ds:uri="http://schemas.microsoft.com/office/2006/metadata/properties"/>
+    <ds:schemaRef ds:uri="http://schemas.microsoft.com/sharepoint/v3"/>
+    <ds:schemaRef ds:uri="http://schemas.microsoft.com/office/2006/documentManagement/types"/>
+    <ds:schemaRef ds:uri="http://schemas.microsoft.com/office/infopath/2007/PartnerControls"/>
+    <ds:schemaRef ds:uri="http://schemas.openxmlformats.org/package/2006/metadata/core-properties"/>
+    <ds:schemaRef ds:uri="http://purl.org/dc/elements/1.1/"/>
+    <ds:schemaRef ds:uri="http://purl.org/dc/terms/"/>
+    <ds:schemaRef ds:uri="http://schemas.microsoft.com/internal/obd"/>
   </ds:schemaRefs>
 </ds:datastoreItem>
 </file>
--- a/source/lessons/lsn7/Lsn7.pptx
+++ b/source/lessons/lsn7/Lsn7.pptx
@@ -6,18 +6,25 @@
     <p:sldMasterId id="2147483775" r:id="rId5"/>
   </p:sldMasterIdLst>
   <p:notesMasterIdLst>
-    <p:notesMasterId r:id="rId12"/>
+    <p:notesMasterId r:id="rId19"/>
   </p:notesMasterIdLst>
   <p:handoutMasterIdLst>
-    <p:handoutMasterId r:id="rId13"/>
+    <p:handoutMasterId r:id="rId20"/>
   </p:handoutMasterIdLst>
   <p:sldIdLst>
     <p:sldId id="286" r:id="rId6"/>
     <p:sldId id="287" r:id="rId7"/>
-    <p:sldId id="290" r:id="rId8"/>
-    <p:sldId id="291" r:id="rId9"/>
-    <p:sldId id="288" r:id="rId10"/>
-    <p:sldId id="289" r:id="rId11"/>
+    <p:sldId id="292" r:id="rId8"/>
+    <p:sldId id="293" r:id="rId9"/>
+    <p:sldId id="294" r:id="rId10"/>
+    <p:sldId id="295" r:id="rId11"/>
+    <p:sldId id="296" r:id="rId12"/>
+    <p:sldId id="297" r:id="rId13"/>
+    <p:sldId id="288" r:id="rId14"/>
+    <p:sldId id="289" r:id="rId15"/>
+    <p:sldId id="298" r:id="rId16"/>
+    <p:sldId id="301" r:id="rId17"/>
+    <p:sldId id="300" r:id="rId18"/>
   </p:sldIdLst>
   <p:sldSz cx="9144000" cy="6858000" type="screen4x3"/>
   <p:notesSz cx="7010400" cy="9296400"/>
@@ -1285,6 +1292,111 @@
 </file>
 
 <file path=ppt/slideLayouts/slideLayout2.xml><?xml version="1.0" encoding="utf-8"?>
+<p:sldLayout xmlns:a="http://schemas.openxmlformats.org/drawingml/2006/main" xmlns:r="http://schemas.openxmlformats.org/officeDocument/2006/relationships" xmlns:p="http://schemas.openxmlformats.org/presentationml/2006/main" type="obj">
+  <p:cSld name="Title and Content">
+    <p:spTree>
+      <p:nvGrpSpPr>
+        <p:cNvPr id="1" name=""/>
+        <p:cNvGrpSpPr/>
+        <p:nvPr/>
+      </p:nvGrpSpPr>
+      <p:grpSpPr>
+        <a:xfrm>
+          <a:off x="0" y="0"/>
+          <a:ext cx="0" cy="0"/>
+          <a:chOff x="0" y="0"/>
+          <a:chExt cx="0" cy="0"/>
+        </a:xfrm>
+      </p:grpSpPr>
+      <p:sp>
+        <p:nvSpPr>
+          <p:cNvPr id="2" name="Title 1"/>
+          <p:cNvSpPr>
+            <a:spLocks noGrp="1"/>
+          </p:cNvSpPr>
+          <p:nvPr>
+            <p:ph type="title"/>
+          </p:nvPr>
+        </p:nvSpPr>
+        <p:spPr/>
+        <p:txBody>
+          <a:bodyPr/>
+          <a:lstStyle/>
+          <a:p>
+            <a:r>
+              <a:rPr lang="en-US" smtClean="0"/>
+              <a:t>Click to edit Master title style</a:t>
+            </a:r>
+            <a:endParaRPr lang="en-US"/>
+          </a:p>
+        </p:txBody>
+      </p:sp>
+      <p:sp>
+        <p:nvSpPr>
+          <p:cNvPr id="3" name="Content Placeholder 2"/>
+          <p:cNvSpPr>
+            <a:spLocks noGrp="1"/>
+          </p:cNvSpPr>
+          <p:nvPr>
+            <p:ph idx="1"/>
+          </p:nvPr>
+        </p:nvSpPr>
+        <p:spPr/>
+        <p:txBody>
+          <a:bodyPr/>
+          <a:lstStyle/>
+          <a:p>
+            <a:pPr lvl="0"/>
+            <a:r>
+              <a:rPr lang="en-US" smtClean="0"/>
+              <a:t>Click to edit Master text styles</a:t>
+            </a:r>
+          </a:p>
+          <a:p>
+            <a:pPr lvl="1"/>
+            <a:r>
+              <a:rPr lang="en-US" smtClean="0"/>
+              <a:t>Second level</a:t>
+            </a:r>
+          </a:p>
+          <a:p>
+            <a:pPr lvl="2"/>
+            <a:r>
+              <a:rPr lang="en-US" smtClean="0"/>
+              <a:t>Third level</a:t>
+            </a:r>
+          </a:p>
+          <a:p>
+            <a:pPr lvl="3"/>
+            <a:r>
+              <a:rPr lang="en-US" smtClean="0"/>
+              <a:t>Fourth level</a:t>
+            </a:r>
+          </a:p>
+          <a:p>
+            <a:pPr lvl="4"/>
+            <a:r>
+              <a:rPr lang="en-US" smtClean="0"/>
+              <a:t>Fifth level</a:t>
+            </a:r>
+            <a:endParaRPr lang="en-US"/>
+          </a:p>
+        </p:txBody>
+      </p:sp>
+    </p:spTree>
+    <p:extLst>
+      <p:ext uri="{BB962C8B-B14F-4D97-AF65-F5344CB8AC3E}">
+        <p14:creationId xmlns:p14="http://schemas.microsoft.com/office/powerpoint/2010/main" val="3685365445"/>
+      </p:ext>
+    </p:extLst>
+  </p:cSld>
+  <p:clrMapOvr>
+    <a:masterClrMapping/>
+  </p:clrMapOvr>
+</p:sldLayout>
+</file>
+
+<file path=ppt/slideLayouts/slideLayout3.xml><?xml version="1.0" encoding="utf-8"?>
 <p:sldLayout xmlns:a="http://schemas.openxmlformats.org/drawingml/2006/main" xmlns:r="http://schemas.openxmlformats.org/officeDocument/2006/relationships" xmlns:p="http://schemas.openxmlformats.org/presentationml/2006/main" preserve="1" userDrawn="1">
   <p:cSld name="Title Slide">
     <p:spTree>
@@ -2204,7 +2316,7 @@
           <p:nvPr userDrawn="1"/>
         </p:nvPicPr>
         <p:blipFill>
-          <a:blip r:embed="rId3" cstate="print">
+          <a:blip r:embed="rId4" cstate="print">
             <a:extLst>
               <a:ext uri="{28A0092B-C50C-407E-A947-70E740481C1C}">
                 <a14:useLocalDpi xmlns:a14="http://schemas.microsoft.com/office/drawing/2010/main" val="0"/>
@@ -2263,6 +2375,7 @@
   <p:clrMap bg1="lt1" tx1="dk1" bg2="lt2" tx2="dk2" accent1="accent1" accent2="accent2" accent3="accent3" accent4="accent4" accent5="accent5" accent6="accent6" hlink="hlink" folHlink="folHlink"/>
   <p:sldLayoutIdLst>
     <p:sldLayoutId id="2147483774" r:id="rId1"/>
+    <p:sldLayoutId id="2147483777" r:id="rId2"/>
   </p:sldLayoutIdLst>
   <p:transition spd="med"/>
   <p:timing>
@@ -4005,6 +4118,678 @@
 </p:sld>
 </file>
 
+<file path=ppt/slides/slide10.xml><?xml version="1.0" encoding="utf-8"?>
+<p:sld xmlns:a="http://schemas.openxmlformats.org/drawingml/2006/main" xmlns:r="http://schemas.openxmlformats.org/officeDocument/2006/relationships" xmlns:p="http://schemas.openxmlformats.org/presentationml/2006/main">
+  <p:cSld>
+    <p:spTree>
+      <p:nvGrpSpPr>
+        <p:cNvPr id="1" name=""/>
+        <p:cNvGrpSpPr/>
+        <p:nvPr/>
+      </p:nvGrpSpPr>
+      <p:grpSpPr>
+        <a:xfrm>
+          <a:off x="0" y="0"/>
+          <a:ext cx="0" cy="0"/>
+          <a:chOff x="0" y="0"/>
+          <a:chExt cx="0" cy="0"/>
+        </a:xfrm>
+      </p:grpSpPr>
+      <p:sp>
+        <p:nvSpPr>
+          <p:cNvPr id="2" name="Subtitle 1"/>
+          <p:cNvSpPr>
+            <a:spLocks noGrp="1"/>
+          </p:cNvSpPr>
+          <p:nvPr>
+            <p:ph type="subTitle" idx="1"/>
+          </p:nvPr>
+        </p:nvSpPr>
+        <p:spPr/>
+        <p:txBody>
+          <a:bodyPr/>
+          <a:lstStyle/>
+          <a:p>
+            <a:r>
+              <a:rPr lang="en-US" dirty="0" smtClean="0"/>
+              <a:t>The IDE uses the GNU Compiler Collection (</a:t>
+            </a:r>
+            <a:r>
+              <a:rPr lang="en-US" dirty="0" err="1" smtClean="0"/>
+              <a:t>gcc</a:t>
+            </a:r>
+            <a:r>
+              <a:rPr lang="en-US" dirty="0" smtClean="0"/>
+              <a:t>) to produce executable binary files for the </a:t>
+            </a:r>
+            <a:r>
+              <a:rPr lang="en-US" dirty="0" err="1" smtClean="0"/>
+              <a:t>uC</a:t>
+            </a:r>
+            <a:endParaRPr lang="en-US" dirty="0" smtClean="0"/>
+          </a:p>
+          <a:p>
+            <a:pPr lvl="1"/>
+            <a:r>
+              <a:rPr lang="en-US" dirty="0" err="1" smtClean="0"/>
+              <a:t>gcc</a:t>
+            </a:r>
+            <a:r>
+              <a:rPr lang="en-US" dirty="0" smtClean="0"/>
+              <a:t> v6.4 released 4 July 2017</a:t>
+            </a:r>
+          </a:p>
+          <a:p>
+            <a:pPr lvl="1"/>
+            <a:r>
+              <a:rPr lang="en-US" dirty="0" err="1" smtClean="0"/>
+              <a:t>gcc</a:t>
+            </a:r>
+            <a:r>
+              <a:rPr lang="en-US" dirty="0" smtClean="0"/>
+              <a:t> is probably the most common compiler used for embedded systems because it is free (no $$$) and open (easy to adapt to a new processor)</a:t>
+            </a:r>
+          </a:p>
+          <a:p>
+            <a:pPr lvl="1"/>
+            <a:endParaRPr lang="en-US" dirty="0"/>
+          </a:p>
+        </p:txBody>
+      </p:sp>
+      <p:sp>
+        <p:nvSpPr>
+          <p:cNvPr id="3" name="Title 2"/>
+          <p:cNvSpPr>
+            <a:spLocks noGrp="1"/>
+          </p:cNvSpPr>
+          <p:nvPr>
+            <p:ph type="title"/>
+          </p:nvPr>
+        </p:nvSpPr>
+        <p:spPr/>
+        <p:txBody>
+          <a:bodyPr/>
+          <a:lstStyle/>
+          <a:p>
+            <a:r>
+              <a:rPr lang="en-US" dirty="0" smtClean="0"/>
+              <a:t>Tools</a:t>
+            </a:r>
+            <a:endParaRPr lang="en-US" dirty="0"/>
+          </a:p>
+        </p:txBody>
+      </p:sp>
+      <p:pic>
+        <p:nvPicPr>
+          <p:cNvPr id="5" name="Picture 4"/>
+          <p:cNvPicPr>
+            <a:picLocks noChangeAspect="1"/>
+          </p:cNvPicPr>
+          <p:nvPr/>
+        </p:nvPicPr>
+        <p:blipFill>
+          <a:blip r:embed="rId2"/>
+          <a:stretch>
+            <a:fillRect/>
+          </a:stretch>
+        </p:blipFill>
+        <p:spPr>
+          <a:xfrm>
+            <a:off x="2116666" y="3853655"/>
+            <a:ext cx="4749800" cy="2226469"/>
+          </a:xfrm>
+          <a:prstGeom prst="rect">
+            <a:avLst/>
+          </a:prstGeom>
+        </p:spPr>
+      </p:pic>
+    </p:spTree>
+    <p:extLst>
+      <p:ext uri="{BB962C8B-B14F-4D97-AF65-F5344CB8AC3E}">
+        <p14:creationId xmlns:p14="http://schemas.microsoft.com/office/powerpoint/2010/main" val="302929188"/>
+      </p:ext>
+    </p:extLst>
+  </p:cSld>
+  <p:clrMapOvr>
+    <a:masterClrMapping/>
+  </p:clrMapOvr>
+  <p:transition spd="med"/>
+</p:sld>
+</file>
+
+<file path=ppt/slides/slide11.xml><?xml version="1.0" encoding="utf-8"?>
+<p:sld xmlns:a="http://schemas.openxmlformats.org/drawingml/2006/main" xmlns:r="http://schemas.openxmlformats.org/officeDocument/2006/relationships" xmlns:p="http://schemas.openxmlformats.org/presentationml/2006/main">
+  <p:cSld>
+    <p:spTree>
+      <p:nvGrpSpPr>
+        <p:cNvPr id="1" name=""/>
+        <p:cNvGrpSpPr/>
+        <p:nvPr/>
+      </p:nvGrpSpPr>
+      <p:grpSpPr>
+        <a:xfrm>
+          <a:off x="0" y="0"/>
+          <a:ext cx="0" cy="0"/>
+          <a:chOff x="0" y="0"/>
+          <a:chExt cx="0" cy="0"/>
+        </a:xfrm>
+      </p:grpSpPr>
+      <p:sp>
+        <p:nvSpPr>
+          <p:cNvPr id="2" name="Title 1"/>
+          <p:cNvSpPr>
+            <a:spLocks noGrp="1"/>
+          </p:cNvSpPr>
+          <p:nvPr>
+            <p:ph type="title"/>
+          </p:nvPr>
+        </p:nvSpPr>
+        <p:spPr/>
+        <p:txBody>
+          <a:bodyPr/>
+          <a:lstStyle/>
+          <a:p>
+            <a:r>
+              <a:rPr lang="en-US" b="1" dirty="0"/>
+              <a:t>Structured </a:t>
+            </a:r>
+            <a:r>
+              <a:rPr lang="en-US" b="1" dirty="0" smtClean="0"/>
+              <a:t>Design</a:t>
+            </a:r>
+            <a:endParaRPr lang="en-US" dirty="0"/>
+          </a:p>
+        </p:txBody>
+      </p:sp>
+      <p:sp>
+        <p:nvSpPr>
+          <p:cNvPr id="3" name="Content Placeholder 2"/>
+          <p:cNvSpPr>
+            <a:spLocks noGrp="1"/>
+          </p:cNvSpPr>
+          <p:nvPr>
+            <p:ph idx="1"/>
+          </p:nvPr>
+        </p:nvSpPr>
+        <p:spPr>
+          <a:xfrm>
+            <a:off x="502683" y="1628357"/>
+            <a:ext cx="7772400" cy="4724400"/>
+          </a:xfrm>
+        </p:spPr>
+        <p:txBody>
+          <a:bodyPr/>
+          <a:lstStyle/>
+          <a:p>
+            <a:r>
+              <a:rPr lang="en-US" sz="2400" b="1" dirty="0"/>
+              <a:t>Guiding Principle: Get one small thing </a:t>
+            </a:r>
+            <a:r>
+              <a:rPr lang="en-US" sz="2400" b="1" dirty="0" smtClean="0"/>
+              <a:t>working</a:t>
+            </a:r>
+          </a:p>
+          <a:p>
+            <a:pPr lvl="1"/>
+            <a:r>
+              <a:rPr lang="en-US" sz="2000" dirty="0"/>
+              <a:t>Don't write the entire program in one go, then press go, and hope it works. When the entire program is the space you're looking for a bug, it makes debugging really hard</a:t>
+            </a:r>
+            <a:r>
+              <a:rPr lang="en-US" sz="2000" dirty="0" smtClean="0"/>
+              <a:t>.</a:t>
+            </a:r>
+          </a:p>
+          <a:p>
+            <a:r>
+              <a:rPr lang="en-US" sz="2400" b="1" dirty="0"/>
+              <a:t>Modularity</a:t>
+            </a:r>
+          </a:p>
+          <a:p>
+            <a:pPr lvl="1"/>
+            <a:r>
+              <a:rPr lang="en-US" sz="2000" dirty="0"/>
+              <a:t>Modularity is the practice of breaking down a larger program into smaller tasks.</a:t>
+            </a:r>
+          </a:p>
+          <a:p>
+            <a:pPr lvl="1"/>
+            <a:r>
+              <a:rPr lang="en-US" sz="2000" dirty="0"/>
+              <a:t>Makes code more reusable</a:t>
+            </a:r>
+          </a:p>
+          <a:p>
+            <a:pPr lvl="1"/>
+            <a:r>
+              <a:rPr lang="en-US" sz="2000" dirty="0"/>
+              <a:t>Makes code more readable</a:t>
+            </a:r>
+          </a:p>
+          <a:p>
+            <a:pPr lvl="1"/>
+            <a:r>
+              <a:rPr lang="en-US" sz="2000" dirty="0"/>
+              <a:t>Make individual </a:t>
+            </a:r>
+            <a:r>
+              <a:rPr lang="en-US" sz="2000" dirty="0" smtClean="0"/>
+              <a:t>task </a:t>
+            </a:r>
+            <a:r>
+              <a:rPr lang="en-US" sz="2000" dirty="0"/>
+              <a:t>more manageable</a:t>
+            </a:r>
+          </a:p>
+          <a:p>
+            <a:pPr lvl="2"/>
+            <a:r>
+              <a:rPr lang="en-US" sz="2000" dirty="0"/>
+              <a:t>Focus on simpler tasks</a:t>
+            </a:r>
+          </a:p>
+          <a:p>
+            <a:pPr lvl="2"/>
+            <a:r>
+              <a:rPr lang="en-US" sz="2000" dirty="0"/>
+              <a:t>Tough to hold a big problem in your brain</a:t>
+            </a:r>
+          </a:p>
+          <a:p>
+            <a:pPr lvl="2"/>
+            <a:endParaRPr lang="en-US" sz="1600" dirty="0"/>
+          </a:p>
+        </p:txBody>
+      </p:sp>
+    </p:spTree>
+    <p:extLst>
+      <p:ext uri="{BB962C8B-B14F-4D97-AF65-F5344CB8AC3E}">
+        <p14:creationId xmlns:p14="http://schemas.microsoft.com/office/powerpoint/2010/main" val="372446359"/>
+      </p:ext>
+    </p:extLst>
+  </p:cSld>
+  <p:clrMapOvr>
+    <a:masterClrMapping/>
+  </p:clrMapOvr>
+  <p:timing>
+    <p:tnLst>
+      <p:par>
+        <p:cTn id="1" dur="indefinite" restart="never" nodeType="tmRoot"/>
+      </p:par>
+    </p:tnLst>
+  </p:timing>
+</p:sld>
+</file>
+
+<file path=ppt/slides/slide12.xml><?xml version="1.0" encoding="utf-8"?>
+<p:sld xmlns:a="http://schemas.openxmlformats.org/drawingml/2006/main" xmlns:r="http://schemas.openxmlformats.org/officeDocument/2006/relationships" xmlns:p="http://schemas.openxmlformats.org/presentationml/2006/main">
+  <p:cSld>
+    <p:spTree>
+      <p:nvGrpSpPr>
+        <p:cNvPr id="1" name=""/>
+        <p:cNvGrpSpPr/>
+        <p:nvPr/>
+      </p:nvGrpSpPr>
+      <p:grpSpPr>
+        <a:xfrm>
+          <a:off x="0" y="0"/>
+          <a:ext cx="0" cy="0"/>
+          <a:chOff x="0" y="0"/>
+          <a:chExt cx="0" cy="0"/>
+        </a:xfrm>
+      </p:grpSpPr>
+      <p:sp>
+        <p:nvSpPr>
+          <p:cNvPr id="2" name="Title 1"/>
+          <p:cNvSpPr>
+            <a:spLocks noGrp="1"/>
+          </p:cNvSpPr>
+          <p:nvPr>
+            <p:ph type="title"/>
+          </p:nvPr>
+        </p:nvSpPr>
+        <p:spPr/>
+        <p:txBody>
+          <a:bodyPr/>
+          <a:lstStyle/>
+          <a:p>
+            <a:r>
+              <a:rPr lang="en-US" dirty="0" smtClean="0"/>
+              <a:t>Testing and Debugging</a:t>
+            </a:r>
+            <a:endParaRPr lang="en-US" dirty="0"/>
+          </a:p>
+        </p:txBody>
+      </p:sp>
+      <p:sp>
+        <p:nvSpPr>
+          <p:cNvPr id="3" name="Content Placeholder 2"/>
+          <p:cNvSpPr>
+            <a:spLocks noGrp="1"/>
+          </p:cNvSpPr>
+          <p:nvPr>
+            <p:ph idx="1"/>
+          </p:nvPr>
+        </p:nvSpPr>
+        <p:spPr>
+          <a:xfrm>
+            <a:off x="730102" y="1638792"/>
+            <a:ext cx="7772400" cy="4724400"/>
+          </a:xfrm>
+        </p:spPr>
+        <p:txBody>
+          <a:bodyPr/>
+          <a:lstStyle/>
+          <a:p>
+            <a:r>
+              <a:rPr lang="en-US" sz="2000" dirty="0" smtClean="0"/>
+              <a:t>How </a:t>
+            </a:r>
+            <a:r>
+              <a:rPr lang="en-US" sz="2000" dirty="0"/>
+              <a:t>do we know when we're done with a task? Testing! </a:t>
+            </a:r>
+            <a:endParaRPr lang="en-US" sz="2000" dirty="0" smtClean="0"/>
+          </a:p>
+          <a:p>
+            <a:pPr lvl="1"/>
+            <a:r>
+              <a:rPr lang="en-US" sz="1600" dirty="0" smtClean="0"/>
+              <a:t>You </a:t>
+            </a:r>
+            <a:r>
+              <a:rPr lang="en-US" sz="1600" dirty="0"/>
+              <a:t>should specify the tests you'll run on the code you're going to write in advance of writing the code. It's a little more work up front, but will save you time debugging down the road</a:t>
+            </a:r>
+            <a:r>
+              <a:rPr lang="en-US" sz="1600" dirty="0" smtClean="0"/>
+              <a:t>.</a:t>
+            </a:r>
+            <a:endParaRPr lang="en-US" sz="2000" dirty="0"/>
+          </a:p>
+          <a:p>
+            <a:r>
+              <a:rPr lang="en-US" sz="2000" dirty="0" smtClean="0"/>
+              <a:t>Write </a:t>
+            </a:r>
+            <a:r>
+              <a:rPr lang="en-US" sz="2000" dirty="0"/>
+              <a:t>tests that cover all cases - particularly </a:t>
+            </a:r>
+            <a:r>
+              <a:rPr lang="en-US" sz="2000" b="1" dirty="0"/>
+              <a:t>edge cases</a:t>
+            </a:r>
+            <a:r>
+              <a:rPr lang="en-US" sz="2000" dirty="0" smtClean="0"/>
+              <a:t>.</a:t>
+            </a:r>
+            <a:endParaRPr lang="en-US" sz="2000" dirty="0"/>
+          </a:p>
+          <a:p>
+            <a:endParaRPr lang="en-US" sz="2000" dirty="0"/>
+          </a:p>
+        </p:txBody>
+      </p:sp>
+      <p:sp>
+        <p:nvSpPr>
+          <p:cNvPr id="4" name="Rectangle 3"/>
+          <p:cNvSpPr/>
+          <p:nvPr/>
+        </p:nvSpPr>
+        <p:spPr bwMode="auto">
+          <a:xfrm>
+            <a:off x="545804" y="4995333"/>
+            <a:ext cx="8140995" cy="1202267"/>
+          </a:xfrm>
+          <a:prstGeom prst="rect">
+            <a:avLst/>
+          </a:prstGeom>
+          <a:solidFill>
+            <a:srgbClr val="0C2D83"/>
+          </a:solidFill>
+          <a:ln w="12700" cap="flat" cmpd="sng" algn="ctr">
+            <a:solidFill>
+              <a:schemeClr val="accent2">
+                <a:lumMod val="40000"/>
+                <a:lumOff val="60000"/>
+              </a:schemeClr>
+            </a:solidFill>
+            <a:prstDash val="solid"/>
+            <a:round/>
+            <a:headEnd type="none" w="med" len="med"/>
+            <a:tailEnd type="none" w="med" len="med"/>
+          </a:ln>
+          <a:effectLst/>
+        </p:spPr>
+        <p:txBody>
+          <a:bodyPr vert="horz" wrap="square" lIns="91440" tIns="45720" rIns="91440" bIns="45720" numCol="1" rtlCol="0" anchor="ctr" anchorCtr="0" compatLnSpc="1">
+            <a:prstTxWarp prst="textNoShape">
+              <a:avLst/>
+            </a:prstTxWarp>
+          </a:bodyPr>
+          <a:lstStyle/>
+          <a:p>
+            <a:pPr marL="0" marR="0" indent="0" algn="ctr" defTabSz="914400" rtl="0" eaLnBrk="0" fontAlgn="base" latinLnBrk="0" hangingPunct="0">
+              <a:lnSpc>
+                <a:spcPct val="100000"/>
+              </a:lnSpc>
+              <a:spcBef>
+                <a:spcPct val="0"/>
+              </a:spcBef>
+              <a:spcAft>
+                <a:spcPct val="0"/>
+              </a:spcAft>
+              <a:buClrTx/>
+              <a:buSzTx/>
+              <a:buFontTx/>
+              <a:buNone/>
+              <a:tabLst/>
+            </a:pPr>
+            <a:r>
+              <a:rPr kumimoji="0" lang="en-US" sz="1600" b="1" i="0" u="none" strike="noStrike" cap="none" normalizeH="0" baseline="0" dirty="0" smtClean="0">
+                <a:ln>
+                  <a:noFill/>
+                </a:ln>
+                <a:solidFill>
+                  <a:schemeClr val="bg1"/>
+                </a:solidFill>
+                <a:effectLst/>
+                <a:latin typeface="Arial" charset="0"/>
+              </a:rPr>
+              <a:t>Being able to debug your own code is an</a:t>
+            </a:r>
+            <a:r>
+              <a:rPr kumimoji="0" lang="en-US" sz="1600" b="1" i="0" u="none" strike="noStrike" cap="none" normalizeH="0" dirty="0" smtClean="0">
+                <a:ln>
+                  <a:noFill/>
+                </a:ln>
+                <a:solidFill>
+                  <a:schemeClr val="bg1"/>
+                </a:solidFill>
+                <a:effectLst/>
+                <a:latin typeface="Arial" charset="0"/>
+              </a:rPr>
+              <a:t> objective of this class. I will make EVERY effort to never look at your code, but I will act as a supervisor and ask you questions for you to research </a:t>
+            </a:r>
+            <a:endParaRPr kumimoji="0" lang="en-US" sz="1600" b="1" i="0" u="none" strike="noStrike" cap="none" normalizeH="0" baseline="0" dirty="0" smtClean="0">
+              <a:ln>
+                <a:noFill/>
+              </a:ln>
+              <a:solidFill>
+                <a:schemeClr val="bg1"/>
+              </a:solidFill>
+              <a:effectLst/>
+              <a:latin typeface="Arial" charset="0"/>
+            </a:endParaRPr>
+          </a:p>
+        </p:txBody>
+      </p:sp>
+    </p:spTree>
+    <p:extLst>
+      <p:ext uri="{BB962C8B-B14F-4D97-AF65-F5344CB8AC3E}">
+        <p14:creationId xmlns:p14="http://schemas.microsoft.com/office/powerpoint/2010/main" val="293578462"/>
+      </p:ext>
+    </p:extLst>
+  </p:cSld>
+  <p:clrMapOvr>
+    <a:masterClrMapping/>
+  </p:clrMapOvr>
+  <p:timing>
+    <p:tnLst>
+      <p:par>
+        <p:cTn id="1" dur="indefinite" restart="never" nodeType="tmRoot"/>
+      </p:par>
+    </p:tnLst>
+  </p:timing>
+</p:sld>
+</file>
+
+<file path=ppt/slides/slide13.xml><?xml version="1.0" encoding="utf-8"?>
+<p:sld xmlns:a="http://schemas.openxmlformats.org/drawingml/2006/main" xmlns:r="http://schemas.openxmlformats.org/officeDocument/2006/relationships" xmlns:p="http://schemas.openxmlformats.org/presentationml/2006/main">
+  <p:cSld>
+    <p:spTree>
+      <p:nvGrpSpPr>
+        <p:cNvPr id="1" name=""/>
+        <p:cNvGrpSpPr/>
+        <p:nvPr/>
+      </p:nvGrpSpPr>
+      <p:grpSpPr>
+        <a:xfrm>
+          <a:off x="0" y="0"/>
+          <a:ext cx="0" cy="0"/>
+          <a:chOff x="0" y="0"/>
+          <a:chExt cx="0" cy="0"/>
+        </a:xfrm>
+      </p:grpSpPr>
+      <p:sp>
+        <p:nvSpPr>
+          <p:cNvPr id="2" name="Title 1"/>
+          <p:cNvSpPr>
+            <a:spLocks noGrp="1"/>
+          </p:cNvSpPr>
+          <p:nvPr>
+            <p:ph type="title"/>
+          </p:nvPr>
+        </p:nvSpPr>
+        <p:spPr/>
+        <p:txBody>
+          <a:bodyPr/>
+          <a:lstStyle/>
+          <a:p>
+            <a:r>
+              <a:rPr lang="en-US" dirty="0" smtClean="0"/>
+              <a:t>Do Some Sort of Flow Chart</a:t>
+            </a:r>
+            <a:endParaRPr lang="en-US" dirty="0"/>
+          </a:p>
+        </p:txBody>
+      </p:sp>
+      <p:sp>
+        <p:nvSpPr>
+          <p:cNvPr id="5" name="TextBox 4"/>
+          <p:cNvSpPr txBox="1"/>
+          <p:nvPr/>
+        </p:nvSpPr>
+        <p:spPr>
+          <a:xfrm>
+            <a:off x="4805680" y="1727684"/>
+            <a:ext cx="3746137" cy="1384995"/>
+          </a:xfrm>
+          <a:prstGeom prst="rect">
+            <a:avLst/>
+          </a:prstGeom>
+          <a:noFill/>
+        </p:spPr>
+        <p:txBody>
+          <a:bodyPr wrap="square" rtlCol="0">
+            <a:spAutoFit/>
+          </a:bodyPr>
+          <a:lstStyle/>
+          <a:p>
+            <a:r>
+              <a:rPr lang="en-US" dirty="0" smtClean="0"/>
+              <a:t>Assembly programs are hard to write and read (</a:t>
+            </a:r>
+            <a:r>
+              <a:rPr lang="en-US" dirty="0" smtClean="0">
+                <a:solidFill>
+                  <a:srgbClr val="FF0000"/>
+                </a:solidFill>
+              </a:rPr>
+              <a:t>I am talking about me reading your code</a:t>
+            </a:r>
+            <a:r>
+              <a:rPr lang="en-US" dirty="0" smtClean="0"/>
+              <a:t>). Always start with some sort of idea for how your program will work. When things break, I will ask how your program works and a flow chart can help.</a:t>
+            </a:r>
+            <a:endParaRPr lang="en-US" dirty="0"/>
+          </a:p>
+        </p:txBody>
+      </p:sp>
+      <p:pic>
+        <p:nvPicPr>
+          <p:cNvPr id="6" name="Picture 5"/>
+          <p:cNvPicPr>
+            <a:picLocks noChangeAspect="1"/>
+          </p:cNvPicPr>
+          <p:nvPr/>
+        </p:nvPicPr>
+        <p:blipFill>
+          <a:blip r:embed="rId2"/>
+          <a:stretch>
+            <a:fillRect/>
+          </a:stretch>
+        </p:blipFill>
+        <p:spPr>
+          <a:xfrm>
+            <a:off x="121918" y="1489166"/>
+            <a:ext cx="4040047" cy="5368834"/>
+          </a:xfrm>
+          <a:prstGeom prst="rect">
+            <a:avLst/>
+          </a:prstGeom>
+        </p:spPr>
+      </p:pic>
+      <p:pic>
+        <p:nvPicPr>
+          <p:cNvPr id="7" name="Picture 6"/>
+          <p:cNvPicPr>
+            <a:picLocks noChangeAspect="1"/>
+          </p:cNvPicPr>
+          <p:nvPr/>
+        </p:nvPicPr>
+        <p:blipFill>
+          <a:blip r:embed="rId3"/>
+          <a:stretch>
+            <a:fillRect/>
+          </a:stretch>
+        </p:blipFill>
+        <p:spPr>
+          <a:xfrm>
+            <a:off x="4728755" y="3383595"/>
+            <a:ext cx="3744686" cy="3392685"/>
+          </a:xfrm>
+          <a:prstGeom prst="rect">
+            <a:avLst/>
+          </a:prstGeom>
+        </p:spPr>
+      </p:pic>
+    </p:spTree>
+    <p:extLst>
+      <p:ext uri="{BB962C8B-B14F-4D97-AF65-F5344CB8AC3E}">
+        <p14:creationId xmlns:p14="http://schemas.microsoft.com/office/powerpoint/2010/main" val="2077813842"/>
+      </p:ext>
+    </p:extLst>
+  </p:cSld>
+  <p:clrMapOvr>
+    <a:masterClrMapping/>
+  </p:clrMapOvr>
+</p:sld>
+</file>
+
 <file path=ppt/slides/slide2.xml><?xml version="1.0" encoding="utf-8"?>
 <p:sld xmlns:a="http://schemas.openxmlformats.org/drawingml/2006/main" xmlns:r="http://schemas.openxmlformats.org/officeDocument/2006/relationships" xmlns:p="http://schemas.openxmlformats.org/presentationml/2006/main">
   <p:cSld>
@@ -4117,30 +4902,7 @@
       </p:grpSpPr>
       <p:sp>
         <p:nvSpPr>
-          <p:cNvPr id="2" name="Subtitle 1"/>
-          <p:cNvSpPr>
-            <a:spLocks noGrp="1"/>
-          </p:cNvSpPr>
-          <p:nvPr>
-            <p:ph type="subTitle" idx="1"/>
-          </p:nvPr>
-        </p:nvSpPr>
-        <p:spPr/>
-        <p:txBody>
-          <a:bodyPr/>
-          <a:lstStyle/>
-          <a:p>
-            <a:r>
-              <a:rPr lang="en-US" smtClean="0"/>
-              <a:t>Blah …</a:t>
-            </a:r>
-            <a:endParaRPr lang="en-US"/>
-          </a:p>
-        </p:txBody>
-      </p:sp>
-      <p:sp>
-        <p:nvSpPr>
-          <p:cNvPr id="3" name="Title 2"/>
+          <p:cNvPr id="2" name="Title 1"/>
           <p:cNvSpPr>
             <a:spLocks noGrp="1"/>
           </p:cNvSpPr>
@@ -4155,27 +4917,4020 @@
           <a:p>
             <a:r>
               <a:rPr lang="en-US" dirty="0" smtClean="0"/>
-              <a:t>Assembly Directives</a:t>
+              <a:t>Watchdog Timer</a:t>
             </a:r>
             <a:endParaRPr lang="en-US" dirty="0"/>
           </a:p>
         </p:txBody>
       </p:sp>
+      <p:sp>
+        <p:nvSpPr>
+          <p:cNvPr id="3" name="Content Placeholder 2"/>
+          <p:cNvSpPr>
+            <a:spLocks noGrp="1"/>
+          </p:cNvSpPr>
+          <p:nvPr>
+            <p:ph idx="1"/>
+          </p:nvPr>
+        </p:nvSpPr>
+        <p:spPr/>
+        <p:txBody>
+          <a:bodyPr/>
+          <a:lstStyle/>
+          <a:p>
+            <a:r>
+              <a:rPr lang="en-US" sz="2400" dirty="0" smtClean="0"/>
+              <a:t>TI </a:t>
+            </a:r>
+            <a:r>
+              <a:rPr lang="en-US" sz="2400" dirty="0"/>
+              <a:t>MSP 430 User’s Manual pp 341-347 (Blue </a:t>
+            </a:r>
+            <a:r>
+              <a:rPr lang="en-US" sz="2400" dirty="0" smtClean="0"/>
+              <a:t>Book pp 42-44)</a:t>
+            </a:r>
+          </a:p>
+          <a:p>
+            <a:r>
+              <a:rPr lang="en-US" sz="2400" dirty="0" smtClean="0"/>
+              <a:t>If not disarmed, How long to reset?</a:t>
+            </a:r>
+          </a:p>
+          <a:p>
+            <a:pPr lvl="1"/>
+            <a:r>
+              <a:rPr lang="en-US" sz="1800" dirty="0" smtClean="0"/>
+              <a:t>It counts 32768 clock cycles, then resets</a:t>
+            </a:r>
+            <a:endParaRPr lang="en-US" sz="1800" dirty="0"/>
+          </a:p>
+        </p:txBody>
+      </p:sp>
+      <p:graphicFrame>
+        <p:nvGraphicFramePr>
+          <p:cNvPr id="4" name="Table 3"/>
+          <p:cNvGraphicFramePr>
+            <a:graphicFrameLocks noGrp="1"/>
+          </p:cNvGraphicFramePr>
+          <p:nvPr>
+            <p:extLst/>
+          </p:nvPr>
+        </p:nvGraphicFramePr>
+        <p:xfrm>
+          <a:off x="109178" y="3231170"/>
+          <a:ext cx="8911992" cy="1682024"/>
+        </p:xfrm>
+        <a:graphic>
+          <a:graphicData uri="http://schemas.openxmlformats.org/drawingml/2006/table">
+            <a:tbl>
+              <a:tblPr/>
+              <a:tblGrid>
+                <a:gridCol w="1113999"/>
+                <a:gridCol w="1113999"/>
+                <a:gridCol w="1113999"/>
+                <a:gridCol w="1113999"/>
+                <a:gridCol w="1113999"/>
+                <a:gridCol w="1113999"/>
+                <a:gridCol w="1113999"/>
+                <a:gridCol w="1113999"/>
+              </a:tblGrid>
+              <a:tr h="297892">
+                <a:tc>
+                  <a:txBody>
+                    <a:bodyPr/>
+                    <a:lstStyle/>
+                    <a:p>
+                      <a:pPr algn="l" fontAlgn="b"/>
+                      <a:r>
+                        <a:rPr lang="en-US" sz="1800" b="1" dirty="0">
+                          <a:effectLst/>
+                        </a:rPr>
+                        <a:t>15</a:t>
+                      </a:r>
+                    </a:p>
+                  </a:txBody>
+                  <a:tcPr marL="53195" marR="53195" marT="53195" marB="53195" anchor="b">
+                    <a:lnL w="9525" cap="flat" cmpd="sng" algn="ctr">
+                      <a:solidFill>
+                        <a:srgbClr val="DDDDDD"/>
+                      </a:solidFill>
+                      <a:prstDash val="solid"/>
+                      <a:round/>
+                      <a:headEnd type="none" w="med" len="med"/>
+                      <a:tailEnd type="none" w="med" len="med"/>
+                    </a:lnL>
+                    <a:lnR w="9525" cap="flat" cmpd="sng" algn="ctr">
+                      <a:solidFill>
+                        <a:srgbClr val="DDDDDD"/>
+                      </a:solidFill>
+                      <a:prstDash val="solid"/>
+                      <a:round/>
+                      <a:headEnd type="none" w="med" len="med"/>
+                      <a:tailEnd type="none" w="med" len="med"/>
+                    </a:lnR>
+                    <a:lnT w="9525" cap="flat" cmpd="sng" algn="ctr">
+                      <a:solidFill>
+                        <a:srgbClr val="DDDDDD"/>
+                      </a:solidFill>
+                      <a:prstDash val="solid"/>
+                      <a:round/>
+                      <a:headEnd type="none" w="med" len="med"/>
+                      <a:tailEnd type="none" w="med" len="med"/>
+                    </a:lnT>
+                    <a:lnB w="9525" cap="flat" cmpd="sng" algn="ctr">
+                      <a:solidFill>
+                        <a:srgbClr val="DDDDDD"/>
+                      </a:solidFill>
+                      <a:prstDash val="solid"/>
+                      <a:round/>
+                      <a:headEnd type="none" w="med" len="med"/>
+                      <a:tailEnd type="none" w="med" len="med"/>
+                    </a:lnB>
+                    <a:solidFill>
+                      <a:srgbClr val="FFFFFF"/>
+                    </a:solidFill>
+                  </a:tcPr>
+                </a:tc>
+                <a:tc>
+                  <a:txBody>
+                    <a:bodyPr/>
+                    <a:lstStyle/>
+                    <a:p>
+                      <a:pPr algn="l" fontAlgn="b"/>
+                      <a:r>
+                        <a:rPr lang="en-US" sz="1800" b="1" dirty="0">
+                          <a:effectLst/>
+                        </a:rPr>
+                        <a:t>14</a:t>
+                      </a:r>
+                    </a:p>
+                  </a:txBody>
+                  <a:tcPr marL="53195" marR="53195" marT="53195" marB="53195" anchor="b">
+                    <a:lnL w="9525" cap="flat" cmpd="sng" algn="ctr">
+                      <a:solidFill>
+                        <a:srgbClr val="DDDDDD"/>
+                      </a:solidFill>
+                      <a:prstDash val="solid"/>
+                      <a:round/>
+                      <a:headEnd type="none" w="med" len="med"/>
+                      <a:tailEnd type="none" w="med" len="med"/>
+                    </a:lnL>
+                    <a:lnR w="9525" cap="flat" cmpd="sng" algn="ctr">
+                      <a:solidFill>
+                        <a:srgbClr val="DDDDDD"/>
+                      </a:solidFill>
+                      <a:prstDash val="solid"/>
+                      <a:round/>
+                      <a:headEnd type="none" w="med" len="med"/>
+                      <a:tailEnd type="none" w="med" len="med"/>
+                    </a:lnR>
+                    <a:lnT w="9525" cap="flat" cmpd="sng" algn="ctr">
+                      <a:solidFill>
+                        <a:srgbClr val="DDDDDD"/>
+                      </a:solidFill>
+                      <a:prstDash val="solid"/>
+                      <a:round/>
+                      <a:headEnd type="none" w="med" len="med"/>
+                      <a:tailEnd type="none" w="med" len="med"/>
+                    </a:lnT>
+                    <a:lnB w="9525" cap="flat" cmpd="sng" algn="ctr">
+                      <a:solidFill>
+                        <a:srgbClr val="DDDDDD"/>
+                      </a:solidFill>
+                      <a:prstDash val="solid"/>
+                      <a:round/>
+                      <a:headEnd type="none" w="med" len="med"/>
+                      <a:tailEnd type="none" w="med" len="med"/>
+                    </a:lnB>
+                    <a:solidFill>
+                      <a:srgbClr val="FFFFFF"/>
+                    </a:solidFill>
+                  </a:tcPr>
+                </a:tc>
+                <a:tc>
+                  <a:txBody>
+                    <a:bodyPr/>
+                    <a:lstStyle/>
+                    <a:p>
+                      <a:pPr algn="l" fontAlgn="b"/>
+                      <a:r>
+                        <a:rPr lang="en-US" sz="1800" b="1">
+                          <a:effectLst/>
+                        </a:rPr>
+                        <a:t>13</a:t>
+                      </a:r>
+                    </a:p>
+                  </a:txBody>
+                  <a:tcPr marL="53195" marR="53195" marT="53195" marB="53195" anchor="b">
+                    <a:lnL w="9525" cap="flat" cmpd="sng" algn="ctr">
+                      <a:solidFill>
+                        <a:srgbClr val="DDDDDD"/>
+                      </a:solidFill>
+                      <a:prstDash val="solid"/>
+                      <a:round/>
+                      <a:headEnd type="none" w="med" len="med"/>
+                      <a:tailEnd type="none" w="med" len="med"/>
+                    </a:lnL>
+                    <a:lnR w="9525" cap="flat" cmpd="sng" algn="ctr">
+                      <a:solidFill>
+                        <a:srgbClr val="DDDDDD"/>
+                      </a:solidFill>
+                      <a:prstDash val="solid"/>
+                      <a:round/>
+                      <a:headEnd type="none" w="med" len="med"/>
+                      <a:tailEnd type="none" w="med" len="med"/>
+                    </a:lnR>
+                    <a:lnT w="9525" cap="flat" cmpd="sng" algn="ctr">
+                      <a:solidFill>
+                        <a:srgbClr val="DDDDDD"/>
+                      </a:solidFill>
+                      <a:prstDash val="solid"/>
+                      <a:round/>
+                      <a:headEnd type="none" w="med" len="med"/>
+                      <a:tailEnd type="none" w="med" len="med"/>
+                    </a:lnT>
+                    <a:lnB w="9525" cap="flat" cmpd="sng" algn="ctr">
+                      <a:solidFill>
+                        <a:srgbClr val="DDDDDD"/>
+                      </a:solidFill>
+                      <a:prstDash val="solid"/>
+                      <a:round/>
+                      <a:headEnd type="none" w="med" len="med"/>
+                      <a:tailEnd type="none" w="med" len="med"/>
+                    </a:lnB>
+                    <a:solidFill>
+                      <a:srgbClr val="FFFFFF"/>
+                    </a:solidFill>
+                  </a:tcPr>
+                </a:tc>
+                <a:tc>
+                  <a:txBody>
+                    <a:bodyPr/>
+                    <a:lstStyle/>
+                    <a:p>
+                      <a:pPr algn="l" fontAlgn="b"/>
+                      <a:r>
+                        <a:rPr lang="en-US" sz="1800" b="1">
+                          <a:effectLst/>
+                        </a:rPr>
+                        <a:t>12</a:t>
+                      </a:r>
+                    </a:p>
+                  </a:txBody>
+                  <a:tcPr marL="53195" marR="53195" marT="53195" marB="53195" anchor="b">
+                    <a:lnL w="9525" cap="flat" cmpd="sng" algn="ctr">
+                      <a:solidFill>
+                        <a:srgbClr val="DDDDDD"/>
+                      </a:solidFill>
+                      <a:prstDash val="solid"/>
+                      <a:round/>
+                      <a:headEnd type="none" w="med" len="med"/>
+                      <a:tailEnd type="none" w="med" len="med"/>
+                    </a:lnL>
+                    <a:lnR w="9525" cap="flat" cmpd="sng" algn="ctr">
+                      <a:solidFill>
+                        <a:srgbClr val="DDDDDD"/>
+                      </a:solidFill>
+                      <a:prstDash val="solid"/>
+                      <a:round/>
+                      <a:headEnd type="none" w="med" len="med"/>
+                      <a:tailEnd type="none" w="med" len="med"/>
+                    </a:lnR>
+                    <a:lnT w="9525" cap="flat" cmpd="sng" algn="ctr">
+                      <a:solidFill>
+                        <a:srgbClr val="DDDDDD"/>
+                      </a:solidFill>
+                      <a:prstDash val="solid"/>
+                      <a:round/>
+                      <a:headEnd type="none" w="med" len="med"/>
+                      <a:tailEnd type="none" w="med" len="med"/>
+                    </a:lnT>
+                    <a:lnB w="9525" cap="flat" cmpd="sng" algn="ctr">
+                      <a:solidFill>
+                        <a:srgbClr val="DDDDDD"/>
+                      </a:solidFill>
+                      <a:prstDash val="solid"/>
+                      <a:round/>
+                      <a:headEnd type="none" w="med" len="med"/>
+                      <a:tailEnd type="none" w="med" len="med"/>
+                    </a:lnB>
+                    <a:solidFill>
+                      <a:srgbClr val="FFFFFF"/>
+                    </a:solidFill>
+                  </a:tcPr>
+                </a:tc>
+                <a:tc>
+                  <a:txBody>
+                    <a:bodyPr/>
+                    <a:lstStyle/>
+                    <a:p>
+                      <a:pPr algn="l" fontAlgn="b"/>
+                      <a:r>
+                        <a:rPr lang="en-US" sz="1800" b="1">
+                          <a:effectLst/>
+                        </a:rPr>
+                        <a:t>11</a:t>
+                      </a:r>
+                    </a:p>
+                  </a:txBody>
+                  <a:tcPr marL="53195" marR="53195" marT="53195" marB="53195" anchor="b">
+                    <a:lnL w="9525" cap="flat" cmpd="sng" algn="ctr">
+                      <a:solidFill>
+                        <a:srgbClr val="DDDDDD"/>
+                      </a:solidFill>
+                      <a:prstDash val="solid"/>
+                      <a:round/>
+                      <a:headEnd type="none" w="med" len="med"/>
+                      <a:tailEnd type="none" w="med" len="med"/>
+                    </a:lnL>
+                    <a:lnR w="9525" cap="flat" cmpd="sng" algn="ctr">
+                      <a:solidFill>
+                        <a:srgbClr val="DDDDDD"/>
+                      </a:solidFill>
+                      <a:prstDash val="solid"/>
+                      <a:round/>
+                      <a:headEnd type="none" w="med" len="med"/>
+                      <a:tailEnd type="none" w="med" len="med"/>
+                    </a:lnR>
+                    <a:lnT w="9525" cap="flat" cmpd="sng" algn="ctr">
+                      <a:solidFill>
+                        <a:srgbClr val="DDDDDD"/>
+                      </a:solidFill>
+                      <a:prstDash val="solid"/>
+                      <a:round/>
+                      <a:headEnd type="none" w="med" len="med"/>
+                      <a:tailEnd type="none" w="med" len="med"/>
+                    </a:lnT>
+                    <a:lnB w="9525" cap="flat" cmpd="sng" algn="ctr">
+                      <a:solidFill>
+                        <a:srgbClr val="DDDDDD"/>
+                      </a:solidFill>
+                      <a:prstDash val="solid"/>
+                      <a:round/>
+                      <a:headEnd type="none" w="med" len="med"/>
+                      <a:tailEnd type="none" w="med" len="med"/>
+                    </a:lnB>
+                    <a:solidFill>
+                      <a:srgbClr val="FFFFFF"/>
+                    </a:solidFill>
+                  </a:tcPr>
+                </a:tc>
+                <a:tc>
+                  <a:txBody>
+                    <a:bodyPr/>
+                    <a:lstStyle/>
+                    <a:p>
+                      <a:pPr algn="l" fontAlgn="b"/>
+                      <a:r>
+                        <a:rPr lang="en-US" sz="1800" b="1">
+                          <a:effectLst/>
+                        </a:rPr>
+                        <a:t>10</a:t>
+                      </a:r>
+                    </a:p>
+                  </a:txBody>
+                  <a:tcPr marL="53195" marR="53195" marT="53195" marB="53195" anchor="b">
+                    <a:lnL w="9525" cap="flat" cmpd="sng" algn="ctr">
+                      <a:solidFill>
+                        <a:srgbClr val="DDDDDD"/>
+                      </a:solidFill>
+                      <a:prstDash val="solid"/>
+                      <a:round/>
+                      <a:headEnd type="none" w="med" len="med"/>
+                      <a:tailEnd type="none" w="med" len="med"/>
+                    </a:lnL>
+                    <a:lnR w="9525" cap="flat" cmpd="sng" algn="ctr">
+                      <a:solidFill>
+                        <a:srgbClr val="DDDDDD"/>
+                      </a:solidFill>
+                      <a:prstDash val="solid"/>
+                      <a:round/>
+                      <a:headEnd type="none" w="med" len="med"/>
+                      <a:tailEnd type="none" w="med" len="med"/>
+                    </a:lnR>
+                    <a:lnT w="9525" cap="flat" cmpd="sng" algn="ctr">
+                      <a:solidFill>
+                        <a:srgbClr val="DDDDDD"/>
+                      </a:solidFill>
+                      <a:prstDash val="solid"/>
+                      <a:round/>
+                      <a:headEnd type="none" w="med" len="med"/>
+                      <a:tailEnd type="none" w="med" len="med"/>
+                    </a:lnT>
+                    <a:lnB w="9525" cap="flat" cmpd="sng" algn="ctr">
+                      <a:solidFill>
+                        <a:srgbClr val="DDDDDD"/>
+                      </a:solidFill>
+                      <a:prstDash val="solid"/>
+                      <a:round/>
+                      <a:headEnd type="none" w="med" len="med"/>
+                      <a:tailEnd type="none" w="med" len="med"/>
+                    </a:lnB>
+                    <a:solidFill>
+                      <a:srgbClr val="FFFFFF"/>
+                    </a:solidFill>
+                  </a:tcPr>
+                </a:tc>
+                <a:tc>
+                  <a:txBody>
+                    <a:bodyPr/>
+                    <a:lstStyle/>
+                    <a:p>
+                      <a:pPr algn="l" fontAlgn="b"/>
+                      <a:r>
+                        <a:rPr lang="en-US" sz="1800" b="1">
+                          <a:effectLst/>
+                        </a:rPr>
+                        <a:t>9</a:t>
+                      </a:r>
+                    </a:p>
+                  </a:txBody>
+                  <a:tcPr marL="53195" marR="53195" marT="53195" marB="53195" anchor="b">
+                    <a:lnL w="9525" cap="flat" cmpd="sng" algn="ctr">
+                      <a:solidFill>
+                        <a:srgbClr val="DDDDDD"/>
+                      </a:solidFill>
+                      <a:prstDash val="solid"/>
+                      <a:round/>
+                      <a:headEnd type="none" w="med" len="med"/>
+                      <a:tailEnd type="none" w="med" len="med"/>
+                    </a:lnL>
+                    <a:lnR w="9525" cap="flat" cmpd="sng" algn="ctr">
+                      <a:solidFill>
+                        <a:srgbClr val="DDDDDD"/>
+                      </a:solidFill>
+                      <a:prstDash val="solid"/>
+                      <a:round/>
+                      <a:headEnd type="none" w="med" len="med"/>
+                      <a:tailEnd type="none" w="med" len="med"/>
+                    </a:lnR>
+                    <a:lnT w="9525" cap="flat" cmpd="sng" algn="ctr">
+                      <a:solidFill>
+                        <a:srgbClr val="DDDDDD"/>
+                      </a:solidFill>
+                      <a:prstDash val="solid"/>
+                      <a:round/>
+                      <a:headEnd type="none" w="med" len="med"/>
+                      <a:tailEnd type="none" w="med" len="med"/>
+                    </a:lnT>
+                    <a:lnB w="9525" cap="flat" cmpd="sng" algn="ctr">
+                      <a:solidFill>
+                        <a:srgbClr val="DDDDDD"/>
+                      </a:solidFill>
+                      <a:prstDash val="solid"/>
+                      <a:round/>
+                      <a:headEnd type="none" w="med" len="med"/>
+                      <a:tailEnd type="none" w="med" len="med"/>
+                    </a:lnB>
+                    <a:solidFill>
+                      <a:srgbClr val="FFFFFF"/>
+                    </a:solidFill>
+                  </a:tcPr>
+                </a:tc>
+                <a:tc>
+                  <a:txBody>
+                    <a:bodyPr/>
+                    <a:lstStyle/>
+                    <a:p>
+                      <a:pPr algn="l" fontAlgn="b"/>
+                      <a:r>
+                        <a:rPr lang="en-US" sz="1800" b="1" dirty="0">
+                          <a:effectLst/>
+                        </a:rPr>
+                        <a:t>8</a:t>
+                      </a:r>
+                    </a:p>
+                  </a:txBody>
+                  <a:tcPr marL="53195" marR="53195" marT="53195" marB="53195" anchor="b">
+                    <a:lnL w="9525" cap="flat" cmpd="sng" algn="ctr">
+                      <a:solidFill>
+                        <a:srgbClr val="DDDDDD"/>
+                      </a:solidFill>
+                      <a:prstDash val="solid"/>
+                      <a:round/>
+                      <a:headEnd type="none" w="med" len="med"/>
+                      <a:tailEnd type="none" w="med" len="med"/>
+                    </a:lnL>
+                    <a:lnR w="9525" cap="flat" cmpd="sng" algn="ctr">
+                      <a:solidFill>
+                        <a:srgbClr val="DDDDDD"/>
+                      </a:solidFill>
+                      <a:prstDash val="solid"/>
+                      <a:round/>
+                      <a:headEnd type="none" w="med" len="med"/>
+                      <a:tailEnd type="none" w="med" len="med"/>
+                    </a:lnR>
+                    <a:lnT w="9525" cap="flat" cmpd="sng" algn="ctr">
+                      <a:solidFill>
+                        <a:srgbClr val="DDDDDD"/>
+                      </a:solidFill>
+                      <a:prstDash val="solid"/>
+                      <a:round/>
+                      <a:headEnd type="none" w="med" len="med"/>
+                      <a:tailEnd type="none" w="med" len="med"/>
+                    </a:lnT>
+                    <a:lnB w="9525" cap="flat" cmpd="sng" algn="ctr">
+                      <a:solidFill>
+                        <a:srgbClr val="DDDDDD"/>
+                      </a:solidFill>
+                      <a:prstDash val="solid"/>
+                      <a:round/>
+                      <a:headEnd type="none" w="med" len="med"/>
+                      <a:tailEnd type="none" w="med" len="med"/>
+                    </a:lnB>
+                    <a:solidFill>
+                      <a:srgbClr val="FFFFFF"/>
+                    </a:solidFill>
+                  </a:tcPr>
+                </a:tc>
+              </a:tr>
+              <a:tr h="297892">
+                <a:tc gridSpan="8">
+                  <a:txBody>
+                    <a:bodyPr/>
+                    <a:lstStyle/>
+                    <a:p>
+                      <a:pPr algn="ctr" fontAlgn="t"/>
+                      <a:r>
+                        <a:rPr lang="en-US" dirty="0">
+                          <a:effectLst/>
+                        </a:rPr>
+                        <a:t>WDTPW</a:t>
+                      </a:r>
+                    </a:p>
+                  </a:txBody>
+                  <a:tcPr marL="76200" marR="76200" marT="76200" marB="76200">
+                    <a:lnL w="9525" cap="flat" cmpd="sng" algn="ctr">
+                      <a:solidFill>
+                        <a:srgbClr val="DDDDDD"/>
+                      </a:solidFill>
+                      <a:prstDash val="solid"/>
+                      <a:round/>
+                      <a:headEnd type="none" w="med" len="med"/>
+                      <a:tailEnd type="none" w="med" len="med"/>
+                    </a:lnL>
+                    <a:lnR w="9525" cap="flat" cmpd="sng" algn="ctr">
+                      <a:solidFill>
+                        <a:srgbClr val="DDDDDD"/>
+                      </a:solidFill>
+                      <a:prstDash val="solid"/>
+                      <a:round/>
+                      <a:headEnd type="none" w="med" len="med"/>
+                      <a:tailEnd type="none" w="med" len="med"/>
+                    </a:lnR>
+                    <a:lnT w="9525" cap="flat" cmpd="sng" algn="ctr">
+                      <a:solidFill>
+                        <a:srgbClr val="DDDDDD"/>
+                      </a:solidFill>
+                      <a:prstDash val="solid"/>
+                      <a:round/>
+                      <a:headEnd type="none" w="med" len="med"/>
+                      <a:tailEnd type="none" w="med" len="med"/>
+                    </a:lnT>
+                    <a:lnB w="9525" cap="flat" cmpd="sng" algn="ctr">
+                      <a:solidFill>
+                        <a:srgbClr val="DDDDDD"/>
+                      </a:solidFill>
+                      <a:prstDash val="solid"/>
+                      <a:round/>
+                      <a:headEnd type="none" w="med" len="med"/>
+                      <a:tailEnd type="none" w="med" len="med"/>
+                    </a:lnB>
+                    <a:solidFill>
+                      <a:schemeClr val="bg1">
+                        <a:lumMod val="95000"/>
+                      </a:schemeClr>
+                    </a:solidFill>
+                  </a:tcPr>
+                </a:tc>
+                <a:tc hMerge="1">
+                  <a:txBody>
+                    <a:bodyPr/>
+                    <a:lstStyle/>
+                    <a:p>
+                      <a:endParaRPr lang="en-US"/>
+                    </a:p>
+                  </a:txBody>
+                  <a:tcPr>
+                    <a:lnL w="9525" cap="flat" cmpd="sng" algn="ctr">
+                      <a:solidFill>
+                        <a:srgbClr val="DDDDDD"/>
+                      </a:solidFill>
+                      <a:prstDash val="solid"/>
+                      <a:round/>
+                      <a:headEnd type="none" w="med" len="med"/>
+                      <a:tailEnd type="none" w="med" len="med"/>
+                    </a:lnL>
+                    <a:lnR w="9525" cap="flat" cmpd="sng" algn="ctr">
+                      <a:solidFill>
+                        <a:srgbClr val="DDDDDD"/>
+                      </a:solidFill>
+                      <a:prstDash val="solid"/>
+                      <a:round/>
+                      <a:headEnd type="none" w="med" len="med"/>
+                      <a:tailEnd type="none" w="med" len="med"/>
+                    </a:lnR>
+                    <a:lnT w="9525" cap="flat" cmpd="sng" algn="ctr">
+                      <a:solidFill>
+                        <a:srgbClr val="DDDDDD"/>
+                      </a:solidFill>
+                      <a:prstDash val="solid"/>
+                      <a:round/>
+                      <a:headEnd type="none" w="med" len="med"/>
+                      <a:tailEnd type="none" w="med" len="med"/>
+                    </a:lnT>
+                    <a:lnB w="9525" cap="flat" cmpd="sng" algn="ctr">
+                      <a:solidFill>
+                        <a:srgbClr val="DDDDDD"/>
+                      </a:solidFill>
+                      <a:prstDash val="solid"/>
+                      <a:round/>
+                      <a:headEnd type="none" w="med" len="med"/>
+                      <a:tailEnd type="none" w="med" len="med"/>
+                    </a:lnB>
+                    <a:solidFill>
+                      <a:srgbClr val="FFFFFF"/>
+                    </a:solidFill>
+                  </a:tcPr>
+                </a:tc>
+                <a:tc hMerge="1">
+                  <a:txBody>
+                    <a:bodyPr/>
+                    <a:lstStyle/>
+                    <a:p>
+                      <a:endParaRPr lang="en-US"/>
+                    </a:p>
+                  </a:txBody>
+                  <a:tcPr>
+                    <a:lnL w="9525" cap="flat" cmpd="sng" algn="ctr">
+                      <a:solidFill>
+                        <a:srgbClr val="DDDDDD"/>
+                      </a:solidFill>
+                      <a:prstDash val="solid"/>
+                      <a:round/>
+                      <a:headEnd type="none" w="med" len="med"/>
+                      <a:tailEnd type="none" w="med" len="med"/>
+                    </a:lnL>
+                    <a:lnR w="9525" cap="flat" cmpd="sng" algn="ctr">
+                      <a:solidFill>
+                        <a:srgbClr val="DDDDDD"/>
+                      </a:solidFill>
+                      <a:prstDash val="solid"/>
+                      <a:round/>
+                      <a:headEnd type="none" w="med" len="med"/>
+                      <a:tailEnd type="none" w="med" len="med"/>
+                    </a:lnR>
+                    <a:lnT w="9525" cap="flat" cmpd="sng" algn="ctr">
+                      <a:solidFill>
+                        <a:srgbClr val="DDDDDD"/>
+                      </a:solidFill>
+                      <a:prstDash val="solid"/>
+                      <a:round/>
+                      <a:headEnd type="none" w="med" len="med"/>
+                      <a:tailEnd type="none" w="med" len="med"/>
+                    </a:lnT>
+                    <a:lnB w="9525" cap="flat" cmpd="sng" algn="ctr">
+                      <a:solidFill>
+                        <a:srgbClr val="DDDDDD"/>
+                      </a:solidFill>
+                      <a:prstDash val="solid"/>
+                      <a:round/>
+                      <a:headEnd type="none" w="med" len="med"/>
+                      <a:tailEnd type="none" w="med" len="med"/>
+                    </a:lnB>
+                    <a:solidFill>
+                      <a:srgbClr val="FFFFFF"/>
+                    </a:solidFill>
+                  </a:tcPr>
+                </a:tc>
+                <a:tc hMerge="1">
+                  <a:txBody>
+                    <a:bodyPr/>
+                    <a:lstStyle/>
+                    <a:p>
+                      <a:endParaRPr lang="en-US"/>
+                    </a:p>
+                  </a:txBody>
+                  <a:tcPr>
+                    <a:lnL w="9525" cap="flat" cmpd="sng" algn="ctr">
+                      <a:solidFill>
+                        <a:srgbClr val="DDDDDD"/>
+                      </a:solidFill>
+                      <a:prstDash val="solid"/>
+                      <a:round/>
+                      <a:headEnd type="none" w="med" len="med"/>
+                      <a:tailEnd type="none" w="med" len="med"/>
+                    </a:lnL>
+                    <a:lnR w="9525" cap="flat" cmpd="sng" algn="ctr">
+                      <a:solidFill>
+                        <a:srgbClr val="DDDDDD"/>
+                      </a:solidFill>
+                      <a:prstDash val="solid"/>
+                      <a:round/>
+                      <a:headEnd type="none" w="med" len="med"/>
+                      <a:tailEnd type="none" w="med" len="med"/>
+                    </a:lnR>
+                    <a:lnT w="9525" cap="flat" cmpd="sng" algn="ctr">
+                      <a:solidFill>
+                        <a:srgbClr val="DDDDDD"/>
+                      </a:solidFill>
+                      <a:prstDash val="solid"/>
+                      <a:round/>
+                      <a:headEnd type="none" w="med" len="med"/>
+                      <a:tailEnd type="none" w="med" len="med"/>
+                    </a:lnT>
+                    <a:lnB w="9525" cap="flat" cmpd="sng" algn="ctr">
+                      <a:solidFill>
+                        <a:srgbClr val="DDDDDD"/>
+                      </a:solidFill>
+                      <a:prstDash val="solid"/>
+                      <a:round/>
+                      <a:headEnd type="none" w="med" len="med"/>
+                      <a:tailEnd type="none" w="med" len="med"/>
+                    </a:lnB>
+                    <a:solidFill>
+                      <a:srgbClr val="FFFFFF"/>
+                    </a:solidFill>
+                  </a:tcPr>
+                </a:tc>
+                <a:tc hMerge="1">
+                  <a:txBody>
+                    <a:bodyPr/>
+                    <a:lstStyle/>
+                    <a:p>
+                      <a:endParaRPr lang="en-US"/>
+                    </a:p>
+                  </a:txBody>
+                  <a:tcPr>
+                    <a:lnL w="9525" cap="flat" cmpd="sng" algn="ctr">
+                      <a:solidFill>
+                        <a:srgbClr val="DDDDDD"/>
+                      </a:solidFill>
+                      <a:prstDash val="solid"/>
+                      <a:round/>
+                      <a:headEnd type="none" w="med" len="med"/>
+                      <a:tailEnd type="none" w="med" len="med"/>
+                    </a:lnL>
+                    <a:lnR w="9525" cap="flat" cmpd="sng" algn="ctr">
+                      <a:solidFill>
+                        <a:srgbClr val="DDDDDD"/>
+                      </a:solidFill>
+                      <a:prstDash val="solid"/>
+                      <a:round/>
+                      <a:headEnd type="none" w="med" len="med"/>
+                      <a:tailEnd type="none" w="med" len="med"/>
+                    </a:lnR>
+                    <a:lnT w="9525" cap="flat" cmpd="sng" algn="ctr">
+                      <a:solidFill>
+                        <a:srgbClr val="DDDDDD"/>
+                      </a:solidFill>
+                      <a:prstDash val="solid"/>
+                      <a:round/>
+                      <a:headEnd type="none" w="med" len="med"/>
+                      <a:tailEnd type="none" w="med" len="med"/>
+                    </a:lnT>
+                    <a:lnB w="9525" cap="flat" cmpd="sng" algn="ctr">
+                      <a:solidFill>
+                        <a:srgbClr val="DDDDDD"/>
+                      </a:solidFill>
+                      <a:prstDash val="solid"/>
+                      <a:round/>
+                      <a:headEnd type="none" w="med" len="med"/>
+                      <a:tailEnd type="none" w="med" len="med"/>
+                    </a:lnB>
+                    <a:solidFill>
+                      <a:srgbClr val="FFFFFF"/>
+                    </a:solidFill>
+                  </a:tcPr>
+                </a:tc>
+                <a:tc hMerge="1">
+                  <a:txBody>
+                    <a:bodyPr/>
+                    <a:lstStyle/>
+                    <a:p>
+                      <a:endParaRPr lang="en-US"/>
+                    </a:p>
+                  </a:txBody>
+                  <a:tcPr>
+                    <a:lnL w="9525" cap="flat" cmpd="sng" algn="ctr">
+                      <a:solidFill>
+                        <a:srgbClr val="DDDDDD"/>
+                      </a:solidFill>
+                      <a:prstDash val="solid"/>
+                      <a:round/>
+                      <a:headEnd type="none" w="med" len="med"/>
+                      <a:tailEnd type="none" w="med" len="med"/>
+                    </a:lnL>
+                    <a:lnR w="9525" cap="flat" cmpd="sng" algn="ctr">
+                      <a:solidFill>
+                        <a:srgbClr val="DDDDDD"/>
+                      </a:solidFill>
+                      <a:prstDash val="solid"/>
+                      <a:round/>
+                      <a:headEnd type="none" w="med" len="med"/>
+                      <a:tailEnd type="none" w="med" len="med"/>
+                    </a:lnR>
+                    <a:lnT w="9525" cap="flat" cmpd="sng" algn="ctr">
+                      <a:solidFill>
+                        <a:srgbClr val="DDDDDD"/>
+                      </a:solidFill>
+                      <a:prstDash val="solid"/>
+                      <a:round/>
+                      <a:headEnd type="none" w="med" len="med"/>
+                      <a:tailEnd type="none" w="med" len="med"/>
+                    </a:lnT>
+                    <a:lnB w="9525" cap="flat" cmpd="sng" algn="ctr">
+                      <a:solidFill>
+                        <a:srgbClr val="DDDDDD"/>
+                      </a:solidFill>
+                      <a:prstDash val="solid"/>
+                      <a:round/>
+                      <a:headEnd type="none" w="med" len="med"/>
+                      <a:tailEnd type="none" w="med" len="med"/>
+                    </a:lnB>
+                    <a:solidFill>
+                      <a:srgbClr val="FFFFFF"/>
+                    </a:solidFill>
+                  </a:tcPr>
+                </a:tc>
+                <a:tc hMerge="1">
+                  <a:txBody>
+                    <a:bodyPr/>
+                    <a:lstStyle/>
+                    <a:p>
+                      <a:endParaRPr lang="en-US"/>
+                    </a:p>
+                  </a:txBody>
+                  <a:tcPr>
+                    <a:lnL w="9525" cap="flat" cmpd="sng" algn="ctr">
+                      <a:solidFill>
+                        <a:srgbClr val="DDDDDD"/>
+                      </a:solidFill>
+                      <a:prstDash val="solid"/>
+                      <a:round/>
+                      <a:headEnd type="none" w="med" len="med"/>
+                      <a:tailEnd type="none" w="med" len="med"/>
+                    </a:lnL>
+                    <a:lnR w="9525" cap="flat" cmpd="sng" algn="ctr">
+                      <a:solidFill>
+                        <a:srgbClr val="DDDDDD"/>
+                      </a:solidFill>
+                      <a:prstDash val="solid"/>
+                      <a:round/>
+                      <a:headEnd type="none" w="med" len="med"/>
+                      <a:tailEnd type="none" w="med" len="med"/>
+                    </a:lnR>
+                    <a:lnT w="9525" cap="flat" cmpd="sng" algn="ctr">
+                      <a:solidFill>
+                        <a:srgbClr val="DDDDDD"/>
+                      </a:solidFill>
+                      <a:prstDash val="solid"/>
+                      <a:round/>
+                      <a:headEnd type="none" w="med" len="med"/>
+                      <a:tailEnd type="none" w="med" len="med"/>
+                    </a:lnT>
+                    <a:lnB w="9525" cap="flat" cmpd="sng" algn="ctr">
+                      <a:solidFill>
+                        <a:srgbClr val="DDDDDD"/>
+                      </a:solidFill>
+                      <a:prstDash val="solid"/>
+                      <a:round/>
+                      <a:headEnd type="none" w="med" len="med"/>
+                      <a:tailEnd type="none" w="med" len="med"/>
+                    </a:lnB>
+                    <a:solidFill>
+                      <a:srgbClr val="FFFFFF"/>
+                    </a:solidFill>
+                  </a:tcPr>
+                </a:tc>
+                <a:tc hMerge="1">
+                  <a:txBody>
+                    <a:bodyPr/>
+                    <a:lstStyle/>
+                    <a:p>
+                      <a:endParaRPr lang="en-US"/>
+                    </a:p>
+                  </a:txBody>
+                  <a:tcPr>
+                    <a:lnL w="9525" cap="flat" cmpd="sng" algn="ctr">
+                      <a:solidFill>
+                        <a:srgbClr val="DDDDDD"/>
+                      </a:solidFill>
+                      <a:prstDash val="solid"/>
+                      <a:round/>
+                      <a:headEnd type="none" w="med" len="med"/>
+                      <a:tailEnd type="none" w="med" len="med"/>
+                    </a:lnL>
+                    <a:lnR w="9525" cap="flat" cmpd="sng" algn="ctr">
+                      <a:solidFill>
+                        <a:srgbClr val="DDDDDD"/>
+                      </a:solidFill>
+                      <a:prstDash val="solid"/>
+                      <a:round/>
+                      <a:headEnd type="none" w="med" len="med"/>
+                      <a:tailEnd type="none" w="med" len="med"/>
+                    </a:lnR>
+                    <a:lnT w="9525" cap="flat" cmpd="sng" algn="ctr">
+                      <a:solidFill>
+                        <a:srgbClr val="DDDDDD"/>
+                      </a:solidFill>
+                      <a:prstDash val="solid"/>
+                      <a:round/>
+                      <a:headEnd type="none" w="med" len="med"/>
+                      <a:tailEnd type="none" w="med" len="med"/>
+                    </a:lnT>
+                    <a:lnB w="9525" cap="flat" cmpd="sng" algn="ctr">
+                      <a:solidFill>
+                        <a:srgbClr val="DDDDDD"/>
+                      </a:solidFill>
+                      <a:prstDash val="solid"/>
+                      <a:round/>
+                      <a:headEnd type="none" w="med" len="med"/>
+                      <a:tailEnd type="none" w="med" len="med"/>
+                    </a:lnB>
+                    <a:solidFill>
+                      <a:srgbClr val="FFFFFF"/>
+                    </a:solidFill>
+                  </a:tcPr>
+                </a:tc>
+              </a:tr>
+              <a:tr h="297892">
+                <a:tc>
+                  <a:txBody>
+                    <a:bodyPr/>
+                    <a:lstStyle/>
+                    <a:p>
+                      <a:pPr algn="l" fontAlgn="b"/>
+                      <a:r>
+                        <a:rPr lang="en-US" sz="1800" b="1" dirty="0" smtClean="0">
+                          <a:effectLst/>
+                        </a:rPr>
+                        <a:t>7</a:t>
+                      </a:r>
+                      <a:endParaRPr lang="en-US" sz="1800" b="1" dirty="0">
+                        <a:effectLst/>
+                      </a:endParaRPr>
+                    </a:p>
+                  </a:txBody>
+                  <a:tcPr marL="53195" marR="53195" marT="53195" marB="53195" anchor="b">
+                    <a:lnL w="9525" cap="flat" cmpd="sng" algn="ctr">
+                      <a:solidFill>
+                        <a:srgbClr val="DDDDDD"/>
+                      </a:solidFill>
+                      <a:prstDash val="solid"/>
+                      <a:round/>
+                      <a:headEnd type="none" w="med" len="med"/>
+                      <a:tailEnd type="none" w="med" len="med"/>
+                    </a:lnL>
+                    <a:lnR w="9525" cap="flat" cmpd="sng" algn="ctr">
+                      <a:solidFill>
+                        <a:srgbClr val="DDDDDD"/>
+                      </a:solidFill>
+                      <a:prstDash val="solid"/>
+                      <a:round/>
+                      <a:headEnd type="none" w="med" len="med"/>
+                      <a:tailEnd type="none" w="med" len="med"/>
+                    </a:lnR>
+                    <a:lnT w="9525" cap="flat" cmpd="sng" algn="ctr">
+                      <a:solidFill>
+                        <a:srgbClr val="DDDDDD"/>
+                      </a:solidFill>
+                      <a:prstDash val="solid"/>
+                      <a:round/>
+                      <a:headEnd type="none" w="med" len="med"/>
+                      <a:tailEnd type="none" w="med" len="med"/>
+                    </a:lnT>
+                    <a:lnB w="9525" cap="flat" cmpd="sng" algn="ctr">
+                      <a:solidFill>
+                        <a:srgbClr val="DDDDDD"/>
+                      </a:solidFill>
+                      <a:prstDash val="solid"/>
+                      <a:round/>
+                      <a:headEnd type="none" w="med" len="med"/>
+                      <a:tailEnd type="none" w="med" len="med"/>
+                    </a:lnB>
+                    <a:solidFill>
+                      <a:srgbClr val="FFFFFF"/>
+                    </a:solidFill>
+                  </a:tcPr>
+                </a:tc>
+                <a:tc>
+                  <a:txBody>
+                    <a:bodyPr/>
+                    <a:lstStyle/>
+                    <a:p>
+                      <a:pPr algn="l" fontAlgn="b"/>
+                      <a:r>
+                        <a:rPr lang="en-US" sz="1800" b="1" dirty="0">
+                          <a:effectLst/>
+                        </a:rPr>
+                        <a:t>6</a:t>
+                      </a:r>
+                    </a:p>
+                  </a:txBody>
+                  <a:tcPr marL="53195" marR="53195" marT="53195" marB="53195" anchor="b">
+                    <a:lnL w="9525" cap="flat" cmpd="sng" algn="ctr">
+                      <a:solidFill>
+                        <a:srgbClr val="DDDDDD"/>
+                      </a:solidFill>
+                      <a:prstDash val="solid"/>
+                      <a:round/>
+                      <a:headEnd type="none" w="med" len="med"/>
+                      <a:tailEnd type="none" w="med" len="med"/>
+                    </a:lnL>
+                    <a:lnR w="9525" cap="flat" cmpd="sng" algn="ctr">
+                      <a:solidFill>
+                        <a:srgbClr val="DDDDDD"/>
+                      </a:solidFill>
+                      <a:prstDash val="solid"/>
+                      <a:round/>
+                      <a:headEnd type="none" w="med" len="med"/>
+                      <a:tailEnd type="none" w="med" len="med"/>
+                    </a:lnR>
+                    <a:lnT w="9525" cap="flat" cmpd="sng" algn="ctr">
+                      <a:solidFill>
+                        <a:srgbClr val="DDDDDD"/>
+                      </a:solidFill>
+                      <a:prstDash val="solid"/>
+                      <a:round/>
+                      <a:headEnd type="none" w="med" len="med"/>
+                      <a:tailEnd type="none" w="med" len="med"/>
+                    </a:lnT>
+                    <a:lnB w="9525" cap="flat" cmpd="sng" algn="ctr">
+                      <a:solidFill>
+                        <a:srgbClr val="DDDDDD"/>
+                      </a:solidFill>
+                      <a:prstDash val="solid"/>
+                      <a:round/>
+                      <a:headEnd type="none" w="med" len="med"/>
+                      <a:tailEnd type="none" w="med" len="med"/>
+                    </a:lnB>
+                    <a:solidFill>
+                      <a:srgbClr val="FFFFFF"/>
+                    </a:solidFill>
+                  </a:tcPr>
+                </a:tc>
+                <a:tc>
+                  <a:txBody>
+                    <a:bodyPr/>
+                    <a:lstStyle/>
+                    <a:p>
+                      <a:pPr algn="l" fontAlgn="b"/>
+                      <a:r>
+                        <a:rPr lang="en-US" sz="1800" b="1" dirty="0">
+                          <a:effectLst/>
+                        </a:rPr>
+                        <a:t>5</a:t>
+                      </a:r>
+                    </a:p>
+                  </a:txBody>
+                  <a:tcPr marL="53195" marR="53195" marT="53195" marB="53195" anchor="b">
+                    <a:lnL w="9525" cap="flat" cmpd="sng" algn="ctr">
+                      <a:solidFill>
+                        <a:srgbClr val="DDDDDD"/>
+                      </a:solidFill>
+                      <a:prstDash val="solid"/>
+                      <a:round/>
+                      <a:headEnd type="none" w="med" len="med"/>
+                      <a:tailEnd type="none" w="med" len="med"/>
+                    </a:lnL>
+                    <a:lnR w="9525" cap="flat" cmpd="sng" algn="ctr">
+                      <a:solidFill>
+                        <a:srgbClr val="DDDDDD"/>
+                      </a:solidFill>
+                      <a:prstDash val="solid"/>
+                      <a:round/>
+                      <a:headEnd type="none" w="med" len="med"/>
+                      <a:tailEnd type="none" w="med" len="med"/>
+                    </a:lnR>
+                    <a:lnT w="9525" cap="flat" cmpd="sng" algn="ctr">
+                      <a:solidFill>
+                        <a:srgbClr val="DDDDDD"/>
+                      </a:solidFill>
+                      <a:prstDash val="solid"/>
+                      <a:round/>
+                      <a:headEnd type="none" w="med" len="med"/>
+                      <a:tailEnd type="none" w="med" len="med"/>
+                    </a:lnT>
+                    <a:lnB w="9525" cap="flat" cmpd="sng" algn="ctr">
+                      <a:solidFill>
+                        <a:srgbClr val="DDDDDD"/>
+                      </a:solidFill>
+                      <a:prstDash val="solid"/>
+                      <a:round/>
+                      <a:headEnd type="none" w="med" len="med"/>
+                      <a:tailEnd type="none" w="med" len="med"/>
+                    </a:lnB>
+                    <a:solidFill>
+                      <a:srgbClr val="FFFFFF"/>
+                    </a:solidFill>
+                  </a:tcPr>
+                </a:tc>
+                <a:tc>
+                  <a:txBody>
+                    <a:bodyPr/>
+                    <a:lstStyle/>
+                    <a:p>
+                      <a:pPr algn="l" fontAlgn="b"/>
+                      <a:r>
+                        <a:rPr lang="en-US" sz="1800" b="1" dirty="0">
+                          <a:effectLst/>
+                        </a:rPr>
+                        <a:t>4</a:t>
+                      </a:r>
+                    </a:p>
+                  </a:txBody>
+                  <a:tcPr marL="53195" marR="53195" marT="53195" marB="53195" anchor="b">
+                    <a:lnL w="9525" cap="flat" cmpd="sng" algn="ctr">
+                      <a:solidFill>
+                        <a:srgbClr val="DDDDDD"/>
+                      </a:solidFill>
+                      <a:prstDash val="solid"/>
+                      <a:round/>
+                      <a:headEnd type="none" w="med" len="med"/>
+                      <a:tailEnd type="none" w="med" len="med"/>
+                    </a:lnL>
+                    <a:lnR w="9525" cap="flat" cmpd="sng" algn="ctr">
+                      <a:solidFill>
+                        <a:srgbClr val="DDDDDD"/>
+                      </a:solidFill>
+                      <a:prstDash val="solid"/>
+                      <a:round/>
+                      <a:headEnd type="none" w="med" len="med"/>
+                      <a:tailEnd type="none" w="med" len="med"/>
+                    </a:lnR>
+                    <a:lnT w="9525" cap="flat" cmpd="sng" algn="ctr">
+                      <a:solidFill>
+                        <a:srgbClr val="DDDDDD"/>
+                      </a:solidFill>
+                      <a:prstDash val="solid"/>
+                      <a:round/>
+                      <a:headEnd type="none" w="med" len="med"/>
+                      <a:tailEnd type="none" w="med" len="med"/>
+                    </a:lnT>
+                    <a:lnB w="9525" cap="flat" cmpd="sng" algn="ctr">
+                      <a:solidFill>
+                        <a:srgbClr val="DDDDDD"/>
+                      </a:solidFill>
+                      <a:prstDash val="solid"/>
+                      <a:round/>
+                      <a:headEnd type="none" w="med" len="med"/>
+                      <a:tailEnd type="none" w="med" len="med"/>
+                    </a:lnB>
+                    <a:solidFill>
+                      <a:srgbClr val="FFFFFF"/>
+                    </a:solidFill>
+                  </a:tcPr>
+                </a:tc>
+                <a:tc>
+                  <a:txBody>
+                    <a:bodyPr/>
+                    <a:lstStyle/>
+                    <a:p>
+                      <a:pPr algn="l" fontAlgn="b"/>
+                      <a:r>
+                        <a:rPr lang="en-US" sz="1800" b="1" dirty="0" smtClean="0">
+                          <a:effectLst/>
+                        </a:rPr>
+                        <a:t>3</a:t>
+                      </a:r>
+                      <a:endParaRPr lang="en-US" sz="1800" b="1" dirty="0">
+                        <a:effectLst/>
+                      </a:endParaRPr>
+                    </a:p>
+                  </a:txBody>
+                  <a:tcPr marL="53195" marR="53195" marT="53195" marB="53195" anchor="b">
+                    <a:lnL w="9525" cap="flat" cmpd="sng" algn="ctr">
+                      <a:solidFill>
+                        <a:srgbClr val="DDDDDD"/>
+                      </a:solidFill>
+                      <a:prstDash val="solid"/>
+                      <a:round/>
+                      <a:headEnd type="none" w="med" len="med"/>
+                      <a:tailEnd type="none" w="med" len="med"/>
+                    </a:lnL>
+                    <a:lnR w="9525" cap="flat" cmpd="sng" algn="ctr">
+                      <a:solidFill>
+                        <a:srgbClr val="DDDDDD"/>
+                      </a:solidFill>
+                      <a:prstDash val="solid"/>
+                      <a:round/>
+                      <a:headEnd type="none" w="med" len="med"/>
+                      <a:tailEnd type="none" w="med" len="med"/>
+                    </a:lnR>
+                    <a:lnT w="9525" cap="flat" cmpd="sng" algn="ctr">
+                      <a:solidFill>
+                        <a:srgbClr val="DDDDDD"/>
+                      </a:solidFill>
+                      <a:prstDash val="solid"/>
+                      <a:round/>
+                      <a:headEnd type="none" w="med" len="med"/>
+                      <a:tailEnd type="none" w="med" len="med"/>
+                    </a:lnT>
+                    <a:lnB w="9525" cap="flat" cmpd="sng" algn="ctr">
+                      <a:solidFill>
+                        <a:srgbClr val="DDDDDD"/>
+                      </a:solidFill>
+                      <a:prstDash val="solid"/>
+                      <a:round/>
+                      <a:headEnd type="none" w="med" len="med"/>
+                      <a:tailEnd type="none" w="med" len="med"/>
+                    </a:lnB>
+                    <a:solidFill>
+                      <a:srgbClr val="FFFFFF"/>
+                    </a:solidFill>
+                  </a:tcPr>
+                </a:tc>
+                <a:tc>
+                  <a:txBody>
+                    <a:bodyPr/>
+                    <a:lstStyle/>
+                    <a:p>
+                      <a:pPr algn="l" fontAlgn="b"/>
+                      <a:r>
+                        <a:rPr lang="en-US" sz="1800" b="1" dirty="0">
+                          <a:effectLst/>
+                        </a:rPr>
+                        <a:t>2</a:t>
+                      </a:r>
+                    </a:p>
+                  </a:txBody>
+                  <a:tcPr marL="53195" marR="53195" marT="53195" marB="53195" anchor="b">
+                    <a:lnL w="9525" cap="flat" cmpd="sng" algn="ctr">
+                      <a:solidFill>
+                        <a:srgbClr val="DDDDDD"/>
+                      </a:solidFill>
+                      <a:prstDash val="solid"/>
+                      <a:round/>
+                      <a:headEnd type="none" w="med" len="med"/>
+                      <a:tailEnd type="none" w="med" len="med"/>
+                    </a:lnL>
+                    <a:lnR w="9525" cap="flat" cmpd="sng" algn="ctr">
+                      <a:solidFill>
+                        <a:srgbClr val="DDDDDD"/>
+                      </a:solidFill>
+                      <a:prstDash val="solid"/>
+                      <a:round/>
+                      <a:headEnd type="none" w="med" len="med"/>
+                      <a:tailEnd type="none" w="med" len="med"/>
+                    </a:lnR>
+                    <a:lnT w="9525" cap="flat" cmpd="sng" algn="ctr">
+                      <a:solidFill>
+                        <a:srgbClr val="DDDDDD"/>
+                      </a:solidFill>
+                      <a:prstDash val="solid"/>
+                      <a:round/>
+                      <a:headEnd type="none" w="med" len="med"/>
+                      <a:tailEnd type="none" w="med" len="med"/>
+                    </a:lnT>
+                    <a:lnB w="9525" cap="flat" cmpd="sng" algn="ctr">
+                      <a:solidFill>
+                        <a:srgbClr val="DDDDDD"/>
+                      </a:solidFill>
+                      <a:prstDash val="solid"/>
+                      <a:round/>
+                      <a:headEnd type="none" w="med" len="med"/>
+                      <a:tailEnd type="none" w="med" len="med"/>
+                    </a:lnB>
+                    <a:solidFill>
+                      <a:srgbClr val="FFFFFF"/>
+                    </a:solidFill>
+                  </a:tcPr>
+                </a:tc>
+                <a:tc>
+                  <a:txBody>
+                    <a:bodyPr/>
+                    <a:lstStyle/>
+                    <a:p>
+                      <a:pPr algn="l" fontAlgn="b"/>
+                      <a:r>
+                        <a:rPr lang="en-US" sz="1800" b="1" dirty="0">
+                          <a:effectLst/>
+                        </a:rPr>
+                        <a:t>1</a:t>
+                      </a:r>
+                    </a:p>
+                  </a:txBody>
+                  <a:tcPr marL="53195" marR="53195" marT="53195" marB="53195" anchor="b">
+                    <a:lnL w="9525" cap="flat" cmpd="sng" algn="ctr">
+                      <a:solidFill>
+                        <a:srgbClr val="DDDDDD"/>
+                      </a:solidFill>
+                      <a:prstDash val="solid"/>
+                      <a:round/>
+                      <a:headEnd type="none" w="med" len="med"/>
+                      <a:tailEnd type="none" w="med" len="med"/>
+                    </a:lnL>
+                    <a:lnR w="9525" cap="flat" cmpd="sng" algn="ctr">
+                      <a:solidFill>
+                        <a:srgbClr val="DDDDDD"/>
+                      </a:solidFill>
+                      <a:prstDash val="solid"/>
+                      <a:round/>
+                      <a:headEnd type="none" w="med" len="med"/>
+                      <a:tailEnd type="none" w="med" len="med"/>
+                    </a:lnR>
+                    <a:lnT w="9525" cap="flat" cmpd="sng" algn="ctr">
+                      <a:solidFill>
+                        <a:srgbClr val="DDDDDD"/>
+                      </a:solidFill>
+                      <a:prstDash val="solid"/>
+                      <a:round/>
+                      <a:headEnd type="none" w="med" len="med"/>
+                      <a:tailEnd type="none" w="med" len="med"/>
+                    </a:lnT>
+                    <a:lnB w="9525" cap="flat" cmpd="sng" algn="ctr">
+                      <a:solidFill>
+                        <a:srgbClr val="DDDDDD"/>
+                      </a:solidFill>
+                      <a:prstDash val="solid"/>
+                      <a:round/>
+                      <a:headEnd type="none" w="med" len="med"/>
+                      <a:tailEnd type="none" w="med" len="med"/>
+                    </a:lnB>
+                    <a:solidFill>
+                      <a:srgbClr val="FFFFFF"/>
+                    </a:solidFill>
+                  </a:tcPr>
+                </a:tc>
+                <a:tc>
+                  <a:txBody>
+                    <a:bodyPr/>
+                    <a:lstStyle/>
+                    <a:p>
+                      <a:pPr algn="l" fontAlgn="b"/>
+                      <a:r>
+                        <a:rPr lang="en-US" sz="1800" b="1" dirty="0">
+                          <a:effectLst/>
+                        </a:rPr>
+                        <a:t>0</a:t>
+                      </a:r>
+                    </a:p>
+                  </a:txBody>
+                  <a:tcPr marL="53195" marR="53195" marT="53195" marB="53195" anchor="b">
+                    <a:lnL w="9525" cap="flat" cmpd="sng" algn="ctr">
+                      <a:solidFill>
+                        <a:srgbClr val="DDDDDD"/>
+                      </a:solidFill>
+                      <a:prstDash val="solid"/>
+                      <a:round/>
+                      <a:headEnd type="none" w="med" len="med"/>
+                      <a:tailEnd type="none" w="med" len="med"/>
+                    </a:lnL>
+                    <a:lnR w="9525" cap="flat" cmpd="sng" algn="ctr">
+                      <a:solidFill>
+                        <a:srgbClr val="DDDDDD"/>
+                      </a:solidFill>
+                      <a:prstDash val="solid"/>
+                      <a:round/>
+                      <a:headEnd type="none" w="med" len="med"/>
+                      <a:tailEnd type="none" w="med" len="med"/>
+                    </a:lnR>
+                    <a:lnT w="9525" cap="flat" cmpd="sng" algn="ctr">
+                      <a:solidFill>
+                        <a:srgbClr val="DDDDDD"/>
+                      </a:solidFill>
+                      <a:prstDash val="solid"/>
+                      <a:round/>
+                      <a:headEnd type="none" w="med" len="med"/>
+                      <a:tailEnd type="none" w="med" len="med"/>
+                    </a:lnT>
+                    <a:lnB w="9525" cap="flat" cmpd="sng" algn="ctr">
+                      <a:solidFill>
+                        <a:srgbClr val="DDDDDD"/>
+                      </a:solidFill>
+                      <a:prstDash val="solid"/>
+                      <a:round/>
+                      <a:headEnd type="none" w="med" len="med"/>
+                      <a:tailEnd type="none" w="med" len="med"/>
+                    </a:lnB>
+                    <a:solidFill>
+                      <a:srgbClr val="FFFFFF"/>
+                    </a:solidFill>
+                  </a:tcPr>
+                </a:tc>
+              </a:tr>
+              <a:tr h="493884">
+                <a:tc>
+                  <a:txBody>
+                    <a:bodyPr/>
+                    <a:lstStyle/>
+                    <a:p>
+                      <a:pPr algn="l" fontAlgn="t"/>
+                      <a:r>
+                        <a:rPr lang="en-US" sz="1400" dirty="0">
+                          <a:effectLst/>
+                        </a:rPr>
+                        <a:t>WDTHOLD</a:t>
+                      </a:r>
+                    </a:p>
+                  </a:txBody>
+                  <a:tcPr marL="53195" marR="53195" marT="53195" marB="53195" anchor="ctr">
+                    <a:lnL w="9525" cap="flat" cmpd="sng" algn="ctr">
+                      <a:solidFill>
+                        <a:srgbClr val="DDDDDD"/>
+                      </a:solidFill>
+                      <a:prstDash val="solid"/>
+                      <a:round/>
+                      <a:headEnd type="none" w="med" len="med"/>
+                      <a:tailEnd type="none" w="med" len="med"/>
+                    </a:lnL>
+                    <a:lnR w="9525" cap="flat" cmpd="sng" algn="ctr">
+                      <a:solidFill>
+                        <a:srgbClr val="DDDDDD"/>
+                      </a:solidFill>
+                      <a:prstDash val="solid"/>
+                      <a:round/>
+                      <a:headEnd type="none" w="med" len="med"/>
+                      <a:tailEnd type="none" w="med" len="med"/>
+                    </a:lnR>
+                    <a:lnT w="9525" cap="flat" cmpd="sng" algn="ctr">
+                      <a:solidFill>
+                        <a:srgbClr val="DDDDDD"/>
+                      </a:solidFill>
+                      <a:prstDash val="solid"/>
+                      <a:round/>
+                      <a:headEnd type="none" w="med" len="med"/>
+                      <a:tailEnd type="none" w="med" len="med"/>
+                    </a:lnT>
+                    <a:lnB w="9525" cap="flat" cmpd="sng" algn="ctr">
+                      <a:solidFill>
+                        <a:srgbClr val="DDDDDD"/>
+                      </a:solidFill>
+                      <a:prstDash val="solid"/>
+                      <a:round/>
+                      <a:headEnd type="none" w="med" len="med"/>
+                      <a:tailEnd type="none" w="med" len="med"/>
+                    </a:lnB>
+                    <a:solidFill>
+                      <a:schemeClr val="bg1">
+                        <a:lumMod val="95000"/>
+                      </a:schemeClr>
+                    </a:solidFill>
+                  </a:tcPr>
+                </a:tc>
+                <a:tc>
+                  <a:txBody>
+                    <a:bodyPr/>
+                    <a:lstStyle/>
+                    <a:p>
+                      <a:pPr algn="l" fontAlgn="t"/>
+                      <a:r>
+                        <a:rPr lang="en-US" sz="1400" dirty="0">
+                          <a:effectLst/>
+                        </a:rPr>
+                        <a:t>WDTNMIES</a:t>
+                      </a:r>
+                    </a:p>
+                  </a:txBody>
+                  <a:tcPr marL="53195" marR="53195" marT="53195" marB="53195" anchor="ctr">
+                    <a:lnL w="9525" cap="flat" cmpd="sng" algn="ctr">
+                      <a:solidFill>
+                        <a:srgbClr val="DDDDDD"/>
+                      </a:solidFill>
+                      <a:prstDash val="solid"/>
+                      <a:round/>
+                      <a:headEnd type="none" w="med" len="med"/>
+                      <a:tailEnd type="none" w="med" len="med"/>
+                    </a:lnL>
+                    <a:lnR w="9525" cap="flat" cmpd="sng" algn="ctr">
+                      <a:solidFill>
+                        <a:srgbClr val="DDDDDD"/>
+                      </a:solidFill>
+                      <a:prstDash val="solid"/>
+                      <a:round/>
+                      <a:headEnd type="none" w="med" len="med"/>
+                      <a:tailEnd type="none" w="med" len="med"/>
+                    </a:lnR>
+                    <a:lnT w="9525" cap="flat" cmpd="sng" algn="ctr">
+                      <a:solidFill>
+                        <a:srgbClr val="DDDDDD"/>
+                      </a:solidFill>
+                      <a:prstDash val="solid"/>
+                      <a:round/>
+                      <a:headEnd type="none" w="med" len="med"/>
+                      <a:tailEnd type="none" w="med" len="med"/>
+                    </a:lnT>
+                    <a:lnB w="9525" cap="flat" cmpd="sng" algn="ctr">
+                      <a:solidFill>
+                        <a:srgbClr val="DDDDDD"/>
+                      </a:solidFill>
+                      <a:prstDash val="solid"/>
+                      <a:round/>
+                      <a:headEnd type="none" w="med" len="med"/>
+                      <a:tailEnd type="none" w="med" len="med"/>
+                    </a:lnB>
+                    <a:solidFill>
+                      <a:schemeClr val="bg1">
+                        <a:lumMod val="95000"/>
+                      </a:schemeClr>
+                    </a:solidFill>
+                  </a:tcPr>
+                </a:tc>
+                <a:tc>
+                  <a:txBody>
+                    <a:bodyPr/>
+                    <a:lstStyle/>
+                    <a:p>
+                      <a:pPr algn="l" fontAlgn="t"/>
+                      <a:r>
+                        <a:rPr lang="en-US" sz="1400" dirty="0">
+                          <a:effectLst/>
+                        </a:rPr>
+                        <a:t>WDTNMI</a:t>
+                      </a:r>
+                    </a:p>
+                  </a:txBody>
+                  <a:tcPr marL="53195" marR="53195" marT="53195" marB="53195" anchor="ctr">
+                    <a:lnL w="9525" cap="flat" cmpd="sng" algn="ctr">
+                      <a:solidFill>
+                        <a:srgbClr val="DDDDDD"/>
+                      </a:solidFill>
+                      <a:prstDash val="solid"/>
+                      <a:round/>
+                      <a:headEnd type="none" w="med" len="med"/>
+                      <a:tailEnd type="none" w="med" len="med"/>
+                    </a:lnL>
+                    <a:lnR w="9525" cap="flat" cmpd="sng" algn="ctr">
+                      <a:solidFill>
+                        <a:srgbClr val="DDDDDD"/>
+                      </a:solidFill>
+                      <a:prstDash val="solid"/>
+                      <a:round/>
+                      <a:headEnd type="none" w="med" len="med"/>
+                      <a:tailEnd type="none" w="med" len="med"/>
+                    </a:lnR>
+                    <a:lnT w="9525" cap="flat" cmpd="sng" algn="ctr">
+                      <a:solidFill>
+                        <a:srgbClr val="DDDDDD"/>
+                      </a:solidFill>
+                      <a:prstDash val="solid"/>
+                      <a:round/>
+                      <a:headEnd type="none" w="med" len="med"/>
+                      <a:tailEnd type="none" w="med" len="med"/>
+                    </a:lnT>
+                    <a:lnB w="9525" cap="flat" cmpd="sng" algn="ctr">
+                      <a:solidFill>
+                        <a:srgbClr val="DDDDDD"/>
+                      </a:solidFill>
+                      <a:prstDash val="solid"/>
+                      <a:round/>
+                      <a:headEnd type="none" w="med" len="med"/>
+                      <a:tailEnd type="none" w="med" len="med"/>
+                    </a:lnB>
+                    <a:solidFill>
+                      <a:schemeClr val="bg1">
+                        <a:lumMod val="95000"/>
+                      </a:schemeClr>
+                    </a:solidFill>
+                  </a:tcPr>
+                </a:tc>
+                <a:tc>
+                  <a:txBody>
+                    <a:bodyPr/>
+                    <a:lstStyle/>
+                    <a:p>
+                      <a:pPr algn="l" fontAlgn="t"/>
+                      <a:r>
+                        <a:rPr lang="en-US" sz="1400" dirty="0">
+                          <a:effectLst/>
+                        </a:rPr>
+                        <a:t>WDTTMSEL</a:t>
+                      </a:r>
+                    </a:p>
+                  </a:txBody>
+                  <a:tcPr marL="53195" marR="53195" marT="53195" marB="53195" anchor="ctr">
+                    <a:lnL w="9525" cap="flat" cmpd="sng" algn="ctr">
+                      <a:solidFill>
+                        <a:srgbClr val="DDDDDD"/>
+                      </a:solidFill>
+                      <a:prstDash val="solid"/>
+                      <a:round/>
+                      <a:headEnd type="none" w="med" len="med"/>
+                      <a:tailEnd type="none" w="med" len="med"/>
+                    </a:lnL>
+                    <a:lnR w="9525" cap="flat" cmpd="sng" algn="ctr">
+                      <a:solidFill>
+                        <a:srgbClr val="DDDDDD"/>
+                      </a:solidFill>
+                      <a:prstDash val="solid"/>
+                      <a:round/>
+                      <a:headEnd type="none" w="med" len="med"/>
+                      <a:tailEnd type="none" w="med" len="med"/>
+                    </a:lnR>
+                    <a:lnT w="9525" cap="flat" cmpd="sng" algn="ctr">
+                      <a:solidFill>
+                        <a:srgbClr val="DDDDDD"/>
+                      </a:solidFill>
+                      <a:prstDash val="solid"/>
+                      <a:round/>
+                      <a:headEnd type="none" w="med" len="med"/>
+                      <a:tailEnd type="none" w="med" len="med"/>
+                    </a:lnT>
+                    <a:lnB w="9525" cap="flat" cmpd="sng" algn="ctr">
+                      <a:solidFill>
+                        <a:srgbClr val="DDDDDD"/>
+                      </a:solidFill>
+                      <a:prstDash val="solid"/>
+                      <a:round/>
+                      <a:headEnd type="none" w="med" len="med"/>
+                      <a:tailEnd type="none" w="med" len="med"/>
+                    </a:lnB>
+                    <a:solidFill>
+                      <a:schemeClr val="bg1">
+                        <a:lumMod val="95000"/>
+                      </a:schemeClr>
+                    </a:solidFill>
+                  </a:tcPr>
+                </a:tc>
+                <a:tc>
+                  <a:txBody>
+                    <a:bodyPr/>
+                    <a:lstStyle/>
+                    <a:p>
+                      <a:pPr algn="l" fontAlgn="t"/>
+                      <a:r>
+                        <a:rPr lang="en-US" sz="1400" dirty="0">
+                          <a:effectLst/>
+                        </a:rPr>
+                        <a:t>WDTCNTCL</a:t>
+                      </a:r>
+                    </a:p>
+                  </a:txBody>
+                  <a:tcPr marL="53195" marR="53195" marT="53195" marB="53195" anchor="ctr">
+                    <a:lnL w="9525" cap="flat" cmpd="sng" algn="ctr">
+                      <a:solidFill>
+                        <a:srgbClr val="DDDDDD"/>
+                      </a:solidFill>
+                      <a:prstDash val="solid"/>
+                      <a:round/>
+                      <a:headEnd type="none" w="med" len="med"/>
+                      <a:tailEnd type="none" w="med" len="med"/>
+                    </a:lnL>
+                    <a:lnR w="9525" cap="flat" cmpd="sng" algn="ctr">
+                      <a:solidFill>
+                        <a:srgbClr val="DDDDDD"/>
+                      </a:solidFill>
+                      <a:prstDash val="solid"/>
+                      <a:round/>
+                      <a:headEnd type="none" w="med" len="med"/>
+                      <a:tailEnd type="none" w="med" len="med"/>
+                    </a:lnR>
+                    <a:lnT w="9525" cap="flat" cmpd="sng" algn="ctr">
+                      <a:solidFill>
+                        <a:srgbClr val="DDDDDD"/>
+                      </a:solidFill>
+                      <a:prstDash val="solid"/>
+                      <a:round/>
+                      <a:headEnd type="none" w="med" len="med"/>
+                      <a:tailEnd type="none" w="med" len="med"/>
+                    </a:lnT>
+                    <a:lnB w="9525" cap="flat" cmpd="sng" algn="ctr">
+                      <a:solidFill>
+                        <a:srgbClr val="DDDDDD"/>
+                      </a:solidFill>
+                      <a:prstDash val="solid"/>
+                      <a:round/>
+                      <a:headEnd type="none" w="med" len="med"/>
+                      <a:tailEnd type="none" w="med" len="med"/>
+                    </a:lnB>
+                    <a:solidFill>
+                      <a:schemeClr val="bg1">
+                        <a:lumMod val="95000"/>
+                      </a:schemeClr>
+                    </a:solidFill>
+                  </a:tcPr>
+                </a:tc>
+                <a:tc>
+                  <a:txBody>
+                    <a:bodyPr/>
+                    <a:lstStyle/>
+                    <a:p>
+                      <a:pPr algn="l" fontAlgn="t"/>
+                      <a:r>
+                        <a:rPr lang="en-US" sz="1400" dirty="0">
+                          <a:effectLst/>
+                        </a:rPr>
+                        <a:t>WDTSSEL</a:t>
+                      </a:r>
+                    </a:p>
+                  </a:txBody>
+                  <a:tcPr marL="53195" marR="53195" marT="53195" marB="53195" anchor="ctr">
+                    <a:lnL w="9525" cap="flat" cmpd="sng" algn="ctr">
+                      <a:solidFill>
+                        <a:srgbClr val="DDDDDD"/>
+                      </a:solidFill>
+                      <a:prstDash val="solid"/>
+                      <a:round/>
+                      <a:headEnd type="none" w="med" len="med"/>
+                      <a:tailEnd type="none" w="med" len="med"/>
+                    </a:lnL>
+                    <a:lnR w="9525" cap="flat" cmpd="sng" algn="ctr">
+                      <a:solidFill>
+                        <a:srgbClr val="DDDDDD"/>
+                      </a:solidFill>
+                      <a:prstDash val="solid"/>
+                      <a:round/>
+                      <a:headEnd type="none" w="med" len="med"/>
+                      <a:tailEnd type="none" w="med" len="med"/>
+                    </a:lnR>
+                    <a:lnT w="9525" cap="flat" cmpd="sng" algn="ctr">
+                      <a:solidFill>
+                        <a:srgbClr val="DDDDDD"/>
+                      </a:solidFill>
+                      <a:prstDash val="solid"/>
+                      <a:round/>
+                      <a:headEnd type="none" w="med" len="med"/>
+                      <a:tailEnd type="none" w="med" len="med"/>
+                    </a:lnT>
+                    <a:lnB w="9525" cap="flat" cmpd="sng" algn="ctr">
+                      <a:solidFill>
+                        <a:srgbClr val="DDDDDD"/>
+                      </a:solidFill>
+                      <a:prstDash val="solid"/>
+                      <a:round/>
+                      <a:headEnd type="none" w="med" len="med"/>
+                      <a:tailEnd type="none" w="med" len="med"/>
+                    </a:lnB>
+                    <a:solidFill>
+                      <a:schemeClr val="bg1">
+                        <a:lumMod val="95000"/>
+                      </a:schemeClr>
+                    </a:solidFill>
+                  </a:tcPr>
+                </a:tc>
+                <a:tc gridSpan="2">
+                  <a:txBody>
+                    <a:bodyPr/>
+                    <a:lstStyle/>
+                    <a:p>
+                      <a:pPr algn="l" fontAlgn="t"/>
+                      <a:r>
+                        <a:rPr lang="en-US" sz="1400" dirty="0" err="1">
+                          <a:effectLst/>
+                        </a:rPr>
+                        <a:t>WDTISx</a:t>
+                      </a:r>
+                      <a:endParaRPr lang="en-US" sz="1400" dirty="0">
+                        <a:effectLst/>
+                      </a:endParaRPr>
+                    </a:p>
+                  </a:txBody>
+                  <a:tcPr marL="53195" marR="53195" marT="53195" marB="53195" anchor="ctr">
+                    <a:lnL w="9525" cap="flat" cmpd="sng" algn="ctr">
+                      <a:solidFill>
+                        <a:srgbClr val="DDDDDD"/>
+                      </a:solidFill>
+                      <a:prstDash val="solid"/>
+                      <a:round/>
+                      <a:headEnd type="none" w="med" len="med"/>
+                      <a:tailEnd type="none" w="med" len="med"/>
+                    </a:lnL>
+                    <a:lnR w="9525" cap="flat" cmpd="sng" algn="ctr">
+                      <a:solidFill>
+                        <a:srgbClr val="DDDDDD"/>
+                      </a:solidFill>
+                      <a:prstDash val="solid"/>
+                      <a:round/>
+                      <a:headEnd type="none" w="med" len="med"/>
+                      <a:tailEnd type="none" w="med" len="med"/>
+                    </a:lnR>
+                    <a:lnT w="9525" cap="flat" cmpd="sng" algn="ctr">
+                      <a:solidFill>
+                        <a:srgbClr val="DDDDDD"/>
+                      </a:solidFill>
+                      <a:prstDash val="solid"/>
+                      <a:round/>
+                      <a:headEnd type="none" w="med" len="med"/>
+                      <a:tailEnd type="none" w="med" len="med"/>
+                    </a:lnT>
+                    <a:lnB w="9525" cap="flat" cmpd="sng" algn="ctr">
+                      <a:solidFill>
+                        <a:srgbClr val="DDDDDD"/>
+                      </a:solidFill>
+                      <a:prstDash val="solid"/>
+                      <a:round/>
+                      <a:headEnd type="none" w="med" len="med"/>
+                      <a:tailEnd type="none" w="med" len="med"/>
+                    </a:lnB>
+                    <a:solidFill>
+                      <a:schemeClr val="bg1">
+                        <a:lumMod val="95000"/>
+                      </a:schemeClr>
+                    </a:solidFill>
+                  </a:tcPr>
+                </a:tc>
+                <a:tc hMerge="1">
+                  <a:txBody>
+                    <a:bodyPr/>
+                    <a:lstStyle/>
+                    <a:p>
+                      <a:endParaRPr lang="en-US"/>
+                    </a:p>
+                  </a:txBody>
+                  <a:tcPr/>
+                </a:tc>
+              </a:tr>
+            </a:tbl>
+          </a:graphicData>
+        </a:graphic>
+      </p:graphicFrame>
     </p:spTree>
     <p:extLst>
       <p:ext uri="{BB962C8B-B14F-4D97-AF65-F5344CB8AC3E}">
-        <p14:creationId xmlns:p14="http://schemas.microsoft.com/office/powerpoint/2010/main" val="2548421843"/>
+        <p14:creationId xmlns:p14="http://schemas.microsoft.com/office/powerpoint/2010/main" val="3302261962"/>
       </p:ext>
     </p:extLst>
   </p:cSld>
   <p:clrMapOvr>
     <a:masterClrMapping/>
   </p:clrMapOvr>
-  <p:transition spd="med"/>
+  <p:timing>
+    <p:tnLst>
+      <p:par>
+        <p:cTn id="1" dur="indefinite" restart="never" nodeType="tmRoot"/>
+      </p:par>
+    </p:tnLst>
+  </p:timing>
 </p:sld>
 </file>
 
 <file path=ppt/slides/slide4.xml><?xml version="1.0" encoding="utf-8"?>
+<p:sld xmlns:a="http://schemas.openxmlformats.org/drawingml/2006/main" xmlns:r="http://schemas.openxmlformats.org/officeDocument/2006/relationships" xmlns:p="http://schemas.openxmlformats.org/presentationml/2006/main">
+  <p:cSld>
+    <p:spTree>
+      <p:nvGrpSpPr>
+        <p:cNvPr id="1" name=""/>
+        <p:cNvGrpSpPr/>
+        <p:nvPr/>
+      </p:nvGrpSpPr>
+      <p:grpSpPr>
+        <a:xfrm>
+          <a:off x="0" y="0"/>
+          <a:ext cx="0" cy="0"/>
+          <a:chOff x="0" y="0"/>
+          <a:chExt cx="0" cy="0"/>
+        </a:xfrm>
+      </p:grpSpPr>
+      <p:sp>
+        <p:nvSpPr>
+          <p:cNvPr id="2" name="Title 1"/>
+          <p:cNvSpPr>
+            <a:spLocks noGrp="1"/>
+          </p:cNvSpPr>
+          <p:nvPr>
+            <p:ph type="title"/>
+          </p:nvPr>
+        </p:nvSpPr>
+        <p:spPr/>
+        <p:txBody>
+          <a:bodyPr/>
+          <a:lstStyle/>
+          <a:p>
+            <a:r>
+              <a:rPr lang="en-US" dirty="0" smtClean="0"/>
+              <a:t>Watchdog Timer</a:t>
+            </a:r>
+            <a:endParaRPr lang="en-US" dirty="0"/>
+          </a:p>
+        </p:txBody>
+      </p:sp>
+      <p:sp>
+        <p:nvSpPr>
+          <p:cNvPr id="3" name="Content Placeholder 2"/>
+          <p:cNvSpPr>
+            <a:spLocks noGrp="1"/>
+          </p:cNvSpPr>
+          <p:nvPr>
+            <p:ph idx="1"/>
+          </p:nvPr>
+        </p:nvSpPr>
+        <p:spPr>
+          <a:xfrm>
+            <a:off x="340360" y="1507066"/>
+            <a:ext cx="8412480" cy="4842934"/>
+          </a:xfrm>
+        </p:spPr>
+        <p:txBody>
+          <a:bodyPr>
+            <a:normAutofit lnSpcReduction="10000"/>
+          </a:bodyPr>
+          <a:lstStyle/>
+          <a:p>
+            <a:pPr marL="2514600" indent="-2514600">
+              <a:buNone/>
+              <a:tabLst>
+                <a:tab pos="2514600" algn="l"/>
+              </a:tabLst>
+            </a:pPr>
+            <a:r>
+              <a:rPr lang="en-US" sz="2000" dirty="0" smtClean="0">
+                <a:solidFill>
+                  <a:srgbClr val="00B050"/>
+                </a:solidFill>
+              </a:rPr>
+              <a:t>   ;</a:t>
+            </a:r>
+            <a:r>
+              <a:rPr lang="en-US" sz="2000" dirty="0">
+                <a:solidFill>
+                  <a:srgbClr val="00B050"/>
+                </a:solidFill>
+              </a:rPr>
+              <a:t>disable watchdog timer</a:t>
+            </a:r>
+          </a:p>
+          <a:p>
+            <a:pPr marL="2852738" indent="-2852738">
+              <a:buNone/>
+              <a:tabLst>
+                <a:tab pos="2852738" algn="l"/>
+              </a:tabLst>
+            </a:pPr>
+            <a:r>
+              <a:rPr lang="en-US" sz="2000" dirty="0"/>
+              <a:t>    </a:t>
+            </a:r>
+            <a:r>
+              <a:rPr lang="en-US" sz="2000" dirty="0" err="1"/>
+              <a:t>mov</a:t>
+            </a:r>
+            <a:r>
+              <a:rPr lang="en-US" sz="2000" dirty="0"/>
+              <a:t>     #WDTPW, r10   </a:t>
+            </a:r>
+            <a:r>
+              <a:rPr lang="en-US" sz="2000" dirty="0" smtClean="0"/>
+              <a:t>	</a:t>
+            </a:r>
+            <a:r>
+              <a:rPr lang="en-US" sz="2000" dirty="0" smtClean="0">
+                <a:solidFill>
+                  <a:srgbClr val="00B050"/>
+                </a:solidFill>
+              </a:rPr>
+              <a:t>; to </a:t>
+            </a:r>
+            <a:r>
+              <a:rPr lang="en-US" sz="2000" dirty="0">
+                <a:solidFill>
+                  <a:srgbClr val="00B050"/>
+                </a:solidFill>
+              </a:rPr>
+              <a:t>prevent inadvertent writing, the watchdog has a password - if you write without the password in the upper 8 bits, you'll initiate a PUC.</a:t>
+            </a:r>
+          </a:p>
+          <a:p>
+            <a:pPr marL="2852738" indent="-2852738">
+              <a:buNone/>
+              <a:tabLst>
+                <a:tab pos="2852738" algn="l"/>
+              </a:tabLst>
+            </a:pPr>
+            <a:r>
+              <a:rPr lang="en-US" sz="2000" dirty="0">
+                <a:solidFill>
+                  <a:srgbClr val="00B050"/>
+                </a:solidFill>
+              </a:rPr>
+              <a:t>                                </a:t>
+            </a:r>
+            <a:r>
+              <a:rPr lang="en-US" sz="2000" dirty="0" smtClean="0">
+                <a:solidFill>
+                  <a:srgbClr val="00B050"/>
+                </a:solidFill>
+              </a:rPr>
+              <a:t>	;</a:t>
+            </a:r>
+            <a:r>
+              <a:rPr lang="en-US" sz="2000" dirty="0">
+                <a:solidFill>
+                  <a:srgbClr val="00B050"/>
+                </a:solidFill>
+              </a:rPr>
+              <a:t>the password is 0x5a in the upper 8 bits.  if you read from the password, you'll read 0x69.</a:t>
+            </a:r>
+          </a:p>
+          <a:p>
+            <a:pPr marL="2852738" indent="-2852738">
+              <a:buNone/>
+              <a:tabLst>
+                <a:tab pos="2852738" algn="l"/>
+              </a:tabLst>
+            </a:pPr>
+            <a:r>
+              <a:rPr lang="en-US" sz="2000" dirty="0"/>
+              <a:t>    </a:t>
+            </a:r>
+            <a:r>
+              <a:rPr lang="en-US" sz="2000" dirty="0" err="1"/>
+              <a:t>bis</a:t>
+            </a:r>
+            <a:r>
+              <a:rPr lang="en-US" sz="2000" dirty="0"/>
+              <a:t>     #WDTHOLD, </a:t>
+            </a:r>
+            <a:r>
+              <a:rPr lang="en-US" sz="2000" dirty="0" smtClean="0"/>
+              <a:t>r10	</a:t>
+            </a:r>
+            <a:r>
+              <a:rPr lang="en-US" sz="2000" dirty="0" smtClean="0">
+                <a:solidFill>
+                  <a:srgbClr val="00B050"/>
+                </a:solidFill>
+              </a:rPr>
+              <a:t>; next</a:t>
+            </a:r>
+            <a:r>
+              <a:rPr lang="en-US" sz="2000" dirty="0">
+                <a:solidFill>
+                  <a:srgbClr val="00B050"/>
+                </a:solidFill>
+              </a:rPr>
+              <a:t>, we need to </a:t>
+            </a:r>
+            <a:r>
+              <a:rPr lang="en-US" sz="2000" dirty="0" err="1">
+                <a:solidFill>
+                  <a:srgbClr val="00B050"/>
+                </a:solidFill>
+              </a:rPr>
+              <a:t>bis</a:t>
+            </a:r>
+            <a:r>
+              <a:rPr lang="en-US" sz="2000" dirty="0">
+                <a:solidFill>
+                  <a:srgbClr val="00B050"/>
+                </a:solidFill>
+              </a:rPr>
+              <a:t> the password with the bit that tells the timer to hold, not count</a:t>
+            </a:r>
+          </a:p>
+          <a:p>
+            <a:pPr marL="2852738" indent="-2852738">
+              <a:buNone/>
+              <a:tabLst>
+                <a:tab pos="2852738" algn="l"/>
+              </a:tabLst>
+            </a:pPr>
+            <a:r>
+              <a:rPr lang="en-US" sz="2000" dirty="0"/>
+              <a:t>    </a:t>
+            </a:r>
+            <a:r>
+              <a:rPr lang="en-US" sz="2000" dirty="0" err="1"/>
+              <a:t>mov</a:t>
+            </a:r>
+            <a:r>
+              <a:rPr lang="en-US" sz="2000" dirty="0"/>
+              <a:t>     r10, &amp;</a:t>
+            </a:r>
+            <a:r>
+              <a:rPr lang="en-US" sz="2000" dirty="0" smtClean="0"/>
+              <a:t>WDTCTL	</a:t>
+            </a:r>
+            <a:r>
+              <a:rPr lang="en-US" sz="2000" dirty="0" smtClean="0">
+                <a:solidFill>
+                  <a:srgbClr val="00B050"/>
+                </a:solidFill>
+              </a:rPr>
+              <a:t>; next</a:t>
+            </a:r>
+            <a:r>
+              <a:rPr lang="en-US" sz="2000" dirty="0">
+                <a:solidFill>
+                  <a:srgbClr val="00B050"/>
+                </a:solidFill>
+              </a:rPr>
+              <a:t>, we need to write that value to the WDTCTL - this is a static address in memory (not relative to our code), so we need</a:t>
+            </a:r>
+            <a:endParaRPr lang="pt-BR" sz="2000" dirty="0" smtClean="0">
+              <a:solidFill>
+                <a:srgbClr val="00B050"/>
+              </a:solidFill>
+            </a:endParaRPr>
+          </a:p>
+        </p:txBody>
+      </p:sp>
+    </p:spTree>
+    <p:extLst>
+      <p:ext uri="{BB962C8B-B14F-4D97-AF65-F5344CB8AC3E}">
+        <p14:creationId xmlns:p14="http://schemas.microsoft.com/office/powerpoint/2010/main" val="1915882900"/>
+      </p:ext>
+    </p:extLst>
+  </p:cSld>
+  <p:clrMapOvr>
+    <a:masterClrMapping/>
+  </p:clrMapOvr>
+  <p:timing>
+    <p:tnLst>
+      <p:par>
+        <p:cTn id="1" dur="indefinite" restart="never" nodeType="tmRoot"/>
+      </p:par>
+    </p:tnLst>
+  </p:timing>
+</p:sld>
+</file>
+
+<file path=ppt/slides/slide5.xml><?xml version="1.0" encoding="utf-8"?>
+<p:sld xmlns:a="http://schemas.openxmlformats.org/drawingml/2006/main" xmlns:r="http://schemas.openxmlformats.org/officeDocument/2006/relationships" xmlns:p="http://schemas.openxmlformats.org/presentationml/2006/main">
+  <p:cSld>
+    <p:spTree>
+      <p:nvGrpSpPr>
+        <p:cNvPr id="1" name=""/>
+        <p:cNvGrpSpPr/>
+        <p:nvPr/>
+      </p:nvGrpSpPr>
+      <p:grpSpPr>
+        <a:xfrm>
+          <a:off x="0" y="0"/>
+          <a:ext cx="0" cy="0"/>
+          <a:chOff x="0" y="0"/>
+          <a:chExt cx="0" cy="0"/>
+        </a:xfrm>
+      </p:grpSpPr>
+      <p:sp>
+        <p:nvSpPr>
+          <p:cNvPr id="2" name="Title 1"/>
+          <p:cNvSpPr>
+            <a:spLocks noGrp="1"/>
+          </p:cNvSpPr>
+          <p:nvPr>
+            <p:ph type="title"/>
+          </p:nvPr>
+        </p:nvSpPr>
+        <p:spPr/>
+        <p:txBody>
+          <a:bodyPr/>
+          <a:lstStyle/>
+          <a:p>
+            <a:r>
+              <a:rPr lang="en-US" dirty="0" smtClean="0"/>
+              <a:t>Assembler Directives</a:t>
+            </a:r>
+            <a:endParaRPr lang="en-US" dirty="0"/>
+          </a:p>
+        </p:txBody>
+      </p:sp>
+      <p:sp>
+        <p:nvSpPr>
+          <p:cNvPr id="3" name="Content Placeholder 2"/>
+          <p:cNvSpPr>
+            <a:spLocks noGrp="1"/>
+          </p:cNvSpPr>
+          <p:nvPr>
+            <p:ph idx="1"/>
+          </p:nvPr>
+        </p:nvSpPr>
+        <p:spPr>
+          <a:xfrm>
+            <a:off x="460659" y="1492016"/>
+            <a:ext cx="8320484" cy="4883384"/>
+          </a:xfrm>
+        </p:spPr>
+        <p:txBody>
+          <a:bodyPr/>
+          <a:lstStyle/>
+          <a:p>
+            <a:pPr marL="0" indent="0">
+              <a:buNone/>
+            </a:pPr>
+            <a:r>
+              <a:rPr lang="en-US" sz="1800" dirty="0" smtClean="0">
+                <a:latin typeface="Courier New" pitchFamily="49" charset="0"/>
+                <a:cs typeface="Courier New" pitchFamily="49" charset="0"/>
+              </a:rPr>
+              <a:t>.</a:t>
+            </a:r>
+            <a:r>
+              <a:rPr lang="en-US" sz="1800" dirty="0" err="1">
+                <a:latin typeface="Courier New" pitchFamily="49" charset="0"/>
+                <a:cs typeface="Courier New" pitchFamily="49" charset="0"/>
+              </a:rPr>
+              <a:t>cdecls</a:t>
+            </a:r>
+            <a:r>
+              <a:rPr lang="en-US" sz="1800" dirty="0">
+                <a:latin typeface="Courier New" pitchFamily="49" charset="0"/>
+                <a:cs typeface="Courier New" pitchFamily="49" charset="0"/>
+              </a:rPr>
+              <a:t> C,LIST,"msp430.h</a:t>
+            </a:r>
+            <a:r>
+              <a:rPr lang="en-US" sz="1800" dirty="0" smtClean="0">
+                <a:latin typeface="Courier New" pitchFamily="49" charset="0"/>
+                <a:cs typeface="Courier New" pitchFamily="49" charset="0"/>
+              </a:rPr>
+              <a:t>"</a:t>
+            </a:r>
+            <a:endParaRPr lang="en-US" sz="1800" dirty="0">
+              <a:latin typeface="Courier New" pitchFamily="49" charset="0"/>
+              <a:cs typeface="Courier New" pitchFamily="49" charset="0"/>
+            </a:endParaRPr>
+          </a:p>
+          <a:p>
+            <a:pPr marL="0" indent="0">
+              <a:buNone/>
+            </a:pPr>
+            <a:r>
+              <a:rPr lang="en-US" sz="1800" b="1" dirty="0" smtClean="0">
+                <a:latin typeface="Courier New" pitchFamily="49" charset="0"/>
+                <a:cs typeface="Courier New" pitchFamily="49" charset="0"/>
+              </a:rPr>
+              <a:t>.</a:t>
+            </a:r>
+            <a:r>
+              <a:rPr lang="en-US" sz="1800" b="1" dirty="0">
+                <a:latin typeface="Courier New" pitchFamily="49" charset="0"/>
+                <a:cs typeface="Courier New" pitchFamily="49" charset="0"/>
+              </a:rPr>
+              <a:t>text </a:t>
+            </a:r>
+            <a:r>
+              <a:rPr lang="en-US" sz="1600" dirty="0">
+                <a:solidFill>
+                  <a:schemeClr val="accent2"/>
+                </a:solidFill>
+                <a:latin typeface="Courier New" pitchFamily="49" charset="0"/>
+                <a:cs typeface="Courier New" pitchFamily="49" charset="0"/>
+              </a:rPr>
+              <a:t>;put code in the text section - maps to FLASH (ROM)</a:t>
+            </a:r>
+            <a:endParaRPr lang="en-US" sz="1600" dirty="0" smtClean="0">
+              <a:solidFill>
+                <a:schemeClr val="accent2"/>
+              </a:solidFill>
+              <a:latin typeface="Courier New" pitchFamily="49" charset="0"/>
+              <a:cs typeface="Courier New" pitchFamily="49" charset="0"/>
+            </a:endParaRPr>
+          </a:p>
+          <a:p>
+            <a:pPr marL="0" indent="0">
+              <a:buNone/>
+            </a:pPr>
+            <a:endParaRPr lang="en-US" sz="1800" dirty="0" smtClean="0">
+              <a:latin typeface="Courier New" pitchFamily="49" charset="0"/>
+              <a:cs typeface="Courier New" pitchFamily="49" charset="0"/>
+            </a:endParaRPr>
+          </a:p>
+          <a:p>
+            <a:pPr marL="0" indent="0">
+              <a:buNone/>
+            </a:pPr>
+            <a:r>
+              <a:rPr lang="en-US" sz="1800" dirty="0" err="1" smtClean="0">
+                <a:latin typeface="Courier New" pitchFamily="49" charset="0"/>
+                <a:cs typeface="Courier New" pitchFamily="49" charset="0"/>
+              </a:rPr>
+              <a:t>StopWDT</a:t>
+            </a:r>
+            <a:r>
+              <a:rPr lang="en-US" sz="1800" dirty="0" smtClean="0">
+                <a:latin typeface="Courier New" pitchFamily="49" charset="0"/>
+                <a:cs typeface="Courier New" pitchFamily="49" charset="0"/>
+              </a:rPr>
+              <a:t>     </a:t>
+            </a:r>
+            <a:r>
+              <a:rPr lang="en-US" sz="1800" b="1" dirty="0" err="1">
+                <a:latin typeface="Courier New" pitchFamily="49" charset="0"/>
+                <a:cs typeface="Courier New" pitchFamily="49" charset="0"/>
+              </a:rPr>
+              <a:t>mov.w</a:t>
+            </a:r>
+            <a:r>
+              <a:rPr lang="en-US" sz="1800" b="1" dirty="0">
+                <a:latin typeface="Courier New" pitchFamily="49" charset="0"/>
+                <a:cs typeface="Courier New" pitchFamily="49" charset="0"/>
+              </a:rPr>
+              <a:t>   #</a:t>
+            </a:r>
+            <a:r>
+              <a:rPr lang="en-US" sz="1800" b="1" dirty="0" smtClean="0">
+                <a:latin typeface="Courier New" pitchFamily="49" charset="0"/>
+                <a:cs typeface="Courier New" pitchFamily="49" charset="0"/>
+              </a:rPr>
+              <a:t>WDTPW|WDTHOLD</a:t>
+            </a:r>
+          </a:p>
+          <a:p>
+            <a:pPr marL="0" indent="0">
+              <a:buNone/>
+            </a:pPr>
+            <a:endParaRPr lang="en-US" sz="1800" b="1" dirty="0" smtClean="0">
+              <a:latin typeface="Courier New" pitchFamily="49" charset="0"/>
+              <a:cs typeface="Courier New" pitchFamily="49" charset="0"/>
+            </a:endParaRPr>
+          </a:p>
+          <a:p>
+            <a:pPr marL="0" indent="0">
+              <a:buNone/>
+            </a:pPr>
+            <a:r>
+              <a:rPr lang="en-US" sz="1800" b="1" dirty="0">
+                <a:latin typeface="Courier New" pitchFamily="49" charset="0"/>
+                <a:cs typeface="Courier New" pitchFamily="49" charset="0"/>
+              </a:rPr>
+              <a:t>.data            </a:t>
+            </a:r>
+            <a:r>
+              <a:rPr lang="en-US" sz="1600" dirty="0" smtClean="0">
+                <a:solidFill>
+                  <a:schemeClr val="accent2"/>
+                </a:solidFill>
+                <a:latin typeface="Courier New" pitchFamily="49" charset="0"/>
+                <a:cs typeface="Courier New" pitchFamily="49" charset="0"/>
+              </a:rPr>
+              <a:t>;</a:t>
+            </a:r>
+            <a:r>
+              <a:rPr lang="en-US" sz="1600" dirty="0">
+                <a:solidFill>
+                  <a:schemeClr val="accent2"/>
+                </a:solidFill>
+                <a:latin typeface="Courier New" pitchFamily="49" charset="0"/>
+                <a:cs typeface="Courier New" pitchFamily="49" charset="0"/>
+              </a:rPr>
+              <a:t>put code into the data </a:t>
+            </a:r>
+            <a:r>
+              <a:rPr lang="en-US" sz="1600" dirty="0" smtClean="0">
+                <a:solidFill>
+                  <a:schemeClr val="accent2"/>
+                </a:solidFill>
+                <a:latin typeface="Courier New" pitchFamily="49" charset="0"/>
+                <a:cs typeface="Courier New" pitchFamily="49" charset="0"/>
+              </a:rPr>
+              <a:t>section </a:t>
+            </a:r>
+            <a:r>
+              <a:rPr lang="en-US" sz="1600" dirty="0">
+                <a:solidFill>
+                  <a:schemeClr val="accent2"/>
+                </a:solidFill>
+                <a:latin typeface="Courier New" pitchFamily="49" charset="0"/>
+                <a:cs typeface="Courier New" pitchFamily="49" charset="0"/>
+              </a:rPr>
+              <a:t>- maps to RAM</a:t>
+            </a:r>
+          </a:p>
+          <a:p>
+            <a:pPr marL="0" indent="0">
+              <a:buNone/>
+            </a:pPr>
+            <a:endParaRPr lang="en-US" sz="1800" b="1" dirty="0">
+              <a:latin typeface="Courier New" pitchFamily="49" charset="0"/>
+              <a:cs typeface="Courier New" pitchFamily="49" charset="0"/>
+            </a:endParaRPr>
+          </a:p>
+          <a:p>
+            <a:pPr marL="0" indent="0">
+              <a:buNone/>
+            </a:pPr>
+            <a:r>
+              <a:rPr lang="en-US" sz="1800" dirty="0">
+                <a:latin typeface="Courier New" pitchFamily="49" charset="0"/>
+                <a:cs typeface="Courier New" pitchFamily="49" charset="0"/>
+              </a:rPr>
+              <a:t>.sect ".reset"          </a:t>
+            </a:r>
+            <a:r>
+              <a:rPr lang="en-US" sz="1800" dirty="0">
+                <a:solidFill>
+                  <a:schemeClr val="accent2"/>
+                </a:solidFill>
+                <a:latin typeface="Courier New" pitchFamily="49" charset="0"/>
+                <a:cs typeface="Courier New" pitchFamily="49" charset="0"/>
+              </a:rPr>
+              <a:t>;put this at the reset vector</a:t>
+            </a:r>
+          </a:p>
+          <a:p>
+            <a:pPr marL="0" indent="0">
+              <a:buNone/>
+            </a:pPr>
+            <a:r>
+              <a:rPr lang="en-US" sz="1800" dirty="0">
+                <a:latin typeface="Courier New" pitchFamily="49" charset="0"/>
+                <a:cs typeface="Courier New" pitchFamily="49" charset="0"/>
+              </a:rPr>
+              <a:t>.sect .stack            </a:t>
+            </a:r>
+            <a:r>
+              <a:rPr lang="en-US" sz="1600" dirty="0">
+                <a:solidFill>
+                  <a:schemeClr val="accent2"/>
+                </a:solidFill>
+                <a:latin typeface="Courier New" pitchFamily="49" charset="0"/>
+                <a:cs typeface="Courier New" pitchFamily="49" charset="0"/>
+              </a:rPr>
+              <a:t>;make this the location of the stack</a:t>
+            </a:r>
+          </a:p>
+          <a:p>
+            <a:pPr marL="0" indent="0">
+              <a:buNone/>
+            </a:pPr>
+            <a:endParaRPr lang="en-US" sz="1800" dirty="0">
+              <a:latin typeface="Courier New" pitchFamily="49" charset="0"/>
+              <a:cs typeface="Courier New" pitchFamily="49" charset="0"/>
+            </a:endParaRPr>
+          </a:p>
+          <a:p>
+            <a:pPr marL="0" indent="0">
+              <a:buNone/>
+            </a:pPr>
+            <a:r>
+              <a:rPr lang="en-US" sz="1600" dirty="0" smtClean="0">
+                <a:latin typeface="Courier New" pitchFamily="49" charset="0"/>
+                <a:cs typeface="Courier New" pitchFamily="49" charset="0"/>
+              </a:rPr>
+              <a:t>MY_RESULTS: .space 20       </a:t>
+            </a:r>
+            <a:r>
+              <a:rPr lang="en-US" sz="1600" dirty="0" smtClean="0">
+                <a:solidFill>
+                  <a:schemeClr val="accent2"/>
+                </a:solidFill>
+                <a:latin typeface="Courier New" pitchFamily="49" charset="0"/>
+                <a:cs typeface="Courier New" pitchFamily="49" charset="0"/>
+              </a:rPr>
+              <a:t>; reserves 20 bytes</a:t>
+            </a:r>
+          </a:p>
+          <a:p>
+            <a:pPr marL="0" indent="0">
+              <a:buNone/>
+            </a:pPr>
+            <a:r>
+              <a:rPr lang="en-US" sz="1600" dirty="0" smtClean="0">
+                <a:solidFill>
+                  <a:schemeClr val="accent2"/>
+                </a:solidFill>
+                <a:latin typeface="Courier New" pitchFamily="49" charset="0"/>
+                <a:cs typeface="Courier New" pitchFamily="49" charset="0"/>
+              </a:rPr>
+              <a:t>-----------------</a:t>
+            </a:r>
+          </a:p>
+          <a:p>
+            <a:pPr marL="0" indent="0">
+              <a:buNone/>
+            </a:pPr>
+            <a:r>
+              <a:rPr lang="en-US" sz="1600" dirty="0" smtClean="0">
+                <a:solidFill>
+                  <a:schemeClr val="accent2"/>
+                </a:solidFill>
+                <a:latin typeface="Courier New" pitchFamily="49" charset="0"/>
+                <a:cs typeface="Courier New" pitchFamily="49" charset="0"/>
+              </a:rPr>
+              <a:t>To use:</a:t>
+            </a:r>
+          </a:p>
+          <a:p>
+            <a:pPr marL="0" indent="0">
+              <a:buNone/>
+            </a:pPr>
+            <a:r>
+              <a:rPr lang="en-US" sz="1600" dirty="0">
+                <a:solidFill>
+                  <a:schemeClr val="accent2"/>
+                </a:solidFill>
+                <a:latin typeface="Courier New" pitchFamily="49" charset="0"/>
+                <a:cs typeface="Courier New" pitchFamily="49" charset="0"/>
+              </a:rPr>
+              <a:t>	</a:t>
+            </a:r>
+            <a:r>
+              <a:rPr lang="en-US" sz="1600" dirty="0" err="1" smtClean="0">
+                <a:latin typeface="Courier New" pitchFamily="49" charset="0"/>
+                <a:cs typeface="Courier New" pitchFamily="49" charset="0"/>
+              </a:rPr>
+              <a:t>mov</a:t>
+            </a:r>
+            <a:r>
+              <a:rPr lang="en-US" sz="1600" dirty="0" smtClean="0">
+                <a:latin typeface="Courier New" pitchFamily="49" charset="0"/>
+                <a:cs typeface="Courier New" pitchFamily="49" charset="0"/>
+              </a:rPr>
+              <a:t>  #MY_RESULTS, r5     </a:t>
+            </a:r>
+            <a:r>
+              <a:rPr lang="en-US" sz="1600" dirty="0" smtClean="0">
+                <a:solidFill>
+                  <a:schemeClr val="accent2"/>
+                </a:solidFill>
+                <a:latin typeface="Courier New" pitchFamily="49" charset="0"/>
+                <a:cs typeface="Courier New" pitchFamily="49" charset="0"/>
+              </a:rPr>
+              <a:t>; pointer address into r5</a:t>
+            </a:r>
+          </a:p>
+          <a:p>
+            <a:pPr marL="0" indent="0">
+              <a:buNone/>
+            </a:pPr>
+            <a:r>
+              <a:rPr lang="en-US" sz="1600" dirty="0">
+                <a:solidFill>
+                  <a:schemeClr val="accent2"/>
+                </a:solidFill>
+                <a:latin typeface="Courier New" pitchFamily="49" charset="0"/>
+                <a:cs typeface="Courier New" pitchFamily="49" charset="0"/>
+              </a:rPr>
+              <a:t>	</a:t>
+            </a:r>
+            <a:r>
+              <a:rPr lang="en-US" sz="1600" dirty="0" err="1" smtClean="0">
+                <a:latin typeface="Courier New" pitchFamily="49" charset="0"/>
+                <a:cs typeface="Courier New" pitchFamily="49" charset="0"/>
+              </a:rPr>
+              <a:t>mov</a:t>
+            </a:r>
+            <a:r>
+              <a:rPr lang="en-US" sz="1600" dirty="0" smtClean="0">
+                <a:latin typeface="Courier New" pitchFamily="49" charset="0"/>
+                <a:cs typeface="Courier New" pitchFamily="49" charset="0"/>
+              </a:rPr>
+              <a:t>  #0xfefe, &amp;MY_RESULT </a:t>
+            </a:r>
+            <a:r>
+              <a:rPr lang="en-US" sz="1600" dirty="0" smtClean="0">
+                <a:solidFill>
+                  <a:schemeClr val="accent2"/>
+                </a:solidFill>
+                <a:latin typeface="Courier New" pitchFamily="49" charset="0"/>
+                <a:cs typeface="Courier New" pitchFamily="49" charset="0"/>
+              </a:rPr>
+              <a:t>; put </a:t>
+            </a:r>
+            <a:r>
+              <a:rPr lang="en-US" sz="1600" dirty="0" err="1" smtClean="0">
+                <a:solidFill>
+                  <a:schemeClr val="accent2"/>
+                </a:solidFill>
+                <a:latin typeface="Courier New" pitchFamily="49" charset="0"/>
+                <a:cs typeface="Courier New" pitchFamily="49" charset="0"/>
+              </a:rPr>
+              <a:t>fefe</a:t>
+            </a:r>
+            <a:r>
+              <a:rPr lang="en-US" sz="1600" dirty="0" smtClean="0">
+                <a:solidFill>
+                  <a:schemeClr val="accent2"/>
+                </a:solidFill>
+                <a:latin typeface="Courier New" pitchFamily="49" charset="0"/>
+                <a:cs typeface="Courier New" pitchFamily="49" charset="0"/>
+              </a:rPr>
+              <a:t> into 1</a:t>
+            </a:r>
+            <a:r>
+              <a:rPr lang="en-US" sz="1600" baseline="30000" dirty="0" smtClean="0">
+                <a:solidFill>
+                  <a:schemeClr val="accent2"/>
+                </a:solidFill>
+                <a:latin typeface="Courier New" pitchFamily="49" charset="0"/>
+                <a:cs typeface="Courier New" pitchFamily="49" charset="0"/>
+              </a:rPr>
+              <a:t>st</a:t>
+            </a:r>
+            <a:r>
+              <a:rPr lang="en-US" sz="1600" dirty="0" smtClean="0">
+                <a:solidFill>
+                  <a:schemeClr val="accent2"/>
+                </a:solidFill>
+                <a:latin typeface="Courier New" pitchFamily="49" charset="0"/>
+                <a:cs typeface="Courier New" pitchFamily="49" charset="0"/>
+              </a:rPr>
+              <a:t> two bytes</a:t>
+            </a:r>
+            <a:endParaRPr lang="en-US" sz="1600" dirty="0">
+              <a:solidFill>
+                <a:schemeClr val="accent2"/>
+              </a:solidFill>
+              <a:latin typeface="Courier New" pitchFamily="49" charset="0"/>
+              <a:cs typeface="Courier New" pitchFamily="49" charset="0"/>
+            </a:endParaRPr>
+          </a:p>
+        </p:txBody>
+      </p:sp>
+    </p:spTree>
+    <p:extLst>
+      <p:ext uri="{BB962C8B-B14F-4D97-AF65-F5344CB8AC3E}">
+        <p14:creationId xmlns:p14="http://schemas.microsoft.com/office/powerpoint/2010/main" val="2030795379"/>
+      </p:ext>
+    </p:extLst>
+  </p:cSld>
+  <p:clrMapOvr>
+    <a:masterClrMapping/>
+  </p:clrMapOvr>
+  <p:timing>
+    <p:tnLst>
+      <p:par>
+        <p:cTn id="1" dur="indefinite" restart="never" nodeType="tmRoot"/>
+      </p:par>
+    </p:tnLst>
+  </p:timing>
+</p:sld>
+</file>
+
+<file path=ppt/slides/slide6.xml><?xml version="1.0" encoding="utf-8"?>
+<p:sld xmlns:a="http://schemas.openxmlformats.org/drawingml/2006/main" xmlns:r="http://schemas.openxmlformats.org/officeDocument/2006/relationships" xmlns:p="http://schemas.openxmlformats.org/presentationml/2006/main">
+  <p:cSld>
+    <p:spTree>
+      <p:nvGrpSpPr>
+        <p:cNvPr id="1" name=""/>
+        <p:cNvGrpSpPr/>
+        <p:nvPr/>
+      </p:nvGrpSpPr>
+      <p:grpSpPr>
+        <a:xfrm>
+          <a:off x="0" y="0"/>
+          <a:ext cx="0" cy="0"/>
+          <a:chOff x="0" y="0"/>
+          <a:chExt cx="0" cy="0"/>
+        </a:xfrm>
+      </p:grpSpPr>
+      <p:sp>
+        <p:nvSpPr>
+          <p:cNvPr id="2" name="Title 1"/>
+          <p:cNvSpPr>
+            <a:spLocks noGrp="1"/>
+          </p:cNvSpPr>
+          <p:nvPr>
+            <p:ph type="title"/>
+          </p:nvPr>
+        </p:nvSpPr>
+        <p:spPr/>
+        <p:txBody>
+          <a:bodyPr/>
+          <a:lstStyle/>
+          <a:p>
+            <a:r>
+              <a:rPr lang="en-US" dirty="0" smtClean="0"/>
+              <a:t>Assembler Directives</a:t>
+            </a:r>
+            <a:endParaRPr lang="en-US" dirty="0"/>
+          </a:p>
+        </p:txBody>
+      </p:sp>
+      <p:sp>
+        <p:nvSpPr>
+          <p:cNvPr id="3" name="Content Placeholder 2"/>
+          <p:cNvSpPr>
+            <a:spLocks noGrp="1"/>
+          </p:cNvSpPr>
+          <p:nvPr>
+            <p:ph idx="1"/>
+          </p:nvPr>
+        </p:nvSpPr>
+        <p:spPr>
+          <a:xfrm>
+            <a:off x="375992" y="1525883"/>
+            <a:ext cx="8320484" cy="4724400"/>
+          </a:xfrm>
+        </p:spPr>
+        <p:txBody>
+          <a:bodyPr/>
+          <a:lstStyle/>
+          <a:p>
+            <a:pPr marL="0" indent="0">
+              <a:buNone/>
+            </a:pPr>
+            <a:r>
+              <a:rPr lang="en-US" sz="1800" dirty="0" smtClean="0">
+                <a:latin typeface="Courier New" pitchFamily="49" charset="0"/>
+                <a:cs typeface="Courier New" pitchFamily="49" charset="0"/>
+              </a:rPr>
+              <a:t>.</a:t>
+            </a:r>
+            <a:r>
+              <a:rPr lang="en-US" sz="1800" dirty="0" err="1">
+                <a:latin typeface="Courier New" pitchFamily="49" charset="0"/>
+                <a:cs typeface="Courier New" pitchFamily="49" charset="0"/>
+              </a:rPr>
+              <a:t>cdecls</a:t>
+            </a:r>
+            <a:r>
+              <a:rPr lang="en-US" sz="1800" dirty="0">
+                <a:latin typeface="Courier New" pitchFamily="49" charset="0"/>
+                <a:cs typeface="Courier New" pitchFamily="49" charset="0"/>
+              </a:rPr>
+              <a:t> C,LIST,"msp430.h</a:t>
+            </a:r>
+            <a:r>
+              <a:rPr lang="en-US" sz="1800" dirty="0" smtClean="0">
+                <a:latin typeface="Courier New" pitchFamily="49" charset="0"/>
+                <a:cs typeface="Courier New" pitchFamily="49" charset="0"/>
+              </a:rPr>
+              <a:t>"</a:t>
+            </a:r>
+            <a:endParaRPr lang="en-US" sz="1800" dirty="0">
+              <a:latin typeface="Courier New" pitchFamily="49" charset="0"/>
+              <a:cs typeface="Courier New" pitchFamily="49" charset="0"/>
+            </a:endParaRPr>
+          </a:p>
+          <a:p>
+            <a:pPr marL="0" indent="0">
+              <a:buNone/>
+            </a:pPr>
+            <a:r>
+              <a:rPr lang="en-US" sz="1800" b="1" dirty="0" smtClean="0">
+                <a:latin typeface="Courier New" pitchFamily="49" charset="0"/>
+                <a:cs typeface="Courier New" pitchFamily="49" charset="0"/>
+              </a:rPr>
+              <a:t>.</a:t>
+            </a:r>
+            <a:r>
+              <a:rPr lang="en-US" sz="1800" b="1" dirty="0">
+                <a:latin typeface="Courier New" pitchFamily="49" charset="0"/>
+                <a:cs typeface="Courier New" pitchFamily="49" charset="0"/>
+              </a:rPr>
+              <a:t>text </a:t>
+            </a:r>
+            <a:r>
+              <a:rPr lang="en-US" sz="1600" dirty="0">
+                <a:solidFill>
+                  <a:schemeClr val="accent2"/>
+                </a:solidFill>
+                <a:latin typeface="Courier New" pitchFamily="49" charset="0"/>
+                <a:cs typeface="Courier New" pitchFamily="49" charset="0"/>
+              </a:rPr>
+              <a:t>;put code in the text section - maps to FLASH (ROM)</a:t>
+            </a:r>
+            <a:endParaRPr lang="en-US" sz="1600" dirty="0" smtClean="0">
+              <a:solidFill>
+                <a:schemeClr val="accent2"/>
+              </a:solidFill>
+              <a:latin typeface="Courier New" pitchFamily="49" charset="0"/>
+              <a:cs typeface="Courier New" pitchFamily="49" charset="0"/>
+            </a:endParaRPr>
+          </a:p>
+          <a:p>
+            <a:pPr marL="0" indent="0">
+              <a:buNone/>
+            </a:pPr>
+            <a:endParaRPr lang="en-US" sz="1800" dirty="0" smtClean="0">
+              <a:latin typeface="Courier New" pitchFamily="49" charset="0"/>
+              <a:cs typeface="Courier New" pitchFamily="49" charset="0"/>
+            </a:endParaRPr>
+          </a:p>
+          <a:p>
+            <a:pPr marL="0" indent="0">
+              <a:buNone/>
+            </a:pPr>
+            <a:r>
+              <a:rPr lang="en-US" sz="1800" dirty="0" err="1" smtClean="0">
+                <a:latin typeface="Courier New" pitchFamily="49" charset="0"/>
+                <a:cs typeface="Courier New" pitchFamily="49" charset="0"/>
+              </a:rPr>
+              <a:t>StopWDT</a:t>
+            </a:r>
+            <a:r>
+              <a:rPr lang="en-US" sz="1800" dirty="0" smtClean="0">
+                <a:latin typeface="Courier New" pitchFamily="49" charset="0"/>
+                <a:cs typeface="Courier New" pitchFamily="49" charset="0"/>
+              </a:rPr>
+              <a:t>     </a:t>
+            </a:r>
+            <a:r>
+              <a:rPr lang="en-US" sz="1800" b="1" dirty="0" err="1">
+                <a:latin typeface="Courier New" pitchFamily="49" charset="0"/>
+                <a:cs typeface="Courier New" pitchFamily="49" charset="0"/>
+              </a:rPr>
+              <a:t>mov.w</a:t>
+            </a:r>
+            <a:r>
+              <a:rPr lang="en-US" sz="1800" b="1" dirty="0">
+                <a:latin typeface="Courier New" pitchFamily="49" charset="0"/>
+                <a:cs typeface="Courier New" pitchFamily="49" charset="0"/>
+              </a:rPr>
+              <a:t>   #</a:t>
+            </a:r>
+            <a:r>
+              <a:rPr lang="en-US" sz="1800" b="1" dirty="0" smtClean="0">
+                <a:latin typeface="Courier New" pitchFamily="49" charset="0"/>
+                <a:cs typeface="Courier New" pitchFamily="49" charset="0"/>
+              </a:rPr>
+              <a:t>WDTPW|WDTHOLD</a:t>
+            </a:r>
+          </a:p>
+          <a:p>
+            <a:pPr marL="0" indent="0">
+              <a:buNone/>
+            </a:pPr>
+            <a:endParaRPr lang="en-US" sz="1800" b="1" dirty="0" smtClean="0">
+              <a:latin typeface="Courier New" pitchFamily="49" charset="0"/>
+              <a:cs typeface="Courier New" pitchFamily="49" charset="0"/>
+            </a:endParaRPr>
+          </a:p>
+          <a:p>
+            <a:pPr marL="0" indent="0">
+              <a:buNone/>
+            </a:pPr>
+            <a:r>
+              <a:rPr lang="en-US" sz="1800" b="1" dirty="0">
+                <a:latin typeface="Courier New" pitchFamily="49" charset="0"/>
+                <a:cs typeface="Courier New" pitchFamily="49" charset="0"/>
+              </a:rPr>
+              <a:t>.data            </a:t>
+            </a:r>
+            <a:r>
+              <a:rPr lang="en-US" sz="1600" dirty="0" smtClean="0">
+                <a:solidFill>
+                  <a:schemeClr val="accent2"/>
+                </a:solidFill>
+                <a:latin typeface="Courier New" pitchFamily="49" charset="0"/>
+                <a:cs typeface="Courier New" pitchFamily="49" charset="0"/>
+              </a:rPr>
+              <a:t>;</a:t>
+            </a:r>
+            <a:r>
+              <a:rPr lang="en-US" sz="1600" dirty="0">
+                <a:solidFill>
+                  <a:schemeClr val="accent2"/>
+                </a:solidFill>
+                <a:latin typeface="Courier New" pitchFamily="49" charset="0"/>
+                <a:cs typeface="Courier New" pitchFamily="49" charset="0"/>
+              </a:rPr>
+              <a:t>put code into the data </a:t>
+            </a:r>
+            <a:r>
+              <a:rPr lang="en-US" sz="1600" dirty="0" smtClean="0">
+                <a:solidFill>
+                  <a:schemeClr val="accent2"/>
+                </a:solidFill>
+                <a:latin typeface="Courier New" pitchFamily="49" charset="0"/>
+                <a:cs typeface="Courier New" pitchFamily="49" charset="0"/>
+              </a:rPr>
+              <a:t>section </a:t>
+            </a:r>
+            <a:r>
+              <a:rPr lang="en-US" sz="1600" dirty="0">
+                <a:solidFill>
+                  <a:schemeClr val="accent2"/>
+                </a:solidFill>
+                <a:latin typeface="Courier New" pitchFamily="49" charset="0"/>
+                <a:cs typeface="Courier New" pitchFamily="49" charset="0"/>
+              </a:rPr>
+              <a:t>- maps to RAM</a:t>
+            </a:r>
+          </a:p>
+          <a:p>
+            <a:pPr marL="0" indent="0">
+              <a:buNone/>
+            </a:pPr>
+            <a:endParaRPr lang="en-US" sz="1800" b="1" dirty="0">
+              <a:latin typeface="Courier New" pitchFamily="49" charset="0"/>
+              <a:cs typeface="Courier New" pitchFamily="49" charset="0"/>
+            </a:endParaRPr>
+          </a:p>
+          <a:p>
+            <a:pPr marL="0" indent="0">
+              <a:buNone/>
+            </a:pPr>
+            <a:r>
+              <a:rPr lang="en-US" sz="1800" dirty="0">
+                <a:latin typeface="Courier New" pitchFamily="49" charset="0"/>
+                <a:cs typeface="Courier New" pitchFamily="49" charset="0"/>
+              </a:rPr>
+              <a:t>.sect ".reset"          </a:t>
+            </a:r>
+            <a:r>
+              <a:rPr lang="en-US" sz="1800" dirty="0">
+                <a:solidFill>
+                  <a:schemeClr val="accent2"/>
+                </a:solidFill>
+                <a:latin typeface="Courier New" pitchFamily="49" charset="0"/>
+                <a:cs typeface="Courier New" pitchFamily="49" charset="0"/>
+              </a:rPr>
+              <a:t>;put this at the reset vector</a:t>
+            </a:r>
+          </a:p>
+          <a:p>
+            <a:pPr marL="0" indent="0">
+              <a:buNone/>
+            </a:pPr>
+            <a:r>
+              <a:rPr lang="en-US" sz="1800" dirty="0">
+                <a:latin typeface="Courier New" pitchFamily="49" charset="0"/>
+                <a:cs typeface="Courier New" pitchFamily="49" charset="0"/>
+              </a:rPr>
+              <a:t>.sect .stack            </a:t>
+            </a:r>
+            <a:r>
+              <a:rPr lang="en-US" sz="1600" dirty="0">
+                <a:solidFill>
+                  <a:schemeClr val="accent2"/>
+                </a:solidFill>
+                <a:latin typeface="Courier New" pitchFamily="49" charset="0"/>
+                <a:cs typeface="Courier New" pitchFamily="49" charset="0"/>
+              </a:rPr>
+              <a:t>;make this the location of the stack</a:t>
+            </a:r>
+          </a:p>
+          <a:p>
+            <a:pPr marL="0" indent="0">
+              <a:buNone/>
+            </a:pPr>
+            <a:endParaRPr lang="en-US" sz="1800" dirty="0">
+              <a:latin typeface="Courier New" pitchFamily="49" charset="0"/>
+              <a:cs typeface="Courier New" pitchFamily="49" charset="0"/>
+            </a:endParaRPr>
+          </a:p>
+          <a:p>
+            <a:pPr marL="0" indent="0">
+              <a:buNone/>
+            </a:pPr>
+            <a:r>
+              <a:rPr lang="en-US" sz="1600" dirty="0" smtClean="0">
+                <a:latin typeface="Courier New" pitchFamily="49" charset="0"/>
+                <a:cs typeface="Courier New" pitchFamily="49" charset="0"/>
+              </a:rPr>
+              <a:t>MY_RESULTS: .space 20       </a:t>
+            </a:r>
+            <a:r>
+              <a:rPr lang="en-US" sz="1600" dirty="0" smtClean="0">
+                <a:solidFill>
+                  <a:schemeClr val="accent2"/>
+                </a:solidFill>
+                <a:latin typeface="Courier New" pitchFamily="49" charset="0"/>
+                <a:cs typeface="Courier New" pitchFamily="49" charset="0"/>
+              </a:rPr>
+              <a:t>; reserves 20 bytes</a:t>
+            </a:r>
+          </a:p>
+          <a:p>
+            <a:pPr marL="0" indent="0">
+              <a:buNone/>
+            </a:pPr>
+            <a:r>
+              <a:rPr lang="en-US" sz="1600" dirty="0" smtClean="0">
+                <a:solidFill>
+                  <a:schemeClr val="accent2"/>
+                </a:solidFill>
+                <a:latin typeface="Courier New" pitchFamily="49" charset="0"/>
+                <a:cs typeface="Courier New" pitchFamily="49" charset="0"/>
+              </a:rPr>
+              <a:t>-----------------</a:t>
+            </a:r>
+          </a:p>
+          <a:p>
+            <a:pPr marL="0" indent="0">
+              <a:buNone/>
+            </a:pPr>
+            <a:r>
+              <a:rPr lang="en-US" sz="1600" dirty="0" smtClean="0">
+                <a:solidFill>
+                  <a:schemeClr val="accent2"/>
+                </a:solidFill>
+                <a:latin typeface="Courier New" pitchFamily="49" charset="0"/>
+                <a:cs typeface="Courier New" pitchFamily="49" charset="0"/>
+              </a:rPr>
+              <a:t>To use:</a:t>
+            </a:r>
+          </a:p>
+          <a:p>
+            <a:pPr marL="0" indent="0">
+              <a:buNone/>
+            </a:pPr>
+            <a:r>
+              <a:rPr lang="en-US" sz="1600" dirty="0">
+                <a:solidFill>
+                  <a:schemeClr val="accent2"/>
+                </a:solidFill>
+                <a:latin typeface="Courier New" pitchFamily="49" charset="0"/>
+                <a:cs typeface="Courier New" pitchFamily="49" charset="0"/>
+              </a:rPr>
+              <a:t>	</a:t>
+            </a:r>
+            <a:r>
+              <a:rPr lang="en-US" sz="1600" dirty="0" err="1" smtClean="0">
+                <a:latin typeface="Courier New" pitchFamily="49" charset="0"/>
+                <a:cs typeface="Courier New" pitchFamily="49" charset="0"/>
+              </a:rPr>
+              <a:t>mov</a:t>
+            </a:r>
+            <a:r>
+              <a:rPr lang="en-US" sz="1600" dirty="0" smtClean="0">
+                <a:latin typeface="Courier New" pitchFamily="49" charset="0"/>
+                <a:cs typeface="Courier New" pitchFamily="49" charset="0"/>
+              </a:rPr>
+              <a:t>  #MY_RESULTS, r5     </a:t>
+            </a:r>
+            <a:r>
+              <a:rPr lang="en-US" sz="1600" dirty="0" smtClean="0">
+                <a:solidFill>
+                  <a:schemeClr val="accent2"/>
+                </a:solidFill>
+                <a:latin typeface="Courier New" pitchFamily="49" charset="0"/>
+                <a:cs typeface="Courier New" pitchFamily="49" charset="0"/>
+              </a:rPr>
+              <a:t>; pointer address into r5</a:t>
+            </a:r>
+          </a:p>
+          <a:p>
+            <a:pPr marL="0" indent="0">
+              <a:buNone/>
+            </a:pPr>
+            <a:r>
+              <a:rPr lang="en-US" sz="1600" dirty="0">
+                <a:solidFill>
+                  <a:schemeClr val="accent2"/>
+                </a:solidFill>
+                <a:latin typeface="Courier New" pitchFamily="49" charset="0"/>
+                <a:cs typeface="Courier New" pitchFamily="49" charset="0"/>
+              </a:rPr>
+              <a:t>	</a:t>
+            </a:r>
+            <a:r>
+              <a:rPr lang="en-US" sz="1600" dirty="0" err="1" smtClean="0">
+                <a:latin typeface="Courier New" pitchFamily="49" charset="0"/>
+                <a:cs typeface="Courier New" pitchFamily="49" charset="0"/>
+              </a:rPr>
+              <a:t>mov</a:t>
+            </a:r>
+            <a:r>
+              <a:rPr lang="en-US" sz="1600" dirty="0" smtClean="0">
+                <a:latin typeface="Courier New" pitchFamily="49" charset="0"/>
+                <a:cs typeface="Courier New" pitchFamily="49" charset="0"/>
+              </a:rPr>
+              <a:t>  #0xfefe, &amp;MY_RESULT </a:t>
+            </a:r>
+            <a:r>
+              <a:rPr lang="en-US" sz="1600" dirty="0" smtClean="0">
+                <a:solidFill>
+                  <a:schemeClr val="accent2"/>
+                </a:solidFill>
+                <a:latin typeface="Courier New" pitchFamily="49" charset="0"/>
+                <a:cs typeface="Courier New" pitchFamily="49" charset="0"/>
+              </a:rPr>
+              <a:t>; put </a:t>
+            </a:r>
+            <a:r>
+              <a:rPr lang="en-US" sz="1600" dirty="0" err="1" smtClean="0">
+                <a:solidFill>
+                  <a:schemeClr val="accent2"/>
+                </a:solidFill>
+                <a:latin typeface="Courier New" pitchFamily="49" charset="0"/>
+                <a:cs typeface="Courier New" pitchFamily="49" charset="0"/>
+              </a:rPr>
+              <a:t>fefe</a:t>
+            </a:r>
+            <a:r>
+              <a:rPr lang="en-US" sz="1600" dirty="0" smtClean="0">
+                <a:solidFill>
+                  <a:schemeClr val="accent2"/>
+                </a:solidFill>
+                <a:latin typeface="Courier New" pitchFamily="49" charset="0"/>
+                <a:cs typeface="Courier New" pitchFamily="49" charset="0"/>
+              </a:rPr>
+              <a:t> into 1</a:t>
+            </a:r>
+            <a:r>
+              <a:rPr lang="en-US" sz="1600" baseline="30000" dirty="0" smtClean="0">
+                <a:solidFill>
+                  <a:schemeClr val="accent2"/>
+                </a:solidFill>
+                <a:latin typeface="Courier New" pitchFamily="49" charset="0"/>
+                <a:cs typeface="Courier New" pitchFamily="49" charset="0"/>
+              </a:rPr>
+              <a:t>st</a:t>
+            </a:r>
+            <a:r>
+              <a:rPr lang="en-US" sz="1600" dirty="0" smtClean="0">
+                <a:solidFill>
+                  <a:schemeClr val="accent2"/>
+                </a:solidFill>
+                <a:latin typeface="Courier New" pitchFamily="49" charset="0"/>
+                <a:cs typeface="Courier New" pitchFamily="49" charset="0"/>
+              </a:rPr>
+              <a:t> two bytes</a:t>
+            </a:r>
+            <a:endParaRPr lang="en-US" sz="1600" dirty="0">
+              <a:solidFill>
+                <a:schemeClr val="accent2"/>
+              </a:solidFill>
+              <a:latin typeface="Courier New" pitchFamily="49" charset="0"/>
+              <a:cs typeface="Courier New" pitchFamily="49" charset="0"/>
+            </a:endParaRPr>
+          </a:p>
+        </p:txBody>
+      </p:sp>
+    </p:spTree>
+    <p:extLst>
+      <p:ext uri="{BB962C8B-B14F-4D97-AF65-F5344CB8AC3E}">
+        <p14:creationId xmlns:p14="http://schemas.microsoft.com/office/powerpoint/2010/main" val="373541131"/>
+      </p:ext>
+    </p:extLst>
+  </p:cSld>
+  <p:clrMapOvr>
+    <a:masterClrMapping/>
+  </p:clrMapOvr>
+  <p:timing>
+    <p:tnLst>
+      <p:par>
+        <p:cTn id="1" dur="indefinite" restart="never" nodeType="tmRoot"/>
+      </p:par>
+    </p:tnLst>
+  </p:timing>
+</p:sld>
+</file>
+
+<file path=ppt/slides/slide7.xml><?xml version="1.0" encoding="utf-8"?>
+<p:sld xmlns:a="http://schemas.openxmlformats.org/drawingml/2006/main" xmlns:r="http://schemas.openxmlformats.org/officeDocument/2006/relationships" xmlns:p="http://schemas.openxmlformats.org/presentationml/2006/main">
+  <p:cSld>
+    <p:spTree>
+      <p:nvGrpSpPr>
+        <p:cNvPr id="1" name=""/>
+        <p:cNvGrpSpPr/>
+        <p:nvPr/>
+      </p:nvGrpSpPr>
+      <p:grpSpPr>
+        <a:xfrm>
+          <a:off x="0" y="0"/>
+          <a:ext cx="0" cy="0"/>
+          <a:chOff x="0" y="0"/>
+          <a:chExt cx="0" cy="0"/>
+        </a:xfrm>
+      </p:grpSpPr>
+      <p:sp>
+        <p:nvSpPr>
+          <p:cNvPr id="2" name="Title 1"/>
+          <p:cNvSpPr>
+            <a:spLocks noGrp="1"/>
+          </p:cNvSpPr>
+          <p:nvPr>
+            <p:ph type="title"/>
+          </p:nvPr>
+        </p:nvSpPr>
+        <p:spPr/>
+        <p:txBody>
+          <a:bodyPr/>
+          <a:lstStyle/>
+          <a:p>
+            <a:r>
+              <a:rPr lang="en-US" dirty="0" smtClean="0"/>
+              <a:t>Assembler Directives</a:t>
+            </a:r>
+            <a:endParaRPr lang="en-US" dirty="0"/>
+          </a:p>
+        </p:txBody>
+      </p:sp>
+      <p:sp>
+        <p:nvSpPr>
+          <p:cNvPr id="3" name="Content Placeholder 2"/>
+          <p:cNvSpPr>
+            <a:spLocks noGrp="1"/>
+          </p:cNvSpPr>
+          <p:nvPr>
+            <p:ph idx="1"/>
+          </p:nvPr>
+        </p:nvSpPr>
+        <p:spPr>
+          <a:xfrm>
+            <a:off x="469126" y="1466616"/>
+            <a:ext cx="8320484" cy="4883383"/>
+          </a:xfrm>
+        </p:spPr>
+        <p:txBody>
+          <a:bodyPr/>
+          <a:lstStyle/>
+          <a:p>
+            <a:pPr marL="0" indent="0">
+              <a:buNone/>
+            </a:pPr>
+            <a:r>
+              <a:rPr lang="en-US" sz="1800" dirty="0" smtClean="0">
+                <a:solidFill>
+                  <a:schemeClr val="accent2"/>
+                </a:solidFill>
+                <a:latin typeface="Courier New" pitchFamily="49" charset="0"/>
+                <a:cs typeface="Courier New" pitchFamily="49" charset="0"/>
+              </a:rPr>
+              <a:t>; Can initialize ROM; cannot initialize RAM</a:t>
+            </a:r>
+          </a:p>
+          <a:p>
+            <a:pPr marL="0" indent="0">
+              <a:buNone/>
+            </a:pPr>
+            <a:r>
+              <a:rPr lang="en-US" sz="1800" dirty="0" smtClean="0">
+                <a:latin typeface="Courier New" pitchFamily="49" charset="0"/>
+                <a:cs typeface="Courier New" pitchFamily="49" charset="0"/>
+              </a:rPr>
+              <a:t>                    </a:t>
+            </a:r>
+            <a:r>
+              <a:rPr lang="en-US" sz="1800" dirty="0" smtClean="0">
+                <a:solidFill>
+                  <a:schemeClr val="accent2"/>
+                </a:solidFill>
+                <a:latin typeface="Courier New" pitchFamily="49" charset="0"/>
+                <a:cs typeface="Courier New" pitchFamily="49" charset="0"/>
+              </a:rPr>
+              <a:t>;</a:t>
+            </a:r>
+            <a:r>
+              <a:rPr lang="en-US" sz="1800" dirty="0">
+                <a:solidFill>
+                  <a:schemeClr val="accent2"/>
+                </a:solidFill>
+                <a:latin typeface="Courier New" pitchFamily="49" charset="0"/>
+                <a:cs typeface="Courier New" pitchFamily="49" charset="0"/>
+              </a:rPr>
+              <a:t>initialize sequence of bytes</a:t>
+            </a:r>
+          </a:p>
+          <a:p>
+            <a:pPr marL="0" indent="0">
+              <a:buNone/>
+            </a:pPr>
+            <a:r>
+              <a:rPr lang="en-US" sz="1800" dirty="0">
+                <a:latin typeface="Courier New" pitchFamily="49" charset="0"/>
+                <a:cs typeface="Courier New" pitchFamily="49" charset="0"/>
+              </a:rPr>
+              <a:t>bytes:  .byte       </a:t>
+            </a:r>
+            <a:r>
+              <a:rPr lang="en-US" sz="1800" dirty="0" smtClean="0">
+                <a:latin typeface="Courier New" pitchFamily="49" charset="0"/>
+                <a:cs typeface="Courier New" pitchFamily="49" charset="0"/>
+              </a:rPr>
+              <a:t>9,8,7,6,5,4,3,2,1</a:t>
+            </a:r>
+          </a:p>
+          <a:p>
+            <a:pPr marL="0" indent="0">
+              <a:buNone/>
+            </a:pPr>
+            <a:endParaRPr lang="en-US" sz="1800" dirty="0">
+              <a:latin typeface="Courier New" pitchFamily="49" charset="0"/>
+              <a:cs typeface="Courier New" pitchFamily="49" charset="0"/>
+            </a:endParaRPr>
+          </a:p>
+          <a:p>
+            <a:pPr marL="0" indent="0">
+              <a:buNone/>
+            </a:pPr>
+            <a:r>
+              <a:rPr lang="en-US" sz="1800" dirty="0">
+                <a:latin typeface="Courier New" pitchFamily="49" charset="0"/>
+                <a:cs typeface="Courier New" pitchFamily="49" charset="0"/>
+              </a:rPr>
+              <a:t>        </a:t>
+            </a:r>
+            <a:r>
+              <a:rPr lang="en-US" sz="1800" dirty="0" smtClean="0">
+                <a:latin typeface="Courier New" pitchFamily="49" charset="0"/>
+                <a:cs typeface="Courier New" pitchFamily="49" charset="0"/>
+              </a:rPr>
+              <a:t>            </a:t>
+            </a:r>
+            <a:r>
+              <a:rPr lang="en-US" sz="1800" dirty="0" smtClean="0">
+                <a:solidFill>
+                  <a:schemeClr val="accent2"/>
+                </a:solidFill>
+                <a:latin typeface="Courier New" pitchFamily="49" charset="0"/>
+                <a:cs typeface="Courier New" pitchFamily="49" charset="0"/>
+              </a:rPr>
+              <a:t>;initialize </a:t>
+            </a:r>
+            <a:r>
+              <a:rPr lang="en-US" sz="1800" dirty="0">
+                <a:solidFill>
+                  <a:schemeClr val="accent2"/>
+                </a:solidFill>
+                <a:latin typeface="Courier New" pitchFamily="49" charset="0"/>
+                <a:cs typeface="Courier New" pitchFamily="49" charset="0"/>
+              </a:rPr>
+              <a:t>sequence of words</a:t>
+            </a:r>
+          </a:p>
+          <a:p>
+            <a:pPr marL="0" indent="0">
+              <a:buNone/>
+            </a:pPr>
+            <a:r>
+              <a:rPr lang="en-US" sz="1800" dirty="0">
+                <a:latin typeface="Courier New" pitchFamily="49" charset="0"/>
+                <a:cs typeface="Courier New" pitchFamily="49" charset="0"/>
+              </a:rPr>
+              <a:t>words:  .word       0x1111,0x2222,0x3333,0x4444</a:t>
+            </a:r>
+          </a:p>
+          <a:p>
+            <a:pPr marL="0" indent="0">
+              <a:buNone/>
+            </a:pPr>
+            <a:endParaRPr lang="en-US" sz="1800" dirty="0">
+              <a:latin typeface="Courier New" pitchFamily="49" charset="0"/>
+              <a:cs typeface="Courier New" pitchFamily="49" charset="0"/>
+            </a:endParaRPr>
+          </a:p>
+          <a:p>
+            <a:pPr marL="0" indent="0">
+              <a:buNone/>
+            </a:pPr>
+            <a:r>
+              <a:rPr lang="en-US" sz="1800" dirty="0">
+                <a:latin typeface="Courier New" pitchFamily="49" charset="0"/>
+                <a:cs typeface="Courier New" pitchFamily="49" charset="0"/>
+              </a:rPr>
+              <a:t>        </a:t>
+            </a:r>
+            <a:r>
+              <a:rPr lang="en-US" sz="1800" dirty="0" smtClean="0">
+                <a:latin typeface="Courier New" pitchFamily="49" charset="0"/>
+                <a:cs typeface="Courier New" pitchFamily="49" charset="0"/>
+              </a:rPr>
+              <a:t>            </a:t>
+            </a:r>
+            <a:r>
+              <a:rPr lang="en-US" sz="1800" dirty="0" smtClean="0">
+                <a:solidFill>
+                  <a:schemeClr val="accent2"/>
+                </a:solidFill>
+                <a:latin typeface="Courier New" pitchFamily="49" charset="0"/>
+                <a:cs typeface="Courier New" pitchFamily="49" charset="0"/>
+              </a:rPr>
+              <a:t>;</a:t>
+            </a:r>
+            <a:r>
+              <a:rPr lang="en-US" sz="1800" dirty="0">
+                <a:solidFill>
+                  <a:schemeClr val="accent2"/>
+                </a:solidFill>
+                <a:latin typeface="Courier New" pitchFamily="49" charset="0"/>
+                <a:cs typeface="Courier New" pitchFamily="49" charset="0"/>
+              </a:rPr>
+              <a:t>initialize strings</a:t>
+            </a:r>
+          </a:p>
+          <a:p>
+            <a:pPr marL="0" indent="0">
+              <a:buNone/>
+            </a:pPr>
+            <a:r>
+              <a:rPr lang="en-US" sz="1800" dirty="0" err="1">
+                <a:latin typeface="Courier New" pitchFamily="49" charset="0"/>
+                <a:cs typeface="Courier New" pitchFamily="49" charset="0"/>
+              </a:rPr>
+              <a:t>myStr</a:t>
+            </a:r>
+            <a:r>
+              <a:rPr lang="en-US" sz="1800" dirty="0">
+                <a:latin typeface="Courier New" pitchFamily="49" charset="0"/>
+                <a:cs typeface="Courier New" pitchFamily="49" charset="0"/>
+              </a:rPr>
+              <a:t>:  .string     "hello, world!"</a:t>
+            </a:r>
+          </a:p>
+          <a:p>
+            <a:pPr marL="0" indent="0">
+              <a:buNone/>
+            </a:pPr>
+            <a:endParaRPr lang="en-US" sz="1800" dirty="0">
+              <a:latin typeface="Courier New" pitchFamily="49" charset="0"/>
+              <a:cs typeface="Courier New" pitchFamily="49" charset="0"/>
+            </a:endParaRPr>
+          </a:p>
+          <a:p>
+            <a:pPr marL="0" indent="0">
+              <a:buNone/>
+            </a:pPr>
+            <a:r>
+              <a:rPr lang="en-US" sz="1800" dirty="0">
+                <a:latin typeface="Courier New" pitchFamily="49" charset="0"/>
+                <a:cs typeface="Courier New" pitchFamily="49" charset="0"/>
+              </a:rPr>
+              <a:t>        </a:t>
+            </a:r>
+            <a:r>
+              <a:rPr lang="en-US" sz="1800" dirty="0" smtClean="0">
+                <a:latin typeface="Courier New" pitchFamily="49" charset="0"/>
+                <a:cs typeface="Courier New" pitchFamily="49" charset="0"/>
+              </a:rPr>
+              <a:t>            </a:t>
+            </a:r>
+            <a:r>
+              <a:rPr lang="en-US" sz="1800" dirty="0" smtClean="0">
+                <a:solidFill>
+                  <a:schemeClr val="accent2"/>
+                </a:solidFill>
+                <a:latin typeface="Courier New" pitchFamily="49" charset="0"/>
+                <a:cs typeface="Courier New" pitchFamily="49" charset="0"/>
+              </a:rPr>
+              <a:t>;</a:t>
+            </a:r>
+            <a:r>
+              <a:rPr lang="en-US" sz="1800" dirty="0">
+                <a:solidFill>
+                  <a:schemeClr val="accent2"/>
+                </a:solidFill>
+                <a:latin typeface="Courier New" pitchFamily="49" charset="0"/>
+                <a:cs typeface="Courier New" pitchFamily="49" charset="0"/>
+              </a:rPr>
+              <a:t>initialize characters</a:t>
+            </a:r>
+          </a:p>
+          <a:p>
+            <a:pPr marL="0" indent="0">
+              <a:buNone/>
+            </a:pPr>
+            <a:r>
+              <a:rPr lang="en-US" sz="1800" dirty="0" smtClean="0">
+                <a:latin typeface="Courier New" pitchFamily="49" charset="0"/>
+                <a:cs typeface="Courier New" pitchFamily="49" charset="0"/>
+              </a:rPr>
+              <a:t>Chars</a:t>
+            </a:r>
+            <a:r>
+              <a:rPr lang="en-US" sz="1800" dirty="0">
+                <a:latin typeface="Courier New" pitchFamily="49" charset="0"/>
+                <a:cs typeface="Courier New" pitchFamily="49" charset="0"/>
+              </a:rPr>
+              <a:t>:  .char       '</a:t>
+            </a:r>
+            <a:r>
+              <a:rPr lang="en-US" sz="1800" dirty="0" err="1">
+                <a:latin typeface="Courier New" pitchFamily="49" charset="0"/>
+                <a:cs typeface="Courier New" pitchFamily="49" charset="0"/>
+              </a:rPr>
+              <a:t>a','b','c',</a:t>
+            </a:r>
+            <a:r>
+              <a:rPr lang="en-US" sz="1800" dirty="0" err="1" smtClean="0">
+                <a:latin typeface="Courier New" pitchFamily="49" charset="0"/>
+                <a:cs typeface="Courier New" pitchFamily="49" charset="0"/>
+              </a:rPr>
+              <a:t>'d</a:t>
+            </a:r>
+            <a:r>
+              <a:rPr lang="en-US" sz="1800" dirty="0" smtClean="0">
+                <a:latin typeface="Courier New" pitchFamily="49" charset="0"/>
+                <a:cs typeface="Courier New" pitchFamily="49" charset="0"/>
+              </a:rPr>
+              <a:t>‘</a:t>
+            </a:r>
+          </a:p>
+          <a:p>
+            <a:pPr marL="0" indent="0">
+              <a:buNone/>
+            </a:pPr>
+            <a:endParaRPr lang="en-US" sz="1800" dirty="0" smtClean="0">
+              <a:solidFill>
+                <a:schemeClr val="accent2"/>
+              </a:solidFill>
+              <a:latin typeface="Courier New" pitchFamily="49" charset="0"/>
+              <a:cs typeface="Courier New" pitchFamily="49" charset="0"/>
+            </a:endParaRPr>
+          </a:p>
+          <a:p>
+            <a:pPr marL="0" indent="0">
+              <a:buNone/>
+            </a:pPr>
+            <a:r>
+              <a:rPr lang="en-US" sz="1800" dirty="0" smtClean="0">
+                <a:solidFill>
+                  <a:schemeClr val="accent2"/>
+                </a:solidFill>
+                <a:latin typeface="Courier New" pitchFamily="49" charset="0"/>
+                <a:cs typeface="Courier New" pitchFamily="49" charset="0"/>
+              </a:rPr>
+              <a:t>; see in CCS</a:t>
+            </a:r>
+            <a:endParaRPr lang="en-US" sz="1600" dirty="0">
+              <a:solidFill>
+                <a:schemeClr val="accent2"/>
+              </a:solidFill>
+              <a:latin typeface="Courier New" pitchFamily="49" charset="0"/>
+              <a:cs typeface="Courier New" pitchFamily="49" charset="0"/>
+            </a:endParaRPr>
+          </a:p>
+        </p:txBody>
+      </p:sp>
+    </p:spTree>
+    <p:extLst>
+      <p:ext uri="{BB962C8B-B14F-4D97-AF65-F5344CB8AC3E}">
+        <p14:creationId xmlns:p14="http://schemas.microsoft.com/office/powerpoint/2010/main" val="952037732"/>
+      </p:ext>
+    </p:extLst>
+  </p:cSld>
+  <p:clrMapOvr>
+    <a:masterClrMapping/>
+  </p:clrMapOvr>
+  <p:timing>
+    <p:tnLst>
+      <p:par>
+        <p:cTn id="1" dur="indefinite" restart="never" nodeType="tmRoot"/>
+      </p:par>
+    </p:tnLst>
+  </p:timing>
+</p:sld>
+</file>
+
+<file path=ppt/slides/slide8.xml><?xml version="1.0" encoding="utf-8"?>
+<p:sld xmlns:a="http://schemas.openxmlformats.org/drawingml/2006/main" xmlns:r="http://schemas.openxmlformats.org/officeDocument/2006/relationships" xmlns:p="http://schemas.openxmlformats.org/presentationml/2006/main">
+  <p:cSld>
+    <p:spTree>
+      <p:nvGrpSpPr>
+        <p:cNvPr id="1" name=""/>
+        <p:cNvGrpSpPr/>
+        <p:nvPr/>
+      </p:nvGrpSpPr>
+      <p:grpSpPr>
+        <a:xfrm>
+          <a:off x="0" y="0"/>
+          <a:ext cx="0" cy="0"/>
+          <a:chOff x="0" y="0"/>
+          <a:chExt cx="0" cy="0"/>
+        </a:xfrm>
+      </p:grpSpPr>
+      <p:sp>
+        <p:nvSpPr>
+          <p:cNvPr id="2" name="Title 1"/>
+          <p:cNvSpPr>
+            <a:spLocks noGrp="1"/>
+          </p:cNvSpPr>
+          <p:nvPr>
+            <p:ph type="title"/>
+          </p:nvPr>
+        </p:nvSpPr>
+        <p:spPr/>
+        <p:txBody>
+          <a:bodyPr/>
+          <a:lstStyle/>
+          <a:p>
+            <a:r>
+              <a:rPr lang="en-US" dirty="0" smtClean="0"/>
+              <a:t>Assembler Directives</a:t>
+            </a:r>
+            <a:endParaRPr lang="en-US" dirty="0"/>
+          </a:p>
+        </p:txBody>
+      </p:sp>
+      <p:sp>
+        <p:nvSpPr>
+          <p:cNvPr id="3" name="Content Placeholder 2"/>
+          <p:cNvSpPr>
+            <a:spLocks noGrp="1"/>
+          </p:cNvSpPr>
+          <p:nvPr>
+            <p:ph idx="1"/>
+          </p:nvPr>
+        </p:nvSpPr>
+        <p:spPr>
+          <a:xfrm>
+            <a:off x="469125" y="1593616"/>
+            <a:ext cx="8320484" cy="4724400"/>
+          </a:xfrm>
+        </p:spPr>
+        <p:txBody>
+          <a:bodyPr/>
+          <a:lstStyle/>
+          <a:p>
+            <a:pPr marL="0" indent="0">
+              <a:buNone/>
+            </a:pPr>
+            <a:r>
+              <a:rPr lang="en-US" sz="1800" dirty="0" smtClean="0">
+                <a:solidFill>
+                  <a:schemeClr val="accent2"/>
+                </a:solidFill>
+                <a:latin typeface="Courier New" pitchFamily="49" charset="0"/>
+                <a:cs typeface="Courier New" pitchFamily="49" charset="0"/>
+              </a:rPr>
+              <a:t>; .</a:t>
+            </a:r>
+            <a:r>
+              <a:rPr lang="en-US" sz="1800" dirty="0" err="1">
+                <a:solidFill>
+                  <a:schemeClr val="accent2"/>
+                </a:solidFill>
+                <a:latin typeface="Courier New" pitchFamily="49" charset="0"/>
+                <a:cs typeface="Courier New" pitchFamily="49" charset="0"/>
+              </a:rPr>
+              <a:t>equ</a:t>
+            </a:r>
+            <a:r>
+              <a:rPr lang="en-US" sz="1800" dirty="0">
+                <a:solidFill>
+                  <a:schemeClr val="accent2"/>
+                </a:solidFill>
+                <a:latin typeface="Courier New" pitchFamily="49" charset="0"/>
+                <a:cs typeface="Courier New" pitchFamily="49" charset="0"/>
+              </a:rPr>
+              <a:t>  </a:t>
+            </a:r>
+            <a:r>
+              <a:rPr lang="en-US" sz="1800" dirty="0" smtClean="0">
+                <a:solidFill>
+                  <a:schemeClr val="accent2"/>
+                </a:solidFill>
+                <a:latin typeface="Courier New" pitchFamily="49" charset="0"/>
+                <a:cs typeface="Courier New" pitchFamily="49" charset="0"/>
+                <a:sym typeface="Wingdings" pitchFamily="2" charset="2"/>
+              </a:rPr>
+              <a:t> </a:t>
+            </a:r>
+            <a:r>
+              <a:rPr lang="en-US" sz="1800" dirty="0" smtClean="0">
+                <a:solidFill>
+                  <a:schemeClr val="accent2"/>
+                </a:solidFill>
+                <a:latin typeface="Courier New" pitchFamily="49" charset="0"/>
+                <a:cs typeface="Courier New" pitchFamily="49" charset="0"/>
+              </a:rPr>
+              <a:t>assign </a:t>
+            </a:r>
+            <a:r>
+              <a:rPr lang="en-US" sz="1800" dirty="0">
+                <a:solidFill>
+                  <a:schemeClr val="accent2"/>
+                </a:solidFill>
+                <a:latin typeface="Courier New" pitchFamily="49" charset="0"/>
+                <a:cs typeface="Courier New" pitchFamily="49" charset="0"/>
+              </a:rPr>
+              <a:t>a label to a particular value</a:t>
+            </a:r>
+          </a:p>
+          <a:p>
+            <a:pPr marL="0" indent="0">
+              <a:buNone/>
+            </a:pPr>
+            <a:r>
+              <a:rPr lang="en-US" sz="1800" dirty="0" smtClean="0">
+                <a:latin typeface="Courier New" pitchFamily="49" charset="0"/>
+                <a:cs typeface="Courier New" pitchFamily="49" charset="0"/>
+              </a:rPr>
+              <a:t>SEVENTEEN:  </a:t>
+            </a:r>
+            <a:r>
+              <a:rPr lang="en-US" sz="1800" dirty="0">
+                <a:latin typeface="Courier New" pitchFamily="49" charset="0"/>
+                <a:cs typeface="Courier New" pitchFamily="49" charset="0"/>
+              </a:rPr>
+              <a:t>.</a:t>
+            </a:r>
+            <a:r>
+              <a:rPr lang="en-US" sz="1800" dirty="0" err="1">
+                <a:latin typeface="Courier New" pitchFamily="49" charset="0"/>
+                <a:cs typeface="Courier New" pitchFamily="49" charset="0"/>
+              </a:rPr>
+              <a:t>equ</a:t>
+            </a:r>
+            <a:r>
+              <a:rPr lang="en-US" sz="1800" dirty="0">
+                <a:latin typeface="Courier New" pitchFamily="49" charset="0"/>
+                <a:cs typeface="Courier New" pitchFamily="49" charset="0"/>
+              </a:rPr>
+              <a:t>        </a:t>
+            </a:r>
+            <a:r>
+              <a:rPr lang="en-US" sz="1800" dirty="0" smtClean="0">
+                <a:latin typeface="Courier New" pitchFamily="49" charset="0"/>
+                <a:cs typeface="Courier New" pitchFamily="49" charset="0"/>
+              </a:rPr>
+              <a:t>0x11</a:t>
+            </a:r>
+            <a:endParaRPr lang="en-US" sz="1800" dirty="0">
+              <a:latin typeface="Courier New" pitchFamily="49" charset="0"/>
+              <a:cs typeface="Courier New" pitchFamily="49" charset="0"/>
+            </a:endParaRPr>
+          </a:p>
+          <a:p>
+            <a:pPr marL="0" indent="0">
+              <a:buNone/>
+            </a:pPr>
+            <a:endParaRPr lang="en-US" sz="1800" dirty="0">
+              <a:solidFill>
+                <a:schemeClr val="accent2"/>
+              </a:solidFill>
+              <a:latin typeface="Courier New" pitchFamily="49" charset="0"/>
+              <a:cs typeface="Courier New" pitchFamily="49" charset="0"/>
+            </a:endParaRPr>
+          </a:p>
+          <a:p>
+            <a:pPr marL="0" indent="0">
+              <a:buNone/>
+            </a:pPr>
+            <a:r>
+              <a:rPr lang="en-US" sz="1800" dirty="0" smtClean="0">
+                <a:solidFill>
+                  <a:schemeClr val="accent2"/>
+                </a:solidFill>
+                <a:latin typeface="Courier New" pitchFamily="49" charset="0"/>
+                <a:cs typeface="Courier New" pitchFamily="49" charset="0"/>
+              </a:rPr>
+              <a:t>;</a:t>
+            </a:r>
+            <a:r>
+              <a:rPr lang="en-US" sz="1800" dirty="0">
+                <a:solidFill>
+                  <a:schemeClr val="accent2"/>
+                </a:solidFill>
+                <a:latin typeface="Courier New" pitchFamily="49" charset="0"/>
+                <a:cs typeface="Courier New" pitchFamily="49" charset="0"/>
+              </a:rPr>
+              <a:t>align a variable with a particular multiple of bytes (useful to ensure word on even address)</a:t>
+            </a:r>
+          </a:p>
+          <a:p>
+            <a:pPr marL="0" indent="0">
+              <a:buNone/>
+            </a:pPr>
+            <a:r>
+              <a:rPr lang="en-US" sz="1800" dirty="0">
+                <a:solidFill>
+                  <a:schemeClr val="accent2"/>
+                </a:solidFill>
+                <a:latin typeface="Courier New" pitchFamily="49" charset="0"/>
+                <a:cs typeface="Courier New" pitchFamily="49" charset="0"/>
+              </a:rPr>
+              <a:t>        </a:t>
+            </a:r>
+            <a:r>
+              <a:rPr lang="en-US" sz="1800" dirty="0">
+                <a:latin typeface="Courier New" pitchFamily="49" charset="0"/>
+                <a:cs typeface="Courier New" pitchFamily="49" charset="0"/>
+              </a:rPr>
+              <a:t>.align      2</a:t>
+            </a:r>
+          </a:p>
+          <a:p>
+            <a:pPr marL="0" indent="0">
+              <a:buNone/>
+            </a:pPr>
+            <a:endParaRPr lang="en-US" sz="1800" dirty="0">
+              <a:solidFill>
+                <a:schemeClr val="accent2"/>
+              </a:solidFill>
+              <a:latin typeface="Courier New" pitchFamily="49" charset="0"/>
+              <a:cs typeface="Courier New" pitchFamily="49" charset="0"/>
+            </a:endParaRPr>
+          </a:p>
+          <a:p>
+            <a:pPr marL="0" indent="0">
+              <a:buNone/>
+            </a:pPr>
+            <a:r>
+              <a:rPr lang="en-US" sz="1800" dirty="0" smtClean="0">
+                <a:solidFill>
+                  <a:schemeClr val="accent2"/>
+                </a:solidFill>
+                <a:latin typeface="Courier New" pitchFamily="49" charset="0"/>
+                <a:cs typeface="Courier New" pitchFamily="49" charset="0"/>
+              </a:rPr>
+              <a:t>;</a:t>
+            </a:r>
+            <a:r>
+              <a:rPr lang="en-US" sz="1800" dirty="0">
+                <a:solidFill>
+                  <a:schemeClr val="accent2"/>
+                </a:solidFill>
+                <a:latin typeface="Courier New" pitchFamily="49" charset="0"/>
+                <a:cs typeface="Courier New" pitchFamily="49" charset="0"/>
+              </a:rPr>
+              <a:t>probably won't use these often, but they're available</a:t>
+            </a:r>
+          </a:p>
+          <a:p>
+            <a:pPr marL="0" indent="0">
+              <a:buNone/>
+            </a:pPr>
+            <a:endParaRPr lang="en-US" sz="1800" dirty="0">
+              <a:solidFill>
+                <a:schemeClr val="accent2"/>
+              </a:solidFill>
+              <a:latin typeface="Courier New" pitchFamily="49" charset="0"/>
+              <a:cs typeface="Courier New" pitchFamily="49" charset="0"/>
+            </a:endParaRPr>
+          </a:p>
+          <a:p>
+            <a:pPr marL="0" indent="0">
+              <a:buNone/>
+            </a:pPr>
+            <a:r>
+              <a:rPr lang="en-US" sz="1800" dirty="0">
+                <a:solidFill>
+                  <a:schemeClr val="accent2"/>
+                </a:solidFill>
+                <a:latin typeface="Courier New" pitchFamily="49" charset="0"/>
+                <a:cs typeface="Courier New" pitchFamily="49" charset="0"/>
+              </a:rPr>
+              <a:t>        </a:t>
+            </a:r>
+            <a:r>
+              <a:rPr lang="en-US" sz="1800" dirty="0">
+                <a:latin typeface="Courier New" pitchFamily="49" charset="0"/>
+                <a:cs typeface="Courier New" pitchFamily="49" charset="0"/>
+              </a:rPr>
+              <a:t>.float                  </a:t>
+            </a:r>
+            <a:r>
+              <a:rPr lang="en-US" sz="1800" dirty="0">
+                <a:solidFill>
+                  <a:schemeClr val="accent2"/>
+                </a:solidFill>
+                <a:latin typeface="Courier New" pitchFamily="49" charset="0"/>
+                <a:cs typeface="Courier New" pitchFamily="49" charset="0"/>
+              </a:rPr>
+              <a:t>;floating point value</a:t>
+            </a:r>
+          </a:p>
+          <a:p>
+            <a:pPr marL="0" indent="0">
+              <a:buNone/>
+            </a:pPr>
+            <a:r>
+              <a:rPr lang="en-US" sz="1800" dirty="0">
+                <a:solidFill>
+                  <a:schemeClr val="accent2"/>
+                </a:solidFill>
+                <a:latin typeface="Courier New" pitchFamily="49" charset="0"/>
+                <a:cs typeface="Courier New" pitchFamily="49" charset="0"/>
+              </a:rPr>
+              <a:t>        </a:t>
+            </a:r>
+            <a:r>
+              <a:rPr lang="en-US" sz="1800" dirty="0">
+                <a:latin typeface="Courier New" pitchFamily="49" charset="0"/>
+                <a:cs typeface="Courier New" pitchFamily="49" charset="0"/>
+              </a:rPr>
+              <a:t>.</a:t>
+            </a:r>
+            <a:r>
+              <a:rPr lang="en-US" sz="1800" dirty="0" err="1">
+                <a:latin typeface="Courier New" pitchFamily="49" charset="0"/>
+                <a:cs typeface="Courier New" pitchFamily="49" charset="0"/>
+              </a:rPr>
+              <a:t>int</a:t>
+            </a:r>
+            <a:r>
+              <a:rPr lang="en-US" sz="1800" dirty="0">
+                <a:latin typeface="Courier New" pitchFamily="49" charset="0"/>
+                <a:cs typeface="Courier New" pitchFamily="49" charset="0"/>
+              </a:rPr>
+              <a:t>                    </a:t>
+            </a:r>
+            <a:r>
+              <a:rPr lang="en-US" sz="1800" dirty="0">
+                <a:solidFill>
+                  <a:schemeClr val="accent2"/>
+                </a:solidFill>
+                <a:latin typeface="Courier New" pitchFamily="49" charset="0"/>
+                <a:cs typeface="Courier New" pitchFamily="49" charset="0"/>
+              </a:rPr>
+              <a:t>;16-bit </a:t>
+            </a:r>
+            <a:r>
+              <a:rPr lang="en-US" sz="1800" dirty="0" err="1">
+                <a:solidFill>
+                  <a:schemeClr val="accent2"/>
+                </a:solidFill>
+                <a:latin typeface="Courier New" pitchFamily="49" charset="0"/>
+                <a:cs typeface="Courier New" pitchFamily="49" charset="0"/>
+              </a:rPr>
+              <a:t>int</a:t>
+            </a:r>
+            <a:endParaRPr lang="en-US" sz="1800" dirty="0">
+              <a:solidFill>
+                <a:schemeClr val="accent2"/>
+              </a:solidFill>
+              <a:latin typeface="Courier New" pitchFamily="49" charset="0"/>
+              <a:cs typeface="Courier New" pitchFamily="49" charset="0"/>
+            </a:endParaRPr>
+          </a:p>
+          <a:p>
+            <a:pPr marL="0" indent="0">
+              <a:buNone/>
+            </a:pPr>
+            <a:r>
+              <a:rPr lang="en-US" sz="1800" dirty="0">
+                <a:solidFill>
+                  <a:schemeClr val="accent2"/>
+                </a:solidFill>
+                <a:latin typeface="Courier New" pitchFamily="49" charset="0"/>
+                <a:cs typeface="Courier New" pitchFamily="49" charset="0"/>
+              </a:rPr>
+              <a:t>       </a:t>
+            </a:r>
+            <a:r>
+              <a:rPr lang="en-US" sz="1800" dirty="0">
+                <a:latin typeface="Courier New" pitchFamily="49" charset="0"/>
+                <a:cs typeface="Courier New" pitchFamily="49" charset="0"/>
+              </a:rPr>
+              <a:t> .short                  </a:t>
+            </a:r>
+            <a:r>
+              <a:rPr lang="en-US" sz="1800" dirty="0">
+                <a:solidFill>
+                  <a:schemeClr val="accent2"/>
+                </a:solidFill>
+                <a:latin typeface="Courier New" pitchFamily="49" charset="0"/>
+                <a:cs typeface="Courier New" pitchFamily="49" charset="0"/>
+              </a:rPr>
+              <a:t>;16-bit </a:t>
+            </a:r>
+            <a:r>
+              <a:rPr lang="en-US" sz="1800" dirty="0" err="1">
+                <a:solidFill>
+                  <a:schemeClr val="accent2"/>
+                </a:solidFill>
+                <a:latin typeface="Courier New" pitchFamily="49" charset="0"/>
+                <a:cs typeface="Courier New" pitchFamily="49" charset="0"/>
+              </a:rPr>
+              <a:t>int</a:t>
+            </a:r>
+            <a:endParaRPr lang="en-US" sz="1800" dirty="0">
+              <a:solidFill>
+                <a:schemeClr val="accent2"/>
+              </a:solidFill>
+              <a:latin typeface="Courier New" pitchFamily="49" charset="0"/>
+              <a:cs typeface="Courier New" pitchFamily="49" charset="0"/>
+            </a:endParaRPr>
+          </a:p>
+          <a:p>
+            <a:pPr marL="0" indent="0">
+              <a:buNone/>
+            </a:pPr>
+            <a:r>
+              <a:rPr lang="en-US" sz="1800" dirty="0">
+                <a:solidFill>
+                  <a:schemeClr val="accent2"/>
+                </a:solidFill>
+                <a:latin typeface="Courier New" pitchFamily="49" charset="0"/>
+                <a:cs typeface="Courier New" pitchFamily="49" charset="0"/>
+              </a:rPr>
+              <a:t>       </a:t>
+            </a:r>
+            <a:r>
+              <a:rPr lang="en-US" sz="1800" dirty="0">
+                <a:latin typeface="Courier New" pitchFamily="49" charset="0"/>
+                <a:cs typeface="Courier New" pitchFamily="49" charset="0"/>
+              </a:rPr>
+              <a:t> .long                   </a:t>
+            </a:r>
+            <a:r>
+              <a:rPr lang="en-US" sz="1800" dirty="0">
+                <a:solidFill>
+                  <a:schemeClr val="accent2"/>
+                </a:solidFill>
+                <a:latin typeface="Courier New" pitchFamily="49" charset="0"/>
+                <a:cs typeface="Courier New" pitchFamily="49" charset="0"/>
+              </a:rPr>
+              <a:t>;32-bit </a:t>
+            </a:r>
+            <a:r>
+              <a:rPr lang="en-US" sz="1800" dirty="0" err="1">
+                <a:solidFill>
+                  <a:schemeClr val="accent2"/>
+                </a:solidFill>
+                <a:latin typeface="Courier New" pitchFamily="49" charset="0"/>
+                <a:cs typeface="Courier New" pitchFamily="49" charset="0"/>
+              </a:rPr>
+              <a:t>int</a:t>
+            </a:r>
+            <a:endParaRPr lang="en-US" sz="1600" dirty="0">
+              <a:solidFill>
+                <a:schemeClr val="accent2"/>
+              </a:solidFill>
+              <a:latin typeface="Courier New" pitchFamily="49" charset="0"/>
+              <a:cs typeface="Courier New" pitchFamily="49" charset="0"/>
+            </a:endParaRPr>
+          </a:p>
+        </p:txBody>
+      </p:sp>
+    </p:spTree>
+    <p:extLst>
+      <p:ext uri="{BB962C8B-B14F-4D97-AF65-F5344CB8AC3E}">
+        <p14:creationId xmlns:p14="http://schemas.microsoft.com/office/powerpoint/2010/main" val="4246789379"/>
+      </p:ext>
+    </p:extLst>
+  </p:cSld>
+  <p:clrMapOvr>
+    <a:masterClrMapping/>
+  </p:clrMapOvr>
+  <p:timing>
+    <p:tnLst>
+      <p:par>
+        <p:cTn id="1" dur="indefinite" restart="never" nodeType="tmRoot"/>
+      </p:par>
+    </p:tnLst>
+  </p:timing>
+</p:sld>
+</file>
+
+<file path=ppt/slides/slide9.xml><?xml version="1.0" encoding="utf-8"?>
 <p:sld xmlns:a="http://schemas.openxmlformats.org/drawingml/2006/main" xmlns:r="http://schemas.openxmlformats.org/officeDocument/2006/relationships" xmlns:p="http://schemas.openxmlformats.org/presentationml/2006/main">
   <p:cSld>
     <p:spTree>
@@ -4207,79 +8962,6 @@
           <a:bodyPr/>
           <a:lstStyle/>
           <a:p>
-            <a:endParaRPr lang="en-US"/>
-          </a:p>
-        </p:txBody>
-      </p:sp>
-      <p:sp>
-        <p:nvSpPr>
-          <p:cNvPr id="3" name="Title 2"/>
-          <p:cNvSpPr>
-            <a:spLocks noGrp="1"/>
-          </p:cNvSpPr>
-          <p:nvPr>
-            <p:ph type="title"/>
-          </p:nvPr>
-        </p:nvSpPr>
-        <p:spPr/>
-        <p:txBody>
-          <a:bodyPr/>
-          <a:lstStyle/>
-          <a:p>
-            <a:r>
-              <a:rPr lang="en-US" dirty="0" smtClean="0"/>
-              <a:t>Watchdog Timer</a:t>
-            </a:r>
-            <a:endParaRPr lang="en-US" dirty="0"/>
-          </a:p>
-        </p:txBody>
-      </p:sp>
-    </p:spTree>
-    <p:extLst>
-      <p:ext uri="{BB962C8B-B14F-4D97-AF65-F5344CB8AC3E}">
-        <p14:creationId xmlns:p14="http://schemas.microsoft.com/office/powerpoint/2010/main" val="2820997504"/>
-      </p:ext>
-    </p:extLst>
-  </p:cSld>
-  <p:clrMapOvr>
-    <a:masterClrMapping/>
-  </p:clrMapOvr>
-  <p:transition spd="med"/>
-</p:sld>
-</file>
-
-<file path=ppt/slides/slide5.xml><?xml version="1.0" encoding="utf-8"?>
-<p:sld xmlns:a="http://schemas.openxmlformats.org/drawingml/2006/main" xmlns:r="http://schemas.openxmlformats.org/officeDocument/2006/relationships" xmlns:p="http://schemas.openxmlformats.org/presentationml/2006/main">
-  <p:cSld>
-    <p:spTree>
-      <p:nvGrpSpPr>
-        <p:cNvPr id="1" name=""/>
-        <p:cNvGrpSpPr/>
-        <p:nvPr/>
-      </p:nvGrpSpPr>
-      <p:grpSpPr>
-        <a:xfrm>
-          <a:off x="0" y="0"/>
-          <a:ext cx="0" cy="0"/>
-          <a:chOff x="0" y="0"/>
-          <a:chExt cx="0" cy="0"/>
-        </a:xfrm>
-      </p:grpSpPr>
-      <p:sp>
-        <p:nvSpPr>
-          <p:cNvPr id="2" name="Subtitle 1"/>
-          <p:cNvSpPr>
-            <a:spLocks noGrp="1"/>
-          </p:cNvSpPr>
-          <p:nvPr>
-            <p:ph type="subTitle" idx="1"/>
-          </p:nvPr>
-        </p:nvSpPr>
-        <p:spPr/>
-        <p:txBody>
-          <a:bodyPr/>
-          <a:lstStyle/>
-          <a:p>
             <a:r>
               <a:rPr lang="en-US" dirty="0" smtClean="0"/>
               <a:t>We have CCS 8 installed which will allow us to build either ASM or C program and install them onto the MSP430</a:t>
@@ -4339,145 +9021,6 @@
     <p:extLst>
       <p:ext uri="{BB962C8B-B14F-4D97-AF65-F5344CB8AC3E}">
         <p14:creationId xmlns:p14="http://schemas.microsoft.com/office/powerpoint/2010/main" val="276922681"/>
-      </p:ext>
-    </p:extLst>
-  </p:cSld>
-  <p:clrMapOvr>
-    <a:masterClrMapping/>
-  </p:clrMapOvr>
-  <p:transition spd="med"/>
-</p:sld>
-</file>
-
-<file path=ppt/slides/slide6.xml><?xml version="1.0" encoding="utf-8"?>
-<p:sld xmlns:a="http://schemas.openxmlformats.org/drawingml/2006/main" xmlns:r="http://schemas.openxmlformats.org/officeDocument/2006/relationships" xmlns:p="http://schemas.openxmlformats.org/presentationml/2006/main">
-  <p:cSld>
-    <p:spTree>
-      <p:nvGrpSpPr>
-        <p:cNvPr id="1" name=""/>
-        <p:cNvGrpSpPr/>
-        <p:nvPr/>
-      </p:nvGrpSpPr>
-      <p:grpSpPr>
-        <a:xfrm>
-          <a:off x="0" y="0"/>
-          <a:ext cx="0" cy="0"/>
-          <a:chOff x="0" y="0"/>
-          <a:chExt cx="0" cy="0"/>
-        </a:xfrm>
-      </p:grpSpPr>
-      <p:sp>
-        <p:nvSpPr>
-          <p:cNvPr id="2" name="Subtitle 1"/>
-          <p:cNvSpPr>
-            <a:spLocks noGrp="1"/>
-          </p:cNvSpPr>
-          <p:nvPr>
-            <p:ph type="subTitle" idx="1"/>
-          </p:nvPr>
-        </p:nvSpPr>
-        <p:spPr/>
-        <p:txBody>
-          <a:bodyPr/>
-          <a:lstStyle/>
-          <a:p>
-            <a:r>
-              <a:rPr lang="en-US" dirty="0" smtClean="0"/>
-              <a:t>The IDE uses the GNU Compiler Collection (</a:t>
-            </a:r>
-            <a:r>
-              <a:rPr lang="en-US" dirty="0" err="1" smtClean="0"/>
-              <a:t>gcc</a:t>
-            </a:r>
-            <a:r>
-              <a:rPr lang="en-US" dirty="0" smtClean="0"/>
-              <a:t>) to produce executable binary files for the </a:t>
-            </a:r>
-            <a:r>
-              <a:rPr lang="en-US" dirty="0" err="1" smtClean="0"/>
-              <a:t>uC</a:t>
-            </a:r>
-            <a:endParaRPr lang="en-US" dirty="0" smtClean="0"/>
-          </a:p>
-          <a:p>
-            <a:pPr lvl="1"/>
-            <a:r>
-              <a:rPr lang="en-US" dirty="0" err="1" smtClean="0"/>
-              <a:t>gcc</a:t>
-            </a:r>
-            <a:r>
-              <a:rPr lang="en-US" dirty="0" smtClean="0"/>
-              <a:t> v6.4 released 4 July 2017</a:t>
-            </a:r>
-          </a:p>
-          <a:p>
-            <a:pPr lvl="1"/>
-            <a:r>
-              <a:rPr lang="en-US" dirty="0" err="1" smtClean="0"/>
-              <a:t>gcc</a:t>
-            </a:r>
-            <a:r>
-              <a:rPr lang="en-US" dirty="0" smtClean="0"/>
-              <a:t> is probably the most common compiler used for embedded systems because it is free (no $$$) and open (easy to adapt to a new processor)</a:t>
-            </a:r>
-          </a:p>
-          <a:p>
-            <a:pPr lvl="1"/>
-            <a:endParaRPr lang="en-US" dirty="0"/>
-          </a:p>
-        </p:txBody>
-      </p:sp>
-      <p:sp>
-        <p:nvSpPr>
-          <p:cNvPr id="3" name="Title 2"/>
-          <p:cNvSpPr>
-            <a:spLocks noGrp="1"/>
-          </p:cNvSpPr>
-          <p:nvPr>
-            <p:ph type="title"/>
-          </p:nvPr>
-        </p:nvSpPr>
-        <p:spPr/>
-        <p:txBody>
-          <a:bodyPr/>
-          <a:lstStyle/>
-          <a:p>
-            <a:r>
-              <a:rPr lang="en-US" dirty="0" smtClean="0"/>
-              <a:t>Tools</a:t>
-            </a:r>
-            <a:endParaRPr lang="en-US" dirty="0"/>
-          </a:p>
-        </p:txBody>
-      </p:sp>
-      <p:pic>
-        <p:nvPicPr>
-          <p:cNvPr id="5" name="Picture 4"/>
-          <p:cNvPicPr>
-            <a:picLocks noChangeAspect="1"/>
-          </p:cNvPicPr>
-          <p:nvPr/>
-        </p:nvPicPr>
-        <p:blipFill>
-          <a:blip r:embed="rId2"/>
-          <a:stretch>
-            <a:fillRect/>
-          </a:stretch>
-        </p:blipFill>
-        <p:spPr>
-          <a:xfrm>
-            <a:off x="2116666" y="3853655"/>
-            <a:ext cx="4749800" cy="2226469"/>
-          </a:xfrm>
-          <a:prstGeom prst="rect">
-            <a:avLst/>
-          </a:prstGeom>
-        </p:spPr>
-      </p:pic>
-    </p:spTree>
-    <p:extLst>
-      <p:ext uri="{BB962C8B-B14F-4D97-AF65-F5344CB8AC3E}">
-        <p14:creationId xmlns:p14="http://schemas.microsoft.com/office/powerpoint/2010/main" val="302929188"/>
       </p:ext>
     </p:extLst>
   </p:cSld>
@@ -6413,24 +10956,6 @@
 </file>
 
 <file path=customXml/item1.xml><?xml version="1.0" encoding="utf-8"?>
-<?mso-contentType ?>
-<FormTemplates xmlns="http://schemas.microsoft.com/sharepoint/v3/contenttype/forms">
-  <Display>DocumentLibraryForm</Display>
-  <Edit>DocumentLibraryForm</Edit>
-  <New>DocumentLibraryForm</New>
-</FormTemplates>
-</file>
-
-<file path=customXml/item2.xml><?xml version="1.0" encoding="utf-8"?>
-<p:properties xmlns:p="http://schemas.microsoft.com/office/2006/metadata/properties" xmlns:xsi="http://www.w3.org/2001/XMLSchema-instance" xmlns:pc="http://schemas.microsoft.com/office/infopath/2007/PartnerControls">
-  <documentManagement>
-    <PublishingExpirationDate xmlns="http://schemas.microsoft.com/sharepoint/v3" xsi:nil="true"/>
-    <PublishingStartDate xmlns="http://schemas.microsoft.com/sharepoint/v3" xsi:nil="true"/>
-  </documentManagement>
-</p:properties>
-</file>
-
-<file path=customXml/item3.xml><?xml version="1.0" encoding="utf-8"?>
 <ct:contentTypeSchema xmlns:ct="http://schemas.microsoft.com/office/2006/metadata/contentType" xmlns:ma="http://schemas.microsoft.com/office/2006/metadata/properties/metaAttributes" ct:_="" ma:_="" ma:contentTypeName="Document" ma:contentTypeID="0x01010026B44337BE5C7D4193621DF98D151EB6" ma:contentTypeVersion="1" ma:contentTypeDescription="Create a new document." ma:contentTypeScope="" ma:versionID="97e7a7c9ce595270c3eaeb148770bcf7">
   <xsd:schema xmlns:xsd="http://www.w3.org/2001/XMLSchema" xmlns:xs="http://www.w3.org/2001/XMLSchema" xmlns:p="http://schemas.microsoft.com/office/2006/metadata/properties" xmlns:ns1="http://schemas.microsoft.com/sharepoint/v3" targetNamespace="http://schemas.microsoft.com/office/2006/metadata/properties" ma:root="true" ma:fieldsID="4dcce58c87e9fcebab8021569449a8d0" ns1:_="">
     <xsd:import namespace="http://schemas.microsoft.com/sharepoint/v3"/>
@@ -6562,10 +11087,38 @@
 </ct:contentTypeSchema>
 </file>
 
+<file path=customXml/item2.xml><?xml version="1.0" encoding="utf-8"?>
+<p:properties xmlns:p="http://schemas.microsoft.com/office/2006/metadata/properties" xmlns:xsi="http://www.w3.org/2001/XMLSchema-instance" xmlns:pc="http://schemas.microsoft.com/office/infopath/2007/PartnerControls">
+  <documentManagement>
+    <PublishingExpirationDate xmlns="http://schemas.microsoft.com/sharepoint/v3" xsi:nil="true"/>
+    <PublishingStartDate xmlns="http://schemas.microsoft.com/sharepoint/v3" xsi:nil="true"/>
+  </documentManagement>
+</p:properties>
+</file>
+
+<file path=customXml/item3.xml><?xml version="1.0" encoding="utf-8"?>
+<?mso-contentType ?>
+<FormTemplates xmlns="http://schemas.microsoft.com/sharepoint/v3/contenttype/forms">
+  <Display>DocumentLibraryForm</Display>
+  <Edit>DocumentLibraryForm</Edit>
+  <New>DocumentLibraryForm</New>
+</FormTemplates>
+</file>
+
 <file path=customXml/itemProps1.xml><?xml version="1.0" encoding="utf-8"?>
-<ds:datastoreItem xmlns:ds="http://schemas.openxmlformats.org/officeDocument/2006/customXml" ds:itemID="{7898C6F1-02C7-4807-8DB1-44412B5FAC7D}">
+<ds:datastoreItem xmlns:ds="http://schemas.openxmlformats.org/officeDocument/2006/customXml" ds:itemID="{9BDBC61A-8F22-4749-B0E2-3185185CFF04}">
   <ds:schemaRefs>
-    <ds:schemaRef ds:uri="http://schemas.microsoft.com/sharepoint/v3/contenttype/forms"/>
+    <ds:schemaRef ds:uri="http://schemas.microsoft.com/office/2006/metadata/contentType"/>
+    <ds:schemaRef ds:uri="http://schemas.microsoft.com/office/2006/metadata/properties/metaAttributes"/>
+    <ds:schemaRef ds:uri="http://www.w3.org/2001/XMLSchema"/>
+    <ds:schemaRef ds:uri="http://schemas.microsoft.com/office/2006/metadata/properties"/>
+    <ds:schemaRef ds:uri="http://schemas.microsoft.com/sharepoint/v3"/>
+    <ds:schemaRef ds:uri="http://schemas.microsoft.com/office/2006/documentManagement/types"/>
+    <ds:schemaRef ds:uri="http://schemas.microsoft.com/office/infopath/2007/PartnerControls"/>
+    <ds:schemaRef ds:uri="http://schemas.openxmlformats.org/package/2006/metadata/core-properties"/>
+    <ds:schemaRef ds:uri="http://purl.org/dc/elements/1.1/"/>
+    <ds:schemaRef ds:uri="http://purl.org/dc/terms/"/>
+    <ds:schemaRef ds:uri="http://schemas.microsoft.com/internal/obd"/>
   </ds:schemaRefs>
 </ds:datastoreItem>
 </file>
@@ -6587,19 +11140,9 @@
 </file>
 
 <file path=customXml/itemProps3.xml><?xml version="1.0" encoding="utf-8"?>
-<ds:datastoreItem xmlns:ds="http://schemas.openxmlformats.org/officeDocument/2006/customXml" ds:itemID="{9BDBC61A-8F22-4749-B0E2-3185185CFF04}">
+<ds:datastoreItem xmlns:ds="http://schemas.openxmlformats.org/officeDocument/2006/customXml" ds:itemID="{7898C6F1-02C7-4807-8DB1-44412B5FAC7D}">
   <ds:schemaRefs>
-    <ds:schemaRef ds:uri="http://schemas.microsoft.com/office/2006/metadata/contentType"/>
-    <ds:schemaRef ds:uri="http://schemas.microsoft.com/office/2006/metadata/properties/metaAttributes"/>
-    <ds:schemaRef ds:uri="http://www.w3.org/2001/XMLSchema"/>
-    <ds:schemaRef ds:uri="http://schemas.microsoft.com/office/2006/metadata/properties"/>
-    <ds:schemaRef ds:uri="http://schemas.microsoft.com/sharepoint/v3"/>
-    <ds:schemaRef ds:uri="http://schemas.microsoft.com/office/2006/documentManagement/types"/>
-    <ds:schemaRef ds:uri="http://schemas.microsoft.com/office/infopath/2007/PartnerControls"/>
-    <ds:schemaRef ds:uri="http://schemas.openxmlformats.org/package/2006/metadata/core-properties"/>
-    <ds:schemaRef ds:uri="http://purl.org/dc/elements/1.1/"/>
-    <ds:schemaRef ds:uri="http://purl.org/dc/terms/"/>
-    <ds:schemaRef ds:uri="http://schemas.microsoft.com/internal/obd"/>
+    <ds:schemaRef ds:uri="http://schemas.microsoft.com/sharepoint/v3/contenttype/forms"/>
   </ds:schemaRefs>
 </ds:datastoreItem>
 </file>
--- a/source/lessons/lsn7/Lsn7.pptx
+++ b/source/lessons/lsn7/Lsn7.pptx
@@ -6,25 +6,24 @@
     <p:sldMasterId id="2147483775" r:id="rId5"/>
   </p:sldMasterIdLst>
   <p:notesMasterIdLst>
-    <p:notesMasterId r:id="rId19"/>
+    <p:notesMasterId r:id="rId18"/>
   </p:notesMasterIdLst>
   <p:handoutMasterIdLst>
-    <p:handoutMasterId r:id="rId20"/>
+    <p:handoutMasterId r:id="rId19"/>
   </p:handoutMasterIdLst>
   <p:sldIdLst>
     <p:sldId id="286" r:id="rId6"/>
     <p:sldId id="287" r:id="rId7"/>
     <p:sldId id="292" r:id="rId8"/>
     <p:sldId id="293" r:id="rId9"/>
-    <p:sldId id="294" r:id="rId10"/>
-    <p:sldId id="295" r:id="rId11"/>
-    <p:sldId id="296" r:id="rId12"/>
-    <p:sldId id="297" r:id="rId13"/>
-    <p:sldId id="288" r:id="rId14"/>
-    <p:sldId id="289" r:id="rId15"/>
-    <p:sldId id="298" r:id="rId16"/>
-    <p:sldId id="301" r:id="rId17"/>
-    <p:sldId id="300" r:id="rId18"/>
+    <p:sldId id="295" r:id="rId10"/>
+    <p:sldId id="296" r:id="rId11"/>
+    <p:sldId id="297" r:id="rId12"/>
+    <p:sldId id="288" r:id="rId13"/>
+    <p:sldId id="289" r:id="rId14"/>
+    <p:sldId id="298" r:id="rId15"/>
+    <p:sldId id="301" r:id="rId16"/>
+    <p:sldId id="300" r:id="rId17"/>
   </p:sldIdLst>
   <p:sldSz cx="9144000" cy="6858000" type="screen4x3"/>
   <p:notesSz cx="7010400" cy="9296400"/>
@@ -4137,145 +4136,6 @@
       </p:grpSpPr>
       <p:sp>
         <p:nvSpPr>
-          <p:cNvPr id="2" name="Subtitle 1"/>
-          <p:cNvSpPr>
-            <a:spLocks noGrp="1"/>
-          </p:cNvSpPr>
-          <p:nvPr>
-            <p:ph type="subTitle" idx="1"/>
-          </p:nvPr>
-        </p:nvSpPr>
-        <p:spPr/>
-        <p:txBody>
-          <a:bodyPr/>
-          <a:lstStyle/>
-          <a:p>
-            <a:r>
-              <a:rPr lang="en-US" dirty="0" smtClean="0"/>
-              <a:t>The IDE uses the GNU Compiler Collection (</a:t>
-            </a:r>
-            <a:r>
-              <a:rPr lang="en-US" dirty="0" err="1" smtClean="0"/>
-              <a:t>gcc</a:t>
-            </a:r>
-            <a:r>
-              <a:rPr lang="en-US" dirty="0" smtClean="0"/>
-              <a:t>) to produce executable binary files for the </a:t>
-            </a:r>
-            <a:r>
-              <a:rPr lang="en-US" dirty="0" err="1" smtClean="0"/>
-              <a:t>uC</a:t>
-            </a:r>
-            <a:endParaRPr lang="en-US" dirty="0" smtClean="0"/>
-          </a:p>
-          <a:p>
-            <a:pPr lvl="1"/>
-            <a:r>
-              <a:rPr lang="en-US" dirty="0" err="1" smtClean="0"/>
-              <a:t>gcc</a:t>
-            </a:r>
-            <a:r>
-              <a:rPr lang="en-US" dirty="0" smtClean="0"/>
-              <a:t> v6.4 released 4 July 2017</a:t>
-            </a:r>
-          </a:p>
-          <a:p>
-            <a:pPr lvl="1"/>
-            <a:r>
-              <a:rPr lang="en-US" dirty="0" err="1" smtClean="0"/>
-              <a:t>gcc</a:t>
-            </a:r>
-            <a:r>
-              <a:rPr lang="en-US" dirty="0" smtClean="0"/>
-              <a:t> is probably the most common compiler used for embedded systems because it is free (no $$$) and open (easy to adapt to a new processor)</a:t>
-            </a:r>
-          </a:p>
-          <a:p>
-            <a:pPr lvl="1"/>
-            <a:endParaRPr lang="en-US" dirty="0"/>
-          </a:p>
-        </p:txBody>
-      </p:sp>
-      <p:sp>
-        <p:nvSpPr>
-          <p:cNvPr id="3" name="Title 2"/>
-          <p:cNvSpPr>
-            <a:spLocks noGrp="1"/>
-          </p:cNvSpPr>
-          <p:nvPr>
-            <p:ph type="title"/>
-          </p:nvPr>
-        </p:nvSpPr>
-        <p:spPr/>
-        <p:txBody>
-          <a:bodyPr/>
-          <a:lstStyle/>
-          <a:p>
-            <a:r>
-              <a:rPr lang="en-US" dirty="0" smtClean="0"/>
-              <a:t>Tools</a:t>
-            </a:r>
-            <a:endParaRPr lang="en-US" dirty="0"/>
-          </a:p>
-        </p:txBody>
-      </p:sp>
-      <p:pic>
-        <p:nvPicPr>
-          <p:cNvPr id="5" name="Picture 4"/>
-          <p:cNvPicPr>
-            <a:picLocks noChangeAspect="1"/>
-          </p:cNvPicPr>
-          <p:nvPr/>
-        </p:nvPicPr>
-        <p:blipFill>
-          <a:blip r:embed="rId2"/>
-          <a:stretch>
-            <a:fillRect/>
-          </a:stretch>
-        </p:blipFill>
-        <p:spPr>
-          <a:xfrm>
-            <a:off x="2116666" y="3853655"/>
-            <a:ext cx="4749800" cy="2226469"/>
-          </a:xfrm>
-          <a:prstGeom prst="rect">
-            <a:avLst/>
-          </a:prstGeom>
-        </p:spPr>
-      </p:pic>
-    </p:spTree>
-    <p:extLst>
-      <p:ext uri="{BB962C8B-B14F-4D97-AF65-F5344CB8AC3E}">
-        <p14:creationId xmlns:p14="http://schemas.microsoft.com/office/powerpoint/2010/main" val="302929188"/>
-      </p:ext>
-    </p:extLst>
-  </p:cSld>
-  <p:clrMapOvr>
-    <a:masterClrMapping/>
-  </p:clrMapOvr>
-  <p:transition spd="med"/>
-</p:sld>
-</file>
-
-<file path=ppt/slides/slide11.xml><?xml version="1.0" encoding="utf-8"?>
-<p:sld xmlns:a="http://schemas.openxmlformats.org/drawingml/2006/main" xmlns:r="http://schemas.openxmlformats.org/officeDocument/2006/relationships" xmlns:p="http://schemas.openxmlformats.org/presentationml/2006/main">
-  <p:cSld>
-    <p:spTree>
-      <p:nvGrpSpPr>
-        <p:cNvPr id="1" name=""/>
-        <p:cNvGrpSpPr/>
-        <p:nvPr/>
-      </p:nvGrpSpPr>
-      <p:grpSpPr>
-        <a:xfrm>
-          <a:off x="0" y="0"/>
-          <a:ext cx="0" cy="0"/>
-          <a:chOff x="0" y="0"/>
-          <a:chExt cx="0" cy="0"/>
-        </a:xfrm>
-      </p:grpSpPr>
-      <p:sp>
-        <p:nvSpPr>
           <p:cNvPr id="2" name="Title 1"/>
           <p:cNvSpPr>
             <a:spLocks noGrp="1"/>
@@ -4423,7 +4283,7 @@
 </p:sld>
 </file>
 
-<file path=ppt/slides/slide12.xml><?xml version="1.0" encoding="utf-8"?>
+<file path=ppt/slides/slide11.xml><?xml version="1.0" encoding="utf-8"?>
 <p:sld xmlns:a="http://schemas.openxmlformats.org/drawingml/2006/main" xmlns:r="http://schemas.openxmlformats.org/officeDocument/2006/relationships" xmlns:p="http://schemas.openxmlformats.org/presentationml/2006/main">
   <p:cSld>
     <p:spTree>
@@ -4589,7 +4449,7 @@
               <a:tabLst/>
             </a:pPr>
             <a:r>
-              <a:rPr kumimoji="0" lang="en-US" sz="1600" b="1" i="0" u="none" strike="noStrike" cap="none" normalizeH="0" baseline="0" dirty="0" smtClean="0">
+              <a:rPr kumimoji="0" lang="en-US" sz="1800" b="1" i="0" u="none" strike="noStrike" cap="none" normalizeH="0" baseline="0" dirty="0" smtClean="0">
                 <a:ln>
                   <a:noFill/>
                 </a:ln>
@@ -4602,7 +4462,7 @@
               <a:t>Being able to debug your own code is an</a:t>
             </a:r>
             <a:r>
-              <a:rPr kumimoji="0" lang="en-US" sz="1600" b="1" i="0" u="none" strike="noStrike" cap="none" normalizeH="0" dirty="0" smtClean="0">
+              <a:rPr kumimoji="0" lang="en-US" sz="1800" b="1" i="0" u="none" strike="noStrike" cap="none" normalizeH="0" dirty="0" smtClean="0">
                 <a:ln>
                   <a:noFill/>
                 </a:ln>
@@ -4614,7 +4474,7 @@
               </a:rPr>
               <a:t> objective of this class. I will make EVERY effort to never look at your code, but I will act as a supervisor and ask you questions for you to research </a:t>
             </a:r>
-            <a:endParaRPr kumimoji="0" lang="en-US" sz="1600" b="1" i="0" u="none" strike="noStrike" cap="none" normalizeH="0" baseline="0" dirty="0" smtClean="0">
+            <a:endParaRPr kumimoji="0" lang="en-US" sz="1800" b="1" i="0" u="none" strike="noStrike" cap="none" normalizeH="0" baseline="0" dirty="0" smtClean="0">
               <a:ln>
                 <a:noFill/>
               </a:ln>
@@ -4647,7 +4507,7 @@
 </p:sld>
 </file>
 
-<file path=ppt/slides/slide13.xml><?xml version="1.0" encoding="utf-8"?>
+<file path=ppt/slides/slide12.xml><?xml version="1.0" encoding="utf-8"?>
 <p:sld xmlns:a="http://schemas.openxmlformats.org/drawingml/2006/main" xmlns:r="http://schemas.openxmlformats.org/officeDocument/2006/relationships" xmlns:p="http://schemas.openxmlformats.org/presentationml/2006/main">
   <p:cSld>
     <p:spTree>
@@ -4944,17 +4804,18 @@
             </a:r>
             <a:r>
               <a:rPr lang="en-US" sz="2400" dirty="0"/>
-              <a:t>MSP 430 User’s Manual pp 341-347 (Blue </a:t>
-            </a:r>
+              <a:t>MSP 430 User’s Manual pp 341-347 </a:t>
+            </a:r>
+            <a:endParaRPr lang="en-US" sz="2400" dirty="0" smtClean="0"/>
+          </a:p>
+          <a:p>
             <a:r>
               <a:rPr lang="en-US" sz="2400" dirty="0" smtClean="0"/>
-              <a:t>Book pp 42-44)</a:t>
-            </a:r>
-          </a:p>
-          <a:p>
+              <a:t>If </a:t>
+            </a:r>
             <a:r>
               <a:rPr lang="en-US" sz="2400" dirty="0" smtClean="0"/>
-              <a:t>If not disarmed, How long to reset?</a:t>
+              <a:t>not disarmed, How long to reset?</a:t>
             </a:r>
           </a:p>
           <a:p>
@@ -7088,8 +6949,8 @@
         </p:nvSpPr>
         <p:spPr>
           <a:xfrm>
-            <a:off x="460659" y="1492016"/>
-            <a:ext cx="8320484" cy="4883384"/>
+            <a:off x="375992" y="1525883"/>
+            <a:ext cx="8320484" cy="4724400"/>
           </a:xfrm>
         </p:spPr>
         <p:txBody>
@@ -7522,7 +7383,7 @@
     </p:spTree>
     <p:extLst>
       <p:ext uri="{BB962C8B-B14F-4D97-AF65-F5344CB8AC3E}">
-        <p14:creationId xmlns:p14="http://schemas.microsoft.com/office/powerpoint/2010/main" val="2030795379"/>
+        <p14:creationId xmlns:p14="http://schemas.microsoft.com/office/powerpoint/2010/main" val="373541131"/>
       </p:ext>
     </p:extLst>
   </p:cSld>
@@ -7591,8 +7452,8 @@
         </p:nvSpPr>
         <p:spPr>
           <a:xfrm>
-            <a:off x="375992" y="1525883"/>
-            <a:ext cx="8320484" cy="4724400"/>
+            <a:off x="469126" y="1466616"/>
+            <a:ext cx="8320484" cy="4883383"/>
           </a:xfrm>
         </p:spPr>
         <p:txBody>
@@ -7604,234 +7465,64 @@
             </a:pPr>
             <a:r>
               <a:rPr lang="en-US" sz="1800" dirty="0" smtClean="0">
+                <a:solidFill>
+                  <a:schemeClr val="accent2"/>
+                </a:solidFill>
                 <a:latin typeface="Courier New" pitchFamily="49" charset="0"/>
                 <a:cs typeface="Courier New" pitchFamily="49" charset="0"/>
               </a:rPr>
-              <a:t>.</a:t>
-            </a:r>
-            <a:r>
-              <a:rPr lang="en-US" sz="1800" dirty="0" err="1">
+              <a:t>; Can initialize ROM; cannot initialize RAM</a:t>
+            </a:r>
+          </a:p>
+          <a:p>
+            <a:pPr marL="0" indent="0">
+              <a:buNone/>
+            </a:pPr>
+            <a:r>
+              <a:rPr lang="en-US" sz="1800" dirty="0" smtClean="0">
                 <a:latin typeface="Courier New" pitchFamily="49" charset="0"/>
                 <a:cs typeface="Courier New" pitchFamily="49" charset="0"/>
               </a:rPr>
-              <a:t>cdecls</a:t>
-            </a:r>
+              <a:t>                    </a:t>
+            </a:r>
+            <a:r>
+              <a:rPr lang="en-US" sz="1800" dirty="0" smtClean="0">
+                <a:solidFill>
+                  <a:schemeClr val="accent2"/>
+                </a:solidFill>
+                <a:latin typeface="Courier New" pitchFamily="49" charset="0"/>
+                <a:cs typeface="Courier New" pitchFamily="49" charset="0"/>
+              </a:rPr>
+              <a:t>;</a:t>
+            </a:r>
+            <a:r>
+              <a:rPr lang="en-US" sz="1800" dirty="0">
+                <a:solidFill>
+                  <a:schemeClr val="accent2"/>
+                </a:solidFill>
+                <a:latin typeface="Courier New" pitchFamily="49" charset="0"/>
+                <a:cs typeface="Courier New" pitchFamily="49" charset="0"/>
+              </a:rPr>
+              <a:t>initialize sequence of bytes</a:t>
+            </a:r>
+          </a:p>
+          <a:p>
+            <a:pPr marL="0" indent="0">
+              <a:buNone/>
+            </a:pPr>
             <a:r>
               <a:rPr lang="en-US" sz="1800" dirty="0">
                 <a:latin typeface="Courier New" pitchFamily="49" charset="0"/>
                 <a:cs typeface="Courier New" pitchFamily="49" charset="0"/>
               </a:rPr>
-              <a:t> C,LIST,"msp430.h</a:t>
+              <a:t>bytes:  .byte       </a:t>
             </a:r>
             <a:r>
               <a:rPr lang="en-US" sz="1800" dirty="0" smtClean="0">
                 <a:latin typeface="Courier New" pitchFamily="49" charset="0"/>
                 <a:cs typeface="Courier New" pitchFamily="49" charset="0"/>
               </a:rPr>
-              <a:t>"</a:t>
-            </a:r>
-            <a:endParaRPr lang="en-US" sz="1800" dirty="0">
-              <a:latin typeface="Courier New" pitchFamily="49" charset="0"/>
-              <a:cs typeface="Courier New" pitchFamily="49" charset="0"/>
-            </a:endParaRPr>
-          </a:p>
-          <a:p>
-            <a:pPr marL="0" indent="0">
-              <a:buNone/>
-            </a:pPr>
-            <a:r>
-              <a:rPr lang="en-US" sz="1800" b="1" dirty="0" smtClean="0">
-                <a:latin typeface="Courier New" pitchFamily="49" charset="0"/>
-                <a:cs typeface="Courier New" pitchFamily="49" charset="0"/>
-              </a:rPr>
-              <a:t>.</a:t>
-            </a:r>
-            <a:r>
-              <a:rPr lang="en-US" sz="1800" b="1" dirty="0">
-                <a:latin typeface="Courier New" pitchFamily="49" charset="0"/>
-                <a:cs typeface="Courier New" pitchFamily="49" charset="0"/>
-              </a:rPr>
-              <a:t>text </a:t>
-            </a:r>
-            <a:r>
-              <a:rPr lang="en-US" sz="1600" dirty="0">
-                <a:solidFill>
-                  <a:schemeClr val="accent2"/>
-                </a:solidFill>
-                <a:latin typeface="Courier New" pitchFamily="49" charset="0"/>
-                <a:cs typeface="Courier New" pitchFamily="49" charset="0"/>
-              </a:rPr>
-              <a:t>;put code in the text section - maps to FLASH (ROM)</a:t>
-            </a:r>
-            <a:endParaRPr lang="en-US" sz="1600" dirty="0" smtClean="0">
-              <a:solidFill>
-                <a:schemeClr val="accent2"/>
-              </a:solidFill>
-              <a:latin typeface="Courier New" pitchFamily="49" charset="0"/>
-              <a:cs typeface="Courier New" pitchFamily="49" charset="0"/>
-            </a:endParaRPr>
-          </a:p>
-          <a:p>
-            <a:pPr marL="0" indent="0">
-              <a:buNone/>
-            </a:pPr>
-            <a:endParaRPr lang="en-US" sz="1800" dirty="0" smtClean="0">
-              <a:latin typeface="Courier New" pitchFamily="49" charset="0"/>
-              <a:cs typeface="Courier New" pitchFamily="49" charset="0"/>
-            </a:endParaRPr>
-          </a:p>
-          <a:p>
-            <a:pPr marL="0" indent="0">
-              <a:buNone/>
-            </a:pPr>
-            <a:r>
-              <a:rPr lang="en-US" sz="1800" dirty="0" err="1" smtClean="0">
-                <a:latin typeface="Courier New" pitchFamily="49" charset="0"/>
-                <a:cs typeface="Courier New" pitchFamily="49" charset="0"/>
-              </a:rPr>
-              <a:t>StopWDT</a:t>
-            </a:r>
-            <a:r>
-              <a:rPr lang="en-US" sz="1800" dirty="0" smtClean="0">
-                <a:latin typeface="Courier New" pitchFamily="49" charset="0"/>
-                <a:cs typeface="Courier New" pitchFamily="49" charset="0"/>
-              </a:rPr>
-              <a:t>     </a:t>
-            </a:r>
-            <a:r>
-              <a:rPr lang="en-US" sz="1800" b="1" dirty="0" err="1">
-                <a:latin typeface="Courier New" pitchFamily="49" charset="0"/>
-                <a:cs typeface="Courier New" pitchFamily="49" charset="0"/>
-              </a:rPr>
-              <a:t>mov.w</a:t>
-            </a:r>
-            <a:r>
-              <a:rPr lang="en-US" sz="1800" b="1" dirty="0">
-                <a:latin typeface="Courier New" pitchFamily="49" charset="0"/>
-                <a:cs typeface="Courier New" pitchFamily="49" charset="0"/>
-              </a:rPr>
-              <a:t>   #</a:t>
-            </a:r>
-            <a:r>
-              <a:rPr lang="en-US" sz="1800" b="1" dirty="0" smtClean="0">
-                <a:latin typeface="Courier New" pitchFamily="49" charset="0"/>
-                <a:cs typeface="Courier New" pitchFamily="49" charset="0"/>
-              </a:rPr>
-              <a:t>WDTPW|WDTHOLD</a:t>
-            </a:r>
-          </a:p>
-          <a:p>
-            <a:pPr marL="0" indent="0">
-              <a:buNone/>
-            </a:pPr>
-            <a:endParaRPr lang="en-US" sz="1800" b="1" dirty="0" smtClean="0">
-              <a:latin typeface="Courier New" pitchFamily="49" charset="0"/>
-              <a:cs typeface="Courier New" pitchFamily="49" charset="0"/>
-            </a:endParaRPr>
-          </a:p>
-          <a:p>
-            <a:pPr marL="0" indent="0">
-              <a:buNone/>
-            </a:pPr>
-            <a:r>
-              <a:rPr lang="en-US" sz="1800" b="1" dirty="0">
-                <a:latin typeface="Courier New" pitchFamily="49" charset="0"/>
-                <a:cs typeface="Courier New" pitchFamily="49" charset="0"/>
-              </a:rPr>
-              <a:t>.data            </a:t>
-            </a:r>
-            <a:r>
-              <a:rPr lang="en-US" sz="1600" dirty="0" smtClean="0">
-                <a:solidFill>
-                  <a:schemeClr val="accent2"/>
-                </a:solidFill>
-                <a:latin typeface="Courier New" pitchFamily="49" charset="0"/>
-                <a:cs typeface="Courier New" pitchFamily="49" charset="0"/>
-              </a:rPr>
-              <a:t>;</a:t>
-            </a:r>
-            <a:r>
-              <a:rPr lang="en-US" sz="1600" dirty="0">
-                <a:solidFill>
-                  <a:schemeClr val="accent2"/>
-                </a:solidFill>
-                <a:latin typeface="Courier New" pitchFamily="49" charset="0"/>
-                <a:cs typeface="Courier New" pitchFamily="49" charset="0"/>
-              </a:rPr>
-              <a:t>put code into the data </a:t>
-            </a:r>
-            <a:r>
-              <a:rPr lang="en-US" sz="1600" dirty="0" smtClean="0">
-                <a:solidFill>
-                  <a:schemeClr val="accent2"/>
-                </a:solidFill>
-                <a:latin typeface="Courier New" pitchFamily="49" charset="0"/>
-                <a:cs typeface="Courier New" pitchFamily="49" charset="0"/>
-              </a:rPr>
-              <a:t>section </a:t>
-            </a:r>
-            <a:r>
-              <a:rPr lang="en-US" sz="1600" dirty="0">
-                <a:solidFill>
-                  <a:schemeClr val="accent2"/>
-                </a:solidFill>
-                <a:latin typeface="Courier New" pitchFamily="49" charset="0"/>
-                <a:cs typeface="Courier New" pitchFamily="49" charset="0"/>
-              </a:rPr>
-              <a:t>- maps to RAM</a:t>
-            </a:r>
-          </a:p>
-          <a:p>
-            <a:pPr marL="0" indent="0">
-              <a:buNone/>
-            </a:pPr>
-            <a:endParaRPr lang="en-US" sz="1800" b="1" dirty="0">
-              <a:latin typeface="Courier New" pitchFamily="49" charset="0"/>
-              <a:cs typeface="Courier New" pitchFamily="49" charset="0"/>
-            </a:endParaRPr>
-          </a:p>
-          <a:p>
-            <a:pPr marL="0" indent="0">
-              <a:buNone/>
-            </a:pPr>
-            <a:r>
-              <a:rPr lang="en-US" sz="1800" dirty="0">
-                <a:latin typeface="Courier New" pitchFamily="49" charset="0"/>
-                <a:cs typeface="Courier New" pitchFamily="49" charset="0"/>
-              </a:rPr>
-              <a:t>.sect ".reset"          </a:t>
-            </a:r>
-            <a:r>
-              <a:rPr lang="en-US" sz="1800" dirty="0">
-                <a:solidFill>
-                  <a:schemeClr val="accent2"/>
-                </a:solidFill>
-                <a:latin typeface="Courier New" pitchFamily="49" charset="0"/>
-                <a:cs typeface="Courier New" pitchFamily="49" charset="0"/>
-              </a:rPr>
-              <a:t>;put this at the reset vector</a:t>
-            </a:r>
-          </a:p>
-          <a:p>
-            <a:pPr marL="0" indent="0">
-              <a:buNone/>
-            </a:pPr>
-            <a:r>
-              <a:rPr lang="en-US" sz="1800" dirty="0">
-                <a:latin typeface="Courier New" pitchFamily="49" charset="0"/>
-                <a:cs typeface="Courier New" pitchFamily="49" charset="0"/>
-              </a:rPr>
-              <a:t>.sect .stack            </a:t>
-            </a:r>
-            <a:r>
-              <a:rPr lang="en-US" sz="1600" dirty="0">
-                <a:solidFill>
-                  <a:schemeClr val="accent2"/>
-                </a:solidFill>
-                <a:latin typeface="Courier New" pitchFamily="49" charset="0"/>
-                <a:cs typeface="Courier New" pitchFamily="49" charset="0"/>
-              </a:rPr>
-              <a:t>;make this the location of the stack</a:t>
+              <a:t>9,8,7,6,5,4,3,2,1</a:t>
             </a:r>
           </a:p>
           <a:p>
@@ -7848,21 +7539,38 @@
               <a:buNone/>
             </a:pPr>
             <a:r>
-              <a:rPr lang="en-US" sz="1600" dirty="0" smtClean="0">
+              <a:rPr lang="en-US" sz="1800" dirty="0">
                 <a:latin typeface="Courier New" pitchFamily="49" charset="0"/>
                 <a:cs typeface="Courier New" pitchFamily="49" charset="0"/>
               </a:rPr>
-              <a:t>MY_RESULTS: .space 20       </a:t>
-            </a:r>
-            <a:r>
-              <a:rPr lang="en-US" sz="1600" dirty="0" smtClean="0">
-                <a:solidFill>
-                  <a:schemeClr val="accent2"/>
-                </a:solidFill>
+              <a:t>        </a:t>
+            </a:r>
+            <a:r>
+              <a:rPr lang="en-US" sz="1800" dirty="0" smtClean="0">
                 <a:latin typeface="Courier New" pitchFamily="49" charset="0"/>
                 <a:cs typeface="Courier New" pitchFamily="49" charset="0"/>
               </a:rPr>
-              <a:t>; reserves 20 bytes</a:t>
+              <a:t>            </a:t>
+            </a:r>
+            <a:r>
+              <a:rPr lang="en-US" sz="1800" dirty="0" smtClean="0">
+                <a:solidFill>
+                  <a:schemeClr val="accent2"/>
+                </a:solidFill>
+                <a:latin typeface="Courier New" pitchFamily="49" charset="0"/>
+                <a:cs typeface="Courier New" pitchFamily="49" charset="0"/>
+              </a:rPr>
+              <a:t>;initialize </a:t>
+            </a:r>
+            <a:r>
+              <a:rPr lang="en-US" sz="1800" dirty="0">
+                <a:solidFill>
+                  <a:schemeClr val="accent2"/>
+                </a:solidFill>
+                <a:latin typeface="Courier New" pitchFamily="49" charset="0"/>
+                <a:cs typeface="Courier New" pitchFamily="49" charset="0"/>
+              </a:rPr>
+              <a:t>sequence of words</a:t>
             </a:r>
           </a:p>
           <a:p>
@@ -7870,68 +7578,59 @@
               <a:buNone/>
             </a:pPr>
             <a:r>
-              <a:rPr lang="en-US" sz="1600" dirty="0" smtClean="0">
-                <a:solidFill>
-                  <a:schemeClr val="accent2"/>
-                </a:solidFill>
+              <a:rPr lang="en-US" sz="1800" dirty="0">
                 <a:latin typeface="Courier New" pitchFamily="49" charset="0"/>
                 <a:cs typeface="Courier New" pitchFamily="49" charset="0"/>
               </a:rPr>
-              <a:t>-----------------</a:t>
+              <a:t>words:  .word       0x1111,0x2222,0x3333,0x4444</a:t>
             </a:r>
           </a:p>
           <a:p>
             <a:pPr marL="0" indent="0">
               <a:buNone/>
             </a:pPr>
-            <a:r>
-              <a:rPr lang="en-US" sz="1600" dirty="0" smtClean="0">
-                <a:solidFill>
-                  <a:schemeClr val="accent2"/>
-                </a:solidFill>
-                <a:latin typeface="Courier New" pitchFamily="49" charset="0"/>
-                <a:cs typeface="Courier New" pitchFamily="49" charset="0"/>
-              </a:rPr>
-              <a:t>To use:</a:t>
-            </a:r>
+            <a:endParaRPr lang="en-US" sz="1800" dirty="0">
+              <a:latin typeface="Courier New" pitchFamily="49" charset="0"/>
+              <a:cs typeface="Courier New" pitchFamily="49" charset="0"/>
+            </a:endParaRPr>
           </a:p>
           <a:p>
             <a:pPr marL="0" indent="0">
               <a:buNone/>
             </a:pPr>
             <a:r>
-              <a:rPr lang="en-US" sz="1600" dirty="0">
-                <a:solidFill>
-                  <a:schemeClr val="accent2"/>
-                </a:solidFill>
+              <a:rPr lang="en-US" sz="1800" dirty="0">
                 <a:latin typeface="Courier New" pitchFamily="49" charset="0"/>
                 <a:cs typeface="Courier New" pitchFamily="49" charset="0"/>
               </a:rPr>
-              <a:t>	</a:t>
-            </a:r>
-            <a:r>
-              <a:rPr lang="en-US" sz="1600" dirty="0" err="1" smtClean="0">
+              <a:t>        </a:t>
+            </a:r>
+            <a:r>
+              <a:rPr lang="en-US" sz="1800" dirty="0" smtClean="0">
                 <a:latin typeface="Courier New" pitchFamily="49" charset="0"/>
                 <a:cs typeface="Courier New" pitchFamily="49" charset="0"/>
               </a:rPr>
-              <a:t>mov</a:t>
-            </a:r>
-            <a:r>
-              <a:rPr lang="en-US" sz="1600" dirty="0" smtClean="0">
+              <a:t>            </a:t>
+            </a:r>
+            <a:r>
+              <a:rPr lang="en-US" sz="1800" dirty="0" smtClean="0">
+                <a:solidFill>
+                  <a:schemeClr val="accent2"/>
+                </a:solidFill>
                 <a:latin typeface="Courier New" pitchFamily="49" charset="0"/>
                 <a:cs typeface="Courier New" pitchFamily="49" charset="0"/>
               </a:rPr>
-              <a:t>  #MY_RESULTS, r5     </a:t>
-            </a:r>
-            <a:r>
-              <a:rPr lang="en-US" sz="1600" dirty="0" smtClean="0">
+              <a:t>;</a:t>
+            </a:r>
+            <a:r>
+              <a:rPr lang="en-US" sz="1800" dirty="0">
                 <a:solidFill>
                   <a:schemeClr val="accent2"/>
                 </a:solidFill>
                 <a:latin typeface="Courier New" pitchFamily="49" charset="0"/>
                 <a:cs typeface="Courier New" pitchFamily="49" charset="0"/>
               </a:rPr>
-              <a:t>; pointer address into r5</a:t>
+              <a:t>initialize strings</a:t>
             </a:r>
           </a:p>
           <a:p>
@@ -7939,78 +7638,133 @@
               <a:buNone/>
             </a:pPr>
             <a:r>
-              <a:rPr lang="en-US" sz="1600" dirty="0">
-                <a:solidFill>
-                  <a:schemeClr val="accent2"/>
-                </a:solidFill>
+              <a:rPr lang="en-US" sz="1800" dirty="0" err="1">
                 <a:latin typeface="Courier New" pitchFamily="49" charset="0"/>
                 <a:cs typeface="Courier New" pitchFamily="49" charset="0"/>
               </a:rPr>
-              <a:t>	</a:t>
-            </a:r>
-            <a:r>
-              <a:rPr lang="en-US" sz="1600" dirty="0" err="1" smtClean="0">
+              <a:t>myStr</a:t>
+            </a:r>
+            <a:r>
+              <a:rPr lang="en-US" sz="1800" dirty="0">
                 <a:latin typeface="Courier New" pitchFamily="49" charset="0"/>
                 <a:cs typeface="Courier New" pitchFamily="49" charset="0"/>
               </a:rPr>
-              <a:t>mov</a:t>
-            </a:r>
-            <a:r>
-              <a:rPr lang="en-US" sz="1600" dirty="0" smtClean="0">
+              <a:t>:  .string     "hello, world!"</a:t>
+            </a:r>
+          </a:p>
+          <a:p>
+            <a:pPr marL="0" indent="0">
+              <a:buNone/>
+            </a:pPr>
+            <a:endParaRPr lang="en-US" sz="1800" dirty="0">
+              <a:latin typeface="Courier New" pitchFamily="49" charset="0"/>
+              <a:cs typeface="Courier New" pitchFamily="49" charset="0"/>
+            </a:endParaRPr>
+          </a:p>
+          <a:p>
+            <a:pPr marL="0" indent="0">
+              <a:buNone/>
+            </a:pPr>
+            <a:r>
+              <a:rPr lang="en-US" sz="1800" dirty="0">
                 <a:latin typeface="Courier New" pitchFamily="49" charset="0"/>
                 <a:cs typeface="Courier New" pitchFamily="49" charset="0"/>
               </a:rPr>
-              <a:t>  #0xfefe, &amp;MY_RESULT </a:t>
-            </a:r>
-            <a:r>
-              <a:rPr lang="en-US" sz="1600" dirty="0" smtClean="0">
-                <a:solidFill>
-                  <a:schemeClr val="accent2"/>
-                </a:solidFill>
+              <a:t>        </a:t>
+            </a:r>
+            <a:r>
+              <a:rPr lang="en-US" sz="1800" dirty="0" smtClean="0">
                 <a:latin typeface="Courier New" pitchFamily="49" charset="0"/>
                 <a:cs typeface="Courier New" pitchFamily="49" charset="0"/>
               </a:rPr>
-              <a:t>; put </a:t>
-            </a:r>
-            <a:r>
-              <a:rPr lang="en-US" sz="1600" dirty="0" err="1" smtClean="0">
+              <a:t>            </a:t>
+            </a:r>
+            <a:r>
+              <a:rPr lang="en-US" sz="1800" dirty="0" smtClean="0">
                 <a:solidFill>
                   <a:schemeClr val="accent2"/>
                 </a:solidFill>
                 <a:latin typeface="Courier New" pitchFamily="49" charset="0"/>
                 <a:cs typeface="Courier New" pitchFamily="49" charset="0"/>
               </a:rPr>
-              <a:t>fefe</a:t>
-            </a:r>
-            <a:r>
-              <a:rPr lang="en-US" sz="1600" dirty="0" smtClean="0">
+              <a:t>;</a:t>
+            </a:r>
+            <a:r>
+              <a:rPr lang="en-US" sz="1800" dirty="0">
                 <a:solidFill>
                   <a:schemeClr val="accent2"/>
                 </a:solidFill>
                 <a:latin typeface="Courier New" pitchFamily="49" charset="0"/>
                 <a:cs typeface="Courier New" pitchFamily="49" charset="0"/>
               </a:rPr>
-              <a:t> into 1</a:t>
-            </a:r>
-            <a:r>
-              <a:rPr lang="en-US" sz="1600" baseline="30000" dirty="0" smtClean="0">
-                <a:solidFill>
-                  <a:schemeClr val="accent2"/>
-                </a:solidFill>
+              <a:t>initialize characters</a:t>
+            </a:r>
+          </a:p>
+          <a:p>
+            <a:pPr marL="0" indent="0">
+              <a:buNone/>
+            </a:pPr>
+            <a:r>
+              <a:rPr lang="en-US" sz="1800" dirty="0" smtClean="0">
                 <a:latin typeface="Courier New" pitchFamily="49" charset="0"/>
                 <a:cs typeface="Courier New" pitchFamily="49" charset="0"/>
               </a:rPr>
-              <a:t>st</a:t>
-            </a:r>
-            <a:r>
-              <a:rPr lang="en-US" sz="1600" dirty="0" smtClean="0">
-                <a:solidFill>
-                  <a:schemeClr val="accent2"/>
-                </a:solidFill>
+              <a:t>Chars</a:t>
+            </a:r>
+            <a:r>
+              <a:rPr lang="en-US" sz="1800" dirty="0">
                 <a:latin typeface="Courier New" pitchFamily="49" charset="0"/>
                 <a:cs typeface="Courier New" pitchFamily="49" charset="0"/>
               </a:rPr>
-              <a:t> two bytes</a:t>
+              <a:t>:  .char       '</a:t>
+            </a:r>
+            <a:r>
+              <a:rPr lang="en-US" sz="1800" dirty="0" err="1">
+                <a:latin typeface="Courier New" pitchFamily="49" charset="0"/>
+                <a:cs typeface="Courier New" pitchFamily="49" charset="0"/>
+              </a:rPr>
+              <a:t>a','b','c',</a:t>
+            </a:r>
+            <a:r>
+              <a:rPr lang="en-US" sz="1800" dirty="0" err="1" smtClean="0">
+                <a:latin typeface="Courier New" pitchFamily="49" charset="0"/>
+                <a:cs typeface="Courier New" pitchFamily="49" charset="0"/>
+              </a:rPr>
+              <a:t>'d</a:t>
+            </a:r>
+            <a:r>
+              <a:rPr lang="en-US" sz="1800" dirty="0" smtClean="0">
+                <a:latin typeface="Courier New" pitchFamily="49" charset="0"/>
+                <a:cs typeface="Courier New" pitchFamily="49" charset="0"/>
+              </a:rPr>
+              <a:t>‘</a:t>
+            </a:r>
+          </a:p>
+          <a:p>
+            <a:pPr marL="0" indent="0">
+              <a:buNone/>
+            </a:pPr>
+            <a:endParaRPr lang="en-US" sz="1800" dirty="0" smtClean="0">
+              <a:solidFill>
+                <a:schemeClr val="accent2"/>
+              </a:solidFill>
+              <a:latin typeface="Courier New" pitchFamily="49" charset="0"/>
+              <a:cs typeface="Courier New" pitchFamily="49" charset="0"/>
+            </a:endParaRPr>
+          </a:p>
+          <a:p>
+            <a:pPr marL="0" indent="0">
+              <a:buNone/>
+            </a:pPr>
+            <a:r>
+              <a:rPr lang="en-US" sz="1800" dirty="0" smtClean="0">
+                <a:solidFill>
+                  <a:schemeClr val="accent2"/>
+                </a:solidFill>
+                <a:latin typeface="Courier New" pitchFamily="49" charset="0"/>
+                <a:cs typeface="Courier New" pitchFamily="49" charset="0"/>
+              </a:rPr>
+              <a:t>; see in CCS</a:t>
             </a:r>
             <a:endParaRPr lang="en-US" sz="1600" dirty="0">
               <a:solidFill>
@@ -8025,7 +7779,7 @@
     </p:spTree>
     <p:extLst>
       <p:ext uri="{BB962C8B-B14F-4D97-AF65-F5344CB8AC3E}">
-        <p14:creationId xmlns:p14="http://schemas.microsoft.com/office/powerpoint/2010/main" val="373541131"/>
+        <p14:creationId xmlns:p14="http://schemas.microsoft.com/office/powerpoint/2010/main" val="952037732"/>
       </p:ext>
     </p:extLst>
   </p:cSld>
@@ -8094,8 +7848,8 @@
         </p:nvSpPr>
         <p:spPr>
           <a:xfrm>
-            <a:off x="469126" y="1466616"/>
-            <a:ext cx="8320484" cy="4883383"/>
+            <a:off x="469125" y="1593616"/>
+            <a:ext cx="8320484" cy="4724400"/>
           </a:xfrm>
         </p:spPr>
         <p:txBody>
@@ -8113,7 +7867,58 @@
                 <a:latin typeface="Courier New" pitchFamily="49" charset="0"/>
                 <a:cs typeface="Courier New" pitchFamily="49" charset="0"/>
               </a:rPr>
-              <a:t>; Can initialize ROM; cannot initialize RAM</a:t>
+              <a:t>; .</a:t>
+            </a:r>
+            <a:r>
+              <a:rPr lang="en-US" sz="1800" dirty="0" err="1">
+                <a:solidFill>
+                  <a:schemeClr val="accent2"/>
+                </a:solidFill>
+                <a:latin typeface="Courier New" pitchFamily="49" charset="0"/>
+                <a:cs typeface="Courier New" pitchFamily="49" charset="0"/>
+              </a:rPr>
+              <a:t>equ</a:t>
+            </a:r>
+            <a:r>
+              <a:rPr lang="en-US" sz="1800" dirty="0">
+                <a:solidFill>
+                  <a:schemeClr val="accent2"/>
+                </a:solidFill>
+                <a:latin typeface="Courier New" pitchFamily="49" charset="0"/>
+                <a:cs typeface="Courier New" pitchFamily="49" charset="0"/>
+              </a:rPr>
+              <a:t>  </a:t>
+            </a:r>
+            <a:r>
+              <a:rPr lang="en-US" sz="1800" dirty="0" smtClean="0">
+                <a:solidFill>
+                  <a:schemeClr val="accent2"/>
+                </a:solidFill>
+                <a:latin typeface="Courier New" pitchFamily="49" charset="0"/>
+                <a:cs typeface="Courier New" pitchFamily="49" charset="0"/>
+                <a:sym typeface="Wingdings" pitchFamily="2" charset="2"/>
+              </a:rPr>
+              <a:t> </a:t>
+            </a:r>
+            <a:r>
+              <a:rPr lang="en-US" sz="1800" dirty="0" smtClean="0">
+                <a:solidFill>
+                  <a:schemeClr val="accent2"/>
+                </a:solidFill>
+                <a:latin typeface="Courier New" pitchFamily="49" charset="0"/>
+                <a:cs typeface="Courier New" pitchFamily="49" charset="0"/>
+              </a:rPr>
+              <a:t>assign </a:t>
+            </a:r>
+            <a:r>
+              <a:rPr lang="en-US" sz="1800" dirty="0">
+                <a:solidFill>
+                  <a:schemeClr val="accent2"/>
+                </a:solidFill>
+                <a:latin typeface="Courier New" pitchFamily="49" charset="0"/>
+                <a:cs typeface="Courier New" pitchFamily="49" charset="0"/>
+              </a:rPr>
+              <a:t>a label to a particular value</a:t>
             </a:r>
           </a:p>
           <a:p>
@@ -8125,268 +7930,46 @@
                 <a:latin typeface="Courier New" pitchFamily="49" charset="0"/>
                 <a:cs typeface="Courier New" pitchFamily="49" charset="0"/>
               </a:rPr>
-              <a:t>                    </a:t>
-            </a:r>
-            <a:r>
-              <a:rPr lang="en-US" sz="1800" dirty="0" smtClean="0">
-                <a:solidFill>
-                  <a:schemeClr val="accent2"/>
-                </a:solidFill>
-                <a:latin typeface="Courier New" pitchFamily="49" charset="0"/>
-                <a:cs typeface="Courier New" pitchFamily="49" charset="0"/>
-              </a:rPr>
-              <a:t>;</a:t>
-            </a:r>
-            <a:r>
-              <a:rPr lang="en-US" sz="1800" dirty="0">
-                <a:solidFill>
-                  <a:schemeClr val="accent2"/>
-                </a:solidFill>
-                <a:latin typeface="Courier New" pitchFamily="49" charset="0"/>
-                <a:cs typeface="Courier New" pitchFamily="49" charset="0"/>
-              </a:rPr>
-              <a:t>initialize sequence of bytes</a:t>
-            </a:r>
-          </a:p>
-          <a:p>
-            <a:pPr marL="0" indent="0">
-              <a:buNone/>
-            </a:pPr>
+              <a:t>SEVENTEEN:  </a:t>
+            </a:r>
             <a:r>
               <a:rPr lang="en-US" sz="1800" dirty="0">
                 <a:latin typeface="Courier New" pitchFamily="49" charset="0"/>
                 <a:cs typeface="Courier New" pitchFamily="49" charset="0"/>
               </a:rPr>
-              <a:t>bytes:  .byte       </a:t>
+              <a:t>.</a:t>
+            </a:r>
+            <a:r>
+              <a:rPr lang="en-US" sz="1800" dirty="0" err="1">
+                <a:latin typeface="Courier New" pitchFamily="49" charset="0"/>
+                <a:cs typeface="Courier New" pitchFamily="49" charset="0"/>
+              </a:rPr>
+              <a:t>equ</a:t>
+            </a:r>
+            <a:r>
+              <a:rPr lang="en-US" sz="1800" dirty="0">
+                <a:latin typeface="Courier New" pitchFamily="49" charset="0"/>
+                <a:cs typeface="Courier New" pitchFamily="49" charset="0"/>
+              </a:rPr>
+              <a:t>        </a:t>
             </a:r>
             <a:r>
               <a:rPr lang="en-US" sz="1800" dirty="0" smtClean="0">
                 <a:latin typeface="Courier New" pitchFamily="49" charset="0"/>
                 <a:cs typeface="Courier New" pitchFamily="49" charset="0"/>
               </a:rPr>
-              <a:t>9,8,7,6,5,4,3,2,1</a:t>
-            </a:r>
+              <a:t>0x11</a:t>
+            </a:r>
+            <a:endParaRPr lang="en-US" sz="1800" dirty="0">
+              <a:latin typeface="Courier New" pitchFamily="49" charset="0"/>
+              <a:cs typeface="Courier New" pitchFamily="49" charset="0"/>
+            </a:endParaRPr>
           </a:p>
           <a:p>
             <a:pPr marL="0" indent="0">
               <a:buNone/>
             </a:pPr>
             <a:endParaRPr lang="en-US" sz="1800" dirty="0">
-              <a:latin typeface="Courier New" pitchFamily="49" charset="0"/>
-              <a:cs typeface="Courier New" pitchFamily="49" charset="0"/>
-            </a:endParaRPr>
-          </a:p>
-          <a:p>
-            <a:pPr marL="0" indent="0">
-              <a:buNone/>
-            </a:pPr>
-            <a:r>
-              <a:rPr lang="en-US" sz="1800" dirty="0">
-                <a:latin typeface="Courier New" pitchFamily="49" charset="0"/>
-                <a:cs typeface="Courier New" pitchFamily="49" charset="0"/>
-              </a:rPr>
-              <a:t>        </a:t>
-            </a:r>
-            <a:r>
-              <a:rPr lang="en-US" sz="1800" dirty="0" smtClean="0">
-                <a:latin typeface="Courier New" pitchFamily="49" charset="0"/>
-                <a:cs typeface="Courier New" pitchFamily="49" charset="0"/>
-              </a:rPr>
-              <a:t>            </a:t>
-            </a:r>
-            <a:r>
-              <a:rPr lang="en-US" sz="1800" dirty="0" smtClean="0">
-                <a:solidFill>
-                  <a:schemeClr val="accent2"/>
-                </a:solidFill>
-                <a:latin typeface="Courier New" pitchFamily="49" charset="0"/>
-                <a:cs typeface="Courier New" pitchFamily="49" charset="0"/>
-              </a:rPr>
-              <a:t>;initialize </a:t>
-            </a:r>
-            <a:r>
-              <a:rPr lang="en-US" sz="1800" dirty="0">
-                <a:solidFill>
-                  <a:schemeClr val="accent2"/>
-                </a:solidFill>
-                <a:latin typeface="Courier New" pitchFamily="49" charset="0"/>
-                <a:cs typeface="Courier New" pitchFamily="49" charset="0"/>
-              </a:rPr>
-              <a:t>sequence of words</a:t>
-            </a:r>
-          </a:p>
-          <a:p>
-            <a:pPr marL="0" indent="0">
-              <a:buNone/>
-            </a:pPr>
-            <a:r>
-              <a:rPr lang="en-US" sz="1800" dirty="0">
-                <a:latin typeface="Courier New" pitchFamily="49" charset="0"/>
-                <a:cs typeface="Courier New" pitchFamily="49" charset="0"/>
-              </a:rPr>
-              <a:t>words:  .word       0x1111,0x2222,0x3333,0x4444</a:t>
-            </a:r>
-          </a:p>
-          <a:p>
-            <a:pPr marL="0" indent="0">
-              <a:buNone/>
-            </a:pPr>
-            <a:endParaRPr lang="en-US" sz="1800" dirty="0">
-              <a:latin typeface="Courier New" pitchFamily="49" charset="0"/>
-              <a:cs typeface="Courier New" pitchFamily="49" charset="0"/>
-            </a:endParaRPr>
-          </a:p>
-          <a:p>
-            <a:pPr marL="0" indent="0">
-              <a:buNone/>
-            </a:pPr>
-            <a:r>
-              <a:rPr lang="en-US" sz="1800" dirty="0">
-                <a:latin typeface="Courier New" pitchFamily="49" charset="0"/>
-                <a:cs typeface="Courier New" pitchFamily="49" charset="0"/>
-              </a:rPr>
-              <a:t>        </a:t>
-            </a:r>
-            <a:r>
-              <a:rPr lang="en-US" sz="1800" dirty="0" smtClean="0">
-                <a:latin typeface="Courier New" pitchFamily="49" charset="0"/>
-                <a:cs typeface="Courier New" pitchFamily="49" charset="0"/>
-              </a:rPr>
-              <a:t>            </a:t>
-            </a:r>
-            <a:r>
-              <a:rPr lang="en-US" sz="1800" dirty="0" smtClean="0">
-                <a:solidFill>
-                  <a:schemeClr val="accent2"/>
-                </a:solidFill>
-                <a:latin typeface="Courier New" pitchFamily="49" charset="0"/>
-                <a:cs typeface="Courier New" pitchFamily="49" charset="0"/>
-              </a:rPr>
-              <a:t>;</a:t>
-            </a:r>
-            <a:r>
-              <a:rPr lang="en-US" sz="1800" dirty="0">
-                <a:solidFill>
-                  <a:schemeClr val="accent2"/>
-                </a:solidFill>
-                <a:latin typeface="Courier New" pitchFamily="49" charset="0"/>
-                <a:cs typeface="Courier New" pitchFamily="49" charset="0"/>
-              </a:rPr>
-              <a:t>initialize strings</a:t>
-            </a:r>
-          </a:p>
-          <a:p>
-            <a:pPr marL="0" indent="0">
-              <a:buNone/>
-            </a:pPr>
-            <a:r>
-              <a:rPr lang="en-US" sz="1800" dirty="0" err="1">
-                <a:latin typeface="Courier New" pitchFamily="49" charset="0"/>
-                <a:cs typeface="Courier New" pitchFamily="49" charset="0"/>
-              </a:rPr>
-              <a:t>myStr</a:t>
-            </a:r>
-            <a:r>
-              <a:rPr lang="en-US" sz="1800" dirty="0">
-                <a:latin typeface="Courier New" pitchFamily="49" charset="0"/>
-                <a:cs typeface="Courier New" pitchFamily="49" charset="0"/>
-              </a:rPr>
-              <a:t>:  .string     "hello, world!"</a:t>
-            </a:r>
-          </a:p>
-          <a:p>
-            <a:pPr marL="0" indent="0">
-              <a:buNone/>
-            </a:pPr>
-            <a:endParaRPr lang="en-US" sz="1800" dirty="0">
-              <a:latin typeface="Courier New" pitchFamily="49" charset="0"/>
-              <a:cs typeface="Courier New" pitchFamily="49" charset="0"/>
-            </a:endParaRPr>
-          </a:p>
-          <a:p>
-            <a:pPr marL="0" indent="0">
-              <a:buNone/>
-            </a:pPr>
-            <a:r>
-              <a:rPr lang="en-US" sz="1800" dirty="0">
-                <a:latin typeface="Courier New" pitchFamily="49" charset="0"/>
-                <a:cs typeface="Courier New" pitchFamily="49" charset="0"/>
-              </a:rPr>
-              <a:t>        </a:t>
-            </a:r>
-            <a:r>
-              <a:rPr lang="en-US" sz="1800" dirty="0" smtClean="0">
-                <a:latin typeface="Courier New" pitchFamily="49" charset="0"/>
-                <a:cs typeface="Courier New" pitchFamily="49" charset="0"/>
-              </a:rPr>
-              <a:t>            </a:t>
-            </a:r>
-            <a:r>
-              <a:rPr lang="en-US" sz="1800" dirty="0" smtClean="0">
-                <a:solidFill>
-                  <a:schemeClr val="accent2"/>
-                </a:solidFill>
-                <a:latin typeface="Courier New" pitchFamily="49" charset="0"/>
-                <a:cs typeface="Courier New" pitchFamily="49" charset="0"/>
-              </a:rPr>
-              <a:t>;</a:t>
-            </a:r>
-            <a:r>
-              <a:rPr lang="en-US" sz="1800" dirty="0">
-                <a:solidFill>
-                  <a:schemeClr val="accent2"/>
-                </a:solidFill>
-                <a:latin typeface="Courier New" pitchFamily="49" charset="0"/>
-                <a:cs typeface="Courier New" pitchFamily="49" charset="0"/>
-              </a:rPr>
-              <a:t>initialize characters</a:t>
-            </a:r>
-          </a:p>
-          <a:p>
-            <a:pPr marL="0" indent="0">
-              <a:buNone/>
-            </a:pPr>
-            <a:r>
-              <a:rPr lang="en-US" sz="1800" dirty="0" smtClean="0">
-                <a:latin typeface="Courier New" pitchFamily="49" charset="0"/>
-                <a:cs typeface="Courier New" pitchFamily="49" charset="0"/>
-              </a:rPr>
-              <a:t>Chars</a:t>
-            </a:r>
-            <a:r>
-              <a:rPr lang="en-US" sz="1800" dirty="0">
-                <a:latin typeface="Courier New" pitchFamily="49" charset="0"/>
-                <a:cs typeface="Courier New" pitchFamily="49" charset="0"/>
-              </a:rPr>
-              <a:t>:  .char       '</a:t>
-            </a:r>
-            <a:r>
-              <a:rPr lang="en-US" sz="1800" dirty="0" err="1">
-                <a:latin typeface="Courier New" pitchFamily="49" charset="0"/>
-                <a:cs typeface="Courier New" pitchFamily="49" charset="0"/>
-              </a:rPr>
-              <a:t>a','b','c',</a:t>
-            </a:r>
-            <a:r>
-              <a:rPr lang="en-US" sz="1800" dirty="0" err="1" smtClean="0">
-                <a:latin typeface="Courier New" pitchFamily="49" charset="0"/>
-                <a:cs typeface="Courier New" pitchFamily="49" charset="0"/>
-              </a:rPr>
-              <a:t>'d</a:t>
-            </a:r>
-            <a:r>
-              <a:rPr lang="en-US" sz="1800" dirty="0" smtClean="0">
-                <a:latin typeface="Courier New" pitchFamily="49" charset="0"/>
-                <a:cs typeface="Courier New" pitchFamily="49" charset="0"/>
-              </a:rPr>
-              <a:t>‘</a:t>
-            </a:r>
-          </a:p>
-          <a:p>
-            <a:pPr marL="0" indent="0">
-              <a:buNone/>
-            </a:pPr>
-            <a:endParaRPr lang="en-US" sz="1800" dirty="0" smtClean="0">
               <a:solidFill>
                 <a:schemeClr val="accent2"/>
               </a:solidFill>
@@ -8406,7 +7989,274 @@
                 <a:latin typeface="Courier New" pitchFamily="49" charset="0"/>
                 <a:cs typeface="Courier New" pitchFamily="49" charset="0"/>
               </a:rPr>
-              <a:t>; see in CCS</a:t>
+              <a:t>;</a:t>
+            </a:r>
+            <a:r>
+              <a:rPr lang="en-US" sz="1800" dirty="0">
+                <a:solidFill>
+                  <a:schemeClr val="accent2"/>
+                </a:solidFill>
+                <a:latin typeface="Courier New" pitchFamily="49" charset="0"/>
+                <a:cs typeface="Courier New" pitchFamily="49" charset="0"/>
+              </a:rPr>
+              <a:t>align a variable with a particular multiple of bytes (useful to ensure word on even address)</a:t>
+            </a:r>
+          </a:p>
+          <a:p>
+            <a:pPr marL="0" indent="0">
+              <a:buNone/>
+            </a:pPr>
+            <a:r>
+              <a:rPr lang="en-US" sz="1800" dirty="0">
+                <a:solidFill>
+                  <a:schemeClr val="accent2"/>
+                </a:solidFill>
+                <a:latin typeface="Courier New" pitchFamily="49" charset="0"/>
+                <a:cs typeface="Courier New" pitchFamily="49" charset="0"/>
+              </a:rPr>
+              <a:t>        </a:t>
+            </a:r>
+            <a:r>
+              <a:rPr lang="en-US" sz="1800" dirty="0">
+                <a:latin typeface="Courier New" pitchFamily="49" charset="0"/>
+                <a:cs typeface="Courier New" pitchFamily="49" charset="0"/>
+              </a:rPr>
+              <a:t>.align      2</a:t>
+            </a:r>
+          </a:p>
+          <a:p>
+            <a:pPr marL="0" indent="0">
+              <a:buNone/>
+            </a:pPr>
+            <a:endParaRPr lang="en-US" sz="1800" dirty="0">
+              <a:solidFill>
+                <a:schemeClr val="accent2"/>
+              </a:solidFill>
+              <a:latin typeface="Courier New" pitchFamily="49" charset="0"/>
+              <a:cs typeface="Courier New" pitchFamily="49" charset="0"/>
+            </a:endParaRPr>
+          </a:p>
+          <a:p>
+            <a:pPr marL="0" indent="0">
+              <a:buNone/>
+            </a:pPr>
+            <a:r>
+              <a:rPr lang="en-US" sz="1800" dirty="0" smtClean="0">
+                <a:solidFill>
+                  <a:schemeClr val="accent2"/>
+                </a:solidFill>
+                <a:latin typeface="Courier New" pitchFamily="49" charset="0"/>
+                <a:cs typeface="Courier New" pitchFamily="49" charset="0"/>
+              </a:rPr>
+              <a:t>;</a:t>
+            </a:r>
+            <a:r>
+              <a:rPr lang="en-US" sz="1800" dirty="0">
+                <a:solidFill>
+                  <a:schemeClr val="accent2"/>
+                </a:solidFill>
+                <a:latin typeface="Courier New" pitchFamily="49" charset="0"/>
+                <a:cs typeface="Courier New" pitchFamily="49" charset="0"/>
+              </a:rPr>
+              <a:t>probably won't use these often, but they're available</a:t>
+            </a:r>
+          </a:p>
+          <a:p>
+            <a:pPr marL="0" indent="0">
+              <a:buNone/>
+            </a:pPr>
+            <a:endParaRPr lang="en-US" sz="1800" dirty="0">
+              <a:solidFill>
+                <a:schemeClr val="accent2"/>
+              </a:solidFill>
+              <a:latin typeface="Courier New" pitchFamily="49" charset="0"/>
+              <a:cs typeface="Courier New" pitchFamily="49" charset="0"/>
+            </a:endParaRPr>
+          </a:p>
+          <a:p>
+            <a:pPr marL="0" indent="0">
+              <a:buNone/>
+            </a:pPr>
+            <a:r>
+              <a:rPr lang="en-US" sz="1800" dirty="0">
+                <a:solidFill>
+                  <a:schemeClr val="accent2"/>
+                </a:solidFill>
+                <a:latin typeface="Courier New" pitchFamily="49" charset="0"/>
+                <a:cs typeface="Courier New" pitchFamily="49" charset="0"/>
+              </a:rPr>
+              <a:t>        </a:t>
+            </a:r>
+            <a:r>
+              <a:rPr lang="en-US" sz="1800" dirty="0">
+                <a:latin typeface="Courier New" pitchFamily="49" charset="0"/>
+                <a:cs typeface="Courier New" pitchFamily="49" charset="0"/>
+              </a:rPr>
+              <a:t>.float                  </a:t>
+            </a:r>
+            <a:r>
+              <a:rPr lang="en-US" sz="1800" dirty="0">
+                <a:solidFill>
+                  <a:schemeClr val="accent2"/>
+                </a:solidFill>
+                <a:latin typeface="Courier New" pitchFamily="49" charset="0"/>
+                <a:cs typeface="Courier New" pitchFamily="49" charset="0"/>
+              </a:rPr>
+              <a:t>;floating point value</a:t>
+            </a:r>
+          </a:p>
+          <a:p>
+            <a:pPr marL="0" indent="0">
+              <a:buNone/>
+            </a:pPr>
+            <a:r>
+              <a:rPr lang="en-US" sz="1800" dirty="0">
+                <a:solidFill>
+                  <a:schemeClr val="accent2"/>
+                </a:solidFill>
+                <a:latin typeface="Courier New" pitchFamily="49" charset="0"/>
+                <a:cs typeface="Courier New" pitchFamily="49" charset="0"/>
+              </a:rPr>
+              <a:t>        </a:t>
+            </a:r>
+            <a:r>
+              <a:rPr lang="en-US" sz="1800" dirty="0">
+                <a:latin typeface="Courier New" pitchFamily="49" charset="0"/>
+                <a:cs typeface="Courier New" pitchFamily="49" charset="0"/>
+              </a:rPr>
+              <a:t>.</a:t>
+            </a:r>
+            <a:r>
+              <a:rPr lang="en-US" sz="1800" dirty="0" err="1">
+                <a:latin typeface="Courier New" pitchFamily="49" charset="0"/>
+                <a:cs typeface="Courier New" pitchFamily="49" charset="0"/>
+              </a:rPr>
+              <a:t>int</a:t>
+            </a:r>
+            <a:r>
+              <a:rPr lang="en-US" sz="1800" dirty="0">
+                <a:latin typeface="Courier New" pitchFamily="49" charset="0"/>
+                <a:cs typeface="Courier New" pitchFamily="49" charset="0"/>
+              </a:rPr>
+              <a:t>                    </a:t>
+            </a:r>
+            <a:r>
+              <a:rPr lang="en-US" sz="1800" dirty="0">
+                <a:solidFill>
+                  <a:schemeClr val="accent2"/>
+                </a:solidFill>
+                <a:latin typeface="Courier New" pitchFamily="49" charset="0"/>
+                <a:cs typeface="Courier New" pitchFamily="49" charset="0"/>
+              </a:rPr>
+              <a:t>;16-bit </a:t>
+            </a:r>
+            <a:r>
+              <a:rPr lang="en-US" sz="1800" dirty="0" err="1">
+                <a:solidFill>
+                  <a:schemeClr val="accent2"/>
+                </a:solidFill>
+                <a:latin typeface="Courier New" pitchFamily="49" charset="0"/>
+                <a:cs typeface="Courier New" pitchFamily="49" charset="0"/>
+              </a:rPr>
+              <a:t>int</a:t>
+            </a:r>
+            <a:endParaRPr lang="en-US" sz="1800" dirty="0">
+              <a:solidFill>
+                <a:schemeClr val="accent2"/>
+              </a:solidFill>
+              <a:latin typeface="Courier New" pitchFamily="49" charset="0"/>
+              <a:cs typeface="Courier New" pitchFamily="49" charset="0"/>
+            </a:endParaRPr>
+          </a:p>
+          <a:p>
+            <a:pPr marL="0" indent="0">
+              <a:buNone/>
+            </a:pPr>
+            <a:r>
+              <a:rPr lang="en-US" sz="1800" dirty="0">
+                <a:solidFill>
+                  <a:schemeClr val="accent2"/>
+                </a:solidFill>
+                <a:latin typeface="Courier New" pitchFamily="49" charset="0"/>
+                <a:cs typeface="Courier New" pitchFamily="49" charset="0"/>
+              </a:rPr>
+              <a:t>       </a:t>
+            </a:r>
+            <a:r>
+              <a:rPr lang="en-US" sz="1800" dirty="0">
+                <a:latin typeface="Courier New" pitchFamily="49" charset="0"/>
+                <a:cs typeface="Courier New" pitchFamily="49" charset="0"/>
+              </a:rPr>
+              <a:t> .short                  </a:t>
+            </a:r>
+            <a:r>
+              <a:rPr lang="en-US" sz="1800" dirty="0">
+                <a:solidFill>
+                  <a:schemeClr val="accent2"/>
+                </a:solidFill>
+                <a:latin typeface="Courier New" pitchFamily="49" charset="0"/>
+                <a:cs typeface="Courier New" pitchFamily="49" charset="0"/>
+              </a:rPr>
+              <a:t>;16-bit </a:t>
+            </a:r>
+            <a:r>
+              <a:rPr lang="en-US" sz="1800" dirty="0" err="1">
+                <a:solidFill>
+                  <a:schemeClr val="accent2"/>
+                </a:solidFill>
+                <a:latin typeface="Courier New" pitchFamily="49" charset="0"/>
+                <a:cs typeface="Courier New" pitchFamily="49" charset="0"/>
+              </a:rPr>
+              <a:t>int</a:t>
+            </a:r>
+            <a:endParaRPr lang="en-US" sz="1800" dirty="0">
+              <a:solidFill>
+                <a:schemeClr val="accent2"/>
+              </a:solidFill>
+              <a:latin typeface="Courier New" pitchFamily="49" charset="0"/>
+              <a:cs typeface="Courier New" pitchFamily="49" charset="0"/>
+            </a:endParaRPr>
+          </a:p>
+          <a:p>
+            <a:pPr marL="0" indent="0">
+              <a:buNone/>
+            </a:pPr>
+            <a:r>
+              <a:rPr lang="en-US" sz="1800" dirty="0">
+                <a:solidFill>
+                  <a:schemeClr val="accent2"/>
+                </a:solidFill>
+                <a:latin typeface="Courier New" pitchFamily="49" charset="0"/>
+                <a:cs typeface="Courier New" pitchFamily="49" charset="0"/>
+              </a:rPr>
+              <a:t>       </a:t>
+            </a:r>
+            <a:r>
+              <a:rPr lang="en-US" sz="1800" dirty="0">
+                <a:latin typeface="Courier New" pitchFamily="49" charset="0"/>
+                <a:cs typeface="Courier New" pitchFamily="49" charset="0"/>
+              </a:rPr>
+              <a:t> .long                   </a:t>
+            </a:r>
+            <a:r>
+              <a:rPr lang="en-US" sz="1800" dirty="0">
+                <a:solidFill>
+                  <a:schemeClr val="accent2"/>
+                </a:solidFill>
+                <a:latin typeface="Courier New" pitchFamily="49" charset="0"/>
+                <a:cs typeface="Courier New" pitchFamily="49" charset="0"/>
+              </a:rPr>
+              <a:t>;32-bit </a:t>
+            </a:r>
+            <a:r>
+              <a:rPr lang="en-US" sz="1800" dirty="0" err="1">
+                <a:solidFill>
+                  <a:schemeClr val="accent2"/>
+                </a:solidFill>
+                <a:latin typeface="Courier New" pitchFamily="49" charset="0"/>
+                <a:cs typeface="Courier New" pitchFamily="49" charset="0"/>
+              </a:rPr>
+              <a:t>int</a:t>
             </a:r>
             <a:endParaRPr lang="en-US" sz="1600" dirty="0">
               <a:solidFill>
@@ -8421,7 +8271,7 @@
     </p:spTree>
     <p:extLst>
       <p:ext uri="{BB962C8B-B14F-4D97-AF65-F5344CB8AC3E}">
-        <p14:creationId xmlns:p14="http://schemas.microsoft.com/office/powerpoint/2010/main" val="952037732"/>
+        <p14:creationId xmlns:p14="http://schemas.microsoft.com/office/powerpoint/2010/main" val="4246789379"/>
       </p:ext>
     </p:extLst>
   </p:cSld>
@@ -8457,7 +8307,30 @@
       </p:grpSpPr>
       <p:sp>
         <p:nvSpPr>
-          <p:cNvPr id="2" name="Title 1"/>
+          <p:cNvPr id="2" name="Subtitle 1"/>
+          <p:cNvSpPr>
+            <a:spLocks noGrp="1"/>
+          </p:cNvSpPr>
+          <p:nvPr>
+            <p:ph type="subTitle" idx="1"/>
+          </p:nvPr>
+        </p:nvSpPr>
+        <p:spPr/>
+        <p:txBody>
+          <a:bodyPr/>
+          <a:lstStyle/>
+          <a:p>
+            <a:r>
+              <a:rPr lang="en-US" dirty="0" smtClean="0"/>
+              <a:t>We have CCS 8 installed which will allow us to build either ASM or C program and install them onto the MSP430</a:t>
+            </a:r>
+            <a:endParaRPr lang="en-US" dirty="0"/>
+          </a:p>
+        </p:txBody>
+      </p:sp>
+      <p:sp>
+        <p:nvSpPr>
+          <p:cNvPr id="3" name="Title 2"/>
           <p:cNvSpPr>
             <a:spLocks noGrp="1"/>
           </p:cNvSpPr>
@@ -8472,461 +8345,47 @@
           <a:p>
             <a:r>
               <a:rPr lang="en-US" dirty="0" smtClean="0"/>
-              <a:t>Assembler Directives</a:t>
+              <a:t>CCS</a:t>
             </a:r>
             <a:endParaRPr lang="en-US" dirty="0"/>
           </a:p>
         </p:txBody>
       </p:sp>
-      <p:sp>
-        <p:nvSpPr>
-          <p:cNvPr id="3" name="Content Placeholder 2"/>
-          <p:cNvSpPr>
-            <a:spLocks noGrp="1"/>
-          </p:cNvSpPr>
-          <p:nvPr>
-            <p:ph idx="1"/>
-          </p:nvPr>
-        </p:nvSpPr>
+      <p:pic>
+        <p:nvPicPr>
+          <p:cNvPr id="4" name="Picture 3"/>
+          <p:cNvPicPr>
+            <a:picLocks noChangeAspect="1"/>
+          </p:cNvPicPr>
+          <p:nvPr/>
+        </p:nvPicPr>
+        <p:blipFill>
+          <a:blip r:embed="rId2"/>
+          <a:stretch>
+            <a:fillRect/>
+          </a:stretch>
+        </p:blipFill>
         <p:spPr>
           <a:xfrm>
-            <a:off x="469125" y="1593616"/>
-            <a:ext cx="8320484" cy="4724400"/>
+            <a:off x="1828800" y="2589873"/>
+            <a:ext cx="6011333" cy="3616193"/>
           </a:xfrm>
+          <a:prstGeom prst="rect">
+            <a:avLst/>
+          </a:prstGeom>
         </p:spPr>
-        <p:txBody>
-          <a:bodyPr/>
-          <a:lstStyle/>
-          <a:p>
-            <a:pPr marL="0" indent="0">
-              <a:buNone/>
-            </a:pPr>
-            <a:r>
-              <a:rPr lang="en-US" sz="1800" dirty="0" smtClean="0">
-                <a:solidFill>
-                  <a:schemeClr val="accent2"/>
-                </a:solidFill>
-                <a:latin typeface="Courier New" pitchFamily="49" charset="0"/>
-                <a:cs typeface="Courier New" pitchFamily="49" charset="0"/>
-              </a:rPr>
-              <a:t>; .</a:t>
-            </a:r>
-            <a:r>
-              <a:rPr lang="en-US" sz="1800" dirty="0" err="1">
-                <a:solidFill>
-                  <a:schemeClr val="accent2"/>
-                </a:solidFill>
-                <a:latin typeface="Courier New" pitchFamily="49" charset="0"/>
-                <a:cs typeface="Courier New" pitchFamily="49" charset="0"/>
-              </a:rPr>
-              <a:t>equ</a:t>
-            </a:r>
-            <a:r>
-              <a:rPr lang="en-US" sz="1800" dirty="0">
-                <a:solidFill>
-                  <a:schemeClr val="accent2"/>
-                </a:solidFill>
-                <a:latin typeface="Courier New" pitchFamily="49" charset="0"/>
-                <a:cs typeface="Courier New" pitchFamily="49" charset="0"/>
-              </a:rPr>
-              <a:t>  </a:t>
-            </a:r>
-            <a:r>
-              <a:rPr lang="en-US" sz="1800" dirty="0" smtClean="0">
-                <a:solidFill>
-                  <a:schemeClr val="accent2"/>
-                </a:solidFill>
-                <a:latin typeface="Courier New" pitchFamily="49" charset="0"/>
-                <a:cs typeface="Courier New" pitchFamily="49" charset="0"/>
-                <a:sym typeface="Wingdings" pitchFamily="2" charset="2"/>
-              </a:rPr>
-              <a:t> </a:t>
-            </a:r>
-            <a:r>
-              <a:rPr lang="en-US" sz="1800" dirty="0" smtClean="0">
-                <a:solidFill>
-                  <a:schemeClr val="accent2"/>
-                </a:solidFill>
-                <a:latin typeface="Courier New" pitchFamily="49" charset="0"/>
-                <a:cs typeface="Courier New" pitchFamily="49" charset="0"/>
-              </a:rPr>
-              <a:t>assign </a:t>
-            </a:r>
-            <a:r>
-              <a:rPr lang="en-US" sz="1800" dirty="0">
-                <a:solidFill>
-                  <a:schemeClr val="accent2"/>
-                </a:solidFill>
-                <a:latin typeface="Courier New" pitchFamily="49" charset="0"/>
-                <a:cs typeface="Courier New" pitchFamily="49" charset="0"/>
-              </a:rPr>
-              <a:t>a label to a particular value</a:t>
-            </a:r>
-          </a:p>
-          <a:p>
-            <a:pPr marL="0" indent="0">
-              <a:buNone/>
-            </a:pPr>
-            <a:r>
-              <a:rPr lang="en-US" sz="1800" dirty="0" smtClean="0">
-                <a:latin typeface="Courier New" pitchFamily="49" charset="0"/>
-                <a:cs typeface="Courier New" pitchFamily="49" charset="0"/>
-              </a:rPr>
-              <a:t>SEVENTEEN:  </a:t>
-            </a:r>
-            <a:r>
-              <a:rPr lang="en-US" sz="1800" dirty="0">
-                <a:latin typeface="Courier New" pitchFamily="49" charset="0"/>
-                <a:cs typeface="Courier New" pitchFamily="49" charset="0"/>
-              </a:rPr>
-              <a:t>.</a:t>
-            </a:r>
-            <a:r>
-              <a:rPr lang="en-US" sz="1800" dirty="0" err="1">
-                <a:latin typeface="Courier New" pitchFamily="49" charset="0"/>
-                <a:cs typeface="Courier New" pitchFamily="49" charset="0"/>
-              </a:rPr>
-              <a:t>equ</a:t>
-            </a:r>
-            <a:r>
-              <a:rPr lang="en-US" sz="1800" dirty="0">
-                <a:latin typeface="Courier New" pitchFamily="49" charset="0"/>
-                <a:cs typeface="Courier New" pitchFamily="49" charset="0"/>
-              </a:rPr>
-              <a:t>        </a:t>
-            </a:r>
-            <a:r>
-              <a:rPr lang="en-US" sz="1800" dirty="0" smtClean="0">
-                <a:latin typeface="Courier New" pitchFamily="49" charset="0"/>
-                <a:cs typeface="Courier New" pitchFamily="49" charset="0"/>
-              </a:rPr>
-              <a:t>0x11</a:t>
-            </a:r>
-            <a:endParaRPr lang="en-US" sz="1800" dirty="0">
-              <a:latin typeface="Courier New" pitchFamily="49" charset="0"/>
-              <a:cs typeface="Courier New" pitchFamily="49" charset="0"/>
-            </a:endParaRPr>
-          </a:p>
-          <a:p>
-            <a:pPr marL="0" indent="0">
-              <a:buNone/>
-            </a:pPr>
-            <a:endParaRPr lang="en-US" sz="1800" dirty="0">
-              <a:solidFill>
-                <a:schemeClr val="accent2"/>
-              </a:solidFill>
-              <a:latin typeface="Courier New" pitchFamily="49" charset="0"/>
-              <a:cs typeface="Courier New" pitchFamily="49" charset="0"/>
-            </a:endParaRPr>
-          </a:p>
-          <a:p>
-            <a:pPr marL="0" indent="0">
-              <a:buNone/>
-            </a:pPr>
-            <a:r>
-              <a:rPr lang="en-US" sz="1800" dirty="0" smtClean="0">
-                <a:solidFill>
-                  <a:schemeClr val="accent2"/>
-                </a:solidFill>
-                <a:latin typeface="Courier New" pitchFamily="49" charset="0"/>
-                <a:cs typeface="Courier New" pitchFamily="49" charset="0"/>
-              </a:rPr>
-              <a:t>;</a:t>
-            </a:r>
-            <a:r>
-              <a:rPr lang="en-US" sz="1800" dirty="0">
-                <a:solidFill>
-                  <a:schemeClr val="accent2"/>
-                </a:solidFill>
-                <a:latin typeface="Courier New" pitchFamily="49" charset="0"/>
-                <a:cs typeface="Courier New" pitchFamily="49" charset="0"/>
-              </a:rPr>
-              <a:t>align a variable with a particular multiple of bytes (useful to ensure word on even address)</a:t>
-            </a:r>
-          </a:p>
-          <a:p>
-            <a:pPr marL="0" indent="0">
-              <a:buNone/>
-            </a:pPr>
-            <a:r>
-              <a:rPr lang="en-US" sz="1800" dirty="0">
-                <a:solidFill>
-                  <a:schemeClr val="accent2"/>
-                </a:solidFill>
-                <a:latin typeface="Courier New" pitchFamily="49" charset="0"/>
-                <a:cs typeface="Courier New" pitchFamily="49" charset="0"/>
-              </a:rPr>
-              <a:t>        </a:t>
-            </a:r>
-            <a:r>
-              <a:rPr lang="en-US" sz="1800" dirty="0">
-                <a:latin typeface="Courier New" pitchFamily="49" charset="0"/>
-                <a:cs typeface="Courier New" pitchFamily="49" charset="0"/>
-              </a:rPr>
-              <a:t>.align      2</a:t>
-            </a:r>
-          </a:p>
-          <a:p>
-            <a:pPr marL="0" indent="0">
-              <a:buNone/>
-            </a:pPr>
-            <a:endParaRPr lang="en-US" sz="1800" dirty="0">
-              <a:solidFill>
-                <a:schemeClr val="accent2"/>
-              </a:solidFill>
-              <a:latin typeface="Courier New" pitchFamily="49" charset="0"/>
-              <a:cs typeface="Courier New" pitchFamily="49" charset="0"/>
-            </a:endParaRPr>
-          </a:p>
-          <a:p>
-            <a:pPr marL="0" indent="0">
-              <a:buNone/>
-            </a:pPr>
-            <a:r>
-              <a:rPr lang="en-US" sz="1800" dirty="0" smtClean="0">
-                <a:solidFill>
-                  <a:schemeClr val="accent2"/>
-                </a:solidFill>
-                <a:latin typeface="Courier New" pitchFamily="49" charset="0"/>
-                <a:cs typeface="Courier New" pitchFamily="49" charset="0"/>
-              </a:rPr>
-              <a:t>;</a:t>
-            </a:r>
-            <a:r>
-              <a:rPr lang="en-US" sz="1800" dirty="0">
-                <a:solidFill>
-                  <a:schemeClr val="accent2"/>
-                </a:solidFill>
-                <a:latin typeface="Courier New" pitchFamily="49" charset="0"/>
-                <a:cs typeface="Courier New" pitchFamily="49" charset="0"/>
-              </a:rPr>
-              <a:t>probably won't use these often, but they're available</a:t>
-            </a:r>
-          </a:p>
-          <a:p>
-            <a:pPr marL="0" indent="0">
-              <a:buNone/>
-            </a:pPr>
-            <a:endParaRPr lang="en-US" sz="1800" dirty="0">
-              <a:solidFill>
-                <a:schemeClr val="accent2"/>
-              </a:solidFill>
-              <a:latin typeface="Courier New" pitchFamily="49" charset="0"/>
-              <a:cs typeface="Courier New" pitchFamily="49" charset="0"/>
-            </a:endParaRPr>
-          </a:p>
-          <a:p>
-            <a:pPr marL="0" indent="0">
-              <a:buNone/>
-            </a:pPr>
-            <a:r>
-              <a:rPr lang="en-US" sz="1800" dirty="0">
-                <a:solidFill>
-                  <a:schemeClr val="accent2"/>
-                </a:solidFill>
-                <a:latin typeface="Courier New" pitchFamily="49" charset="0"/>
-                <a:cs typeface="Courier New" pitchFamily="49" charset="0"/>
-              </a:rPr>
-              <a:t>        </a:t>
-            </a:r>
-            <a:r>
-              <a:rPr lang="en-US" sz="1800" dirty="0">
-                <a:latin typeface="Courier New" pitchFamily="49" charset="0"/>
-                <a:cs typeface="Courier New" pitchFamily="49" charset="0"/>
-              </a:rPr>
-              <a:t>.float                  </a:t>
-            </a:r>
-            <a:r>
-              <a:rPr lang="en-US" sz="1800" dirty="0">
-                <a:solidFill>
-                  <a:schemeClr val="accent2"/>
-                </a:solidFill>
-                <a:latin typeface="Courier New" pitchFamily="49" charset="0"/>
-                <a:cs typeface="Courier New" pitchFamily="49" charset="0"/>
-              </a:rPr>
-              <a:t>;floating point value</a:t>
-            </a:r>
-          </a:p>
-          <a:p>
-            <a:pPr marL="0" indent="0">
-              <a:buNone/>
-            </a:pPr>
-            <a:r>
-              <a:rPr lang="en-US" sz="1800" dirty="0">
-                <a:solidFill>
-                  <a:schemeClr val="accent2"/>
-                </a:solidFill>
-                <a:latin typeface="Courier New" pitchFamily="49" charset="0"/>
-                <a:cs typeface="Courier New" pitchFamily="49" charset="0"/>
-              </a:rPr>
-              <a:t>        </a:t>
-            </a:r>
-            <a:r>
-              <a:rPr lang="en-US" sz="1800" dirty="0">
-                <a:latin typeface="Courier New" pitchFamily="49" charset="0"/>
-                <a:cs typeface="Courier New" pitchFamily="49" charset="0"/>
-              </a:rPr>
-              <a:t>.</a:t>
-            </a:r>
-            <a:r>
-              <a:rPr lang="en-US" sz="1800" dirty="0" err="1">
-                <a:latin typeface="Courier New" pitchFamily="49" charset="0"/>
-                <a:cs typeface="Courier New" pitchFamily="49" charset="0"/>
-              </a:rPr>
-              <a:t>int</a:t>
-            </a:r>
-            <a:r>
-              <a:rPr lang="en-US" sz="1800" dirty="0">
-                <a:latin typeface="Courier New" pitchFamily="49" charset="0"/>
-                <a:cs typeface="Courier New" pitchFamily="49" charset="0"/>
-              </a:rPr>
-              <a:t>                    </a:t>
-            </a:r>
-            <a:r>
-              <a:rPr lang="en-US" sz="1800" dirty="0">
-                <a:solidFill>
-                  <a:schemeClr val="accent2"/>
-                </a:solidFill>
-                <a:latin typeface="Courier New" pitchFamily="49" charset="0"/>
-                <a:cs typeface="Courier New" pitchFamily="49" charset="0"/>
-              </a:rPr>
-              <a:t>;16-bit </a:t>
-            </a:r>
-            <a:r>
-              <a:rPr lang="en-US" sz="1800" dirty="0" err="1">
-                <a:solidFill>
-                  <a:schemeClr val="accent2"/>
-                </a:solidFill>
-                <a:latin typeface="Courier New" pitchFamily="49" charset="0"/>
-                <a:cs typeface="Courier New" pitchFamily="49" charset="0"/>
-              </a:rPr>
-              <a:t>int</a:t>
-            </a:r>
-            <a:endParaRPr lang="en-US" sz="1800" dirty="0">
-              <a:solidFill>
-                <a:schemeClr val="accent2"/>
-              </a:solidFill>
-              <a:latin typeface="Courier New" pitchFamily="49" charset="0"/>
-              <a:cs typeface="Courier New" pitchFamily="49" charset="0"/>
-            </a:endParaRPr>
-          </a:p>
-          <a:p>
-            <a:pPr marL="0" indent="0">
-              <a:buNone/>
-            </a:pPr>
-            <a:r>
-              <a:rPr lang="en-US" sz="1800" dirty="0">
-                <a:solidFill>
-                  <a:schemeClr val="accent2"/>
-                </a:solidFill>
-                <a:latin typeface="Courier New" pitchFamily="49" charset="0"/>
-                <a:cs typeface="Courier New" pitchFamily="49" charset="0"/>
-              </a:rPr>
-              <a:t>       </a:t>
-            </a:r>
-            <a:r>
-              <a:rPr lang="en-US" sz="1800" dirty="0">
-                <a:latin typeface="Courier New" pitchFamily="49" charset="0"/>
-                <a:cs typeface="Courier New" pitchFamily="49" charset="0"/>
-              </a:rPr>
-              <a:t> .short                  </a:t>
-            </a:r>
-            <a:r>
-              <a:rPr lang="en-US" sz="1800" dirty="0">
-                <a:solidFill>
-                  <a:schemeClr val="accent2"/>
-                </a:solidFill>
-                <a:latin typeface="Courier New" pitchFamily="49" charset="0"/>
-                <a:cs typeface="Courier New" pitchFamily="49" charset="0"/>
-              </a:rPr>
-              <a:t>;16-bit </a:t>
-            </a:r>
-            <a:r>
-              <a:rPr lang="en-US" sz="1800" dirty="0" err="1">
-                <a:solidFill>
-                  <a:schemeClr val="accent2"/>
-                </a:solidFill>
-                <a:latin typeface="Courier New" pitchFamily="49" charset="0"/>
-                <a:cs typeface="Courier New" pitchFamily="49" charset="0"/>
-              </a:rPr>
-              <a:t>int</a:t>
-            </a:r>
-            <a:endParaRPr lang="en-US" sz="1800" dirty="0">
-              <a:solidFill>
-                <a:schemeClr val="accent2"/>
-              </a:solidFill>
-              <a:latin typeface="Courier New" pitchFamily="49" charset="0"/>
-              <a:cs typeface="Courier New" pitchFamily="49" charset="0"/>
-            </a:endParaRPr>
-          </a:p>
-          <a:p>
-            <a:pPr marL="0" indent="0">
-              <a:buNone/>
-            </a:pPr>
-            <a:r>
-              <a:rPr lang="en-US" sz="1800" dirty="0">
-                <a:solidFill>
-                  <a:schemeClr val="accent2"/>
-                </a:solidFill>
-                <a:latin typeface="Courier New" pitchFamily="49" charset="0"/>
-                <a:cs typeface="Courier New" pitchFamily="49" charset="0"/>
-              </a:rPr>
-              <a:t>       </a:t>
-            </a:r>
-            <a:r>
-              <a:rPr lang="en-US" sz="1800" dirty="0">
-                <a:latin typeface="Courier New" pitchFamily="49" charset="0"/>
-                <a:cs typeface="Courier New" pitchFamily="49" charset="0"/>
-              </a:rPr>
-              <a:t> .long                   </a:t>
-            </a:r>
-            <a:r>
-              <a:rPr lang="en-US" sz="1800" dirty="0">
-                <a:solidFill>
-                  <a:schemeClr val="accent2"/>
-                </a:solidFill>
-                <a:latin typeface="Courier New" pitchFamily="49" charset="0"/>
-                <a:cs typeface="Courier New" pitchFamily="49" charset="0"/>
-              </a:rPr>
-              <a:t>;32-bit </a:t>
-            </a:r>
-            <a:r>
-              <a:rPr lang="en-US" sz="1800" dirty="0" err="1">
-                <a:solidFill>
-                  <a:schemeClr val="accent2"/>
-                </a:solidFill>
-                <a:latin typeface="Courier New" pitchFamily="49" charset="0"/>
-                <a:cs typeface="Courier New" pitchFamily="49" charset="0"/>
-              </a:rPr>
-              <a:t>int</a:t>
-            </a:r>
-            <a:endParaRPr lang="en-US" sz="1600" dirty="0">
-              <a:solidFill>
-                <a:schemeClr val="accent2"/>
-              </a:solidFill>
-              <a:latin typeface="Courier New" pitchFamily="49" charset="0"/>
-              <a:cs typeface="Courier New" pitchFamily="49" charset="0"/>
-            </a:endParaRPr>
-          </a:p>
-        </p:txBody>
-      </p:sp>
+      </p:pic>
     </p:spTree>
     <p:extLst>
       <p:ext uri="{BB962C8B-B14F-4D97-AF65-F5344CB8AC3E}">
-        <p14:creationId xmlns:p14="http://schemas.microsoft.com/office/powerpoint/2010/main" val="4246789379"/>
+        <p14:creationId xmlns:p14="http://schemas.microsoft.com/office/powerpoint/2010/main" val="276922681"/>
       </p:ext>
     </p:extLst>
   </p:cSld>
   <p:clrMapOvr>
     <a:masterClrMapping/>
   </p:clrMapOvr>
-  <p:timing>
-    <p:tnLst>
-      <p:par>
-        <p:cTn id="1" dur="indefinite" restart="never" nodeType="tmRoot"/>
-      </p:par>
-    </p:tnLst>
-  </p:timing>
+  <p:transition spd="med"/>
 </p:sld>
 </file>
 
@@ -8964,8 +8423,46 @@
           <a:p>
             <a:r>
               <a:rPr lang="en-US" dirty="0" smtClean="0"/>
-              <a:t>We have CCS 8 installed which will allow us to build either ASM or C program and install them onto the MSP430</a:t>
-            </a:r>
+              <a:t>The IDE uses the GNU Compiler Collection (</a:t>
+            </a:r>
+            <a:r>
+              <a:rPr lang="en-US" dirty="0" err="1" smtClean="0"/>
+              <a:t>gcc</a:t>
+            </a:r>
+            <a:r>
+              <a:rPr lang="en-US" dirty="0" smtClean="0"/>
+              <a:t>) to produce executable binary files for the </a:t>
+            </a:r>
+            <a:r>
+              <a:rPr lang="en-US" dirty="0" err="1" smtClean="0"/>
+              <a:t>uC</a:t>
+            </a:r>
+            <a:endParaRPr lang="en-US" dirty="0" smtClean="0"/>
+          </a:p>
+          <a:p>
+            <a:pPr lvl="1"/>
+            <a:r>
+              <a:rPr lang="en-US" dirty="0" err="1" smtClean="0"/>
+              <a:t>gcc</a:t>
+            </a:r>
+            <a:r>
+              <a:rPr lang="en-US" dirty="0" smtClean="0"/>
+              <a:t> v6.4 released 4 July 2017</a:t>
+            </a:r>
+          </a:p>
+          <a:p>
+            <a:pPr lvl="1"/>
+            <a:r>
+              <a:rPr lang="en-US" dirty="0" err="1" smtClean="0"/>
+              <a:t>gcc</a:t>
+            </a:r>
+            <a:r>
+              <a:rPr lang="en-US" dirty="0" smtClean="0"/>
+              <a:t> is probably the most common compiler used for embedded systems because it is free (no $$$) and open (easy to adapt to a new processor)</a:t>
+            </a:r>
+          </a:p>
+          <a:p>
+            <a:pPr lvl="1"/>
             <a:endParaRPr lang="en-US" dirty="0"/>
           </a:p>
         </p:txBody>
@@ -8987,7 +8484,7 @@
           <a:p>
             <a:r>
               <a:rPr lang="en-US" dirty="0" smtClean="0"/>
-              <a:t>CCS</a:t>
+              <a:t>Tools</a:t>
             </a:r>
             <a:endParaRPr lang="en-US" dirty="0"/>
           </a:p>
@@ -8995,7 +8492,7 @@
       </p:sp>
       <p:pic>
         <p:nvPicPr>
-          <p:cNvPr id="4" name="Picture 3"/>
+          <p:cNvPr id="5" name="Picture 4"/>
           <p:cNvPicPr>
             <a:picLocks noChangeAspect="1"/>
           </p:cNvPicPr>
@@ -9009,8 +8506,8 @@
         </p:blipFill>
         <p:spPr>
           <a:xfrm>
-            <a:off x="1828800" y="2589873"/>
-            <a:ext cx="6011333" cy="3616193"/>
+            <a:off x="2116666" y="3853655"/>
+            <a:ext cx="4749800" cy="2226469"/>
           </a:xfrm>
           <a:prstGeom prst="rect">
             <a:avLst/>
@@ -9020,7 +8517,7 @@
     </p:spTree>
     <p:extLst>
       <p:ext uri="{BB962C8B-B14F-4D97-AF65-F5344CB8AC3E}">
-        <p14:creationId xmlns:p14="http://schemas.microsoft.com/office/powerpoint/2010/main" val="276922681"/>
+        <p14:creationId xmlns:p14="http://schemas.microsoft.com/office/powerpoint/2010/main" val="302929188"/>
       </p:ext>
     </p:extLst>
   </p:cSld>
@@ -11088,21 +10585,21 @@
 </file>
 
 <file path=customXml/item2.xml><?xml version="1.0" encoding="utf-8"?>
+<?mso-contentType ?>
+<FormTemplates xmlns="http://schemas.microsoft.com/sharepoint/v3/contenttype/forms">
+  <Display>DocumentLibraryForm</Display>
+  <Edit>DocumentLibraryForm</Edit>
+  <New>DocumentLibraryForm</New>
+</FormTemplates>
+</file>
+
+<file path=customXml/item3.xml><?xml version="1.0" encoding="utf-8"?>
 <p:properties xmlns:p="http://schemas.microsoft.com/office/2006/metadata/properties" xmlns:xsi="http://www.w3.org/2001/XMLSchema-instance" xmlns:pc="http://schemas.microsoft.com/office/infopath/2007/PartnerControls">
   <documentManagement>
     <PublishingExpirationDate xmlns="http://schemas.microsoft.com/sharepoint/v3" xsi:nil="true"/>
     <PublishingStartDate xmlns="http://schemas.microsoft.com/sharepoint/v3" xsi:nil="true"/>
   </documentManagement>
 </p:properties>
-</file>
-
-<file path=customXml/item3.xml><?xml version="1.0" encoding="utf-8"?>
-<?mso-contentType ?>
-<FormTemplates xmlns="http://schemas.microsoft.com/sharepoint/v3/contenttype/forms">
-  <Display>DocumentLibraryForm</Display>
-  <Edit>DocumentLibraryForm</Edit>
-  <New>DocumentLibraryForm</New>
-</FormTemplates>
 </file>
 
 <file path=customXml/itemProps1.xml><?xml version="1.0" encoding="utf-8"?>
@@ -11124,6 +10621,14 @@
 </file>
 
 <file path=customXml/itemProps2.xml><?xml version="1.0" encoding="utf-8"?>
+<ds:datastoreItem xmlns:ds="http://schemas.openxmlformats.org/officeDocument/2006/customXml" ds:itemID="{7898C6F1-02C7-4807-8DB1-44412B5FAC7D}">
+  <ds:schemaRefs>
+    <ds:schemaRef ds:uri="http://schemas.microsoft.com/sharepoint/v3/contenttype/forms"/>
+  </ds:schemaRefs>
+</ds:datastoreItem>
+</file>
+
+<file path=customXml/itemProps3.xml><?xml version="1.0" encoding="utf-8"?>
 <ds:datastoreItem xmlns:ds="http://schemas.openxmlformats.org/officeDocument/2006/customXml" ds:itemID="{0A6BADE1-4A4A-48A5-911B-5F6548B33A51}">
   <ds:schemaRefs>
     <ds:schemaRef ds:uri="http://schemas.microsoft.com/office/2006/documentManagement/types"/>
@@ -11137,12 +10642,4 @@
     <ds:schemaRef ds:uri="http://www.w3.org/XML/1998/namespace"/>
   </ds:schemaRefs>
 </ds:datastoreItem>
-</file>
-
-<file path=customXml/itemProps3.xml><?xml version="1.0" encoding="utf-8"?>
-<ds:datastoreItem xmlns:ds="http://schemas.openxmlformats.org/officeDocument/2006/customXml" ds:itemID="{7898C6F1-02C7-4807-8DB1-44412B5FAC7D}">
-  <ds:schemaRefs>
-    <ds:schemaRef ds:uri="http://schemas.microsoft.com/sharepoint/v3/contenttype/forms"/>
-  </ds:schemaRefs>
-</ds:datastoreItem>
 </file>
--- a/source/lessons/lsn7/Lsn7.pptx
+++ b/source/lessons/lsn7/Lsn7.pptx
@@ -6,10 +6,10 @@
     <p:sldMasterId id="2147483775" r:id="rId5"/>
   </p:sldMasterIdLst>
   <p:notesMasterIdLst>
-    <p:notesMasterId r:id="rId18"/>
+    <p:notesMasterId r:id="rId19"/>
   </p:notesMasterIdLst>
   <p:handoutMasterIdLst>
-    <p:handoutMasterId r:id="rId19"/>
+    <p:handoutMasterId r:id="rId20"/>
   </p:handoutMasterIdLst>
   <p:sldIdLst>
     <p:sldId id="286" r:id="rId6"/>
@@ -24,6 +24,7 @@
     <p:sldId id="298" r:id="rId15"/>
     <p:sldId id="301" r:id="rId16"/>
     <p:sldId id="300" r:id="rId17"/>
+    <p:sldId id="302" r:id="rId18"/>
   </p:sldIdLst>
   <p:sldSz cx="9144000" cy="6858000" type="screen4x3"/>
   <p:notesSz cx="7010400" cy="9296400"/>
@@ -4650,6 +4651,86 @@
 </p:sld>
 </file>
 
+<file path=ppt/slides/slide13.xml><?xml version="1.0" encoding="utf-8"?>
+<p:sld xmlns:a="http://schemas.openxmlformats.org/drawingml/2006/main" xmlns:r="http://schemas.openxmlformats.org/officeDocument/2006/relationships" xmlns:p="http://schemas.openxmlformats.org/presentationml/2006/main">
+  <p:cSld>
+    <p:spTree>
+      <p:nvGrpSpPr>
+        <p:cNvPr id="1" name=""/>
+        <p:cNvGrpSpPr/>
+        <p:nvPr/>
+      </p:nvGrpSpPr>
+      <p:grpSpPr>
+        <a:xfrm>
+          <a:off x="0" y="0"/>
+          <a:ext cx="0" cy="0"/>
+          <a:chOff x="0" y="0"/>
+          <a:chExt cx="0" cy="0"/>
+        </a:xfrm>
+      </p:grpSpPr>
+      <p:sp>
+        <p:nvSpPr>
+          <p:cNvPr id="2" name="Title 1"/>
+          <p:cNvSpPr>
+            <a:spLocks noGrp="1"/>
+          </p:cNvSpPr>
+          <p:nvPr>
+            <p:ph type="title"/>
+          </p:nvPr>
+        </p:nvSpPr>
+        <p:spPr/>
+        <p:txBody>
+          <a:bodyPr/>
+          <a:lstStyle/>
+          <a:p>
+            <a:r>
+              <a:rPr lang="en-US" dirty="0" smtClean="0"/>
+              <a:t>Let’s Open CCS</a:t>
+            </a:r>
+            <a:endParaRPr lang="en-US" dirty="0"/>
+          </a:p>
+        </p:txBody>
+      </p:sp>
+      <p:sp>
+        <p:nvSpPr>
+          <p:cNvPr id="3" name="Content Placeholder 2"/>
+          <p:cNvSpPr>
+            <a:spLocks noGrp="1"/>
+          </p:cNvSpPr>
+          <p:nvPr>
+            <p:ph idx="1"/>
+          </p:nvPr>
+        </p:nvSpPr>
+        <p:spPr/>
+        <p:txBody>
+          <a:bodyPr/>
+          <a:lstStyle/>
+          <a:p>
+            <a:r>
+              <a:rPr lang="en-US" dirty="0" smtClean="0"/>
+              <a:t>Let’s try to get something </a:t>
+            </a:r>
+            <a:r>
+              <a:rPr lang="en-US" smtClean="0"/>
+              <a:t>to compile</a:t>
+            </a:r>
+            <a:endParaRPr lang="en-US"/>
+          </a:p>
+        </p:txBody>
+      </p:sp>
+    </p:spTree>
+    <p:extLst>
+      <p:ext uri="{BB962C8B-B14F-4D97-AF65-F5344CB8AC3E}">
+        <p14:creationId xmlns:p14="http://schemas.microsoft.com/office/powerpoint/2010/main" val="2067258447"/>
+      </p:ext>
+    </p:extLst>
+  </p:cSld>
+  <p:clrMapOvr>
+    <a:masterClrMapping/>
+  </p:clrMapOvr>
+</p:sld>
+</file>
+
 <file path=ppt/slides/slide2.xml><?xml version="1.0" encoding="utf-8"?>
 <p:sld xmlns:a="http://schemas.openxmlformats.org/drawingml/2006/main" xmlns:r="http://schemas.openxmlformats.org/officeDocument/2006/relationships" xmlns:p="http://schemas.openxmlformats.org/presentationml/2006/main">
   <p:cSld>
@@ -4811,11 +4892,7 @@
           <a:p>
             <a:r>
               <a:rPr lang="en-US" sz="2400" dirty="0" smtClean="0"/>
-              <a:t>If </a:t>
-            </a:r>
-            <a:r>
-              <a:rPr lang="en-US" sz="2400" dirty="0" smtClean="0"/>
-              <a:t>not disarmed, How long to reset?</a:t>
+              <a:t>If not disarmed, How long to reset?</a:t>
             </a:r>
           </a:p>
           <a:p>
@@ -10585,21 +10662,21 @@
 </file>
 
 <file path=customXml/item2.xml><?xml version="1.0" encoding="utf-8"?>
+<p:properties xmlns:p="http://schemas.microsoft.com/office/2006/metadata/properties" xmlns:xsi="http://www.w3.org/2001/XMLSchema-instance" xmlns:pc="http://schemas.microsoft.com/office/infopath/2007/PartnerControls">
+  <documentManagement>
+    <PublishingExpirationDate xmlns="http://schemas.microsoft.com/sharepoint/v3" xsi:nil="true"/>
+    <PublishingStartDate xmlns="http://schemas.microsoft.com/sharepoint/v3" xsi:nil="true"/>
+  </documentManagement>
+</p:properties>
+</file>
+
+<file path=customXml/item3.xml><?xml version="1.0" encoding="utf-8"?>
 <?mso-contentType ?>
 <FormTemplates xmlns="http://schemas.microsoft.com/sharepoint/v3/contenttype/forms">
   <Display>DocumentLibraryForm</Display>
   <Edit>DocumentLibraryForm</Edit>
   <New>DocumentLibraryForm</New>
 </FormTemplates>
-</file>
-
-<file path=customXml/item3.xml><?xml version="1.0" encoding="utf-8"?>
-<p:properties xmlns:p="http://schemas.microsoft.com/office/2006/metadata/properties" xmlns:xsi="http://www.w3.org/2001/XMLSchema-instance" xmlns:pc="http://schemas.microsoft.com/office/infopath/2007/PartnerControls">
-  <documentManagement>
-    <PublishingExpirationDate xmlns="http://schemas.microsoft.com/sharepoint/v3" xsi:nil="true"/>
-    <PublishingStartDate xmlns="http://schemas.microsoft.com/sharepoint/v3" xsi:nil="true"/>
-  </documentManagement>
-</p:properties>
 </file>
 
 <file path=customXml/itemProps1.xml><?xml version="1.0" encoding="utf-8"?>
@@ -10621,14 +10698,6 @@
 </file>
 
 <file path=customXml/itemProps2.xml><?xml version="1.0" encoding="utf-8"?>
-<ds:datastoreItem xmlns:ds="http://schemas.openxmlformats.org/officeDocument/2006/customXml" ds:itemID="{7898C6F1-02C7-4807-8DB1-44412B5FAC7D}">
-  <ds:schemaRefs>
-    <ds:schemaRef ds:uri="http://schemas.microsoft.com/sharepoint/v3/contenttype/forms"/>
-  </ds:schemaRefs>
-</ds:datastoreItem>
-</file>
-
-<file path=customXml/itemProps3.xml><?xml version="1.0" encoding="utf-8"?>
 <ds:datastoreItem xmlns:ds="http://schemas.openxmlformats.org/officeDocument/2006/customXml" ds:itemID="{0A6BADE1-4A4A-48A5-911B-5F6548B33A51}">
   <ds:schemaRefs>
     <ds:schemaRef ds:uri="http://schemas.microsoft.com/office/2006/documentManagement/types"/>
@@ -10642,4 +10711,12 @@
     <ds:schemaRef ds:uri="http://www.w3.org/XML/1998/namespace"/>
   </ds:schemaRefs>
 </ds:datastoreItem>
+</file>
+
+<file path=customXml/itemProps3.xml><?xml version="1.0" encoding="utf-8"?>
+<ds:datastoreItem xmlns:ds="http://schemas.openxmlformats.org/officeDocument/2006/customXml" ds:itemID="{7898C6F1-02C7-4807-8DB1-44412B5FAC7D}">
+  <ds:schemaRefs>
+    <ds:schemaRef ds:uri="http://schemas.microsoft.com/sharepoint/v3/contenttype/forms"/>
+  </ds:schemaRefs>
+</ds:datastoreItem>
 </file>
--- a/source/lessons/lsn7/Lsn7.pptx
+++ b/source/lessons/lsn7/Lsn7.pptx
@@ -6,10 +6,10 @@
     <p:sldMasterId id="2147483775" r:id="rId5"/>
   </p:sldMasterIdLst>
   <p:notesMasterIdLst>
-    <p:notesMasterId r:id="rId19"/>
+    <p:notesMasterId r:id="rId20"/>
   </p:notesMasterIdLst>
   <p:handoutMasterIdLst>
-    <p:handoutMasterId r:id="rId20"/>
+    <p:handoutMasterId r:id="rId21"/>
   </p:handoutMasterIdLst>
   <p:sldIdLst>
     <p:sldId id="286" r:id="rId6"/>
@@ -23,8 +23,9 @@
     <p:sldId id="289" r:id="rId14"/>
     <p:sldId id="298" r:id="rId15"/>
     <p:sldId id="301" r:id="rId16"/>
-    <p:sldId id="300" r:id="rId17"/>
-    <p:sldId id="302" r:id="rId18"/>
+    <p:sldId id="303" r:id="rId17"/>
+    <p:sldId id="300" r:id="rId18"/>
+    <p:sldId id="302" r:id="rId19"/>
   </p:sldIdLst>
   <p:sldSz cx="9144000" cy="6858000" type="screen4x3"/>
   <p:notesSz cx="7010400" cy="9296400"/>
@@ -4542,6 +4543,1186 @@
           <a:p>
             <a:r>
               <a:rPr lang="en-US" dirty="0" smtClean="0"/>
+              <a:t>Continuous Integration</a:t>
+            </a:r>
+            <a:endParaRPr lang="en-US" dirty="0"/>
+          </a:p>
+        </p:txBody>
+      </p:sp>
+      <p:sp>
+        <p:nvSpPr>
+          <p:cNvPr id="3" name="Content Placeholder 2"/>
+          <p:cNvSpPr>
+            <a:spLocks noGrp="1"/>
+          </p:cNvSpPr>
+          <p:nvPr>
+            <p:ph idx="1"/>
+          </p:nvPr>
+        </p:nvSpPr>
+        <p:spPr/>
+        <p:txBody>
+          <a:bodyPr/>
+          <a:lstStyle/>
+          <a:p>
+            <a:r>
+              <a:rPr lang="en-US" dirty="0" smtClean="0"/>
+              <a:t>Real programmers use CI</a:t>
+            </a:r>
+            <a:endParaRPr lang="en-US" dirty="0"/>
+          </a:p>
+        </p:txBody>
+      </p:sp>
+      <p:pic>
+        <p:nvPicPr>
+          <p:cNvPr id="4" name="Picture 3"/>
+          <p:cNvPicPr>
+            <a:picLocks noChangeAspect="1"/>
+          </p:cNvPicPr>
+          <p:nvPr/>
+        </p:nvPicPr>
+        <p:blipFill>
+          <a:blip r:embed="rId2"/>
+          <a:stretch>
+            <a:fillRect/>
+          </a:stretch>
+        </p:blipFill>
+        <p:spPr>
+          <a:xfrm>
+            <a:off x="1727199" y="1981501"/>
+            <a:ext cx="5003801" cy="4253673"/>
+          </a:xfrm>
+          <a:prstGeom prst="rect">
+            <a:avLst/>
+          </a:prstGeom>
+        </p:spPr>
+      </p:pic>
+      <p:sp>
+        <p:nvSpPr>
+          <p:cNvPr id="5" name="Rectangular Callout 4"/>
+          <p:cNvSpPr/>
+          <p:nvPr/>
+        </p:nvSpPr>
+        <p:spPr bwMode="auto">
+          <a:xfrm>
+            <a:off x="7010400" y="2971800"/>
+            <a:ext cx="1859280" cy="948267"/>
+          </a:xfrm>
+          <a:prstGeom prst="wedgeRectCallout">
+            <a:avLst>
+              <a:gd name="adj1" fmla="val -79576"/>
+              <a:gd name="adj2" fmla="val -5357"/>
+            </a:avLst>
+          </a:prstGeom>
+          <a:solidFill>
+            <a:srgbClr val="FFFF00"/>
+          </a:solidFill>
+          <a:ln w="12700" cap="flat" cmpd="sng" algn="ctr">
+            <a:solidFill>
+              <a:schemeClr val="tx1"/>
+            </a:solidFill>
+            <a:prstDash val="solid"/>
+            <a:round/>
+            <a:headEnd type="none" w="med" len="med"/>
+            <a:tailEnd type="none" w="med" len="med"/>
+          </a:ln>
+          <a:effectLst/>
+        </p:spPr>
+        <p:txBody>
+          <a:bodyPr vert="horz" wrap="square" lIns="91440" tIns="45720" rIns="91440" bIns="45720" numCol="1" rtlCol="0" anchor="t" anchorCtr="0" compatLnSpc="1">
+            <a:prstTxWarp prst="textNoShape">
+              <a:avLst/>
+            </a:prstTxWarp>
+          </a:bodyPr>
+          <a:lstStyle/>
+          <a:p>
+            <a:pPr marL="0" marR="0" indent="0" algn="ctr" defTabSz="914400" rtl="0" eaLnBrk="0" fontAlgn="base" latinLnBrk="0" hangingPunct="0">
+              <a:lnSpc>
+                <a:spcPct val="100000"/>
+              </a:lnSpc>
+              <a:spcBef>
+                <a:spcPct val="0"/>
+              </a:spcBef>
+              <a:spcAft>
+                <a:spcPct val="0"/>
+              </a:spcAft>
+              <a:buClrTx/>
+              <a:buSzTx/>
+              <a:buFontTx/>
+              <a:buNone/>
+              <a:tabLst/>
+            </a:pPr>
+            <a:r>
+              <a:rPr kumimoji="0" lang="en-US" sz="1600" b="0" i="0" u="none" strike="noStrike" cap="none" normalizeH="0" baseline="0" dirty="0" smtClean="0">
+                <a:ln>
+                  <a:noFill/>
+                </a:ln>
+                <a:solidFill>
+                  <a:schemeClr val="tx1"/>
+                </a:solidFill>
+                <a:effectLst/>
+                <a:latin typeface="Arial" charset="0"/>
+              </a:rPr>
+              <a:t>Automated</a:t>
+            </a:r>
+            <a:r>
+              <a:rPr kumimoji="0" lang="en-US" sz="1600" b="0" i="0" u="none" strike="noStrike" cap="none" normalizeH="0" dirty="0" smtClean="0">
+                <a:ln>
+                  <a:noFill/>
+                </a:ln>
+                <a:solidFill>
+                  <a:schemeClr val="tx1"/>
+                </a:solidFill>
+                <a:effectLst/>
+                <a:latin typeface="Arial" charset="0"/>
+              </a:rPr>
+              <a:t> metrics on unit test coverage</a:t>
+            </a:r>
+            <a:endParaRPr kumimoji="0" lang="en-US" sz="1600" b="0" i="0" u="none" strike="noStrike" cap="none" normalizeH="0" baseline="0" dirty="0" smtClean="0">
+              <a:ln>
+                <a:noFill/>
+              </a:ln>
+              <a:solidFill>
+                <a:schemeClr val="tx1"/>
+              </a:solidFill>
+              <a:effectLst/>
+              <a:latin typeface="Arial" charset="0"/>
+            </a:endParaRPr>
+          </a:p>
+        </p:txBody>
+      </p:sp>
+      <p:sp>
+        <p:nvSpPr>
+          <p:cNvPr id="6" name="Rectangular Callout 5"/>
+          <p:cNvSpPr/>
+          <p:nvPr/>
+        </p:nvSpPr>
+        <p:spPr bwMode="auto">
+          <a:xfrm>
+            <a:off x="365760" y="5140113"/>
+            <a:ext cx="3520440" cy="948267"/>
+          </a:xfrm>
+          <a:prstGeom prst="wedgeRectCallout">
+            <a:avLst>
+              <a:gd name="adj1" fmla="val 16142"/>
+              <a:gd name="adj2" fmla="val -92857"/>
+            </a:avLst>
+          </a:prstGeom>
+          <a:solidFill>
+            <a:srgbClr val="FFFF00"/>
+          </a:solidFill>
+          <a:ln w="12700" cap="flat" cmpd="sng" algn="ctr">
+            <a:solidFill>
+              <a:schemeClr val="tx1"/>
+            </a:solidFill>
+            <a:prstDash val="solid"/>
+            <a:round/>
+            <a:headEnd type="none" w="med" len="med"/>
+            <a:tailEnd type="none" w="med" len="med"/>
+          </a:ln>
+          <a:effectLst/>
+        </p:spPr>
+        <p:txBody>
+          <a:bodyPr vert="horz" wrap="square" lIns="91440" tIns="45720" rIns="91440" bIns="45720" numCol="1" rtlCol="0" anchor="t" anchorCtr="0" compatLnSpc="1">
+            <a:prstTxWarp prst="textNoShape">
+              <a:avLst/>
+            </a:prstTxWarp>
+          </a:bodyPr>
+          <a:lstStyle/>
+          <a:p>
+            <a:pPr marL="0" marR="0" indent="0" algn="ctr" defTabSz="914400" rtl="0" eaLnBrk="0" fontAlgn="base" latinLnBrk="0" hangingPunct="0">
+              <a:lnSpc>
+                <a:spcPct val="100000"/>
+              </a:lnSpc>
+              <a:spcBef>
+                <a:spcPct val="0"/>
+              </a:spcBef>
+              <a:spcAft>
+                <a:spcPct val="0"/>
+              </a:spcAft>
+              <a:buClrTx/>
+              <a:buSzTx/>
+              <a:buFontTx/>
+              <a:buNone/>
+              <a:tabLst/>
+            </a:pPr>
+            <a:r>
+              <a:rPr kumimoji="0" lang="en-US" sz="1600" b="0" i="0" u="none" strike="noStrike" cap="none" normalizeH="0" baseline="0" dirty="0" smtClean="0">
+                <a:ln>
+                  <a:noFill/>
+                </a:ln>
+                <a:solidFill>
+                  <a:schemeClr val="tx1"/>
+                </a:solidFill>
+                <a:effectLst/>
+                <a:latin typeface="Arial" charset="0"/>
+              </a:rPr>
+              <a:t>Automated</a:t>
+            </a:r>
+            <a:r>
+              <a:rPr kumimoji="0" lang="en-US" sz="1600" b="0" i="0" u="none" strike="noStrike" cap="none" normalizeH="0" dirty="0" smtClean="0">
+                <a:ln>
+                  <a:noFill/>
+                </a:ln>
+                <a:solidFill>
+                  <a:schemeClr val="tx1"/>
+                </a:solidFill>
+                <a:effectLst/>
+                <a:latin typeface="Arial" charset="0"/>
+              </a:rPr>
+              <a:t> linters designed to look for common programming errors and security vulnerabilities</a:t>
+            </a:r>
+            <a:endParaRPr kumimoji="0" lang="en-US" sz="1600" b="0" i="0" u="none" strike="noStrike" cap="none" normalizeH="0" baseline="0" dirty="0" smtClean="0">
+              <a:ln>
+                <a:noFill/>
+              </a:ln>
+              <a:solidFill>
+                <a:schemeClr val="tx1"/>
+              </a:solidFill>
+              <a:effectLst/>
+              <a:latin typeface="Arial" charset="0"/>
+            </a:endParaRPr>
+          </a:p>
+        </p:txBody>
+      </p:sp>
+      <p:sp>
+        <p:nvSpPr>
+          <p:cNvPr id="7" name="Rectangular Callout 6"/>
+          <p:cNvSpPr/>
+          <p:nvPr/>
+        </p:nvSpPr>
+        <p:spPr bwMode="auto">
+          <a:xfrm>
+            <a:off x="5011419" y="1651846"/>
+            <a:ext cx="3081019" cy="948267"/>
+          </a:xfrm>
+          <a:prstGeom prst="wedgeRectCallout">
+            <a:avLst>
+              <a:gd name="adj1" fmla="val -45423"/>
+              <a:gd name="adj2" fmla="val 107143"/>
+            </a:avLst>
+          </a:prstGeom>
+          <a:solidFill>
+            <a:srgbClr val="FFFF00"/>
+          </a:solidFill>
+          <a:ln w="12700" cap="flat" cmpd="sng" algn="ctr">
+            <a:solidFill>
+              <a:schemeClr val="tx1"/>
+            </a:solidFill>
+            <a:prstDash val="solid"/>
+            <a:round/>
+            <a:headEnd type="none" w="med" len="med"/>
+            <a:tailEnd type="none" w="med" len="med"/>
+          </a:ln>
+          <a:effectLst/>
+        </p:spPr>
+        <p:txBody>
+          <a:bodyPr vert="horz" wrap="square" lIns="91440" tIns="45720" rIns="91440" bIns="45720" numCol="1" rtlCol="0" anchor="t" anchorCtr="0" compatLnSpc="1">
+            <a:prstTxWarp prst="textNoShape">
+              <a:avLst/>
+            </a:prstTxWarp>
+          </a:bodyPr>
+          <a:lstStyle/>
+          <a:p>
+            <a:pPr marL="0" marR="0" indent="0" algn="ctr" defTabSz="914400" rtl="0" eaLnBrk="0" fontAlgn="base" latinLnBrk="0" hangingPunct="0">
+              <a:lnSpc>
+                <a:spcPct val="100000"/>
+              </a:lnSpc>
+              <a:spcBef>
+                <a:spcPct val="0"/>
+              </a:spcBef>
+              <a:spcAft>
+                <a:spcPct val="0"/>
+              </a:spcAft>
+              <a:buClrTx/>
+              <a:buSzTx/>
+              <a:buFontTx/>
+              <a:buNone/>
+              <a:tabLst/>
+            </a:pPr>
+            <a:r>
+              <a:rPr kumimoji="0" lang="en-US" sz="1600" b="0" i="0" u="none" strike="noStrike" cap="none" normalizeH="0" baseline="0" dirty="0" smtClean="0">
+                <a:ln>
+                  <a:noFill/>
+                </a:ln>
+                <a:solidFill>
+                  <a:schemeClr val="tx1"/>
+                </a:solidFill>
+                <a:effectLst/>
+                <a:latin typeface="Arial" charset="0"/>
+              </a:rPr>
+              <a:t>Automated</a:t>
+            </a:r>
+            <a:r>
+              <a:rPr kumimoji="0" lang="en-US" sz="1600" b="0" i="0" u="none" strike="noStrike" cap="none" normalizeH="0" dirty="0" smtClean="0">
+                <a:ln>
+                  <a:noFill/>
+                </a:ln>
+                <a:solidFill>
+                  <a:schemeClr val="tx1"/>
+                </a:solidFill>
+                <a:effectLst/>
+                <a:latin typeface="Arial" charset="0"/>
+              </a:rPr>
+              <a:t> metrics to help you understand where your issues/bugs are coming from</a:t>
+            </a:r>
+            <a:endParaRPr kumimoji="0" lang="en-US" sz="1600" b="0" i="0" u="none" strike="noStrike" cap="none" normalizeH="0" baseline="0" dirty="0" smtClean="0">
+              <a:ln>
+                <a:noFill/>
+              </a:ln>
+              <a:solidFill>
+                <a:schemeClr val="tx1"/>
+              </a:solidFill>
+              <a:effectLst/>
+              <a:latin typeface="Arial" charset="0"/>
+            </a:endParaRPr>
+          </a:p>
+        </p:txBody>
+      </p:sp>
+      <p:sp>
+        <p:nvSpPr>
+          <p:cNvPr id="8" name="Oval 7"/>
+          <p:cNvSpPr/>
+          <p:nvPr/>
+        </p:nvSpPr>
+        <p:spPr bwMode="auto">
+          <a:xfrm>
+            <a:off x="135467" y="3777506"/>
+            <a:ext cx="1161626" cy="1159933"/>
+          </a:xfrm>
+          <a:prstGeom prst="ellipse">
+            <a:avLst/>
+          </a:prstGeom>
+          <a:solidFill>
+            <a:schemeClr val="accent1"/>
+          </a:solidFill>
+          <a:ln w="12700" cap="flat" cmpd="sng" algn="ctr">
+            <a:solidFill>
+              <a:schemeClr val="tx1"/>
+            </a:solidFill>
+            <a:prstDash val="solid"/>
+            <a:round/>
+            <a:headEnd type="none" w="med" len="med"/>
+            <a:tailEnd type="none" w="med" len="med"/>
+          </a:ln>
+          <a:effectLst/>
+        </p:spPr>
+        <p:txBody>
+          <a:bodyPr vert="horz" wrap="square" lIns="91440" tIns="45720" rIns="91440" bIns="45720" numCol="1" rtlCol="0" anchor="t" anchorCtr="0" compatLnSpc="1">
+            <a:prstTxWarp prst="textNoShape">
+              <a:avLst/>
+            </a:prstTxWarp>
+          </a:bodyPr>
+          <a:lstStyle/>
+          <a:p>
+            <a:pPr marL="0" marR="0" indent="0" algn="ctr" defTabSz="914400" rtl="0" eaLnBrk="0" fontAlgn="base" latinLnBrk="0" hangingPunct="0">
+              <a:lnSpc>
+                <a:spcPct val="100000"/>
+              </a:lnSpc>
+              <a:spcBef>
+                <a:spcPct val="0"/>
+              </a:spcBef>
+              <a:spcAft>
+                <a:spcPct val="0"/>
+              </a:spcAft>
+              <a:buClrTx/>
+              <a:buSzTx/>
+              <a:buFontTx/>
+              <a:buNone/>
+              <a:tabLst/>
+            </a:pPr>
+            <a:r>
+              <a:rPr kumimoji="0" lang="en-US" sz="1600" b="0" i="0" u="none" strike="noStrike" cap="none" normalizeH="0" baseline="0" dirty="0" smtClean="0">
+                <a:ln>
+                  <a:noFill/>
+                </a:ln>
+                <a:solidFill>
+                  <a:schemeClr val="tx1"/>
+                </a:solidFill>
+                <a:effectLst/>
+                <a:latin typeface="Arial" charset="0"/>
+              </a:rPr>
+              <a:t>You push to repo</a:t>
+            </a:r>
+            <a:endParaRPr kumimoji="0" lang="en-US" sz="1600" b="0" i="0" u="none" strike="noStrike" cap="none" normalizeH="0" baseline="0" dirty="0" smtClean="0">
+              <a:ln>
+                <a:noFill/>
+              </a:ln>
+              <a:solidFill>
+                <a:schemeClr val="tx1"/>
+              </a:solidFill>
+              <a:effectLst/>
+              <a:latin typeface="Arial" charset="0"/>
+            </a:endParaRPr>
+          </a:p>
+        </p:txBody>
+      </p:sp>
+      <p:sp>
+        <p:nvSpPr>
+          <p:cNvPr id="9" name="Oval 8"/>
+          <p:cNvSpPr/>
+          <p:nvPr/>
+        </p:nvSpPr>
+        <p:spPr bwMode="auto">
+          <a:xfrm>
+            <a:off x="135467" y="2176355"/>
+            <a:ext cx="1170092" cy="1125221"/>
+          </a:xfrm>
+          <a:prstGeom prst="ellipse">
+            <a:avLst/>
+          </a:prstGeom>
+          <a:solidFill>
+            <a:schemeClr val="accent1">
+              <a:lumMod val="50000"/>
+            </a:schemeClr>
+          </a:solidFill>
+          <a:ln w="12700" cap="flat" cmpd="sng" algn="ctr">
+            <a:solidFill>
+              <a:schemeClr val="tx1"/>
+            </a:solidFill>
+            <a:prstDash val="solid"/>
+            <a:round/>
+            <a:headEnd type="none" w="med" len="med"/>
+            <a:tailEnd type="none" w="med" len="med"/>
+          </a:ln>
+          <a:effectLst/>
+        </p:spPr>
+        <p:txBody>
+          <a:bodyPr vert="horz" wrap="square" lIns="91440" tIns="45720" rIns="91440" bIns="45720" numCol="1" rtlCol="0" anchor="t" anchorCtr="0" compatLnSpc="1">
+            <a:prstTxWarp prst="textNoShape">
+              <a:avLst/>
+            </a:prstTxWarp>
+          </a:bodyPr>
+          <a:lstStyle/>
+          <a:p>
+            <a:pPr marL="0" marR="0" indent="0" algn="ctr" defTabSz="914400" rtl="0" eaLnBrk="0" fontAlgn="base" latinLnBrk="0" hangingPunct="0">
+              <a:lnSpc>
+                <a:spcPct val="100000"/>
+              </a:lnSpc>
+              <a:spcBef>
+                <a:spcPct val="0"/>
+              </a:spcBef>
+              <a:spcAft>
+                <a:spcPct val="0"/>
+              </a:spcAft>
+              <a:buClrTx/>
+              <a:buSzTx/>
+              <a:buFontTx/>
+              <a:buNone/>
+              <a:tabLst/>
+            </a:pPr>
+            <a:r>
+              <a:rPr lang="en-US" sz="1600" dirty="0" err="1"/>
+              <a:t>g</a:t>
+            </a:r>
+            <a:r>
+              <a:rPr kumimoji="0" lang="en-US" sz="1600" b="0" i="0" u="none" strike="noStrike" cap="none" normalizeH="0" baseline="0" dirty="0" err="1" smtClean="0">
+                <a:ln>
+                  <a:noFill/>
+                </a:ln>
+                <a:solidFill>
+                  <a:schemeClr val="tx1"/>
+                </a:solidFill>
+                <a:effectLst/>
+                <a:latin typeface="Arial" charset="0"/>
+              </a:rPr>
+              <a:t>it</a:t>
+            </a:r>
+            <a:r>
+              <a:rPr kumimoji="0" lang="en-US" sz="1600" b="0" i="0" u="none" strike="noStrike" cap="none" normalizeH="0" baseline="0" dirty="0" smtClean="0">
+                <a:ln>
+                  <a:noFill/>
+                </a:ln>
+                <a:solidFill>
+                  <a:schemeClr val="tx1"/>
+                </a:solidFill>
+                <a:effectLst/>
+                <a:latin typeface="Arial" charset="0"/>
+              </a:rPr>
+              <a:t> hooks run CI</a:t>
+            </a:r>
+            <a:endParaRPr kumimoji="0" lang="en-US" sz="1600" b="0" i="0" u="none" strike="noStrike" cap="none" normalizeH="0" baseline="0" dirty="0" smtClean="0">
+              <a:ln>
+                <a:noFill/>
+              </a:ln>
+              <a:solidFill>
+                <a:schemeClr val="tx1"/>
+              </a:solidFill>
+              <a:effectLst/>
+              <a:latin typeface="Arial" charset="0"/>
+            </a:endParaRPr>
+          </a:p>
+        </p:txBody>
+      </p:sp>
+      <p:sp>
+        <p:nvSpPr>
+          <p:cNvPr id="10" name="Up Arrow 9"/>
+          <p:cNvSpPr/>
+          <p:nvPr/>
+        </p:nvSpPr>
+        <p:spPr bwMode="auto">
+          <a:xfrm>
+            <a:off x="480060" y="3414921"/>
+            <a:ext cx="472440" cy="271145"/>
+          </a:xfrm>
+          <a:prstGeom prst="upArrow">
+            <a:avLst/>
+          </a:prstGeom>
+          <a:solidFill>
+            <a:srgbClr val="0C2D83"/>
+          </a:solidFill>
+          <a:ln w="12700" cap="flat" cmpd="sng" algn="ctr">
+            <a:solidFill>
+              <a:schemeClr val="tx1"/>
+            </a:solidFill>
+            <a:prstDash val="solid"/>
+            <a:round/>
+            <a:headEnd type="none" w="med" len="med"/>
+            <a:tailEnd type="none" w="med" len="med"/>
+          </a:ln>
+          <a:effectLst/>
+        </p:spPr>
+        <p:txBody>
+          <a:bodyPr vert="horz" wrap="square" lIns="91440" tIns="45720" rIns="91440" bIns="45720" numCol="1" rtlCol="0" anchor="t" anchorCtr="0" compatLnSpc="1">
+            <a:prstTxWarp prst="textNoShape">
+              <a:avLst/>
+            </a:prstTxWarp>
+          </a:bodyPr>
+          <a:lstStyle/>
+          <a:p>
+            <a:pPr marL="0" marR="0" indent="0" algn="ctr" defTabSz="914400" rtl="0" eaLnBrk="0" fontAlgn="base" latinLnBrk="0" hangingPunct="0">
+              <a:lnSpc>
+                <a:spcPct val="100000"/>
+              </a:lnSpc>
+              <a:spcBef>
+                <a:spcPct val="0"/>
+              </a:spcBef>
+              <a:spcAft>
+                <a:spcPct val="0"/>
+              </a:spcAft>
+              <a:buClrTx/>
+              <a:buSzTx/>
+              <a:buFontTx/>
+              <a:buNone/>
+              <a:tabLst/>
+            </a:pPr>
+            <a:endParaRPr kumimoji="0" lang="en-US" sz="1600" b="0" i="0" u="none" strike="noStrike" cap="none" normalizeH="0" baseline="0" smtClean="0">
+              <a:ln>
+                <a:noFill/>
+              </a:ln>
+              <a:solidFill>
+                <a:schemeClr val="tx1"/>
+              </a:solidFill>
+              <a:effectLst/>
+              <a:latin typeface="Arial" charset="0"/>
+            </a:endParaRPr>
+          </a:p>
+        </p:txBody>
+      </p:sp>
+      <p:sp>
+        <p:nvSpPr>
+          <p:cNvPr id="11" name="Right Arrow 10"/>
+          <p:cNvSpPr/>
+          <p:nvPr/>
+        </p:nvSpPr>
+        <p:spPr bwMode="auto">
+          <a:xfrm>
+            <a:off x="1375833" y="2553121"/>
+            <a:ext cx="351366" cy="371687"/>
+          </a:xfrm>
+          <a:prstGeom prst="rightArrow">
+            <a:avLst/>
+          </a:prstGeom>
+          <a:solidFill>
+            <a:srgbClr val="0C2D83"/>
+          </a:solidFill>
+          <a:ln w="12700" cap="flat" cmpd="sng" algn="ctr">
+            <a:solidFill>
+              <a:schemeClr val="tx1"/>
+            </a:solidFill>
+            <a:prstDash val="solid"/>
+            <a:round/>
+            <a:headEnd type="none" w="med" len="med"/>
+            <a:tailEnd type="none" w="med" len="med"/>
+          </a:ln>
+          <a:effectLst/>
+        </p:spPr>
+        <p:txBody>
+          <a:bodyPr vert="horz" wrap="square" lIns="91440" tIns="45720" rIns="91440" bIns="45720" numCol="1" rtlCol="0" anchor="t" anchorCtr="0" compatLnSpc="1">
+            <a:prstTxWarp prst="textNoShape">
+              <a:avLst/>
+            </a:prstTxWarp>
+          </a:bodyPr>
+          <a:lstStyle/>
+          <a:p>
+            <a:pPr marL="0" marR="0" indent="0" algn="ctr" defTabSz="914400" rtl="0" eaLnBrk="0" fontAlgn="base" latinLnBrk="0" hangingPunct="0">
+              <a:lnSpc>
+                <a:spcPct val="100000"/>
+              </a:lnSpc>
+              <a:spcBef>
+                <a:spcPct val="0"/>
+              </a:spcBef>
+              <a:spcAft>
+                <a:spcPct val="0"/>
+              </a:spcAft>
+              <a:buClrTx/>
+              <a:buSzTx/>
+              <a:buFontTx/>
+              <a:buNone/>
+              <a:tabLst/>
+            </a:pPr>
+            <a:endParaRPr kumimoji="0" lang="en-US" sz="1600" b="0" i="0" u="none" strike="noStrike" cap="none" normalizeH="0" baseline="0" smtClean="0">
+              <a:ln>
+                <a:noFill/>
+              </a:ln>
+              <a:solidFill>
+                <a:schemeClr val="tx1"/>
+              </a:solidFill>
+              <a:effectLst/>
+              <a:latin typeface="Arial" charset="0"/>
+            </a:endParaRPr>
+          </a:p>
+        </p:txBody>
+      </p:sp>
+      <p:sp>
+        <p:nvSpPr>
+          <p:cNvPr id="12" name="Rounded Rectangle 11"/>
+          <p:cNvSpPr/>
+          <p:nvPr/>
+        </p:nvSpPr>
+        <p:spPr bwMode="auto">
+          <a:xfrm>
+            <a:off x="5994399" y="5149748"/>
+            <a:ext cx="3022600" cy="1384922"/>
+          </a:xfrm>
+          <a:prstGeom prst="roundRect">
+            <a:avLst/>
+          </a:prstGeom>
+          <a:solidFill>
+            <a:srgbClr val="0C2D83"/>
+          </a:solidFill>
+          <a:ln w="12700" cap="flat" cmpd="sng" algn="ctr">
+            <a:solidFill>
+              <a:schemeClr val="tx1"/>
+            </a:solidFill>
+            <a:prstDash val="solid"/>
+            <a:round/>
+            <a:headEnd type="none" w="med" len="med"/>
+            <a:tailEnd type="none" w="med" len="med"/>
+          </a:ln>
+          <a:effectLst/>
+        </p:spPr>
+        <p:txBody>
+          <a:bodyPr vert="horz" wrap="square" lIns="91440" tIns="45720" rIns="91440" bIns="45720" numCol="1" rtlCol="0" anchor="t" anchorCtr="0" compatLnSpc="1">
+            <a:prstTxWarp prst="textNoShape">
+              <a:avLst/>
+            </a:prstTxWarp>
+          </a:bodyPr>
+          <a:lstStyle/>
+          <a:p>
+            <a:pPr marL="0" marR="0" indent="0" algn="ctr" defTabSz="914400" rtl="0" eaLnBrk="0" fontAlgn="base" latinLnBrk="0" hangingPunct="0">
+              <a:lnSpc>
+                <a:spcPct val="100000"/>
+              </a:lnSpc>
+              <a:spcBef>
+                <a:spcPct val="0"/>
+              </a:spcBef>
+              <a:spcAft>
+                <a:spcPct val="0"/>
+              </a:spcAft>
+              <a:buClrTx/>
+              <a:buSzTx/>
+              <a:buFontTx/>
+              <a:buNone/>
+              <a:tabLst/>
+            </a:pPr>
+            <a:r>
+              <a:rPr kumimoji="0" lang="en-US" sz="1600" b="0" i="0" u="none" strike="noStrike" cap="none" normalizeH="0" baseline="0" dirty="0" smtClean="0">
+                <a:ln>
+                  <a:noFill/>
+                </a:ln>
+                <a:solidFill>
+                  <a:schemeClr val="bg1"/>
+                </a:solidFill>
+                <a:effectLst/>
+                <a:latin typeface="Arial" charset="0"/>
+              </a:rPr>
+              <a:t>Unfortunately</a:t>
+            </a:r>
+            <a:r>
+              <a:rPr kumimoji="0" lang="en-US" sz="1600" b="0" i="0" u="none" strike="noStrike" cap="none" normalizeH="0" dirty="0" smtClean="0">
+                <a:ln>
+                  <a:noFill/>
+                </a:ln>
+                <a:solidFill>
+                  <a:schemeClr val="bg1"/>
+                </a:solidFill>
+                <a:effectLst/>
+                <a:latin typeface="Arial" charset="0"/>
+              </a:rPr>
+              <a:t> these typically do not support assembly, just higher level languages like C/C++, python, ruby, </a:t>
+            </a:r>
+            <a:r>
+              <a:rPr kumimoji="0" lang="en-US" sz="1600" b="0" i="0" u="none" strike="noStrike" cap="none" normalizeH="0" dirty="0" err="1" smtClean="0">
+                <a:ln>
+                  <a:noFill/>
+                </a:ln>
+                <a:solidFill>
+                  <a:schemeClr val="bg1"/>
+                </a:solidFill>
+                <a:effectLst/>
+                <a:latin typeface="Arial" charset="0"/>
+              </a:rPr>
+              <a:t>javascript</a:t>
+            </a:r>
+            <a:r>
+              <a:rPr kumimoji="0" lang="en-US" sz="1600" b="0" i="0" u="none" strike="noStrike" cap="none" normalizeH="0" dirty="0" smtClean="0">
+                <a:ln>
+                  <a:noFill/>
+                </a:ln>
+                <a:solidFill>
+                  <a:schemeClr val="bg1"/>
+                </a:solidFill>
+                <a:effectLst/>
+                <a:latin typeface="Arial" charset="0"/>
+              </a:rPr>
+              <a:t>, go, </a:t>
+            </a:r>
+            <a:r>
+              <a:rPr kumimoji="0" lang="en-US" sz="1600" b="0" i="0" u="none" strike="noStrike" cap="none" normalizeH="0" dirty="0" err="1" smtClean="0">
+                <a:ln>
+                  <a:noFill/>
+                </a:ln>
+                <a:solidFill>
+                  <a:schemeClr val="bg1"/>
+                </a:solidFill>
+                <a:effectLst/>
+                <a:latin typeface="Arial" charset="0"/>
+              </a:rPr>
+              <a:t>etc</a:t>
+            </a:r>
+            <a:endParaRPr kumimoji="0" lang="en-US" sz="1600" b="0" i="0" u="none" strike="noStrike" cap="none" normalizeH="0" baseline="0" dirty="0" smtClean="0">
+              <a:ln>
+                <a:noFill/>
+              </a:ln>
+              <a:solidFill>
+                <a:schemeClr val="bg1"/>
+              </a:solidFill>
+              <a:effectLst/>
+              <a:latin typeface="Arial" charset="0"/>
+            </a:endParaRPr>
+          </a:p>
+        </p:txBody>
+      </p:sp>
+    </p:spTree>
+    <p:extLst>
+      <p:ext uri="{BB962C8B-B14F-4D97-AF65-F5344CB8AC3E}">
+        <p14:creationId xmlns:p14="http://schemas.microsoft.com/office/powerpoint/2010/main" val="2426176477"/>
+      </p:ext>
+    </p:extLst>
+  </p:cSld>
+  <p:clrMapOvr>
+    <a:masterClrMapping/>
+  </p:clrMapOvr>
+  <p:timing>
+    <p:tnLst>
+      <p:par>
+        <p:cTn id="1" dur="indefinite" restart="never" nodeType="tmRoot">
+          <p:childTnLst>
+            <p:seq concurrent="1" nextAc="seek">
+              <p:cTn id="2" dur="indefinite" nodeType="mainSeq">
+                <p:childTnLst>
+                  <p:par>
+                    <p:cTn id="3" fill="hold">
+                      <p:stCondLst>
+                        <p:cond delay="indefinite"/>
+                      </p:stCondLst>
+                      <p:childTnLst>
+                        <p:par>
+                          <p:cTn id="4" fill="hold">
+                            <p:stCondLst>
+                              <p:cond delay="0"/>
+                            </p:stCondLst>
+                            <p:childTnLst>
+                              <p:par>
+                                <p:cTn id="5" presetID="1" presetClass="entr" presetSubtype="0" fill="hold" grpId="0" nodeType="clickEffect">
+                                  <p:stCondLst>
+                                    <p:cond delay="0"/>
+                                  </p:stCondLst>
+                                  <p:childTnLst>
+                                    <p:set>
+                                      <p:cBhvr>
+                                        <p:cTn id="6" dur="1" fill="hold">
+                                          <p:stCondLst>
+                                            <p:cond delay="0"/>
+                                          </p:stCondLst>
+                                        </p:cTn>
+                                        <p:tgtEl>
+                                          <p:spTgt spid="10"/>
+                                        </p:tgtEl>
+                                        <p:attrNameLst>
+                                          <p:attrName>style.visibility</p:attrName>
+                                        </p:attrNameLst>
+                                      </p:cBhvr>
+                                      <p:to>
+                                        <p:strVal val="visible"/>
+                                      </p:to>
+                                    </p:set>
+                                  </p:childTnLst>
+                                </p:cTn>
+                              </p:par>
+                            </p:childTnLst>
+                          </p:cTn>
+                        </p:par>
+                      </p:childTnLst>
+                    </p:cTn>
+                  </p:par>
+                  <p:par>
+                    <p:cTn id="7" fill="hold">
+                      <p:stCondLst>
+                        <p:cond delay="indefinite"/>
+                      </p:stCondLst>
+                      <p:childTnLst>
+                        <p:par>
+                          <p:cTn id="8" fill="hold">
+                            <p:stCondLst>
+                              <p:cond delay="0"/>
+                            </p:stCondLst>
+                            <p:childTnLst>
+                              <p:par>
+                                <p:cTn id="9" presetID="1" presetClass="entr" presetSubtype="0" fill="hold" grpId="0" nodeType="clickEffect">
+                                  <p:stCondLst>
+                                    <p:cond delay="0"/>
+                                  </p:stCondLst>
+                                  <p:childTnLst>
+                                    <p:set>
+                                      <p:cBhvr>
+                                        <p:cTn id="10" dur="1" fill="hold">
+                                          <p:stCondLst>
+                                            <p:cond delay="0"/>
+                                          </p:stCondLst>
+                                        </p:cTn>
+                                        <p:tgtEl>
+                                          <p:spTgt spid="9"/>
+                                        </p:tgtEl>
+                                        <p:attrNameLst>
+                                          <p:attrName>style.visibility</p:attrName>
+                                        </p:attrNameLst>
+                                      </p:cBhvr>
+                                      <p:to>
+                                        <p:strVal val="visible"/>
+                                      </p:to>
+                                    </p:set>
+                                  </p:childTnLst>
+                                </p:cTn>
+                              </p:par>
+                            </p:childTnLst>
+                          </p:cTn>
+                        </p:par>
+                      </p:childTnLst>
+                    </p:cTn>
+                  </p:par>
+                  <p:par>
+                    <p:cTn id="11" fill="hold">
+                      <p:stCondLst>
+                        <p:cond delay="indefinite"/>
+                      </p:stCondLst>
+                      <p:childTnLst>
+                        <p:par>
+                          <p:cTn id="12" fill="hold">
+                            <p:stCondLst>
+                              <p:cond delay="0"/>
+                            </p:stCondLst>
+                            <p:childTnLst>
+                              <p:par>
+                                <p:cTn id="13" presetID="1" presetClass="entr" presetSubtype="0" fill="hold" grpId="0" nodeType="clickEffect">
+                                  <p:stCondLst>
+                                    <p:cond delay="0"/>
+                                  </p:stCondLst>
+                                  <p:childTnLst>
+                                    <p:set>
+                                      <p:cBhvr>
+                                        <p:cTn id="14" dur="1" fill="hold">
+                                          <p:stCondLst>
+                                            <p:cond delay="0"/>
+                                          </p:stCondLst>
+                                        </p:cTn>
+                                        <p:tgtEl>
+                                          <p:spTgt spid="11"/>
+                                        </p:tgtEl>
+                                        <p:attrNameLst>
+                                          <p:attrName>style.visibility</p:attrName>
+                                        </p:attrNameLst>
+                                      </p:cBhvr>
+                                      <p:to>
+                                        <p:strVal val="visible"/>
+                                      </p:to>
+                                    </p:set>
+                                  </p:childTnLst>
+                                </p:cTn>
+                              </p:par>
+                            </p:childTnLst>
+                          </p:cTn>
+                        </p:par>
+                      </p:childTnLst>
+                    </p:cTn>
+                  </p:par>
+                  <p:par>
+                    <p:cTn id="15" fill="hold">
+                      <p:stCondLst>
+                        <p:cond delay="indefinite"/>
+                      </p:stCondLst>
+                      <p:childTnLst>
+                        <p:par>
+                          <p:cTn id="16" fill="hold">
+                            <p:stCondLst>
+                              <p:cond delay="0"/>
+                            </p:stCondLst>
+                            <p:childTnLst>
+                              <p:par>
+                                <p:cTn id="17" presetID="1" presetClass="entr" presetSubtype="0" fill="hold" nodeType="clickEffect">
+                                  <p:stCondLst>
+                                    <p:cond delay="0"/>
+                                  </p:stCondLst>
+                                  <p:childTnLst>
+                                    <p:set>
+                                      <p:cBhvr>
+                                        <p:cTn id="18" dur="1" fill="hold">
+                                          <p:stCondLst>
+                                            <p:cond delay="0"/>
+                                          </p:stCondLst>
+                                        </p:cTn>
+                                        <p:tgtEl>
+                                          <p:spTgt spid="4"/>
+                                        </p:tgtEl>
+                                        <p:attrNameLst>
+                                          <p:attrName>style.visibility</p:attrName>
+                                        </p:attrNameLst>
+                                      </p:cBhvr>
+                                      <p:to>
+                                        <p:strVal val="visible"/>
+                                      </p:to>
+                                    </p:set>
+                                  </p:childTnLst>
+                                </p:cTn>
+                              </p:par>
+                            </p:childTnLst>
+                          </p:cTn>
+                        </p:par>
+                      </p:childTnLst>
+                    </p:cTn>
+                  </p:par>
+                  <p:par>
+                    <p:cTn id="19" fill="hold">
+                      <p:stCondLst>
+                        <p:cond delay="indefinite"/>
+                      </p:stCondLst>
+                      <p:childTnLst>
+                        <p:par>
+                          <p:cTn id="20" fill="hold">
+                            <p:stCondLst>
+                              <p:cond delay="0"/>
+                            </p:stCondLst>
+                            <p:childTnLst>
+                              <p:par>
+                                <p:cTn id="21" presetID="1" presetClass="entr" presetSubtype="0" fill="hold" grpId="0" nodeType="clickEffect">
+                                  <p:stCondLst>
+                                    <p:cond delay="0"/>
+                                  </p:stCondLst>
+                                  <p:childTnLst>
+                                    <p:set>
+                                      <p:cBhvr>
+                                        <p:cTn id="22" dur="1" fill="hold">
+                                          <p:stCondLst>
+                                            <p:cond delay="0"/>
+                                          </p:stCondLst>
+                                        </p:cTn>
+                                        <p:tgtEl>
+                                          <p:spTgt spid="6"/>
+                                        </p:tgtEl>
+                                        <p:attrNameLst>
+                                          <p:attrName>style.visibility</p:attrName>
+                                        </p:attrNameLst>
+                                      </p:cBhvr>
+                                      <p:to>
+                                        <p:strVal val="visible"/>
+                                      </p:to>
+                                    </p:set>
+                                  </p:childTnLst>
+                                </p:cTn>
+                              </p:par>
+                              <p:par>
+                                <p:cTn id="23" presetID="1" presetClass="entr" presetSubtype="0" fill="hold" grpId="0" nodeType="withEffect">
+                                  <p:stCondLst>
+                                    <p:cond delay="0"/>
+                                  </p:stCondLst>
+                                  <p:childTnLst>
+                                    <p:set>
+                                      <p:cBhvr>
+                                        <p:cTn id="24" dur="1" fill="hold">
+                                          <p:stCondLst>
+                                            <p:cond delay="0"/>
+                                          </p:stCondLst>
+                                        </p:cTn>
+                                        <p:tgtEl>
+                                          <p:spTgt spid="7"/>
+                                        </p:tgtEl>
+                                        <p:attrNameLst>
+                                          <p:attrName>style.visibility</p:attrName>
+                                        </p:attrNameLst>
+                                      </p:cBhvr>
+                                      <p:to>
+                                        <p:strVal val="visible"/>
+                                      </p:to>
+                                    </p:set>
+                                  </p:childTnLst>
+                                </p:cTn>
+                              </p:par>
+                              <p:par>
+                                <p:cTn id="25" presetID="1" presetClass="entr" presetSubtype="0" fill="hold" grpId="0" nodeType="withEffect">
+                                  <p:stCondLst>
+                                    <p:cond delay="0"/>
+                                  </p:stCondLst>
+                                  <p:childTnLst>
+                                    <p:set>
+                                      <p:cBhvr>
+                                        <p:cTn id="26" dur="1" fill="hold">
+                                          <p:stCondLst>
+                                            <p:cond delay="0"/>
+                                          </p:stCondLst>
+                                        </p:cTn>
+                                        <p:tgtEl>
+                                          <p:spTgt spid="5"/>
+                                        </p:tgtEl>
+                                        <p:attrNameLst>
+                                          <p:attrName>style.visibility</p:attrName>
+                                        </p:attrNameLst>
+                                      </p:cBhvr>
+                                      <p:to>
+                                        <p:strVal val="visible"/>
+                                      </p:to>
+                                    </p:set>
+                                  </p:childTnLst>
+                                </p:cTn>
+                              </p:par>
+                            </p:childTnLst>
+                          </p:cTn>
+                        </p:par>
+                      </p:childTnLst>
+                    </p:cTn>
+                  </p:par>
+                  <p:par>
+                    <p:cTn id="27" fill="hold">
+                      <p:stCondLst>
+                        <p:cond delay="indefinite"/>
+                      </p:stCondLst>
+                      <p:childTnLst>
+                        <p:par>
+                          <p:cTn id="28" fill="hold">
+                            <p:stCondLst>
+                              <p:cond delay="0"/>
+                            </p:stCondLst>
+                            <p:childTnLst>
+                              <p:par>
+                                <p:cTn id="29" presetID="1" presetClass="entr" presetSubtype="0" fill="hold" grpId="0" nodeType="clickEffect">
+                                  <p:stCondLst>
+                                    <p:cond delay="0"/>
+                                  </p:stCondLst>
+                                  <p:childTnLst>
+                                    <p:set>
+                                      <p:cBhvr>
+                                        <p:cTn id="30" dur="1" fill="hold">
+                                          <p:stCondLst>
+                                            <p:cond delay="0"/>
+                                          </p:stCondLst>
+                                        </p:cTn>
+                                        <p:tgtEl>
+                                          <p:spTgt spid="12"/>
+                                        </p:tgtEl>
+                                        <p:attrNameLst>
+                                          <p:attrName>style.visibility</p:attrName>
+                                        </p:attrNameLst>
+                                      </p:cBhvr>
+                                      <p:to>
+                                        <p:strVal val="visible"/>
+                                      </p:to>
+                                    </p:set>
+                                  </p:childTnLst>
+                                </p:cTn>
+                              </p:par>
+                            </p:childTnLst>
+                          </p:cTn>
+                        </p:par>
+                      </p:childTnLst>
+                    </p:cTn>
+                  </p:par>
+                </p:childTnLst>
+              </p:cTn>
+              <p:prevCondLst>
+                <p:cond evt="onPrev" delay="0">
+                  <p:tgtEl>
+                    <p:sldTgt/>
+                  </p:tgtEl>
+                </p:cond>
+              </p:prevCondLst>
+              <p:nextCondLst>
+                <p:cond evt="onNext" delay="0">
+                  <p:tgtEl>
+                    <p:sldTgt/>
+                  </p:tgtEl>
+                </p:cond>
+              </p:nextCondLst>
+            </p:seq>
+          </p:childTnLst>
+        </p:cTn>
+      </p:par>
+    </p:tnLst>
+    <p:bldLst>
+      <p:bldP spid="5" grpId="0" animBg="1"/>
+      <p:bldP spid="6" grpId="0" animBg="1"/>
+      <p:bldP spid="7" grpId="0" animBg="1"/>
+      <p:bldP spid="9" grpId="0" animBg="1"/>
+      <p:bldP spid="10" grpId="0" animBg="1"/>
+      <p:bldP spid="11" grpId="0" animBg="1"/>
+      <p:bldP spid="12" grpId="0" animBg="1"/>
+    </p:bldLst>
+  </p:timing>
+</p:sld>
+</file>
+
+<file path=ppt/slides/slide13.xml><?xml version="1.0" encoding="utf-8"?>
+<p:sld xmlns:a="http://schemas.openxmlformats.org/drawingml/2006/main" xmlns:r="http://schemas.openxmlformats.org/officeDocument/2006/relationships" xmlns:p="http://schemas.openxmlformats.org/presentationml/2006/main">
+  <p:cSld>
+    <p:spTree>
+      <p:nvGrpSpPr>
+        <p:cNvPr id="1" name=""/>
+        <p:cNvGrpSpPr/>
+        <p:nvPr/>
+      </p:nvGrpSpPr>
+      <p:grpSpPr>
+        <a:xfrm>
+          <a:off x="0" y="0"/>
+          <a:ext cx="0" cy="0"/>
+          <a:chOff x="0" y="0"/>
+          <a:chExt cx="0" cy="0"/>
+        </a:xfrm>
+      </p:grpSpPr>
+      <p:sp>
+        <p:nvSpPr>
+          <p:cNvPr id="2" name="Title 1"/>
+          <p:cNvSpPr>
+            <a:spLocks noGrp="1"/>
+          </p:cNvSpPr>
+          <p:nvPr>
+            <p:ph type="title"/>
+          </p:nvPr>
+        </p:nvSpPr>
+        <p:spPr/>
+        <p:txBody>
+          <a:bodyPr/>
+          <a:lstStyle/>
+          <a:p>
+            <a:r>
+              <a:rPr lang="en-US" dirty="0" smtClean="0"/>
               <a:t>Do Some Sort of Flow Chart</a:t>
             </a:r>
             <a:endParaRPr lang="en-US" dirty="0"/>
@@ -4648,10 +5829,17 @@
   <p:clrMapOvr>
     <a:masterClrMapping/>
   </p:clrMapOvr>
+  <p:timing>
+    <p:tnLst>
+      <p:par>
+        <p:cTn id="1" dur="indefinite" restart="never" nodeType="tmRoot"/>
+      </p:par>
+    </p:tnLst>
+  </p:timing>
 </p:sld>
 </file>
 
-<file path=ppt/slides/slide13.xml><?xml version="1.0" encoding="utf-8"?>
+<file path=ppt/slides/slide14.xml><?xml version="1.0" encoding="utf-8"?>
 <p:sld xmlns:a="http://schemas.openxmlformats.org/drawingml/2006/main" xmlns:r="http://schemas.openxmlformats.org/officeDocument/2006/relationships" xmlns:p="http://schemas.openxmlformats.org/presentationml/2006/main">
   <p:cSld>
     <p:spTree>
@@ -4728,6 +5916,13 @@
   <p:clrMapOvr>
     <a:masterClrMapping/>
   </p:clrMapOvr>
+  <p:timing>
+    <p:tnLst>
+      <p:par>
+        <p:cTn id="1" dur="indefinite" restart="never" nodeType="tmRoot"/>
+      </p:par>
+    </p:tnLst>
+  </p:timing>
 </p:sld>
 </file>
 
@@ -4899,7 +6094,18 @@
             <a:pPr lvl="1"/>
             <a:r>
               <a:rPr lang="en-US" sz="1800" dirty="0" smtClean="0"/>
-              <a:t>It counts 32768 clock cycles, then resets</a:t>
+              <a:t>It counts 32768 clock cycles, then </a:t>
+            </a:r>
+            <a:r>
+              <a:rPr lang="en-US" sz="1800" dirty="0" smtClean="0"/>
+              <a:t>resets</a:t>
+            </a:r>
+          </a:p>
+          <a:p>
+            <a:pPr lvl="1"/>
+            <a:r>
+              <a:rPr lang="en-US" sz="1800" dirty="0" smtClean="0"/>
+              <a:t>How much time is that?</a:t>
             </a:r>
             <a:endParaRPr lang="en-US" sz="1800" dirty="0"/>
           </a:p>
@@ -10530,6 +11736,15 @@
 </file>
 
 <file path=customXml/item1.xml><?xml version="1.0" encoding="utf-8"?>
+<p:properties xmlns:p="http://schemas.microsoft.com/office/2006/metadata/properties" xmlns:xsi="http://www.w3.org/2001/XMLSchema-instance" xmlns:pc="http://schemas.microsoft.com/office/infopath/2007/PartnerControls">
+  <documentManagement>
+    <PublishingExpirationDate xmlns="http://schemas.microsoft.com/sharepoint/v3" xsi:nil="true"/>
+    <PublishingStartDate xmlns="http://schemas.microsoft.com/sharepoint/v3" xsi:nil="true"/>
+  </documentManagement>
+</p:properties>
+</file>
+
+<file path=customXml/item2.xml><?xml version="1.0" encoding="utf-8"?>
 <ct:contentTypeSchema xmlns:ct="http://schemas.microsoft.com/office/2006/metadata/contentType" xmlns:ma="http://schemas.microsoft.com/office/2006/metadata/properties/metaAttributes" ct:_="" ma:_="" ma:contentTypeName="Document" ma:contentTypeID="0x01010026B44337BE5C7D4193621DF98D151EB6" ma:contentTypeVersion="1" ma:contentTypeDescription="Create a new document." ma:contentTypeScope="" ma:versionID="97e7a7c9ce595270c3eaeb148770bcf7">
   <xsd:schema xmlns:xsd="http://www.w3.org/2001/XMLSchema" xmlns:xs="http://www.w3.org/2001/XMLSchema" xmlns:p="http://schemas.microsoft.com/office/2006/metadata/properties" xmlns:ns1="http://schemas.microsoft.com/sharepoint/v3" targetNamespace="http://schemas.microsoft.com/office/2006/metadata/properties" ma:root="true" ma:fieldsID="4dcce58c87e9fcebab8021569449a8d0" ns1:_="">
     <xsd:import namespace="http://schemas.microsoft.com/sharepoint/v3"/>
@@ -10661,15 +11876,6 @@
 </ct:contentTypeSchema>
 </file>
 
-<file path=customXml/item2.xml><?xml version="1.0" encoding="utf-8"?>
-<p:properties xmlns:p="http://schemas.microsoft.com/office/2006/metadata/properties" xmlns:xsi="http://www.w3.org/2001/XMLSchema-instance" xmlns:pc="http://schemas.microsoft.com/office/infopath/2007/PartnerControls">
-  <documentManagement>
-    <PublishingExpirationDate xmlns="http://schemas.microsoft.com/sharepoint/v3" xsi:nil="true"/>
-    <PublishingStartDate xmlns="http://schemas.microsoft.com/sharepoint/v3" xsi:nil="true"/>
-  </documentManagement>
-</p:properties>
-</file>
-
 <file path=customXml/item3.xml><?xml version="1.0" encoding="utf-8"?>
 <?mso-contentType ?>
 <FormTemplates xmlns="http://schemas.microsoft.com/sharepoint/v3/contenttype/forms">
@@ -10680,6 +11886,22 @@
 </file>
 
 <file path=customXml/itemProps1.xml><?xml version="1.0" encoding="utf-8"?>
+<ds:datastoreItem xmlns:ds="http://schemas.openxmlformats.org/officeDocument/2006/customXml" ds:itemID="{0A6BADE1-4A4A-48A5-911B-5F6548B33A51}">
+  <ds:schemaRefs>
+    <ds:schemaRef ds:uri="http://schemas.microsoft.com/office/2006/documentManagement/types"/>
+    <ds:schemaRef ds:uri="http://purl.org/dc/dcmitype/"/>
+    <ds:schemaRef ds:uri="http://schemas.microsoft.com/office/infopath/2007/PartnerControls"/>
+    <ds:schemaRef ds:uri="http://purl.org/dc/elements/1.1/"/>
+    <ds:schemaRef ds:uri="http://schemas.microsoft.com/office/2006/metadata/properties"/>
+    <ds:schemaRef ds:uri="http://schemas.microsoft.com/sharepoint/v3"/>
+    <ds:schemaRef ds:uri="http://purl.org/dc/terms/"/>
+    <ds:schemaRef ds:uri="http://schemas.openxmlformats.org/package/2006/metadata/core-properties"/>
+    <ds:schemaRef ds:uri="http://www.w3.org/XML/1998/namespace"/>
+  </ds:schemaRefs>
+</ds:datastoreItem>
+</file>
+
+<file path=customXml/itemProps2.xml><?xml version="1.0" encoding="utf-8"?>
 <ds:datastoreItem xmlns:ds="http://schemas.openxmlformats.org/officeDocument/2006/customXml" ds:itemID="{9BDBC61A-8F22-4749-B0E2-3185185CFF04}">
   <ds:schemaRefs>
     <ds:schemaRef ds:uri="http://schemas.microsoft.com/office/2006/metadata/contentType"/>
@@ -10697,22 +11919,6 @@
 </ds:datastoreItem>
 </file>
 
-<file path=customXml/itemProps2.xml><?xml version="1.0" encoding="utf-8"?>
-<ds:datastoreItem xmlns:ds="http://schemas.openxmlformats.org/officeDocument/2006/customXml" ds:itemID="{0A6BADE1-4A4A-48A5-911B-5F6548B33A51}">
-  <ds:schemaRefs>
-    <ds:schemaRef ds:uri="http://schemas.microsoft.com/office/2006/documentManagement/types"/>
-    <ds:schemaRef ds:uri="http://purl.org/dc/dcmitype/"/>
-    <ds:schemaRef ds:uri="http://schemas.microsoft.com/office/infopath/2007/PartnerControls"/>
-    <ds:schemaRef ds:uri="http://purl.org/dc/elements/1.1/"/>
-    <ds:schemaRef ds:uri="http://schemas.microsoft.com/office/2006/metadata/properties"/>
-    <ds:schemaRef ds:uri="http://schemas.microsoft.com/sharepoint/v3"/>
-    <ds:schemaRef ds:uri="http://purl.org/dc/terms/"/>
-    <ds:schemaRef ds:uri="http://schemas.openxmlformats.org/package/2006/metadata/core-properties"/>
-    <ds:schemaRef ds:uri="http://www.w3.org/XML/1998/namespace"/>
-  </ds:schemaRefs>
-</ds:datastoreItem>
-</file>
-
 <file path=customXml/itemProps3.xml><?xml version="1.0" encoding="utf-8"?>
 <ds:datastoreItem xmlns:ds="http://schemas.openxmlformats.org/officeDocument/2006/customXml" ds:itemID="{7898C6F1-02C7-4807-8DB1-44412B5FAC7D}">
   <ds:schemaRefs>

--- a/source/lessons/lsn7/Lsn7.pptx
+++ b/source/lessons/lsn7/Lsn7.pptx
@@ -4943,16 +4943,6 @@
               </a:rPr>
               <a:t>You push to repo</a:t>
             </a:r>
-            <a:endParaRPr kumimoji="0" lang="en-US" sz="1600" b="0" i="0" u="none" strike="noStrike" cap="none" normalizeH="0" baseline="0" dirty="0" smtClean="0">
-              <a:ln>
-                <a:noFill/>
-              </a:ln>
-              <a:solidFill>
-                <a:schemeClr val="tx1"/>
-              </a:solidFill>
-              <a:effectLst/>
-              <a:latin typeface="Arial" charset="0"/>
-            </a:endParaRPr>
           </a:p>
         </p:txBody>
       </p:sp>
@@ -5040,16 +5030,6 @@
               </a:rPr>
               <a:t> hooks run CI</a:t>
             </a:r>
-            <a:endParaRPr kumimoji="0" lang="en-US" sz="1600" b="0" i="0" u="none" strike="noStrike" cap="none" normalizeH="0" baseline="0" dirty="0" smtClean="0">
-              <a:ln>
-                <a:noFill/>
-              </a:ln>
-              <a:solidFill>
-                <a:schemeClr val="tx1"/>
-              </a:solidFill>
-              <a:effectLst/>
-              <a:latin typeface="Arial" charset="0"/>
-            </a:endParaRPr>
           </a:p>
         </p:txBody>
       </p:sp>
@@ -6094,11 +6074,7 @@
             <a:pPr lvl="1"/>
             <a:r>
               <a:rPr lang="en-US" sz="1800" dirty="0" smtClean="0"/>
-              <a:t>It counts 32768 clock cycles, then </a:t>
-            </a:r>
-            <a:r>
-              <a:rPr lang="en-US" sz="1800" dirty="0" smtClean="0"/>
-              <a:t>resets</a:t>
+              <a:t>It counts 32768 clock cycles, then resets</a:t>
             </a:r>
           </a:p>
           <a:p>
@@ -8262,15 +8238,236 @@
                 <a:latin typeface="Courier New" pitchFamily="49" charset="0"/>
                 <a:cs typeface="Courier New" pitchFamily="49" charset="0"/>
               </a:rPr>
-              <a:t> C,LIST,"msp430.h</a:t>
+              <a:t> C,LIST,"</a:t>
             </a:r>
             <a:r>
               <a:rPr lang="en-US" sz="1800" dirty="0" smtClean="0">
                 <a:latin typeface="Courier New" pitchFamily="49" charset="0"/>
                 <a:cs typeface="Courier New" pitchFamily="49" charset="0"/>
               </a:rPr>
-              <a:t>"</a:t>
-            </a:r>
+              <a:t>msp430.h"  </a:t>
+            </a:r>
+            <a:r>
+              <a:rPr lang="en-US" sz="1800" dirty="0" smtClean="0">
+                <a:solidFill>
+                  <a:schemeClr val="accent6"/>
+                </a:solidFill>
+                <a:latin typeface="Courier New" pitchFamily="49" charset="0"/>
+                <a:cs typeface="Courier New" pitchFamily="49" charset="0"/>
+              </a:rPr>
+              <a:t>; done for you by CCS</a:t>
+            </a:r>
+            <a:endParaRPr lang="en-US" sz="1800" dirty="0">
+              <a:solidFill>
+                <a:schemeClr val="accent6"/>
+              </a:solidFill>
+              <a:latin typeface="Courier New" pitchFamily="49" charset="0"/>
+              <a:cs typeface="Courier New" pitchFamily="49" charset="0"/>
+            </a:endParaRPr>
+          </a:p>
+          <a:p>
+            <a:pPr marL="0" indent="0">
+              <a:buNone/>
+            </a:pPr>
+            <a:endParaRPr lang="en-US" sz="1800" b="1" dirty="0" smtClean="0">
+              <a:latin typeface="Courier New" pitchFamily="49" charset="0"/>
+              <a:cs typeface="Courier New" pitchFamily="49" charset="0"/>
+            </a:endParaRPr>
+          </a:p>
+          <a:p>
+            <a:pPr marL="0" indent="0">
+              <a:buNone/>
+            </a:pPr>
+            <a:r>
+              <a:rPr lang="en-US" sz="1800" b="1" dirty="0" smtClean="0">
+                <a:latin typeface="Courier New" pitchFamily="49" charset="0"/>
+                <a:cs typeface="Courier New" pitchFamily="49" charset="0"/>
+              </a:rPr>
+              <a:t>.</a:t>
+            </a:r>
+            <a:r>
+              <a:rPr lang="en-US" sz="1800" b="1" dirty="0">
+                <a:latin typeface="Courier New" pitchFamily="49" charset="0"/>
+                <a:cs typeface="Courier New" pitchFamily="49" charset="0"/>
+              </a:rPr>
+              <a:t>text </a:t>
+            </a:r>
+            <a:r>
+              <a:rPr lang="en-US" sz="1800" b="1" dirty="0" smtClean="0">
+                <a:latin typeface="Courier New" pitchFamily="49" charset="0"/>
+                <a:cs typeface="Courier New" pitchFamily="49" charset="0"/>
+              </a:rPr>
+              <a:t>           </a:t>
+            </a:r>
+            <a:r>
+              <a:rPr lang="en-US" sz="1600" dirty="0" smtClean="0">
+                <a:solidFill>
+                  <a:schemeClr val="accent2"/>
+                </a:solidFill>
+                <a:latin typeface="Courier New" pitchFamily="49" charset="0"/>
+                <a:cs typeface="Courier New" pitchFamily="49" charset="0"/>
+              </a:rPr>
+              <a:t>; put </a:t>
+            </a:r>
+            <a:r>
+              <a:rPr lang="en-US" sz="1600" dirty="0">
+                <a:solidFill>
+                  <a:schemeClr val="accent2"/>
+                </a:solidFill>
+                <a:latin typeface="Courier New" pitchFamily="49" charset="0"/>
+                <a:cs typeface="Courier New" pitchFamily="49" charset="0"/>
+              </a:rPr>
+              <a:t>code in the text section - maps to </a:t>
+            </a:r>
+            <a:r>
+              <a:rPr lang="en-US" sz="1600" dirty="0" smtClean="0">
+                <a:solidFill>
+                  <a:schemeClr val="accent2"/>
+                </a:solidFill>
+                <a:latin typeface="Courier New" pitchFamily="49" charset="0"/>
+                <a:cs typeface="Courier New" pitchFamily="49" charset="0"/>
+              </a:rPr>
+              <a:t>ROM</a:t>
+            </a:r>
+            <a:endParaRPr lang="en-US" sz="1800" b="1" dirty="0" smtClean="0">
+              <a:latin typeface="Courier New" pitchFamily="49" charset="0"/>
+              <a:cs typeface="Courier New" pitchFamily="49" charset="0"/>
+            </a:endParaRPr>
+          </a:p>
+          <a:p>
+            <a:pPr marL="0" indent="0">
+              <a:buNone/>
+            </a:pPr>
+            <a:r>
+              <a:rPr lang="en-US" sz="1800" b="1" dirty="0">
+                <a:latin typeface="Courier New" pitchFamily="49" charset="0"/>
+                <a:cs typeface="Courier New" pitchFamily="49" charset="0"/>
+              </a:rPr>
+              <a:t>.data            </a:t>
+            </a:r>
+            <a:r>
+              <a:rPr lang="en-US" sz="1600" dirty="0" smtClean="0">
+                <a:solidFill>
+                  <a:schemeClr val="accent2"/>
+                </a:solidFill>
+                <a:latin typeface="Courier New" pitchFamily="49" charset="0"/>
+                <a:cs typeface="Courier New" pitchFamily="49" charset="0"/>
+              </a:rPr>
+              <a:t>; put </a:t>
+            </a:r>
+            <a:r>
+              <a:rPr lang="en-US" sz="1600" dirty="0">
+                <a:solidFill>
+                  <a:schemeClr val="accent2"/>
+                </a:solidFill>
+                <a:latin typeface="Courier New" pitchFamily="49" charset="0"/>
+                <a:cs typeface="Courier New" pitchFamily="49" charset="0"/>
+              </a:rPr>
+              <a:t>code into the data </a:t>
+            </a:r>
+            <a:r>
+              <a:rPr lang="en-US" sz="1600" dirty="0" smtClean="0">
+                <a:solidFill>
+                  <a:schemeClr val="accent2"/>
+                </a:solidFill>
+                <a:latin typeface="Courier New" pitchFamily="49" charset="0"/>
+                <a:cs typeface="Courier New" pitchFamily="49" charset="0"/>
+              </a:rPr>
+              <a:t>section </a:t>
+            </a:r>
+            <a:r>
+              <a:rPr lang="en-US" sz="1600" dirty="0">
+                <a:solidFill>
+                  <a:schemeClr val="accent2"/>
+                </a:solidFill>
+                <a:latin typeface="Courier New" pitchFamily="49" charset="0"/>
+                <a:cs typeface="Courier New" pitchFamily="49" charset="0"/>
+              </a:rPr>
+              <a:t>- maps to </a:t>
+            </a:r>
+            <a:r>
+              <a:rPr lang="en-US" sz="1600" dirty="0" smtClean="0">
+                <a:solidFill>
+                  <a:schemeClr val="accent2"/>
+                </a:solidFill>
+                <a:latin typeface="Courier New" pitchFamily="49" charset="0"/>
+                <a:cs typeface="Courier New" pitchFamily="49" charset="0"/>
+              </a:rPr>
+              <a:t>RAM</a:t>
+            </a:r>
+            <a:endParaRPr lang="en-US" sz="1800" b="1" dirty="0">
+              <a:latin typeface="Courier New" pitchFamily="49" charset="0"/>
+              <a:cs typeface="Courier New" pitchFamily="49" charset="0"/>
+            </a:endParaRPr>
+          </a:p>
+          <a:p>
+            <a:pPr marL="0" indent="0">
+              <a:buNone/>
+            </a:pPr>
+            <a:r>
+              <a:rPr lang="en-US" sz="1800" dirty="0">
+                <a:latin typeface="Courier New" pitchFamily="49" charset="0"/>
+                <a:cs typeface="Courier New" pitchFamily="49" charset="0"/>
+              </a:rPr>
+              <a:t>.sect ".reset"   </a:t>
+            </a:r>
+            <a:r>
+              <a:rPr lang="en-US" sz="1800" dirty="0" smtClean="0">
+                <a:solidFill>
+                  <a:schemeClr val="accent2"/>
+                </a:solidFill>
+                <a:latin typeface="Courier New" pitchFamily="49" charset="0"/>
+                <a:cs typeface="Courier New" pitchFamily="49" charset="0"/>
+              </a:rPr>
+              <a:t>; put </a:t>
+            </a:r>
+            <a:r>
+              <a:rPr lang="en-US" sz="1800" dirty="0">
+                <a:solidFill>
+                  <a:schemeClr val="accent2"/>
+                </a:solidFill>
+                <a:latin typeface="Courier New" pitchFamily="49" charset="0"/>
+                <a:cs typeface="Courier New" pitchFamily="49" charset="0"/>
+              </a:rPr>
+              <a:t>this at the reset vector</a:t>
+            </a:r>
+          </a:p>
+          <a:p>
+            <a:pPr marL="0" indent="0">
+              <a:buNone/>
+            </a:pPr>
+            <a:r>
+              <a:rPr lang="en-US" sz="1800" dirty="0">
+                <a:latin typeface="Courier New" pitchFamily="49" charset="0"/>
+                <a:cs typeface="Courier New" pitchFamily="49" charset="0"/>
+              </a:rPr>
+              <a:t>.sect .stack     </a:t>
+            </a:r>
+            <a:r>
+              <a:rPr lang="en-US" sz="1600" dirty="0" smtClean="0">
+                <a:solidFill>
+                  <a:schemeClr val="accent2"/>
+                </a:solidFill>
+                <a:latin typeface="Courier New" pitchFamily="49" charset="0"/>
+                <a:cs typeface="Courier New" pitchFamily="49" charset="0"/>
+              </a:rPr>
+              <a:t>; make </a:t>
+            </a:r>
+            <a:r>
+              <a:rPr lang="en-US" sz="1600" dirty="0">
+                <a:solidFill>
+                  <a:schemeClr val="accent2"/>
+                </a:solidFill>
+                <a:latin typeface="Courier New" pitchFamily="49" charset="0"/>
+                <a:cs typeface="Courier New" pitchFamily="49" charset="0"/>
+              </a:rPr>
+              <a:t>this the location of the stack</a:t>
+            </a:r>
+          </a:p>
+          <a:p>
+            <a:pPr marL="0" indent="0">
+              <a:buNone/>
+            </a:pPr>
             <a:endParaRPr lang="en-US" sz="1800" dirty="0">
               <a:latin typeface="Courier New" pitchFamily="49" charset="0"/>
               <a:cs typeface="Courier New" pitchFamily="49" charset="0"/>
@@ -8281,28 +8478,38 @@
               <a:buNone/>
             </a:pPr>
             <a:r>
-              <a:rPr lang="en-US" sz="1800" b="1" dirty="0" smtClean="0">
+              <a:rPr lang="en-US" sz="1600" dirty="0" smtClean="0">
                 <a:latin typeface="Courier New" pitchFamily="49" charset="0"/>
                 <a:cs typeface="Courier New" pitchFamily="49" charset="0"/>
               </a:rPr>
-              <a:t>.</a:t>
-            </a:r>
-            <a:r>
-              <a:rPr lang="en-US" sz="1800" b="1" dirty="0">
+              <a:t>MY_RESULTS: .space </a:t>
+            </a:r>
+            <a:r>
+              <a:rPr lang="en-US" sz="1600" dirty="0" smtClean="0">
                 <a:latin typeface="Courier New" pitchFamily="49" charset="0"/>
                 <a:cs typeface="Courier New" pitchFamily="49" charset="0"/>
               </a:rPr>
-              <a:t>text </a:t>
-            </a:r>
-            <a:r>
-              <a:rPr lang="en-US" sz="1600" dirty="0">
+              <a:t>   20       </a:t>
+            </a:r>
+            <a:r>
+              <a:rPr lang="en-US" sz="1600" dirty="0" smtClean="0">
                 <a:solidFill>
                   <a:schemeClr val="accent2"/>
                 </a:solidFill>
                 <a:latin typeface="Courier New" pitchFamily="49" charset="0"/>
                 <a:cs typeface="Courier New" pitchFamily="49" charset="0"/>
               </a:rPr>
-              <a:t>;put code in the text section - maps to FLASH (ROM)</a:t>
+              <a:t>; reserves 20 </a:t>
+            </a:r>
+            <a:r>
+              <a:rPr lang="en-US" sz="1600" dirty="0" smtClean="0">
+                <a:solidFill>
+                  <a:schemeClr val="accent2"/>
+                </a:solidFill>
+                <a:latin typeface="Courier New" pitchFamily="49" charset="0"/>
+                <a:cs typeface="Courier New" pitchFamily="49" charset="0"/>
+              </a:rPr>
+              <a:t>bytes / 10 words</a:t>
             </a:r>
             <a:endParaRPr lang="en-US" sz="1600" dirty="0" smtClean="0">
               <a:solidFill>
@@ -8316,7 +8523,10 @@
             <a:pPr marL="0" indent="0">
               <a:buNone/>
             </a:pPr>
-            <a:endParaRPr lang="en-US" sz="1800" dirty="0" smtClean="0">
+            <a:endParaRPr lang="en-US" sz="1600" dirty="0" smtClean="0">
+              <a:solidFill>
+                <a:schemeClr val="accent2"/>
+              </a:solidFill>
               <a:latin typeface="Courier New" pitchFamily="49" charset="0"/>
               <a:cs typeface="Courier New" pitchFamily="49" charset="0"/>
             </a:endParaRPr>
@@ -8326,46 +8536,51 @@
               <a:buNone/>
             </a:pPr>
             <a:r>
-              <a:rPr lang="en-US" sz="1800" dirty="0" err="1" smtClean="0">
+              <a:rPr lang="en-US" sz="1600" dirty="0" smtClean="0">
+                <a:solidFill>
+                  <a:schemeClr val="accent2"/>
+                </a:solidFill>
                 <a:latin typeface="Courier New" pitchFamily="49" charset="0"/>
                 <a:cs typeface="Courier New" pitchFamily="49" charset="0"/>
               </a:rPr>
-              <a:t>StopWDT</a:t>
-            </a:r>
-            <a:r>
-              <a:rPr lang="en-US" sz="1800" dirty="0" smtClean="0">
-                <a:latin typeface="Courier New" pitchFamily="49" charset="0"/>
-                <a:cs typeface="Courier New" pitchFamily="49" charset="0"/>
-              </a:rPr>
-              <a:t>     </a:t>
-            </a:r>
-            <a:r>
-              <a:rPr lang="en-US" sz="1800" b="1" dirty="0" err="1">
-                <a:latin typeface="Courier New" pitchFamily="49" charset="0"/>
-                <a:cs typeface="Courier New" pitchFamily="49" charset="0"/>
-              </a:rPr>
-              <a:t>mov.w</a:t>
-            </a:r>
-            <a:r>
-              <a:rPr lang="en-US" sz="1800" b="1" dirty="0">
-                <a:latin typeface="Courier New" pitchFamily="49" charset="0"/>
-                <a:cs typeface="Courier New" pitchFamily="49" charset="0"/>
-              </a:rPr>
-              <a:t>   #</a:t>
-            </a:r>
-            <a:r>
-              <a:rPr lang="en-US" sz="1800" b="1" dirty="0" smtClean="0">
-                <a:latin typeface="Courier New" pitchFamily="49" charset="0"/>
-                <a:cs typeface="Courier New" pitchFamily="49" charset="0"/>
-              </a:rPr>
-              <a:t>WDTPW|WDTHOLD</a:t>
-            </a:r>
+              <a:t>-----------------</a:t>
+            </a:r>
+            <a:endParaRPr lang="en-US" sz="1600" dirty="0" smtClean="0">
+              <a:solidFill>
+                <a:schemeClr val="accent2"/>
+              </a:solidFill>
+              <a:latin typeface="Courier New" pitchFamily="49" charset="0"/>
+              <a:cs typeface="Courier New" pitchFamily="49" charset="0"/>
+            </a:endParaRPr>
           </a:p>
           <a:p>
             <a:pPr marL="0" indent="0">
               <a:buNone/>
             </a:pPr>
-            <a:endParaRPr lang="en-US" sz="1800" b="1" dirty="0" smtClean="0">
+            <a:r>
+              <a:rPr lang="en-US" sz="1600" dirty="0" smtClean="0">
+                <a:solidFill>
+                  <a:schemeClr val="accent2"/>
+                </a:solidFill>
+                <a:latin typeface="Courier New" pitchFamily="49" charset="0"/>
+                <a:cs typeface="Courier New" pitchFamily="49" charset="0"/>
+              </a:rPr>
+              <a:t>To </a:t>
+            </a:r>
+            <a:r>
+              <a:rPr lang="en-US" sz="1600" dirty="0">
+                <a:solidFill>
+                  <a:schemeClr val="accent2"/>
+                </a:solidFill>
+                <a:latin typeface="Courier New" pitchFamily="49" charset="0"/>
+                <a:cs typeface="Courier New" pitchFamily="49" charset="0"/>
+              </a:rPr>
+              <a:t>use MY_RESULTS:</a:t>
+            </a:r>
+            <a:endParaRPr lang="en-US" sz="1600" dirty="0" smtClean="0">
+              <a:solidFill>
+                <a:schemeClr val="accent2"/>
+              </a:solidFill>
               <a:latin typeface="Courier New" pitchFamily="49" charset="0"/>
               <a:cs typeface="Courier New" pitchFamily="49" charset="0"/>
             </a:endParaRPr>
@@ -8375,11 +8590,14 @@
               <a:buNone/>
             </a:pPr>
             <a:r>
-              <a:rPr lang="en-US" sz="1800" b="1" dirty="0">
+              <a:rPr lang="en-US" sz="1600" dirty="0">
+                <a:solidFill>
+                  <a:schemeClr val="accent2"/>
+                </a:solidFill>
                 <a:latin typeface="Courier New" pitchFamily="49" charset="0"/>
                 <a:cs typeface="Courier New" pitchFamily="49" charset="0"/>
               </a:rPr>
-              <a:t>.data            </a:t>
+              <a:t> </a:t>
             </a:r>
             <a:r>
               <a:rPr lang="en-US" sz="1600" dirty="0" smtClean="0">
@@ -8389,219 +8607,118 @@
                 <a:latin typeface="Courier New" pitchFamily="49" charset="0"/>
                 <a:cs typeface="Courier New" pitchFamily="49" charset="0"/>
               </a:rPr>
-              <a:t>;</a:t>
-            </a:r>
-            <a:r>
-              <a:rPr lang="en-US" sz="1600" dirty="0">
-                <a:solidFill>
-                  <a:schemeClr val="accent2"/>
-                </a:solidFill>
+              <a:t> </a:t>
+            </a:r>
+            <a:r>
+              <a:rPr lang="en-US" sz="1600" dirty="0" err="1" smtClean="0">
                 <a:latin typeface="Courier New" pitchFamily="49" charset="0"/>
                 <a:cs typeface="Courier New" pitchFamily="49" charset="0"/>
               </a:rPr>
-              <a:t>put code into the data </a:t>
+              <a:t>mov</a:t>
             </a:r>
             <a:r>
               <a:rPr lang="en-US" sz="1600" dirty="0" smtClean="0">
-                <a:solidFill>
-                  <a:schemeClr val="accent2"/>
-                </a:solidFill>
                 <a:latin typeface="Courier New" pitchFamily="49" charset="0"/>
                 <a:cs typeface="Courier New" pitchFamily="49" charset="0"/>
               </a:rPr>
-              <a:t>section </a:t>
-            </a:r>
-            <a:r>
-              <a:rPr lang="en-US" sz="1600" dirty="0">
-                <a:solidFill>
-                  <a:schemeClr val="accent2"/>
-                </a:solidFill>
+              <a:t>  </a:t>
+            </a:r>
+            <a:r>
+              <a:rPr lang="en-US" sz="1600" dirty="0" smtClean="0">
                 <a:latin typeface="Courier New" pitchFamily="49" charset="0"/>
                 <a:cs typeface="Courier New" pitchFamily="49" charset="0"/>
               </a:rPr>
-              <a:t>- maps to RAM</a:t>
-            </a:r>
+              <a:t>#MY_RESULTS, r5 </a:t>
+            </a:r>
+            <a:r>
+              <a:rPr lang="en-US" sz="1600" dirty="0" smtClean="0">
+                <a:latin typeface="Courier New" pitchFamily="49" charset="0"/>
+                <a:cs typeface="Courier New" pitchFamily="49" charset="0"/>
+              </a:rPr>
+              <a:t>    </a:t>
+            </a:r>
+            <a:r>
+              <a:rPr lang="en-US" sz="1600" dirty="0" smtClean="0">
+                <a:solidFill>
+                  <a:schemeClr val="accent2"/>
+                </a:solidFill>
+                <a:latin typeface="Courier New" pitchFamily="49" charset="0"/>
+                <a:cs typeface="Courier New" pitchFamily="49" charset="0"/>
+              </a:rPr>
+              <a:t>; </a:t>
+            </a:r>
+            <a:r>
+              <a:rPr lang="en-US" sz="1600" dirty="0" smtClean="0">
+                <a:solidFill>
+                  <a:schemeClr val="accent2"/>
+                </a:solidFill>
+                <a:latin typeface="Courier New" pitchFamily="49" charset="0"/>
+                <a:cs typeface="Courier New" pitchFamily="49" charset="0"/>
+              </a:rPr>
+              <a:t>pointer address into </a:t>
+            </a:r>
+            <a:r>
+              <a:rPr lang="en-US" sz="1600" dirty="0" smtClean="0">
+                <a:solidFill>
+                  <a:schemeClr val="accent2"/>
+                </a:solidFill>
+                <a:latin typeface="Courier New" pitchFamily="49" charset="0"/>
+                <a:cs typeface="Courier New" pitchFamily="49" charset="0"/>
+              </a:rPr>
+              <a:t>r5, can use @r5</a:t>
+            </a:r>
+            <a:endParaRPr lang="en-US" sz="1600" dirty="0" smtClean="0">
+              <a:solidFill>
+                <a:schemeClr val="accent2"/>
+              </a:solidFill>
+              <a:latin typeface="Courier New" pitchFamily="49" charset="0"/>
+              <a:cs typeface="Courier New" pitchFamily="49" charset="0"/>
+            </a:endParaRPr>
           </a:p>
           <a:p>
             <a:pPr marL="0" indent="0">
               <a:buNone/>
             </a:pPr>
-            <a:endParaRPr lang="en-US" sz="1800" b="1" dirty="0">
-              <a:latin typeface="Courier New" pitchFamily="49" charset="0"/>
-              <a:cs typeface="Courier New" pitchFamily="49" charset="0"/>
-            </a:endParaRPr>
-          </a:p>
-          <a:p>
-            <a:pPr marL="0" indent="0">
-              <a:buNone/>
-            </a:pPr>
-            <a:r>
-              <a:rPr lang="en-US" sz="1800" dirty="0">
+            <a:r>
+              <a:rPr lang="en-US" sz="1600" dirty="0">
+                <a:solidFill>
+                  <a:schemeClr val="accent2"/>
+                </a:solidFill>
                 <a:latin typeface="Courier New" pitchFamily="49" charset="0"/>
                 <a:cs typeface="Courier New" pitchFamily="49" charset="0"/>
               </a:rPr>
-              <a:t>.sect ".reset"          </a:t>
-            </a:r>
-            <a:r>
-              <a:rPr lang="en-US" sz="1800" dirty="0">
+              <a:t> </a:t>
+            </a:r>
+            <a:r>
+              <a:rPr lang="en-US" sz="1600" dirty="0" smtClean="0">
                 <a:solidFill>
                   <a:schemeClr val="accent2"/>
                 </a:solidFill>
                 <a:latin typeface="Courier New" pitchFamily="49" charset="0"/>
                 <a:cs typeface="Courier New" pitchFamily="49" charset="0"/>
               </a:rPr>
-              <a:t>;put this at the reset vector</a:t>
-            </a:r>
-          </a:p>
-          <a:p>
-            <a:pPr marL="0" indent="0">
-              <a:buNone/>
-            </a:pPr>
-            <a:r>
-              <a:rPr lang="en-US" sz="1800" dirty="0">
+              <a:t> </a:t>
+            </a:r>
+            <a:r>
+              <a:rPr lang="en-US" sz="1600" dirty="0" err="1" smtClean="0">
                 <a:latin typeface="Courier New" pitchFamily="49" charset="0"/>
                 <a:cs typeface="Courier New" pitchFamily="49" charset="0"/>
               </a:rPr>
-              <a:t>.sect .stack            </a:t>
-            </a:r>
-            <a:r>
-              <a:rPr lang="en-US" sz="1600" dirty="0">
-                <a:solidFill>
-                  <a:schemeClr val="accent2"/>
-                </a:solidFill>
-                <a:latin typeface="Courier New" pitchFamily="49" charset="0"/>
-                <a:cs typeface="Courier New" pitchFamily="49" charset="0"/>
-              </a:rPr>
-              <a:t>;make this the location of the stack</a:t>
-            </a:r>
-          </a:p>
-          <a:p>
-            <a:pPr marL="0" indent="0">
-              <a:buNone/>
-            </a:pPr>
-            <a:endParaRPr lang="en-US" sz="1800" dirty="0">
-              <a:latin typeface="Courier New" pitchFamily="49" charset="0"/>
-              <a:cs typeface="Courier New" pitchFamily="49" charset="0"/>
-            </a:endParaRPr>
-          </a:p>
-          <a:p>
-            <a:pPr marL="0" indent="0">
-              <a:buNone/>
-            </a:pPr>
+              <a:t>mov</a:t>
+            </a:r>
             <a:r>
               <a:rPr lang="en-US" sz="1600" dirty="0" smtClean="0">
                 <a:latin typeface="Courier New" pitchFamily="49" charset="0"/>
                 <a:cs typeface="Courier New" pitchFamily="49" charset="0"/>
               </a:rPr>
-              <a:t>MY_RESULTS: .space 20       </a:t>
-            </a:r>
-            <a:r>
-              <a:rPr lang="en-US" sz="1600" dirty="0" smtClean="0">
-                <a:solidFill>
-                  <a:schemeClr val="accent2"/>
-                </a:solidFill>
-                <a:latin typeface="Courier New" pitchFamily="49" charset="0"/>
-                <a:cs typeface="Courier New" pitchFamily="49" charset="0"/>
-              </a:rPr>
-              <a:t>; reserves 20 bytes</a:t>
-            </a:r>
-          </a:p>
-          <a:p>
-            <a:pPr marL="0" indent="0">
-              <a:buNone/>
-            </a:pPr>
-            <a:r>
-              <a:rPr lang="en-US" sz="1600" dirty="0" smtClean="0">
-                <a:solidFill>
-                  <a:schemeClr val="accent2"/>
-                </a:solidFill>
-                <a:latin typeface="Courier New" pitchFamily="49" charset="0"/>
-                <a:cs typeface="Courier New" pitchFamily="49" charset="0"/>
-              </a:rPr>
-              <a:t>-----------------</a:t>
-            </a:r>
-          </a:p>
-          <a:p>
-            <a:pPr marL="0" indent="0">
-              <a:buNone/>
-            </a:pPr>
-            <a:r>
-              <a:rPr lang="en-US" sz="1600" dirty="0" smtClean="0">
-                <a:solidFill>
-                  <a:schemeClr val="accent2"/>
-                </a:solidFill>
-                <a:latin typeface="Courier New" pitchFamily="49" charset="0"/>
-                <a:cs typeface="Courier New" pitchFamily="49" charset="0"/>
-              </a:rPr>
-              <a:t>To use:</a:t>
-            </a:r>
-          </a:p>
-          <a:p>
-            <a:pPr marL="0" indent="0">
-              <a:buNone/>
-            </a:pPr>
-            <a:r>
-              <a:rPr lang="en-US" sz="1600" dirty="0">
-                <a:solidFill>
-                  <a:schemeClr val="accent2"/>
-                </a:solidFill>
-                <a:latin typeface="Courier New" pitchFamily="49" charset="0"/>
-                <a:cs typeface="Courier New" pitchFamily="49" charset="0"/>
-              </a:rPr>
-              <a:t>	</a:t>
-            </a:r>
-            <a:r>
-              <a:rPr lang="en-US" sz="1600" dirty="0" err="1" smtClean="0">
-                <a:latin typeface="Courier New" pitchFamily="49" charset="0"/>
-                <a:cs typeface="Courier New" pitchFamily="49" charset="0"/>
-              </a:rPr>
-              <a:t>mov</a:t>
+              <a:t>  </a:t>
             </a:r>
             <a:r>
               <a:rPr lang="en-US" sz="1600" dirty="0" smtClean="0">
                 <a:latin typeface="Courier New" pitchFamily="49" charset="0"/>
                 <a:cs typeface="Courier New" pitchFamily="49" charset="0"/>
               </a:rPr>
-              <a:t>  #MY_RESULTS, r5     </a:t>
-            </a:r>
-            <a:r>
-              <a:rPr lang="en-US" sz="1600" dirty="0" smtClean="0">
-                <a:solidFill>
-                  <a:schemeClr val="accent2"/>
-                </a:solidFill>
-                <a:latin typeface="Courier New" pitchFamily="49" charset="0"/>
-                <a:cs typeface="Courier New" pitchFamily="49" charset="0"/>
-              </a:rPr>
-              <a:t>; pointer address into r5</a:t>
-            </a:r>
-          </a:p>
-          <a:p>
-            <a:pPr marL="0" indent="0">
-              <a:buNone/>
-            </a:pPr>
-            <a:r>
-              <a:rPr lang="en-US" sz="1600" dirty="0">
-                <a:solidFill>
-                  <a:schemeClr val="accent2"/>
-                </a:solidFill>
-                <a:latin typeface="Courier New" pitchFamily="49" charset="0"/>
-                <a:cs typeface="Courier New" pitchFamily="49" charset="0"/>
-              </a:rPr>
-              <a:t>	</a:t>
-            </a:r>
-            <a:r>
-              <a:rPr lang="en-US" sz="1600" dirty="0" err="1" smtClean="0">
-                <a:latin typeface="Courier New" pitchFamily="49" charset="0"/>
-                <a:cs typeface="Courier New" pitchFamily="49" charset="0"/>
-              </a:rPr>
-              <a:t>mov</a:t>
-            </a:r>
-            <a:r>
-              <a:rPr lang="en-US" sz="1600" dirty="0" smtClean="0">
-                <a:latin typeface="Courier New" pitchFamily="49" charset="0"/>
-                <a:cs typeface="Courier New" pitchFamily="49" charset="0"/>
-              </a:rPr>
-              <a:t>  #0xfefe, &amp;MY_RESULT </a:t>
+              <a:t>#0xfefe, &amp;MY_RESULT </a:t>
             </a:r>
             <a:r>
               <a:rPr lang="en-US" sz="1600" dirty="0" smtClean="0">
@@ -9027,10 +9144,7 @@
             <a:pPr marL="0" indent="0">
               <a:buNone/>
             </a:pPr>
-            <a:endParaRPr lang="en-US" sz="1800" dirty="0" smtClean="0">
-              <a:solidFill>
-                <a:schemeClr val="accent2"/>
-              </a:solidFill>
+            <a:endParaRPr lang="en-US" sz="1800" dirty="0">
               <a:latin typeface="Courier New" pitchFamily="49" charset="0"/>
               <a:cs typeface="Courier New" pitchFamily="49" charset="0"/>
             </a:endParaRPr>
@@ -9039,17 +9153,7 @@
             <a:pPr marL="0" indent="0">
               <a:buNone/>
             </a:pPr>
-            <a:r>
-              <a:rPr lang="en-US" sz="1800" dirty="0" smtClean="0">
-                <a:solidFill>
-                  <a:schemeClr val="accent2"/>
-                </a:solidFill>
-                <a:latin typeface="Courier New" pitchFamily="49" charset="0"/>
-                <a:cs typeface="Courier New" pitchFamily="49" charset="0"/>
-              </a:rPr>
-              <a:t>; see in CCS</a:t>
-            </a:r>
-            <a:endParaRPr lang="en-US" sz="1600" dirty="0">
+            <a:endParaRPr lang="en-US" sz="1800" dirty="0" smtClean="0">
               <a:solidFill>
                 <a:schemeClr val="accent2"/>
               </a:solidFill>
@@ -9213,27 +9317,34 @@
                 <a:latin typeface="Courier New" pitchFamily="49" charset="0"/>
                 <a:cs typeface="Courier New" pitchFamily="49" charset="0"/>
               </a:rPr>
-              <a:t>SEVENTEEN:  </a:t>
+              <a:t>SIXTEEN</a:t>
+            </a:r>
+            <a:r>
+              <a:rPr lang="en-US" sz="1800" dirty="0" smtClean="0">
+                <a:latin typeface="Courier New" pitchFamily="49" charset="0"/>
+                <a:cs typeface="Courier New" pitchFamily="49" charset="0"/>
+              </a:rPr>
+              <a:t>:  </a:t>
+            </a:r>
+            <a:r>
+              <a:rPr lang="en-US" sz="1800" dirty="0" smtClean="0">
+                <a:latin typeface="Courier New" pitchFamily="49" charset="0"/>
+                <a:cs typeface="Courier New" pitchFamily="49" charset="0"/>
+              </a:rPr>
+              <a:t>  .</a:t>
+            </a:r>
+            <a:r>
+              <a:rPr lang="en-US" sz="1800" dirty="0" err="1">
+                <a:latin typeface="Courier New" pitchFamily="49" charset="0"/>
+                <a:cs typeface="Courier New" pitchFamily="49" charset="0"/>
+              </a:rPr>
+              <a:t>equ</a:t>
             </a:r>
             <a:r>
               <a:rPr lang="en-US" sz="1800" dirty="0">
                 <a:latin typeface="Courier New" pitchFamily="49" charset="0"/>
                 <a:cs typeface="Courier New" pitchFamily="49" charset="0"/>
               </a:rPr>
-              <a:t>.</a:t>
-            </a:r>
-            <a:r>
-              <a:rPr lang="en-US" sz="1800" dirty="0" err="1">
-                <a:latin typeface="Courier New" pitchFamily="49" charset="0"/>
-                <a:cs typeface="Courier New" pitchFamily="49" charset="0"/>
-              </a:rPr>
-              <a:t>equ</a:t>
-            </a:r>
-            <a:r>
-              <a:rPr lang="en-US" sz="1800" dirty="0">
-                <a:latin typeface="Courier New" pitchFamily="49" charset="0"/>
-                <a:cs typeface="Courier New" pitchFamily="49" charset="0"/>
-              </a:rPr>
               <a:t>        </a:t>
             </a:r>
             <a:r>
@@ -9241,12 +9352,80 @@
                 <a:latin typeface="Courier New" pitchFamily="49" charset="0"/>
                 <a:cs typeface="Courier New" pitchFamily="49" charset="0"/>
               </a:rPr>
-              <a:t>0x11</a:t>
-            </a:r>
-            <a:endParaRPr lang="en-US" sz="1800" dirty="0">
-              <a:latin typeface="Courier New" pitchFamily="49" charset="0"/>
-              <a:cs typeface="Courier New" pitchFamily="49" charset="0"/>
-            </a:endParaRPr>
+              <a:t>0x10</a:t>
+            </a:r>
+          </a:p>
+          <a:p>
+            <a:pPr marL="0" indent="0">
+              <a:buNone/>
+            </a:pPr>
+            <a:r>
+              <a:rPr lang="en-US" sz="1800" dirty="0" smtClean="0">
+                <a:latin typeface="Courier New" pitchFamily="49" charset="0"/>
+                <a:cs typeface="Courier New" pitchFamily="49" charset="0"/>
+              </a:rPr>
+              <a:t>ADD_OP:     .</a:t>
+            </a:r>
+            <a:r>
+              <a:rPr lang="en-US" sz="1800" dirty="0" err="1" smtClean="0">
+                <a:latin typeface="Courier New" pitchFamily="49" charset="0"/>
+                <a:cs typeface="Courier New" pitchFamily="49" charset="0"/>
+              </a:rPr>
+              <a:t>equ</a:t>
+            </a:r>
+            <a:r>
+              <a:rPr lang="en-US" sz="1800" dirty="0" smtClean="0">
+                <a:latin typeface="Courier New" pitchFamily="49" charset="0"/>
+                <a:cs typeface="Courier New" pitchFamily="49" charset="0"/>
+              </a:rPr>
+              <a:t>        0x11   </a:t>
+            </a:r>
+            <a:r>
+              <a:rPr lang="en-US" sz="1800" dirty="0" smtClean="0">
+                <a:solidFill>
+                  <a:schemeClr val="accent6"/>
+                </a:solidFill>
+                <a:latin typeface="Courier New" pitchFamily="49" charset="0"/>
+                <a:cs typeface="Courier New" pitchFamily="49" charset="0"/>
+              </a:rPr>
+              <a:t>; lab1</a:t>
+            </a:r>
+          </a:p>
+          <a:p>
+            <a:pPr marL="0" indent="0">
+              <a:buNone/>
+            </a:pPr>
+            <a:r>
+              <a:rPr lang="en-US" sz="1800" dirty="0" smtClean="0">
+                <a:latin typeface="Courier New" pitchFamily="49" charset="0"/>
+                <a:cs typeface="Courier New" pitchFamily="49" charset="0"/>
+              </a:rPr>
+              <a:t>END_OP:     .</a:t>
+            </a:r>
+            <a:r>
+              <a:rPr lang="en-US" sz="1800" dirty="0" err="1" smtClean="0">
+                <a:latin typeface="Courier New" pitchFamily="49" charset="0"/>
+                <a:cs typeface="Courier New" pitchFamily="49" charset="0"/>
+              </a:rPr>
+              <a:t>equ</a:t>
+            </a:r>
+            <a:r>
+              <a:rPr lang="en-US" sz="1800" dirty="0" smtClean="0">
+                <a:latin typeface="Courier New" pitchFamily="49" charset="0"/>
+                <a:cs typeface="Courier New" pitchFamily="49" charset="0"/>
+              </a:rPr>
+              <a:t>        0x55   </a:t>
+            </a:r>
+            <a:r>
+              <a:rPr lang="en-US" sz="1800" dirty="0" smtClean="0">
+                <a:solidFill>
+                  <a:schemeClr val="accent2"/>
+                </a:solidFill>
+                <a:latin typeface="Courier New" pitchFamily="49" charset="0"/>
+                <a:cs typeface="Courier New" pitchFamily="49" charset="0"/>
+              </a:rPr>
+              <a:t>; lab 1</a:t>
+            </a:r>
           </a:p>
           <a:p>
             <a:pPr marL="0" indent="0">
@@ -9272,7 +9451,7 @@
                 <a:latin typeface="Courier New" pitchFamily="49" charset="0"/>
                 <a:cs typeface="Courier New" pitchFamily="49" charset="0"/>
               </a:rPr>
-              <a:t>;</a:t>
+              <a:t>; probably </a:t>
             </a:r>
             <a:r>
               <a:rPr lang="en-US" sz="1800" dirty="0">
@@ -9282,35 +9461,38 @@
                 <a:latin typeface="Courier New" pitchFamily="49" charset="0"/>
                 <a:cs typeface="Courier New" pitchFamily="49" charset="0"/>
               </a:rPr>
-              <a:t>align a variable with a particular multiple of bytes (useful to ensure word on even address)</a:t>
-            </a:r>
-          </a:p>
-          <a:p>
-            <a:pPr marL="0" indent="0">
-              <a:buNone/>
-            </a:pPr>
-            <a:r>
-              <a:rPr lang="en-US" sz="1800" dirty="0">
+              <a:t>won't use </a:t>
+            </a:r>
+            <a:r>
+              <a:rPr lang="en-US" sz="1800" dirty="0" smtClean="0">
                 <a:solidFill>
                   <a:schemeClr val="accent2"/>
                 </a:solidFill>
                 <a:latin typeface="Courier New" pitchFamily="49" charset="0"/>
                 <a:cs typeface="Courier New" pitchFamily="49" charset="0"/>
               </a:rPr>
-              <a:t>        </a:t>
+              <a:t>these, </a:t>
             </a:r>
             <a:r>
               <a:rPr lang="en-US" sz="1800" dirty="0">
+                <a:solidFill>
+                  <a:schemeClr val="accent2"/>
+                </a:solidFill>
                 <a:latin typeface="Courier New" pitchFamily="49" charset="0"/>
                 <a:cs typeface="Courier New" pitchFamily="49" charset="0"/>
               </a:rPr>
-              <a:t>.align      2</a:t>
-            </a:r>
-          </a:p>
-          <a:p>
-            <a:pPr marL="0" indent="0">
-              <a:buNone/>
-            </a:pPr>
+              <a:t>but they're </a:t>
+            </a:r>
+            <a:r>
+              <a:rPr lang="en-US" sz="1800" dirty="0" smtClean="0">
+                <a:solidFill>
+                  <a:schemeClr val="accent2"/>
+                </a:solidFill>
+                <a:latin typeface="Courier New" pitchFamily="49" charset="0"/>
+                <a:cs typeface="Courier New" pitchFamily="49" charset="0"/>
+              </a:rPr>
+              <a:t>available</a:t>
+            </a:r>
             <a:endParaRPr lang="en-US" sz="1800" dirty="0">
               <a:solidFill>
                 <a:schemeClr val="accent2"/>
@@ -9324,30 +9506,98 @@
               <a:buNone/>
             </a:pPr>
             <a:r>
-              <a:rPr lang="en-US" sz="1800" dirty="0" smtClean="0">
+              <a:rPr lang="en-US" sz="1800" dirty="0">
                 <a:solidFill>
                   <a:schemeClr val="accent2"/>
                 </a:solidFill>
                 <a:latin typeface="Courier New" pitchFamily="49" charset="0"/>
                 <a:cs typeface="Courier New" pitchFamily="49" charset="0"/>
               </a:rPr>
-              <a:t>;</a:t>
+              <a:t>        </a:t>
             </a:r>
             <a:r>
               <a:rPr lang="en-US" sz="1800" dirty="0">
-                <a:solidFill>
-                  <a:schemeClr val="accent2"/>
-                </a:solidFill>
                 <a:latin typeface="Courier New" pitchFamily="49" charset="0"/>
                 <a:cs typeface="Courier New" pitchFamily="49" charset="0"/>
               </a:rPr>
-              <a:t>probably won't use these often, but they're available</a:t>
+              <a:t>.float                  </a:t>
+            </a:r>
+            <a:r>
+              <a:rPr lang="en-US" sz="1800" dirty="0" smtClean="0">
+                <a:solidFill>
+                  <a:schemeClr val="accent2"/>
+                </a:solidFill>
+                <a:latin typeface="Courier New" pitchFamily="49" charset="0"/>
+                <a:cs typeface="Courier New" pitchFamily="49" charset="0"/>
+              </a:rPr>
+              <a:t>; floating </a:t>
+            </a:r>
+            <a:r>
+              <a:rPr lang="en-US" sz="1800" dirty="0">
+                <a:solidFill>
+                  <a:schemeClr val="accent2"/>
+                </a:solidFill>
+                <a:latin typeface="Courier New" pitchFamily="49" charset="0"/>
+                <a:cs typeface="Courier New" pitchFamily="49" charset="0"/>
+              </a:rPr>
+              <a:t>point value</a:t>
             </a:r>
           </a:p>
           <a:p>
             <a:pPr marL="0" indent="0">
               <a:buNone/>
             </a:pPr>
+            <a:r>
+              <a:rPr lang="en-US" sz="1800" dirty="0">
+                <a:solidFill>
+                  <a:schemeClr val="accent2"/>
+                </a:solidFill>
+                <a:latin typeface="Courier New" pitchFamily="49" charset="0"/>
+                <a:cs typeface="Courier New" pitchFamily="49" charset="0"/>
+              </a:rPr>
+              <a:t>        </a:t>
+            </a:r>
+            <a:r>
+              <a:rPr lang="en-US" sz="1800" dirty="0">
+                <a:latin typeface="Courier New" pitchFamily="49" charset="0"/>
+                <a:cs typeface="Courier New" pitchFamily="49" charset="0"/>
+              </a:rPr>
+              <a:t>.</a:t>
+            </a:r>
+            <a:r>
+              <a:rPr lang="en-US" sz="1800" dirty="0" err="1">
+                <a:latin typeface="Courier New" pitchFamily="49" charset="0"/>
+                <a:cs typeface="Courier New" pitchFamily="49" charset="0"/>
+              </a:rPr>
+              <a:t>int</a:t>
+            </a:r>
+            <a:r>
+              <a:rPr lang="en-US" sz="1800" dirty="0">
+                <a:latin typeface="Courier New" pitchFamily="49" charset="0"/>
+                <a:cs typeface="Courier New" pitchFamily="49" charset="0"/>
+              </a:rPr>
+              <a:t>                    </a:t>
+            </a:r>
+            <a:r>
+              <a:rPr lang="en-US" sz="1800" dirty="0" smtClean="0">
+                <a:solidFill>
+                  <a:schemeClr val="accent2"/>
+                </a:solidFill>
+                <a:latin typeface="Courier New" pitchFamily="49" charset="0"/>
+                <a:cs typeface="Courier New" pitchFamily="49" charset="0"/>
+              </a:rPr>
+              <a:t>; 16-bit </a:t>
+            </a:r>
+            <a:r>
+              <a:rPr lang="en-US" sz="1800" dirty="0" err="1">
+                <a:solidFill>
+                  <a:schemeClr val="accent2"/>
+                </a:solidFill>
+                <a:latin typeface="Courier New" pitchFamily="49" charset="0"/>
+                <a:cs typeface="Courier New" pitchFamily="49" charset="0"/>
+              </a:rPr>
+              <a:t>int</a:t>
+            </a:r>
             <a:endParaRPr lang="en-US" sz="1800" dirty="0">
               <a:solidFill>
                 <a:schemeClr val="accent2"/>
@@ -9368,70 +9618,44 @@
                 <a:latin typeface="Courier New" pitchFamily="49" charset="0"/>
                 <a:cs typeface="Courier New" pitchFamily="49" charset="0"/>
               </a:rPr>
-              <a:t>        </a:t>
+              <a:t>       </a:t>
             </a:r>
             <a:r>
               <a:rPr lang="en-US" sz="1800" dirty="0">
                 <a:latin typeface="Courier New" pitchFamily="49" charset="0"/>
                 <a:cs typeface="Courier New" pitchFamily="49" charset="0"/>
               </a:rPr>
-              <a:t>.float                  </a:t>
-            </a:r>
-            <a:r>
-              <a:rPr lang="en-US" sz="1800" dirty="0">
+              <a:t> .short                  </a:t>
+            </a:r>
+            <a:r>
+              <a:rPr lang="en-US" sz="1800" dirty="0" smtClean="0">
                 <a:solidFill>
                   <a:schemeClr val="accent2"/>
                 </a:solidFill>
                 <a:latin typeface="Courier New" pitchFamily="49" charset="0"/>
                 <a:cs typeface="Courier New" pitchFamily="49" charset="0"/>
               </a:rPr>
-              <a:t>;floating point value</a:t>
-            </a:r>
-          </a:p>
-          <a:p>
-            <a:pPr marL="0" indent="0">
-              <a:buNone/>
-            </a:pPr>
-            <a:r>
-              <a:rPr lang="en-US" sz="1800" dirty="0">
+              <a:t>; </a:t>
+            </a:r>
+            <a:r>
+              <a:rPr lang="en-US" sz="1800" dirty="0" smtClean="0">
                 <a:solidFill>
                   <a:schemeClr val="accent2"/>
                 </a:solidFill>
                 <a:latin typeface="Courier New" pitchFamily="49" charset="0"/>
                 <a:cs typeface="Courier New" pitchFamily="49" charset="0"/>
               </a:rPr>
-              <a:t>        </a:t>
-            </a:r>
-            <a:r>
-              <a:rPr lang="en-US" sz="1800" dirty="0">
+              <a:t>8</a:t>
+            </a:r>
+            <a:r>
+              <a:rPr lang="en-US" sz="1800" dirty="0" smtClean="0">
+                <a:solidFill>
+                  <a:schemeClr val="accent2"/>
+                </a:solidFill>
                 <a:latin typeface="Courier New" pitchFamily="49" charset="0"/>
                 <a:cs typeface="Courier New" pitchFamily="49" charset="0"/>
               </a:rPr>
-              <a:t>.</a:t>
-            </a:r>
-            <a:r>
-              <a:rPr lang="en-US" sz="1800" dirty="0" err="1">
-                <a:latin typeface="Courier New" pitchFamily="49" charset="0"/>
-                <a:cs typeface="Courier New" pitchFamily="49" charset="0"/>
-              </a:rPr>
-              <a:t>int</a:t>
-            </a:r>
-            <a:r>
-              <a:rPr lang="en-US" sz="1800" dirty="0">
-                <a:latin typeface="Courier New" pitchFamily="49" charset="0"/>
-                <a:cs typeface="Courier New" pitchFamily="49" charset="0"/>
-              </a:rPr>
-              <a:t>                    </a:t>
-            </a:r>
-            <a:r>
-              <a:rPr lang="en-US" sz="1800" dirty="0">
-                <a:solidFill>
-                  <a:schemeClr val="accent2"/>
-                </a:solidFill>
-                <a:latin typeface="Courier New" pitchFamily="49" charset="0"/>
-                <a:cs typeface="Courier New" pitchFamily="49" charset="0"/>
-              </a:rPr>
-              <a:t>;16-bit </a:t>
+              <a:t>-bit </a:t>
             </a:r>
             <a:r>
               <a:rPr lang="en-US" sz="1800" dirty="0" err="1">
@@ -9470,66 +9694,17 @@
                 <a:latin typeface="Courier New" pitchFamily="49" charset="0"/>
                 <a:cs typeface="Courier New" pitchFamily="49" charset="0"/>
               </a:rPr>
-              <a:t> .short                  </a:t>
-            </a:r>
-            <a:r>
-              <a:rPr lang="en-US" sz="1800" dirty="0">
+              <a:t> .long                   </a:t>
+            </a:r>
+            <a:r>
+              <a:rPr lang="en-US" sz="1800" dirty="0" smtClean="0">
                 <a:solidFill>
                   <a:schemeClr val="accent2"/>
                 </a:solidFill>
                 <a:latin typeface="Courier New" pitchFamily="49" charset="0"/>
                 <a:cs typeface="Courier New" pitchFamily="49" charset="0"/>
               </a:rPr>
-              <a:t>;16-bit </a:t>
-            </a:r>
-            <a:r>
-              <a:rPr lang="en-US" sz="1800" dirty="0" err="1">
-                <a:solidFill>
-                  <a:schemeClr val="accent2"/>
-                </a:solidFill>
-                <a:latin typeface="Courier New" pitchFamily="49" charset="0"/>
-                <a:cs typeface="Courier New" pitchFamily="49" charset="0"/>
-              </a:rPr>
-              <a:t>int</a:t>
-            </a:r>
-            <a:endParaRPr lang="en-US" sz="1800" dirty="0">
-              <a:solidFill>
-                <a:schemeClr val="accent2"/>
-              </a:solidFill>
-              <a:latin typeface="Courier New" pitchFamily="49" charset="0"/>
-              <a:cs typeface="Courier New" pitchFamily="49" charset="0"/>
-            </a:endParaRPr>
-          </a:p>
-          <a:p>
-            <a:pPr marL="0" indent="0">
-              <a:buNone/>
-            </a:pPr>
-            <a:r>
-              <a:rPr lang="en-US" sz="1800" dirty="0">
-                <a:solidFill>
-                  <a:schemeClr val="accent2"/>
-                </a:solidFill>
-                <a:latin typeface="Courier New" pitchFamily="49" charset="0"/>
-                <a:cs typeface="Courier New" pitchFamily="49" charset="0"/>
-              </a:rPr>
-              <a:t>       </a:t>
-            </a:r>
-            <a:r>
-              <a:rPr lang="en-US" sz="1800" dirty="0">
-                <a:latin typeface="Courier New" pitchFamily="49" charset="0"/>
-                <a:cs typeface="Courier New" pitchFamily="49" charset="0"/>
-              </a:rPr>
-              <a:t> .long                   </a:t>
-            </a:r>
-            <a:r>
-              <a:rPr lang="en-US" sz="1800" dirty="0">
-                <a:solidFill>
-                  <a:schemeClr val="accent2"/>
-                </a:solidFill>
-                <a:latin typeface="Courier New" pitchFamily="49" charset="0"/>
-                <a:cs typeface="Courier New" pitchFamily="49" charset="0"/>
-              </a:rPr>
-              <a:t>;32-bit </a:t>
+              <a:t>; 32-bit </a:t>
             </a:r>
             <a:r>
               <a:rPr lang="en-US" sz="1800" dirty="0" err="1">
@@ -11736,15 +11911,6 @@
 </file>
 
 <file path=customXml/item1.xml><?xml version="1.0" encoding="utf-8"?>
-<p:properties xmlns:p="http://schemas.microsoft.com/office/2006/metadata/properties" xmlns:xsi="http://www.w3.org/2001/XMLSchema-instance" xmlns:pc="http://schemas.microsoft.com/office/infopath/2007/PartnerControls">
-  <documentManagement>
-    <PublishingExpirationDate xmlns="http://schemas.microsoft.com/sharepoint/v3" xsi:nil="true"/>
-    <PublishingStartDate xmlns="http://schemas.microsoft.com/sharepoint/v3" xsi:nil="true"/>
-  </documentManagement>
-</p:properties>
-</file>
-
-<file path=customXml/item2.xml><?xml version="1.0" encoding="utf-8"?>
 <ct:contentTypeSchema xmlns:ct="http://schemas.microsoft.com/office/2006/metadata/contentType" xmlns:ma="http://schemas.microsoft.com/office/2006/metadata/properties/metaAttributes" ct:_="" ma:_="" ma:contentTypeName="Document" ma:contentTypeID="0x01010026B44337BE5C7D4193621DF98D151EB6" ma:contentTypeVersion="1" ma:contentTypeDescription="Create a new document." ma:contentTypeScope="" ma:versionID="97e7a7c9ce595270c3eaeb148770bcf7">
   <xsd:schema xmlns:xsd="http://www.w3.org/2001/XMLSchema" xmlns:xs="http://www.w3.org/2001/XMLSchema" xmlns:p="http://schemas.microsoft.com/office/2006/metadata/properties" xmlns:ns1="http://schemas.microsoft.com/sharepoint/v3" targetNamespace="http://schemas.microsoft.com/office/2006/metadata/properties" ma:root="true" ma:fieldsID="4dcce58c87e9fcebab8021569449a8d0" ns1:_="">
     <xsd:import namespace="http://schemas.microsoft.com/sharepoint/v3"/>
@@ -11876,6 +12042,15 @@
 </ct:contentTypeSchema>
 </file>
 
+<file path=customXml/item2.xml><?xml version="1.0" encoding="utf-8"?>
+<p:properties xmlns:p="http://schemas.microsoft.com/office/2006/metadata/properties" xmlns:xsi="http://www.w3.org/2001/XMLSchema-instance" xmlns:pc="http://schemas.microsoft.com/office/infopath/2007/PartnerControls">
+  <documentManagement>
+    <PublishingExpirationDate xmlns="http://schemas.microsoft.com/sharepoint/v3" xsi:nil="true"/>
+    <PublishingStartDate xmlns="http://schemas.microsoft.com/sharepoint/v3" xsi:nil="true"/>
+  </documentManagement>
+</p:properties>
+</file>
+
 <file path=customXml/item3.xml><?xml version="1.0" encoding="utf-8"?>
 <?mso-contentType ?>
 <FormTemplates xmlns="http://schemas.microsoft.com/sharepoint/v3/contenttype/forms">
@@ -11886,22 +12061,6 @@
 </file>
 
 <file path=customXml/itemProps1.xml><?xml version="1.0" encoding="utf-8"?>
-<ds:datastoreItem xmlns:ds="http://schemas.openxmlformats.org/officeDocument/2006/customXml" ds:itemID="{0A6BADE1-4A4A-48A5-911B-5F6548B33A51}">
-  <ds:schemaRefs>
-    <ds:schemaRef ds:uri="http://schemas.microsoft.com/office/2006/documentManagement/types"/>
-    <ds:schemaRef ds:uri="http://purl.org/dc/dcmitype/"/>
-    <ds:schemaRef ds:uri="http://schemas.microsoft.com/office/infopath/2007/PartnerControls"/>
-    <ds:schemaRef ds:uri="http://purl.org/dc/elements/1.1/"/>
-    <ds:schemaRef ds:uri="http://schemas.microsoft.com/office/2006/metadata/properties"/>
-    <ds:schemaRef ds:uri="http://schemas.microsoft.com/sharepoint/v3"/>
-    <ds:schemaRef ds:uri="http://purl.org/dc/terms/"/>
-    <ds:schemaRef ds:uri="http://schemas.openxmlformats.org/package/2006/metadata/core-properties"/>
-    <ds:schemaRef ds:uri="http://www.w3.org/XML/1998/namespace"/>
-  </ds:schemaRefs>
-</ds:datastoreItem>
-</file>
-
-<file path=customXml/itemProps2.xml><?xml version="1.0" encoding="utf-8"?>
 <ds:datastoreItem xmlns:ds="http://schemas.openxmlformats.org/officeDocument/2006/customXml" ds:itemID="{9BDBC61A-8F22-4749-B0E2-3185185CFF04}">
   <ds:schemaRefs>
     <ds:schemaRef ds:uri="http://schemas.microsoft.com/office/2006/metadata/contentType"/>
@@ -11919,6 +12078,22 @@
 </ds:datastoreItem>
 </file>
 
+<file path=customXml/itemProps2.xml><?xml version="1.0" encoding="utf-8"?>
+<ds:datastoreItem xmlns:ds="http://schemas.openxmlformats.org/officeDocument/2006/customXml" ds:itemID="{0A6BADE1-4A4A-48A5-911B-5F6548B33A51}">
+  <ds:schemaRefs>
+    <ds:schemaRef ds:uri="http://schemas.microsoft.com/office/2006/documentManagement/types"/>
+    <ds:schemaRef ds:uri="http://purl.org/dc/dcmitype/"/>
+    <ds:schemaRef ds:uri="http://schemas.microsoft.com/office/infopath/2007/PartnerControls"/>
+    <ds:schemaRef ds:uri="http://purl.org/dc/elements/1.1/"/>
+    <ds:schemaRef ds:uri="http://schemas.microsoft.com/office/2006/metadata/properties"/>
+    <ds:schemaRef ds:uri="http://schemas.microsoft.com/sharepoint/v3"/>
+    <ds:schemaRef ds:uri="http://purl.org/dc/terms/"/>
+    <ds:schemaRef ds:uri="http://schemas.openxmlformats.org/package/2006/metadata/core-properties"/>
+    <ds:schemaRef ds:uri="http://www.w3.org/XML/1998/namespace"/>
+  </ds:schemaRefs>
+</ds:datastoreItem>
+</file>
+
 <file path=customXml/itemProps3.xml><?xml version="1.0" encoding="utf-8"?>
 <ds:datastoreItem xmlns:ds="http://schemas.openxmlformats.org/officeDocument/2006/customXml" ds:itemID="{7898C6F1-02C7-4807-8DB1-44412B5FAC7D}">
   <ds:schemaRefs>
